--- a/DG_04 The Toolset.pptx
+++ b/DG_04 The Toolset.pptx
@@ -5,15 +5,19 @@
     <p:sldMasterId id="2147483739" r:id="rId1"/>
   </p:sldMasterIdLst>
   <p:notesMasterIdLst>
-    <p:notesMasterId r:id="rId8"/>
+    <p:notesMasterId r:id="rId12"/>
   </p:notesMasterIdLst>
   <p:sldIdLst>
     <p:sldId id="643" r:id="rId2"/>
     <p:sldId id="644" r:id="rId3"/>
     <p:sldId id="648" r:id="rId4"/>
     <p:sldId id="645" r:id="rId5"/>
-    <p:sldId id="646" r:id="rId6"/>
-    <p:sldId id="647" r:id="rId7"/>
+    <p:sldId id="649" r:id="rId6"/>
+    <p:sldId id="646" r:id="rId7"/>
+    <p:sldId id="651" r:id="rId8"/>
+    <p:sldId id="647" r:id="rId9"/>
+    <p:sldId id="652" r:id="rId10"/>
+    <p:sldId id="650" r:id="rId11"/>
   </p:sldIdLst>
   <p:sldSz cx="9144000" cy="6858000" type="screen4x3"/>
   <p:notesSz cx="6858000" cy="9144000"/>
@@ -114,7 +118,7 @@
   </p:defaultTextStyle>
   <p:extLst>
     <p:ext uri="{EFAFB233-063F-42B5-8137-9DF3F51BA10A}">
-      <p15:sldGuideLst xmlns="" xmlns:p15="http://schemas.microsoft.com/office/powerpoint/2012/main">
+      <p15:sldGuideLst xmlns:p15="http://schemas.microsoft.com/office/powerpoint/2012/main">
         <p15:guide id="1" orient="horz" pos="2160">
           <p15:clr>
             <a:srgbClr val="A4A3A4"/>
@@ -213,7 +217,7 @@
           <a:p>
             <a:fld id="{78C00125-7AA2-BF47-9592-BD0EA1380ED7}" type="datetimeFigureOut">
               <a:rPr lang="en-US" smtClean="0"/>
-              <a:t>5/22/2022</a:t>
+              <a:t>5/23/2022</a:t>
             </a:fld>
             <a:endParaRPr lang="en-US"/>
           </a:p>
@@ -807,7 +811,7 @@
     </p:spTree>
     <p:extLst>
       <p:ext uri="{BB962C8B-B14F-4D97-AF65-F5344CB8AC3E}">
-        <p14:creationId xmlns:p14="http://schemas.microsoft.com/office/powerpoint/2010/main" val="3988076159"/>
+        <p14:creationId xmlns:p14="http://schemas.microsoft.com/office/powerpoint/2010/main" val="2609574775"/>
       </p:ext>
     </p:extLst>
   </p:cSld>
@@ -892,6 +896,342 @@
     <p:extLst>
       <p:ext uri="{BB962C8B-B14F-4D97-AF65-F5344CB8AC3E}">
         <p14:creationId xmlns:p14="http://schemas.microsoft.com/office/powerpoint/2010/main" val="3988076159"/>
+      </p:ext>
+    </p:extLst>
+  </p:cSld>
+  <p:clrMapOvr>
+    <a:masterClrMapping/>
+  </p:clrMapOvr>
+</p:notes>
+</file>
+
+<file path=ppt/notesSlides/notesSlide6.xml><?xml version="1.0" encoding="utf-8"?>
+<p:notes xmlns:a="http://schemas.openxmlformats.org/drawingml/2006/main" xmlns:r="http://schemas.openxmlformats.org/officeDocument/2006/relationships" xmlns:p="http://schemas.openxmlformats.org/presentationml/2006/main">
+  <p:cSld>
+    <p:spTree>
+      <p:nvGrpSpPr>
+        <p:cNvPr id="1" name=""/>
+        <p:cNvGrpSpPr/>
+        <p:nvPr/>
+      </p:nvGrpSpPr>
+      <p:grpSpPr>
+        <a:xfrm>
+          <a:off x="0" y="0"/>
+          <a:ext cx="0" cy="0"/>
+          <a:chOff x="0" y="0"/>
+          <a:chExt cx="0" cy="0"/>
+        </a:xfrm>
+      </p:grpSpPr>
+      <p:sp>
+        <p:nvSpPr>
+          <p:cNvPr id="2" name="Slide Image Placeholder 1"/>
+          <p:cNvSpPr>
+            <a:spLocks noGrp="1" noRot="1" noChangeAspect="1"/>
+          </p:cNvSpPr>
+          <p:nvPr>
+            <p:ph type="sldImg"/>
+          </p:nvPr>
+        </p:nvSpPr>
+        <p:spPr/>
+      </p:sp>
+      <p:sp>
+        <p:nvSpPr>
+          <p:cNvPr id="3" name="Notes Placeholder 2"/>
+          <p:cNvSpPr>
+            <a:spLocks noGrp="1"/>
+          </p:cNvSpPr>
+          <p:nvPr>
+            <p:ph type="body" idx="1"/>
+          </p:nvPr>
+        </p:nvSpPr>
+        <p:spPr/>
+        <p:txBody>
+          <a:bodyPr/>
+          <a:lstStyle/>
+          <a:p>
+            <a:endParaRPr lang="en-US" dirty="0"/>
+          </a:p>
+        </p:txBody>
+      </p:sp>
+      <p:sp>
+        <p:nvSpPr>
+          <p:cNvPr id="4" name="Slide Number Placeholder 3"/>
+          <p:cNvSpPr>
+            <a:spLocks noGrp="1"/>
+          </p:cNvSpPr>
+          <p:nvPr>
+            <p:ph type="sldNum" sz="quarter" idx="10"/>
+          </p:nvPr>
+        </p:nvSpPr>
+        <p:spPr/>
+        <p:txBody>
+          <a:bodyPr/>
+          <a:lstStyle/>
+          <a:p>
+            <a:fld id="{2D8A47E9-43C9-0F4F-9379-1746571B2494}" type="slidenum">
+              <a:rPr lang="en-US" smtClean="0"/>
+              <a:t>7</a:t>
+            </a:fld>
+            <a:endParaRPr lang="en-US"/>
+          </a:p>
+        </p:txBody>
+      </p:sp>
+    </p:spTree>
+    <p:extLst>
+      <p:ext uri="{BB962C8B-B14F-4D97-AF65-F5344CB8AC3E}">
+        <p14:creationId xmlns:p14="http://schemas.microsoft.com/office/powerpoint/2010/main" val="3665432864"/>
+      </p:ext>
+    </p:extLst>
+  </p:cSld>
+  <p:clrMapOvr>
+    <a:masterClrMapping/>
+  </p:clrMapOvr>
+</p:notes>
+</file>
+
+<file path=ppt/notesSlides/notesSlide7.xml><?xml version="1.0" encoding="utf-8"?>
+<p:notes xmlns:a="http://schemas.openxmlformats.org/drawingml/2006/main" xmlns:r="http://schemas.openxmlformats.org/officeDocument/2006/relationships" xmlns:p="http://schemas.openxmlformats.org/presentationml/2006/main">
+  <p:cSld>
+    <p:spTree>
+      <p:nvGrpSpPr>
+        <p:cNvPr id="1" name=""/>
+        <p:cNvGrpSpPr/>
+        <p:nvPr/>
+      </p:nvGrpSpPr>
+      <p:grpSpPr>
+        <a:xfrm>
+          <a:off x="0" y="0"/>
+          <a:ext cx="0" cy="0"/>
+          <a:chOff x="0" y="0"/>
+          <a:chExt cx="0" cy="0"/>
+        </a:xfrm>
+      </p:grpSpPr>
+      <p:sp>
+        <p:nvSpPr>
+          <p:cNvPr id="2" name="Slide Image Placeholder 1"/>
+          <p:cNvSpPr>
+            <a:spLocks noGrp="1" noRot="1" noChangeAspect="1"/>
+          </p:cNvSpPr>
+          <p:nvPr>
+            <p:ph type="sldImg"/>
+          </p:nvPr>
+        </p:nvSpPr>
+        <p:spPr/>
+      </p:sp>
+      <p:sp>
+        <p:nvSpPr>
+          <p:cNvPr id="3" name="Notes Placeholder 2"/>
+          <p:cNvSpPr>
+            <a:spLocks noGrp="1"/>
+          </p:cNvSpPr>
+          <p:nvPr>
+            <p:ph type="body" idx="1"/>
+          </p:nvPr>
+        </p:nvSpPr>
+        <p:spPr/>
+        <p:txBody>
+          <a:bodyPr/>
+          <a:lstStyle/>
+          <a:p>
+            <a:endParaRPr lang="en-US" dirty="0"/>
+          </a:p>
+        </p:txBody>
+      </p:sp>
+      <p:sp>
+        <p:nvSpPr>
+          <p:cNvPr id="4" name="Slide Number Placeholder 3"/>
+          <p:cNvSpPr>
+            <a:spLocks noGrp="1"/>
+          </p:cNvSpPr>
+          <p:nvPr>
+            <p:ph type="sldNum" sz="quarter" idx="10"/>
+          </p:nvPr>
+        </p:nvSpPr>
+        <p:spPr/>
+        <p:txBody>
+          <a:bodyPr/>
+          <a:lstStyle/>
+          <a:p>
+            <a:fld id="{2D8A47E9-43C9-0F4F-9379-1746571B2494}" type="slidenum">
+              <a:rPr lang="en-US" smtClean="0"/>
+              <a:t>8</a:t>
+            </a:fld>
+            <a:endParaRPr lang="en-US"/>
+          </a:p>
+        </p:txBody>
+      </p:sp>
+    </p:spTree>
+    <p:extLst>
+      <p:ext uri="{BB962C8B-B14F-4D97-AF65-F5344CB8AC3E}">
+        <p14:creationId xmlns:p14="http://schemas.microsoft.com/office/powerpoint/2010/main" val="3988076159"/>
+      </p:ext>
+    </p:extLst>
+  </p:cSld>
+  <p:clrMapOvr>
+    <a:masterClrMapping/>
+  </p:clrMapOvr>
+</p:notes>
+</file>
+
+<file path=ppt/notesSlides/notesSlide8.xml><?xml version="1.0" encoding="utf-8"?>
+<p:notes xmlns:a="http://schemas.openxmlformats.org/drawingml/2006/main" xmlns:r="http://schemas.openxmlformats.org/officeDocument/2006/relationships" xmlns:p="http://schemas.openxmlformats.org/presentationml/2006/main">
+  <p:cSld>
+    <p:spTree>
+      <p:nvGrpSpPr>
+        <p:cNvPr id="1" name=""/>
+        <p:cNvGrpSpPr/>
+        <p:nvPr/>
+      </p:nvGrpSpPr>
+      <p:grpSpPr>
+        <a:xfrm>
+          <a:off x="0" y="0"/>
+          <a:ext cx="0" cy="0"/>
+          <a:chOff x="0" y="0"/>
+          <a:chExt cx="0" cy="0"/>
+        </a:xfrm>
+      </p:grpSpPr>
+      <p:sp>
+        <p:nvSpPr>
+          <p:cNvPr id="2" name="Slide Image Placeholder 1"/>
+          <p:cNvSpPr>
+            <a:spLocks noGrp="1" noRot="1" noChangeAspect="1"/>
+          </p:cNvSpPr>
+          <p:nvPr>
+            <p:ph type="sldImg"/>
+          </p:nvPr>
+        </p:nvSpPr>
+        <p:spPr/>
+      </p:sp>
+      <p:sp>
+        <p:nvSpPr>
+          <p:cNvPr id="3" name="Notes Placeholder 2"/>
+          <p:cNvSpPr>
+            <a:spLocks noGrp="1"/>
+          </p:cNvSpPr>
+          <p:nvPr>
+            <p:ph type="body" idx="1"/>
+          </p:nvPr>
+        </p:nvSpPr>
+        <p:spPr/>
+        <p:txBody>
+          <a:bodyPr/>
+          <a:lstStyle/>
+          <a:p>
+            <a:endParaRPr lang="en-US" dirty="0"/>
+          </a:p>
+        </p:txBody>
+      </p:sp>
+      <p:sp>
+        <p:nvSpPr>
+          <p:cNvPr id="4" name="Slide Number Placeholder 3"/>
+          <p:cNvSpPr>
+            <a:spLocks noGrp="1"/>
+          </p:cNvSpPr>
+          <p:nvPr>
+            <p:ph type="sldNum" sz="quarter" idx="10"/>
+          </p:nvPr>
+        </p:nvSpPr>
+        <p:spPr/>
+        <p:txBody>
+          <a:bodyPr/>
+          <a:lstStyle/>
+          <a:p>
+            <a:fld id="{2D8A47E9-43C9-0F4F-9379-1746571B2494}" type="slidenum">
+              <a:rPr lang="en-US" smtClean="0"/>
+              <a:t>9</a:t>
+            </a:fld>
+            <a:endParaRPr lang="en-US"/>
+          </a:p>
+        </p:txBody>
+      </p:sp>
+    </p:spTree>
+    <p:extLst>
+      <p:ext uri="{BB962C8B-B14F-4D97-AF65-F5344CB8AC3E}">
+        <p14:creationId xmlns:p14="http://schemas.microsoft.com/office/powerpoint/2010/main" val="4204864892"/>
+      </p:ext>
+    </p:extLst>
+  </p:cSld>
+  <p:clrMapOvr>
+    <a:masterClrMapping/>
+  </p:clrMapOvr>
+</p:notes>
+</file>
+
+<file path=ppt/notesSlides/notesSlide9.xml><?xml version="1.0" encoding="utf-8"?>
+<p:notes xmlns:a="http://schemas.openxmlformats.org/drawingml/2006/main" xmlns:r="http://schemas.openxmlformats.org/officeDocument/2006/relationships" xmlns:p="http://schemas.openxmlformats.org/presentationml/2006/main">
+  <p:cSld>
+    <p:spTree>
+      <p:nvGrpSpPr>
+        <p:cNvPr id="1" name=""/>
+        <p:cNvGrpSpPr/>
+        <p:nvPr/>
+      </p:nvGrpSpPr>
+      <p:grpSpPr>
+        <a:xfrm>
+          <a:off x="0" y="0"/>
+          <a:ext cx="0" cy="0"/>
+          <a:chOff x="0" y="0"/>
+          <a:chExt cx="0" cy="0"/>
+        </a:xfrm>
+      </p:grpSpPr>
+      <p:sp>
+        <p:nvSpPr>
+          <p:cNvPr id="2" name="Slide Image Placeholder 1"/>
+          <p:cNvSpPr>
+            <a:spLocks noGrp="1" noRot="1" noChangeAspect="1"/>
+          </p:cNvSpPr>
+          <p:nvPr>
+            <p:ph type="sldImg"/>
+          </p:nvPr>
+        </p:nvSpPr>
+        <p:spPr/>
+      </p:sp>
+      <p:sp>
+        <p:nvSpPr>
+          <p:cNvPr id="3" name="Notes Placeholder 2"/>
+          <p:cNvSpPr>
+            <a:spLocks noGrp="1"/>
+          </p:cNvSpPr>
+          <p:nvPr>
+            <p:ph type="body" idx="1"/>
+          </p:nvPr>
+        </p:nvSpPr>
+        <p:spPr/>
+        <p:txBody>
+          <a:bodyPr/>
+          <a:lstStyle/>
+          <a:p>
+            <a:endParaRPr lang="en-US" dirty="0"/>
+          </a:p>
+        </p:txBody>
+      </p:sp>
+      <p:sp>
+        <p:nvSpPr>
+          <p:cNvPr id="4" name="Slide Number Placeholder 3"/>
+          <p:cNvSpPr>
+            <a:spLocks noGrp="1"/>
+          </p:cNvSpPr>
+          <p:nvPr>
+            <p:ph type="sldNum" sz="quarter" idx="10"/>
+          </p:nvPr>
+        </p:nvSpPr>
+        <p:spPr/>
+        <p:txBody>
+          <a:bodyPr/>
+          <a:lstStyle/>
+          <a:p>
+            <a:fld id="{2D8A47E9-43C9-0F4F-9379-1746571B2494}" type="slidenum">
+              <a:rPr lang="en-US" smtClean="0"/>
+              <a:t>10</a:t>
+            </a:fld>
+            <a:endParaRPr lang="en-US"/>
+          </a:p>
+        </p:txBody>
+      </p:sp>
+    </p:spTree>
+    <p:extLst>
+      <p:ext uri="{BB962C8B-B14F-4D97-AF65-F5344CB8AC3E}">
+        <p14:creationId xmlns:p14="http://schemas.microsoft.com/office/powerpoint/2010/main" val="2433334982"/>
       </p:ext>
     </p:extLst>
   </p:cSld>
@@ -2714,7 +3054,7 @@
             <a:fld id="{28E80666-FB37-4B36-9149-507F3B0178E3}" type="datetimeFigureOut">
               <a:rPr lang="en-US" smtClean="0"/>
               <a:pPr/>
-              <a:t>5/22/2022</a:t>
+              <a:t>5/23/2022</a:t>
             </a:fld>
             <a:endParaRPr lang="en-US"/>
           </a:p>
@@ -2896,7 +3236,7 @@
           <a:p>
             <a:fld id="{05DB9FB3-5BB2-724E-A037-6C88DDC21847}" type="datetimeFigureOut">
               <a:rPr lang="en-US" smtClean="0"/>
-              <a:t>5/22/2022</a:t>
+              <a:t>5/23/2022</a:t>
             </a:fld>
             <a:endParaRPr lang="en-US"/>
           </a:p>
@@ -3047,7 +3387,7 @@
           <a:p>
             <a:fld id="{05DB9FB3-5BB2-724E-A037-6C88DDC21847}" type="datetimeFigureOut">
               <a:rPr lang="en-US" smtClean="0"/>
-              <a:t>5/22/2022</a:t>
+              <a:t>5/23/2022</a:t>
             </a:fld>
             <a:endParaRPr lang="en-US"/>
           </a:p>
@@ -4873,7 +5213,7 @@
           <a:p>
             <a:fld id="{05DB9FB3-5BB2-724E-A037-6C88DDC21847}" type="datetimeFigureOut">
               <a:rPr lang="en-US" smtClean="0"/>
-              <a:t>5/22/2022</a:t>
+              <a:t>5/23/2022</a:t>
             </a:fld>
             <a:endParaRPr lang="en-US"/>
           </a:p>
@@ -6744,7 +7084,7 @@
             <a:fld id="{28E80666-FB37-4B36-9149-507F3B0178E3}" type="datetimeFigureOut">
               <a:rPr lang="en-US" smtClean="0"/>
               <a:pPr/>
-              <a:t>5/22/2022</a:t>
+              <a:t>5/23/2022</a:t>
             </a:fld>
             <a:endParaRPr lang="en-US"/>
           </a:p>
@@ -6858,7 +7198,7 @@
           <a:p>
             <a:fld id="{05DB9FB3-5BB2-724E-A037-6C88DDC21847}" type="datetimeFigureOut">
               <a:rPr lang="en-US" smtClean="0"/>
-              <a:t>5/22/2022</a:t>
+              <a:t>5/23/2022</a:t>
             </a:fld>
             <a:endParaRPr lang="en-US"/>
           </a:p>
@@ -7399,7 +7739,7 @@
           <a:p>
             <a:fld id="{05DB9FB3-5BB2-724E-A037-6C88DDC21847}" type="datetimeFigureOut">
               <a:rPr lang="en-US" smtClean="0"/>
-              <a:t>5/22/2022</a:t>
+              <a:t>5/23/2022</a:t>
             </a:fld>
             <a:endParaRPr lang="en-US"/>
           </a:p>
@@ -7512,7 +7852,7 @@
           <a:p>
             <a:fld id="{05DB9FB3-5BB2-724E-A037-6C88DDC21847}" type="datetimeFigureOut">
               <a:rPr lang="en-US" smtClean="0"/>
-              <a:t>5/22/2022</a:t>
+              <a:t>5/23/2022</a:t>
             </a:fld>
             <a:endParaRPr lang="en-US"/>
           </a:p>
@@ -9223,7 +9563,7 @@
           <a:p>
             <a:fld id="{05DB9FB3-5BB2-724E-A037-6C88DDC21847}" type="datetimeFigureOut">
               <a:rPr lang="en-US" smtClean="0"/>
-              <a:t>5/22/2022</a:t>
+              <a:t>5/23/2022</a:t>
             </a:fld>
             <a:endParaRPr lang="en-US"/>
           </a:p>
@@ -9374,7 +9714,7 @@
           <a:p>
             <a:fld id="{05DB9FB3-5BB2-724E-A037-6C88DDC21847}" type="datetimeFigureOut">
               <a:rPr lang="en-US" smtClean="0"/>
-              <a:t>5/22/2022</a:t>
+              <a:t>5/23/2022</a:t>
             </a:fld>
             <a:endParaRPr lang="en-US"/>
           </a:p>
@@ -12989,7 +13329,7 @@
           <a:p>
             <a:fld id="{05DB9FB3-5BB2-724E-A037-6C88DDC21847}" type="datetimeFigureOut">
               <a:rPr lang="en-US" smtClean="0"/>
-              <a:t>5/22/2022</a:t>
+              <a:t>5/23/2022</a:t>
             </a:fld>
             <a:endParaRPr lang="en-US"/>
           </a:p>
@@ -14848,7 +15188,7 @@
           <a:p>
             <a:fld id="{05DB9FB3-5BB2-724E-A037-6C88DDC21847}" type="datetimeFigureOut">
               <a:rPr lang="en-US" smtClean="0"/>
-              <a:t>5/22/2022</a:t>
+              <a:t>5/23/2022</a:t>
             </a:fld>
             <a:endParaRPr lang="en-US"/>
           </a:p>
@@ -15462,6 +15802,121 @@
 </p:sld>
 </file>
 
+<file path=ppt/slides/slide10.xml><?xml version="1.0" encoding="utf-8"?>
+<p:sld xmlns:a="http://schemas.openxmlformats.org/drawingml/2006/main" xmlns:r="http://schemas.openxmlformats.org/officeDocument/2006/relationships" xmlns:p="http://schemas.openxmlformats.org/presentationml/2006/main">
+  <p:cSld>
+    <p:spTree>
+      <p:nvGrpSpPr>
+        <p:cNvPr id="1" name=""/>
+        <p:cNvGrpSpPr/>
+        <p:nvPr/>
+      </p:nvGrpSpPr>
+      <p:grpSpPr>
+        <a:xfrm>
+          <a:off x="0" y="0"/>
+          <a:ext cx="0" cy="0"/>
+          <a:chOff x="0" y="0"/>
+          <a:chExt cx="0" cy="0"/>
+        </a:xfrm>
+      </p:grpSpPr>
+      <p:sp>
+        <p:nvSpPr>
+          <p:cNvPr id="2" name="Title 1"/>
+          <p:cNvSpPr>
+            <a:spLocks noGrp="1"/>
+          </p:cNvSpPr>
+          <p:nvPr>
+            <p:ph type="title"/>
+          </p:nvPr>
+        </p:nvSpPr>
+        <p:spPr>
+          <a:xfrm>
+            <a:off x="251586" y="244158"/>
+            <a:ext cx="8637831" cy="1339850"/>
+          </a:xfrm>
+        </p:spPr>
+        <p:txBody>
+          <a:bodyPr anchor="t"/>
+          <a:lstStyle/>
+          <a:p>
+            <a:pPr algn="l"/>
+            <a:r>
+              <a:rPr lang="en-US" dirty="0" smtClean="0"/>
+              <a:t>import</a:t>
+            </a:r>
+            <a:endParaRPr lang="en-US" dirty="0"/>
+          </a:p>
+        </p:txBody>
+      </p:sp>
+      <p:sp>
+        <p:nvSpPr>
+          <p:cNvPr id="5" name="Rectangle 4"/>
+          <p:cNvSpPr/>
+          <p:nvPr/>
+        </p:nvSpPr>
+        <p:spPr>
+          <a:xfrm>
+            <a:off x="251586" y="2511201"/>
+            <a:ext cx="8337873" cy="954107"/>
+          </a:xfrm>
+          <a:prstGeom prst="rect">
+            <a:avLst/>
+          </a:prstGeom>
+        </p:spPr>
+        <p:txBody>
+          <a:bodyPr wrap="square">
+            <a:spAutoFit/>
+          </a:bodyPr>
+          <a:lstStyle/>
+          <a:p>
+            <a:pPr lvl="0"/>
+            <a:r>
+              <a:rPr lang="en-GB" sz="2800" dirty="0" smtClean="0">
+                <a:latin typeface="Lucida Sans" panose="020B0602030504020204" pitchFamily="34" charset="0"/>
+              </a:rPr>
+              <a:t>from </a:t>
+            </a:r>
+            <a:r>
+              <a:rPr lang="en-GB" sz="2800" dirty="0" err="1" smtClean="0">
+                <a:latin typeface="Lucida Sans" panose="020B0602030504020204" pitchFamily="34" charset="0"/>
+              </a:rPr>
+              <a:t>yourFolder.yourFile</a:t>
+            </a:r>
+            <a:r>
+              <a:rPr lang="en-GB" sz="2800" dirty="0" smtClean="0">
+                <a:latin typeface="Lucida Sans" panose="020B0602030504020204" pitchFamily="34" charset="0"/>
+              </a:rPr>
+              <a:t> import *</a:t>
+            </a:r>
+          </a:p>
+          <a:p>
+            <a:pPr lvl="0"/>
+            <a:endParaRPr lang="en-GB" sz="2800" dirty="0">
+              <a:latin typeface="Lucida Sans" panose="020B0602030504020204" pitchFamily="34" charset="0"/>
+            </a:endParaRPr>
+          </a:p>
+        </p:txBody>
+      </p:sp>
+    </p:spTree>
+    <p:extLst>
+      <p:ext uri="{BB962C8B-B14F-4D97-AF65-F5344CB8AC3E}">
+        <p14:creationId xmlns:p14="http://schemas.microsoft.com/office/powerpoint/2010/main" val="863557071"/>
+      </p:ext>
+    </p:extLst>
+  </p:cSld>
+  <p:clrMapOvr>
+    <a:masterClrMapping/>
+  </p:clrMapOvr>
+  <p:timing>
+    <p:tnLst>
+      <p:par>
+        <p:cTn id="1" dur="indefinite" restart="never" nodeType="tmRoot"/>
+      </p:par>
+    </p:tnLst>
+  </p:timing>
+</p:sld>
+</file>
+
 <file path=ppt/slides/slide2.xml><?xml version="1.0" encoding="utf-8"?>
 <p:sld xmlns:a="http://schemas.openxmlformats.org/drawingml/2006/main" xmlns:r="http://schemas.openxmlformats.org/officeDocument/2006/relationships" xmlns:p="http://schemas.openxmlformats.org/presentationml/2006/main">
   <p:cSld>
@@ -15563,9 +16018,6 @@
               </a:rPr>
               <a:t>Strings</a:t>
             </a:r>
-            <a:endParaRPr lang="en-US" sz="3600" smtClean="0">
-              <a:latin typeface="Lucida Sans" panose="020B0602030504020204" pitchFamily="34" charset="0"/>
-            </a:endParaRPr>
           </a:p>
         </p:txBody>
       </p:sp>
@@ -15681,9 +16133,6 @@
               </a:rPr>
               <a:t>resultVal = int(input(prompt))</a:t>
             </a:r>
-            <a:endParaRPr lang="en-US" sz="3600" smtClean="0">
-              <a:latin typeface="Lucida Sans" panose="020B0602030504020204" pitchFamily="34" charset="0"/>
-            </a:endParaRPr>
           </a:p>
         </p:txBody>
       </p:sp>
@@ -15870,8 +16319,8 @@
           <a:p>
             <a:pPr algn="l"/>
             <a:r>
-              <a:rPr lang="en-US" smtClean="0"/>
-              <a:t>Program Flow</a:t>
+              <a:rPr lang="en-US" dirty="0" smtClean="0"/>
+              <a:t>Casting</a:t>
             </a:r>
             <a:endParaRPr lang="en-US" dirty="0"/>
           </a:p>
@@ -15886,7 +16335,7 @@
         <p:spPr>
           <a:xfrm>
             <a:off x="841829" y="2472400"/>
-            <a:ext cx="8047587" cy="2862322"/>
+            <a:ext cx="8047587" cy="3970318"/>
           </a:xfrm>
           <a:prstGeom prst="rect">
             <a:avLst/>
@@ -15900,44 +16349,156 @@
           <a:p>
             <a:pPr lvl="0"/>
             <a:r>
-              <a:rPr lang="en-US" sz="3600" smtClean="0">
+              <a:rPr lang="en-US" sz="3600" dirty="0" smtClean="0">
                 <a:latin typeface="Lucida Sans" panose="020B0602030504020204" pitchFamily="34" charset="0"/>
               </a:rPr>
-              <a:t>if</a:t>
+              <a:t>tuple(</a:t>
             </a:r>
+            <a:r>
+              <a:rPr lang="en-US" sz="3600" dirty="0" err="1" smtClean="0">
+                <a:latin typeface="Lucida Sans" panose="020B0602030504020204" pitchFamily="34" charset="0"/>
+              </a:rPr>
+              <a:t>myList</a:t>
+            </a:r>
+            <a:r>
+              <a:rPr lang="en-US" sz="3600" dirty="0" smtClean="0">
+                <a:latin typeface="Lucida Sans" panose="020B0602030504020204" pitchFamily="34" charset="0"/>
+              </a:rPr>
+              <a:t>)</a:t>
+            </a:r>
+            <a:endParaRPr lang="en-US" sz="3600" dirty="0" smtClean="0">
+              <a:latin typeface="Lucida Sans" panose="020B0602030504020204" pitchFamily="34" charset="0"/>
+            </a:endParaRPr>
           </a:p>
           <a:p>
             <a:pPr lvl="0"/>
             <a:r>
-              <a:rPr lang="en-US" sz="3600" smtClean="0">
+              <a:rPr lang="en-US" sz="3600" dirty="0" smtClean="0">
                 <a:latin typeface="Lucida Sans" panose="020B0602030504020204" pitchFamily="34" charset="0"/>
               </a:rPr>
-              <a:t>while</a:t>
+              <a:t>list(</a:t>
             </a:r>
+            <a:r>
+              <a:rPr lang="en-US" sz="3600" dirty="0" err="1" smtClean="0">
+                <a:latin typeface="Lucida Sans" panose="020B0602030504020204" pitchFamily="34" charset="0"/>
+              </a:rPr>
+              <a:t>myTuple</a:t>
+            </a:r>
+            <a:r>
+              <a:rPr lang="en-US" sz="3600" dirty="0" smtClean="0">
+                <a:latin typeface="Lucida Sans" panose="020B0602030504020204" pitchFamily="34" charset="0"/>
+              </a:rPr>
+              <a:t>)</a:t>
+            </a:r>
+            <a:endParaRPr lang="en-US" sz="3600" dirty="0" smtClean="0">
+              <a:latin typeface="Lucida Sans" panose="020B0602030504020204" pitchFamily="34" charset="0"/>
+            </a:endParaRPr>
           </a:p>
           <a:p>
             <a:pPr lvl="0"/>
             <a:r>
-              <a:rPr lang="en-US" sz="3600" smtClean="0">
+              <a:rPr lang="en-US" sz="3600" dirty="0" smtClean="0">
                 <a:latin typeface="Lucida Sans" panose="020B0602030504020204" pitchFamily="34" charset="0"/>
               </a:rPr>
-              <a:t>for</a:t>
+              <a:t>set(</a:t>
             </a:r>
+            <a:r>
+              <a:rPr lang="en-US" sz="3600" dirty="0" err="1" smtClean="0">
+                <a:latin typeface="Lucida Sans" panose="020B0602030504020204" pitchFamily="34" charset="0"/>
+              </a:rPr>
+              <a:t>myList</a:t>
+            </a:r>
+            <a:r>
+              <a:rPr lang="en-US" sz="3600" dirty="0" smtClean="0">
+                <a:latin typeface="Lucida Sans" panose="020B0602030504020204" pitchFamily="34" charset="0"/>
+              </a:rPr>
+              <a:t>)</a:t>
+            </a:r>
+            <a:endParaRPr lang="en-US" sz="3600" dirty="0" smtClean="0">
+              <a:latin typeface="Lucida Sans" panose="020B0602030504020204" pitchFamily="34" charset="0"/>
+            </a:endParaRPr>
           </a:p>
           <a:p>
             <a:pPr lvl="0"/>
             <a:r>
-              <a:rPr lang="en-US" sz="3600" smtClean="0">
+              <a:rPr lang="en-US" sz="3600" dirty="0" err="1" smtClean="0">
                 <a:latin typeface="Lucida Sans" panose="020B0602030504020204" pitchFamily="34" charset="0"/>
               </a:rPr>
-              <a:t>match</a:t>
+              <a:t>dict</a:t>
             </a:r>
-            <a:endParaRPr lang="en-US" sz="3600">
+            <a:r>
+              <a:rPr lang="en-US" sz="3600" dirty="0" smtClean="0">
+                <a:latin typeface="Lucida Sans" panose="020B0602030504020204" pitchFamily="34" charset="0"/>
+              </a:rPr>
+              <a:t>	</a:t>
+            </a:r>
+            <a:r>
+              <a:rPr lang="en-US" sz="3600" dirty="0" smtClean="0">
+                <a:latin typeface="Lucida Sans" panose="020B0602030504020204" pitchFamily="34" charset="0"/>
+              </a:rPr>
+              <a:t>(</a:t>
+            </a:r>
+            <a:r>
+              <a:rPr lang="en-US" sz="3600" dirty="0" err="1" smtClean="0">
+                <a:latin typeface="Lucida Sans" panose="020B0602030504020204" pitchFamily="34" charset="0"/>
+              </a:rPr>
+              <a:t>myTuple</a:t>
+            </a:r>
+            <a:r>
+              <a:rPr lang="en-US" sz="3600" dirty="0" smtClean="0">
+                <a:latin typeface="Lucida Sans" panose="020B0602030504020204" pitchFamily="34" charset="0"/>
+              </a:rPr>
+              <a:t>)</a:t>
+            </a:r>
+          </a:p>
+          <a:p>
+            <a:pPr lvl="0"/>
+            <a:endParaRPr lang="en-US" sz="3600" dirty="0">
               <a:latin typeface="Lucida Sans" panose="020B0602030504020204" pitchFamily="34" charset="0"/>
             </a:endParaRPr>
           </a:p>
           <a:p>
-            <a:endParaRPr lang="en-GB" sz="3600">
+            <a:pPr lvl="0"/>
+            <a:r>
+              <a:rPr lang="en-US" sz="3600" dirty="0" err="1" smtClean="0">
+                <a:latin typeface="Lucida Sans" panose="020B0602030504020204" pitchFamily="34" charset="0"/>
+              </a:rPr>
+              <a:t>myList</a:t>
+            </a:r>
+            <a:r>
+              <a:rPr lang="en-US" sz="3600" dirty="0" smtClean="0">
+                <a:latin typeface="Lucida Sans" panose="020B0602030504020204" pitchFamily="34" charset="0"/>
+              </a:rPr>
+              <a:t> = list(“Hello”)</a:t>
+            </a:r>
+          </a:p>
+          <a:p>
+            <a:pPr lvl="0"/>
+            <a:r>
+              <a:rPr lang="en-US" sz="3600" dirty="0">
+                <a:latin typeface="Lucida Sans" panose="020B0602030504020204" pitchFamily="34" charset="0"/>
+              </a:rPr>
+              <a:t>"".</a:t>
+            </a:r>
+            <a:r>
+              <a:rPr lang="en-US" sz="3600" dirty="0" smtClean="0">
+                <a:latin typeface="Lucida Sans" panose="020B0602030504020204" pitchFamily="34" charset="0"/>
+              </a:rPr>
+              <a:t>join(</a:t>
+            </a:r>
+            <a:r>
+              <a:rPr lang="en-US" sz="3600" dirty="0" err="1" smtClean="0">
+                <a:latin typeface="Lucida Sans" panose="020B0602030504020204" pitchFamily="34" charset="0"/>
+              </a:rPr>
+              <a:t>myList</a:t>
+            </a:r>
+            <a:r>
+              <a:rPr lang="en-US" sz="3600" dirty="0" smtClean="0">
+                <a:latin typeface="Lucida Sans" panose="020B0602030504020204" pitchFamily="34" charset="0"/>
+              </a:rPr>
+              <a:t>)</a:t>
+            </a:r>
+            <a:endParaRPr lang="en-US" sz="3600" dirty="0" smtClean="0">
               <a:latin typeface="Lucida Sans" panose="020B0602030504020204" pitchFamily="34" charset="0"/>
             </a:endParaRPr>
           </a:p>
@@ -15946,7 +16507,7 @@
     </p:spTree>
     <p:extLst>
       <p:ext uri="{BB962C8B-B14F-4D97-AF65-F5344CB8AC3E}">
-        <p14:creationId xmlns:p14="http://schemas.microsoft.com/office/powerpoint/2010/main" val="1740152893"/>
+        <p14:creationId xmlns:p14="http://schemas.microsoft.com/office/powerpoint/2010/main" val="3673428119"/>
       </p:ext>
     </p:extLst>
   </p:cSld>
@@ -16003,6 +16564,409 @@
             <a:pPr algn="l"/>
             <a:r>
               <a:rPr lang="en-US" smtClean="0"/>
+              <a:t>Program Flow</a:t>
+            </a:r>
+            <a:endParaRPr lang="en-US" dirty="0"/>
+          </a:p>
+        </p:txBody>
+      </p:sp>
+      <p:sp>
+        <p:nvSpPr>
+          <p:cNvPr id="5" name="Rectangle 4"/>
+          <p:cNvSpPr/>
+          <p:nvPr/>
+        </p:nvSpPr>
+        <p:spPr>
+          <a:xfrm>
+            <a:off x="841829" y="2472400"/>
+            <a:ext cx="8047587" cy="3970318"/>
+          </a:xfrm>
+          <a:prstGeom prst="rect">
+            <a:avLst/>
+          </a:prstGeom>
+        </p:spPr>
+        <p:txBody>
+          <a:bodyPr wrap="square">
+            <a:spAutoFit/>
+          </a:bodyPr>
+          <a:lstStyle/>
+          <a:p>
+            <a:pPr lvl="0"/>
+            <a:r>
+              <a:rPr lang="en-US" sz="3600" dirty="0" smtClean="0">
+                <a:latin typeface="Lucida Sans" panose="020B0602030504020204" pitchFamily="34" charset="0"/>
+              </a:rPr>
+              <a:t>if</a:t>
+            </a:r>
+          </a:p>
+          <a:p>
+            <a:pPr lvl="0"/>
+            <a:r>
+              <a:rPr lang="en-US" sz="3600" dirty="0" smtClean="0">
+                <a:latin typeface="Lucida Sans" panose="020B0602030504020204" pitchFamily="34" charset="0"/>
+              </a:rPr>
+              <a:t>while</a:t>
+            </a:r>
+          </a:p>
+          <a:p>
+            <a:pPr lvl="0"/>
+            <a:r>
+              <a:rPr lang="en-US" sz="3600" dirty="0" smtClean="0">
+                <a:latin typeface="Lucida Sans" panose="020B0602030504020204" pitchFamily="34" charset="0"/>
+              </a:rPr>
+              <a:t>for</a:t>
+            </a:r>
+          </a:p>
+          <a:p>
+            <a:pPr lvl="0"/>
+            <a:r>
+              <a:rPr lang="en-US" sz="3600" dirty="0" smtClean="0">
+                <a:latin typeface="Lucida Sans" panose="020B0602030504020204" pitchFamily="34" charset="0"/>
+              </a:rPr>
+              <a:t>match (need python 3.10 or later)</a:t>
+            </a:r>
+          </a:p>
+          <a:p>
+            <a:pPr lvl="0"/>
+            <a:endParaRPr lang="en-US" sz="3600" dirty="0">
+              <a:latin typeface="Lucida Sans" panose="020B0602030504020204" pitchFamily="34" charset="0"/>
+            </a:endParaRPr>
+          </a:p>
+          <a:p>
+            <a:pPr lvl="0"/>
+            <a:r>
+              <a:rPr lang="en-US" sz="3600" dirty="0" err="1" smtClean="0">
+                <a:latin typeface="Lucida Sans" panose="020B0602030504020204" pitchFamily="34" charset="0"/>
+              </a:rPr>
+              <a:t>enum</a:t>
+            </a:r>
+            <a:endParaRPr lang="en-US" sz="3600" dirty="0">
+              <a:latin typeface="Lucida Sans" panose="020B0602030504020204" pitchFamily="34" charset="0"/>
+            </a:endParaRPr>
+          </a:p>
+          <a:p>
+            <a:endParaRPr lang="en-GB" sz="3600" dirty="0">
+              <a:latin typeface="Lucida Sans" panose="020B0602030504020204" pitchFamily="34" charset="0"/>
+            </a:endParaRPr>
+          </a:p>
+        </p:txBody>
+      </p:sp>
+    </p:spTree>
+    <p:extLst>
+      <p:ext uri="{BB962C8B-B14F-4D97-AF65-F5344CB8AC3E}">
+        <p14:creationId xmlns:p14="http://schemas.microsoft.com/office/powerpoint/2010/main" val="1740152893"/>
+      </p:ext>
+    </p:extLst>
+  </p:cSld>
+  <p:clrMapOvr>
+    <a:masterClrMapping/>
+  </p:clrMapOvr>
+  <p:timing>
+    <p:tnLst>
+      <p:par>
+        <p:cTn id="1" dur="indefinite" restart="never" nodeType="tmRoot"/>
+      </p:par>
+    </p:tnLst>
+  </p:timing>
+</p:sld>
+</file>
+
+<file path=ppt/slides/slide7.xml><?xml version="1.0" encoding="utf-8"?>
+<p:sld xmlns:a="http://schemas.openxmlformats.org/drawingml/2006/main" xmlns:r="http://schemas.openxmlformats.org/officeDocument/2006/relationships" xmlns:p="http://schemas.openxmlformats.org/presentationml/2006/main">
+  <p:cSld>
+    <p:spTree>
+      <p:nvGrpSpPr>
+        <p:cNvPr id="1" name=""/>
+        <p:cNvGrpSpPr/>
+        <p:nvPr/>
+      </p:nvGrpSpPr>
+      <p:grpSpPr>
+        <a:xfrm>
+          <a:off x="0" y="0"/>
+          <a:ext cx="0" cy="0"/>
+          <a:chOff x="0" y="0"/>
+          <a:chExt cx="0" cy="0"/>
+        </a:xfrm>
+      </p:grpSpPr>
+      <p:sp>
+        <p:nvSpPr>
+          <p:cNvPr id="2" name="Title 1"/>
+          <p:cNvSpPr>
+            <a:spLocks noGrp="1"/>
+          </p:cNvSpPr>
+          <p:nvPr>
+            <p:ph type="title"/>
+          </p:nvPr>
+        </p:nvSpPr>
+        <p:spPr>
+          <a:xfrm>
+            <a:off x="251586" y="244158"/>
+            <a:ext cx="8637831" cy="1339850"/>
+          </a:xfrm>
+        </p:spPr>
+        <p:txBody>
+          <a:bodyPr anchor="t"/>
+          <a:lstStyle/>
+          <a:p>
+            <a:pPr algn="l"/>
+            <a:r>
+              <a:rPr lang="en-US" dirty="0" err="1" smtClean="0"/>
+              <a:t>enum</a:t>
+            </a:r>
+            <a:endParaRPr lang="en-US" dirty="0"/>
+          </a:p>
+        </p:txBody>
+      </p:sp>
+      <p:sp>
+        <p:nvSpPr>
+          <p:cNvPr id="5" name="Rectangle 4"/>
+          <p:cNvSpPr/>
+          <p:nvPr/>
+        </p:nvSpPr>
+        <p:spPr>
+          <a:xfrm>
+            <a:off x="251586" y="2511201"/>
+            <a:ext cx="8337873" cy="4832092"/>
+          </a:xfrm>
+          <a:prstGeom prst="rect">
+            <a:avLst/>
+          </a:prstGeom>
+        </p:spPr>
+        <p:txBody>
+          <a:bodyPr wrap="square">
+            <a:spAutoFit/>
+          </a:bodyPr>
+          <a:lstStyle/>
+          <a:p>
+            <a:pPr lvl="0"/>
+            <a:r>
+              <a:rPr lang="en-GB" sz="2800" dirty="0" smtClean="0">
+                <a:latin typeface="Lucida Sans" panose="020B0602030504020204" pitchFamily="34" charset="0"/>
+              </a:rPr>
+              <a:t>from </a:t>
+            </a:r>
+            <a:r>
+              <a:rPr lang="en-GB" sz="2800" dirty="0" err="1" smtClean="0">
+                <a:latin typeface="Lucida Sans" panose="020B0602030504020204" pitchFamily="34" charset="0"/>
+              </a:rPr>
+              <a:t>enum</a:t>
+            </a:r>
+            <a:r>
+              <a:rPr lang="en-GB" sz="2800" dirty="0" smtClean="0">
+                <a:latin typeface="Lucida Sans" panose="020B0602030504020204" pitchFamily="34" charset="0"/>
+              </a:rPr>
+              <a:t> import </a:t>
+            </a:r>
+            <a:r>
+              <a:rPr lang="en-GB" sz="2800" dirty="0" err="1" smtClean="0">
+                <a:latin typeface="Lucida Sans" panose="020B0602030504020204" pitchFamily="34" charset="0"/>
+              </a:rPr>
+              <a:t>Enum</a:t>
+            </a:r>
+            <a:r>
+              <a:rPr lang="en-GB" sz="2800" dirty="0" smtClean="0">
+                <a:latin typeface="Lucida Sans" panose="020B0602030504020204" pitchFamily="34" charset="0"/>
+              </a:rPr>
+              <a:t>, auto</a:t>
+            </a:r>
+          </a:p>
+          <a:p>
+            <a:pPr lvl="0"/>
+            <a:endParaRPr lang="en-GB" sz="2800" dirty="0">
+              <a:latin typeface="Lucida Sans" panose="020B0602030504020204" pitchFamily="34" charset="0"/>
+            </a:endParaRPr>
+          </a:p>
+          <a:p>
+            <a:pPr lvl="0"/>
+            <a:r>
+              <a:rPr lang="en-GB" sz="2800" dirty="0" smtClean="0">
+                <a:latin typeface="Lucida Sans" panose="020B0602030504020204" pitchFamily="34" charset="0"/>
+              </a:rPr>
+              <a:t>class state(</a:t>
+            </a:r>
+            <a:r>
+              <a:rPr lang="en-GB" sz="2800" dirty="0" err="1" smtClean="0">
+                <a:latin typeface="Lucida Sans" panose="020B0602030504020204" pitchFamily="34" charset="0"/>
+              </a:rPr>
+              <a:t>Enum</a:t>
+            </a:r>
+            <a:r>
+              <a:rPr lang="en-GB" sz="2800" dirty="0" smtClean="0">
+                <a:latin typeface="Lucida Sans" panose="020B0602030504020204" pitchFamily="34" charset="0"/>
+              </a:rPr>
+              <a:t>):</a:t>
+            </a:r>
+          </a:p>
+          <a:p>
+            <a:pPr lvl="0"/>
+            <a:r>
+              <a:rPr lang="en-GB" sz="2800" dirty="0">
+                <a:latin typeface="Lucida Sans" panose="020B0602030504020204" pitchFamily="34" charset="0"/>
+              </a:rPr>
+              <a:t>	</a:t>
+            </a:r>
+            <a:r>
+              <a:rPr lang="en-GB" sz="2800" dirty="0" smtClean="0">
+                <a:latin typeface="Lucida Sans" panose="020B0602030504020204" pitchFamily="34" charset="0"/>
+              </a:rPr>
+              <a:t>OFF = auto()</a:t>
+            </a:r>
+          </a:p>
+          <a:p>
+            <a:pPr lvl="0"/>
+            <a:r>
+              <a:rPr lang="en-GB" sz="2800" dirty="0">
+                <a:latin typeface="Lucida Sans" panose="020B0602030504020204" pitchFamily="34" charset="0"/>
+              </a:rPr>
+              <a:t>	</a:t>
+            </a:r>
+            <a:r>
+              <a:rPr lang="en-GB" sz="2800" dirty="0" smtClean="0">
+                <a:latin typeface="Lucida Sans" panose="020B0602030504020204" pitchFamily="34" charset="0"/>
+              </a:rPr>
+              <a:t>LOAD_STATE = auto()</a:t>
+            </a:r>
+          </a:p>
+          <a:p>
+            <a:pPr lvl="0"/>
+            <a:r>
+              <a:rPr lang="en-GB" sz="2800" dirty="0">
+                <a:latin typeface="Lucida Sans" panose="020B0602030504020204" pitchFamily="34" charset="0"/>
+              </a:rPr>
+              <a:t>	</a:t>
+            </a:r>
+            <a:r>
+              <a:rPr lang="en-GB" sz="2800" dirty="0" smtClean="0">
+                <a:latin typeface="Lucida Sans" panose="020B0602030504020204" pitchFamily="34" charset="0"/>
+              </a:rPr>
+              <a:t>CHECK_HOPPERS = auto()</a:t>
+            </a:r>
+          </a:p>
+          <a:p>
+            <a:pPr lvl="0"/>
+            <a:r>
+              <a:rPr lang="en-GB" sz="2800" dirty="0">
+                <a:latin typeface="Lucida Sans" panose="020B0602030504020204" pitchFamily="34" charset="0"/>
+              </a:rPr>
+              <a:t>	</a:t>
+            </a:r>
+            <a:r>
+              <a:rPr lang="en-GB" sz="2800" dirty="0" smtClean="0">
+                <a:latin typeface="Lucida Sans" panose="020B0602030504020204" pitchFamily="34" charset="0"/>
+              </a:rPr>
+              <a:t>READY = auto()</a:t>
+            </a:r>
+          </a:p>
+          <a:p>
+            <a:pPr lvl="0"/>
+            <a:r>
+              <a:rPr lang="en-GB" sz="2800" dirty="0">
+                <a:latin typeface="Lucida Sans" panose="020B0602030504020204" pitchFamily="34" charset="0"/>
+              </a:rPr>
+              <a:t>	</a:t>
+            </a:r>
+            <a:r>
+              <a:rPr lang="en-GB" sz="2800" dirty="0" smtClean="0">
+                <a:latin typeface="Lucida Sans" panose="020B0602030504020204" pitchFamily="34" charset="0"/>
+              </a:rPr>
+              <a:t>GET_SELECTION = auto()</a:t>
+            </a:r>
+          </a:p>
+          <a:p>
+            <a:pPr lvl="0"/>
+            <a:r>
+              <a:rPr lang="en-GB" sz="2800" dirty="0">
+                <a:latin typeface="Lucida Sans" panose="020B0602030504020204" pitchFamily="34" charset="0"/>
+              </a:rPr>
+              <a:t>	</a:t>
+            </a:r>
+            <a:r>
+              <a:rPr lang="en-GB" sz="2800" dirty="0" smtClean="0">
+                <a:latin typeface="Lucida Sans" panose="020B0602030504020204" pitchFamily="34" charset="0"/>
+              </a:rPr>
+              <a:t>….</a:t>
+            </a:r>
+          </a:p>
+          <a:p>
+            <a:pPr lvl="0"/>
+            <a:r>
+              <a:rPr lang="en-GB" sz="2800" dirty="0">
+                <a:latin typeface="Lucida Sans" panose="020B0602030504020204" pitchFamily="34" charset="0"/>
+              </a:rPr>
+              <a:t>	</a:t>
+            </a:r>
+            <a:endParaRPr lang="en-GB" sz="2800" dirty="0" smtClean="0">
+              <a:latin typeface="Lucida Sans" panose="020B0602030504020204" pitchFamily="34" charset="0"/>
+            </a:endParaRPr>
+          </a:p>
+          <a:p>
+            <a:pPr lvl="0"/>
+            <a:endParaRPr lang="en-GB" sz="2800" dirty="0">
+              <a:latin typeface="Lucida Sans" panose="020B0602030504020204" pitchFamily="34" charset="0"/>
+            </a:endParaRPr>
+          </a:p>
+        </p:txBody>
+      </p:sp>
+    </p:spTree>
+    <p:extLst>
+      <p:ext uri="{BB962C8B-B14F-4D97-AF65-F5344CB8AC3E}">
+        <p14:creationId xmlns:p14="http://schemas.microsoft.com/office/powerpoint/2010/main" val="2671331377"/>
+      </p:ext>
+    </p:extLst>
+  </p:cSld>
+  <p:clrMapOvr>
+    <a:masterClrMapping/>
+  </p:clrMapOvr>
+  <p:timing>
+    <p:tnLst>
+      <p:par>
+        <p:cTn id="1" dur="indefinite" restart="never" nodeType="tmRoot"/>
+      </p:par>
+    </p:tnLst>
+  </p:timing>
+</p:sld>
+</file>
+
+<file path=ppt/slides/slide8.xml><?xml version="1.0" encoding="utf-8"?>
+<p:sld xmlns:a="http://schemas.openxmlformats.org/drawingml/2006/main" xmlns:r="http://schemas.openxmlformats.org/officeDocument/2006/relationships" xmlns:p="http://schemas.openxmlformats.org/presentationml/2006/main">
+  <p:cSld>
+    <p:spTree>
+      <p:nvGrpSpPr>
+        <p:cNvPr id="1" name=""/>
+        <p:cNvGrpSpPr/>
+        <p:nvPr/>
+      </p:nvGrpSpPr>
+      <p:grpSpPr>
+        <a:xfrm>
+          <a:off x="0" y="0"/>
+          <a:ext cx="0" cy="0"/>
+          <a:chOff x="0" y="0"/>
+          <a:chExt cx="0" cy="0"/>
+        </a:xfrm>
+      </p:grpSpPr>
+      <p:sp>
+        <p:nvSpPr>
+          <p:cNvPr id="2" name="Title 1"/>
+          <p:cNvSpPr>
+            <a:spLocks noGrp="1"/>
+          </p:cNvSpPr>
+          <p:nvPr>
+            <p:ph type="title"/>
+          </p:nvPr>
+        </p:nvSpPr>
+        <p:spPr>
+          <a:xfrm>
+            <a:off x="251586" y="244158"/>
+            <a:ext cx="8637831" cy="1339850"/>
+          </a:xfrm>
+        </p:spPr>
+        <p:txBody>
+          <a:bodyPr anchor="t"/>
+          <a:lstStyle/>
+          <a:p>
+            <a:pPr algn="l"/>
+            <a:r>
+              <a:rPr lang="en-US" smtClean="0"/>
               <a:t>Syntax</a:t>
             </a:r>
             <a:endParaRPr lang="en-US" dirty="0"/>
@@ -16121,6 +17085,238 @@
     <p:extLst>
       <p:ext uri="{BB962C8B-B14F-4D97-AF65-F5344CB8AC3E}">
         <p14:creationId xmlns:p14="http://schemas.microsoft.com/office/powerpoint/2010/main" val="1169134992"/>
+      </p:ext>
+    </p:extLst>
+  </p:cSld>
+  <p:clrMapOvr>
+    <a:masterClrMapping/>
+  </p:clrMapOvr>
+  <p:timing>
+    <p:tnLst>
+      <p:par>
+        <p:cTn id="1" dur="indefinite" restart="never" nodeType="tmRoot"/>
+      </p:par>
+    </p:tnLst>
+  </p:timing>
+</p:sld>
+</file>
+
+<file path=ppt/slides/slide9.xml><?xml version="1.0" encoding="utf-8"?>
+<p:sld xmlns:a="http://schemas.openxmlformats.org/drawingml/2006/main" xmlns:r="http://schemas.openxmlformats.org/officeDocument/2006/relationships" xmlns:p="http://schemas.openxmlformats.org/presentationml/2006/main">
+  <p:cSld>
+    <p:spTree>
+      <p:nvGrpSpPr>
+        <p:cNvPr id="1" name=""/>
+        <p:cNvGrpSpPr/>
+        <p:nvPr/>
+      </p:nvGrpSpPr>
+      <p:grpSpPr>
+        <a:xfrm>
+          <a:off x="0" y="0"/>
+          <a:ext cx="0" cy="0"/>
+          <a:chOff x="0" y="0"/>
+          <a:chExt cx="0" cy="0"/>
+        </a:xfrm>
+      </p:grpSpPr>
+      <p:sp>
+        <p:nvSpPr>
+          <p:cNvPr id="2" name="Title 1"/>
+          <p:cNvSpPr>
+            <a:spLocks noGrp="1"/>
+          </p:cNvSpPr>
+          <p:nvPr>
+            <p:ph type="title"/>
+          </p:nvPr>
+        </p:nvSpPr>
+        <p:spPr>
+          <a:xfrm>
+            <a:off x="251586" y="244158"/>
+            <a:ext cx="8637831" cy="1339850"/>
+          </a:xfrm>
+        </p:spPr>
+        <p:txBody>
+          <a:bodyPr anchor="t"/>
+          <a:lstStyle/>
+          <a:p>
+            <a:pPr algn="l"/>
+            <a:r>
+              <a:rPr lang="en-US" dirty="0" smtClean="0"/>
+              <a:t>State Machine</a:t>
+            </a:r>
+            <a:endParaRPr lang="en-US" dirty="0"/>
+          </a:p>
+        </p:txBody>
+      </p:sp>
+      <p:sp>
+        <p:nvSpPr>
+          <p:cNvPr id="4" name="Rectangle 3"/>
+          <p:cNvSpPr/>
+          <p:nvPr/>
+        </p:nvSpPr>
+        <p:spPr>
+          <a:xfrm>
+            <a:off x="508000" y="2825826"/>
+            <a:ext cx="8105645" cy="3416320"/>
+          </a:xfrm>
+          <a:prstGeom prst="rect">
+            <a:avLst/>
+          </a:prstGeom>
+        </p:spPr>
+        <p:txBody>
+          <a:bodyPr wrap="square">
+            <a:spAutoFit/>
+          </a:bodyPr>
+          <a:lstStyle/>
+          <a:p>
+            <a:pPr marL="342900" indent="-342900">
+              <a:buFont typeface="Arial" panose="020B0604020202020204" pitchFamily="34" charset="0"/>
+              <a:buChar char="•"/>
+            </a:pPr>
+            <a:r>
+              <a:rPr lang="en-US" sz="2400" dirty="0" smtClean="0">
+                <a:latin typeface="Lucida Sans" panose="020B0602030504020204" pitchFamily="34" charset="0"/>
+              </a:rPr>
+              <a:t>In </a:t>
+            </a:r>
+            <a:r>
+              <a:rPr lang="en-US" sz="2400" dirty="0" err="1" smtClean="0">
+                <a:latin typeface="Lucida Sans" panose="020B0602030504020204" pitchFamily="34" charset="0"/>
+              </a:rPr>
+              <a:t>Coffee_machine</a:t>
+            </a:r>
+            <a:r>
+              <a:rPr lang="en-US" sz="2400" dirty="0" smtClean="0">
+                <a:latin typeface="Lucida Sans" panose="020B0602030504020204" pitchFamily="34" charset="0"/>
+              </a:rPr>
+              <a:t> folder</a:t>
+            </a:r>
+          </a:p>
+          <a:p>
+            <a:pPr marL="800100" lvl="1" indent="-342900">
+              <a:buFont typeface="Arial" panose="020B0604020202020204" pitchFamily="34" charset="0"/>
+              <a:buChar char="•"/>
+            </a:pPr>
+            <a:r>
+              <a:rPr lang="en-US" sz="2400" dirty="0" smtClean="0">
+                <a:latin typeface="Lucida Sans" panose="020B0602030504020204" pitchFamily="34" charset="0"/>
+              </a:rPr>
+              <a:t>state_machine.py</a:t>
+            </a:r>
+          </a:p>
+          <a:p>
+            <a:pPr marL="1257300" lvl="2" indent="-342900">
+              <a:buFont typeface="Arial" panose="020B0604020202020204" pitchFamily="34" charset="0"/>
+              <a:buChar char="•"/>
+            </a:pPr>
+            <a:r>
+              <a:rPr lang="en-US" sz="2400" dirty="0" err="1" smtClean="0">
+                <a:latin typeface="Lucida Sans" panose="020B0602030504020204" pitchFamily="34" charset="0"/>
+              </a:rPr>
+              <a:t>Enum</a:t>
+            </a:r>
+            <a:r>
+              <a:rPr lang="en-US" sz="2400" dirty="0" smtClean="0">
+                <a:latin typeface="Lucida Sans" panose="020B0602030504020204" pitchFamily="34" charset="0"/>
+              </a:rPr>
+              <a:t> for machine-states</a:t>
+            </a:r>
+            <a:endParaRPr lang="en-US" sz="2400" dirty="0" smtClean="0">
+              <a:latin typeface="Lucida Sans" panose="020B0602030504020204" pitchFamily="34" charset="0"/>
+            </a:endParaRPr>
+          </a:p>
+          <a:p>
+            <a:pPr marL="1257300" lvl="2" indent="-342900">
+              <a:buFont typeface="Arial" panose="020B0604020202020204" pitchFamily="34" charset="0"/>
+              <a:buChar char="•"/>
+            </a:pPr>
+            <a:endParaRPr lang="en-US" sz="2400" dirty="0" smtClean="0">
+              <a:latin typeface="Lucida Sans" panose="020B0602030504020204" pitchFamily="34" charset="0"/>
+            </a:endParaRPr>
+          </a:p>
+          <a:p>
+            <a:pPr marL="1257300" lvl="2" indent="-342900">
+              <a:buFont typeface="Arial" panose="020B0604020202020204" pitchFamily="34" charset="0"/>
+              <a:buChar char="•"/>
+            </a:pPr>
+            <a:r>
+              <a:rPr lang="en-US" sz="2400" dirty="0" err="1" smtClean="0">
+                <a:latin typeface="Lucida Sans" panose="020B0602030504020204" pitchFamily="34" charset="0"/>
+              </a:rPr>
+              <a:t>def</a:t>
+            </a:r>
+            <a:r>
+              <a:rPr lang="en-US" sz="2400" dirty="0" smtClean="0">
+                <a:latin typeface="Lucida Sans" panose="020B0602030504020204" pitchFamily="34" charset="0"/>
+              </a:rPr>
+              <a:t> </a:t>
+            </a:r>
+            <a:r>
+              <a:rPr lang="en-US" sz="2400" dirty="0" err="1" smtClean="0">
+                <a:latin typeface="Lucida Sans" panose="020B0602030504020204" pitchFamily="34" charset="0"/>
+              </a:rPr>
+              <a:t>state_machine</a:t>
+            </a:r>
+            <a:r>
+              <a:rPr lang="en-US" sz="2400" dirty="0" smtClean="0">
+                <a:latin typeface="Lucida Sans" panose="020B0602030504020204" pitchFamily="34" charset="0"/>
+              </a:rPr>
+              <a:t>(state</a:t>
+            </a:r>
+            <a:r>
+              <a:rPr lang="en-US" sz="2400" dirty="0" smtClean="0">
+                <a:latin typeface="Lucida Sans" panose="020B0602030504020204" pitchFamily="34" charset="0"/>
+              </a:rPr>
+              <a:t>):</a:t>
+            </a:r>
+            <a:endParaRPr lang="en-US" sz="2400" dirty="0">
+              <a:latin typeface="Lucida Sans" panose="020B0602030504020204" pitchFamily="34" charset="0"/>
+            </a:endParaRPr>
+          </a:p>
+          <a:p>
+            <a:pPr marL="1714500" lvl="3" indent="-342900">
+              <a:buFont typeface="Arial" panose="020B0604020202020204" pitchFamily="34" charset="0"/>
+              <a:buChar char="•"/>
+            </a:pPr>
+            <a:r>
+              <a:rPr lang="en-GB" sz="2400" dirty="0">
+                <a:latin typeface="Lucida Sans" panose="020B0602030504020204" pitchFamily="34" charset="0"/>
+              </a:rPr>
+              <a:t>Use match to call functions for each state</a:t>
+            </a:r>
+          </a:p>
+          <a:p>
+            <a:pPr marL="1714500" lvl="3" indent="-342900">
+              <a:buFont typeface="Arial" panose="020B0604020202020204" pitchFamily="34" charset="0"/>
+              <a:buChar char="•"/>
+            </a:pPr>
+            <a:r>
+              <a:rPr lang="en-GB" sz="2400" dirty="0" smtClean="0">
+                <a:latin typeface="Lucida Sans" panose="020B0602030504020204" pitchFamily="34" charset="0"/>
+              </a:rPr>
+              <a:t>The </a:t>
+            </a:r>
+            <a:r>
+              <a:rPr lang="en-GB" sz="2400" dirty="0">
+                <a:latin typeface="Lucida Sans" panose="020B0602030504020204" pitchFamily="34" charset="0"/>
+              </a:rPr>
+              <a:t>functions should return the new state</a:t>
+            </a:r>
+          </a:p>
+          <a:p>
+            <a:pPr marL="1257300" lvl="2" indent="-342900">
+              <a:buFont typeface="Arial" panose="020B0604020202020204" pitchFamily="34" charset="0"/>
+              <a:buChar char="•"/>
+            </a:pPr>
+            <a:endParaRPr lang="en-US" sz="2400" dirty="0" smtClean="0">
+              <a:latin typeface="Lucida Sans" panose="020B0602030504020204" pitchFamily="34" charset="0"/>
+            </a:endParaRPr>
+          </a:p>
+        </p:txBody>
+      </p:sp>
+    </p:spTree>
+    <p:extLst>
+      <p:ext uri="{BB962C8B-B14F-4D97-AF65-F5344CB8AC3E}">
+        <p14:creationId xmlns:p14="http://schemas.microsoft.com/office/powerpoint/2010/main" val="288456378"/>
       </p:ext>
     </p:extLst>
   </p:cSld>

--- a/DG_04 The Toolset.pptx
+++ b/DG_04 The Toolset.pptx
@@ -5,7 +5,7 @@
     <p:sldMasterId id="2147483739" r:id="rId1"/>
   </p:sldMasterIdLst>
   <p:notesMasterIdLst>
-    <p:notesMasterId r:id="rId12"/>
+    <p:notesMasterId r:id="rId16"/>
   </p:notesMasterIdLst>
   <p:sldIdLst>
     <p:sldId id="643" r:id="rId2"/>
@@ -14,10 +14,14 @@
     <p:sldId id="645" r:id="rId5"/>
     <p:sldId id="649" r:id="rId6"/>
     <p:sldId id="646" r:id="rId7"/>
-    <p:sldId id="651" r:id="rId8"/>
-    <p:sldId id="647" r:id="rId9"/>
-    <p:sldId id="652" r:id="rId10"/>
-    <p:sldId id="650" r:id="rId11"/>
+    <p:sldId id="647" r:id="rId8"/>
+    <p:sldId id="653" r:id="rId9"/>
+    <p:sldId id="654" r:id="rId10"/>
+    <p:sldId id="655" r:id="rId11"/>
+    <p:sldId id="651" r:id="rId12"/>
+    <p:sldId id="656" r:id="rId13"/>
+    <p:sldId id="652" r:id="rId14"/>
+    <p:sldId id="650" r:id="rId15"/>
   </p:sldIdLst>
   <p:sldSz cx="9144000" cy="6858000" type="screen4x3"/>
   <p:notesSz cx="6858000" cy="9144000"/>
@@ -118,7 +122,7 @@
   </p:defaultTextStyle>
   <p:extLst>
     <p:ext uri="{EFAFB233-063F-42B5-8137-9DF3F51BA10A}">
-      <p15:sldGuideLst xmlns:p15="http://schemas.microsoft.com/office/powerpoint/2012/main">
+      <p15:sldGuideLst xmlns:p15="http://schemas.microsoft.com/office/powerpoint/2012/main" xmlns="">
         <p15:guide id="1" orient="horz" pos="2160">
           <p15:clr>
             <a:srgbClr val="A4A3A4"/>
@@ -569,6 +573,342 @@
 </p:notes>
 </file>
 
+<file path=ppt/notesSlides/notesSlide10.xml><?xml version="1.0" encoding="utf-8"?>
+<p:notes xmlns:a="http://schemas.openxmlformats.org/drawingml/2006/main" xmlns:r="http://schemas.openxmlformats.org/officeDocument/2006/relationships" xmlns:p="http://schemas.openxmlformats.org/presentationml/2006/main">
+  <p:cSld>
+    <p:spTree>
+      <p:nvGrpSpPr>
+        <p:cNvPr id="1" name=""/>
+        <p:cNvGrpSpPr/>
+        <p:nvPr/>
+      </p:nvGrpSpPr>
+      <p:grpSpPr>
+        <a:xfrm>
+          <a:off x="0" y="0"/>
+          <a:ext cx="0" cy="0"/>
+          <a:chOff x="0" y="0"/>
+          <a:chExt cx="0" cy="0"/>
+        </a:xfrm>
+      </p:grpSpPr>
+      <p:sp>
+        <p:nvSpPr>
+          <p:cNvPr id="2" name="Slide Image Placeholder 1"/>
+          <p:cNvSpPr>
+            <a:spLocks noGrp="1" noRot="1" noChangeAspect="1"/>
+          </p:cNvSpPr>
+          <p:nvPr>
+            <p:ph type="sldImg"/>
+          </p:nvPr>
+        </p:nvSpPr>
+        <p:spPr/>
+      </p:sp>
+      <p:sp>
+        <p:nvSpPr>
+          <p:cNvPr id="3" name="Notes Placeholder 2"/>
+          <p:cNvSpPr>
+            <a:spLocks noGrp="1"/>
+          </p:cNvSpPr>
+          <p:nvPr>
+            <p:ph type="body" idx="1"/>
+          </p:nvPr>
+        </p:nvSpPr>
+        <p:spPr/>
+        <p:txBody>
+          <a:bodyPr/>
+          <a:lstStyle/>
+          <a:p>
+            <a:endParaRPr lang="en-US" dirty="0"/>
+          </a:p>
+        </p:txBody>
+      </p:sp>
+      <p:sp>
+        <p:nvSpPr>
+          <p:cNvPr id="4" name="Slide Number Placeholder 3"/>
+          <p:cNvSpPr>
+            <a:spLocks noGrp="1"/>
+          </p:cNvSpPr>
+          <p:nvPr>
+            <p:ph type="sldNum" sz="quarter" idx="10"/>
+          </p:nvPr>
+        </p:nvSpPr>
+        <p:spPr/>
+        <p:txBody>
+          <a:bodyPr/>
+          <a:lstStyle/>
+          <a:p>
+            <a:fld id="{2D8A47E9-43C9-0F4F-9379-1746571B2494}" type="slidenum">
+              <a:rPr lang="en-US" smtClean="0"/>
+              <a:t>11</a:t>
+            </a:fld>
+            <a:endParaRPr lang="en-US"/>
+          </a:p>
+        </p:txBody>
+      </p:sp>
+    </p:spTree>
+    <p:extLst>
+      <p:ext uri="{BB962C8B-B14F-4D97-AF65-F5344CB8AC3E}">
+        <p14:creationId xmlns:p14="http://schemas.microsoft.com/office/powerpoint/2010/main" val="3665432864"/>
+      </p:ext>
+    </p:extLst>
+  </p:cSld>
+  <p:clrMapOvr>
+    <a:masterClrMapping/>
+  </p:clrMapOvr>
+</p:notes>
+</file>
+
+<file path=ppt/notesSlides/notesSlide11.xml><?xml version="1.0" encoding="utf-8"?>
+<p:notes xmlns:a="http://schemas.openxmlformats.org/drawingml/2006/main" xmlns:r="http://schemas.openxmlformats.org/officeDocument/2006/relationships" xmlns:p="http://schemas.openxmlformats.org/presentationml/2006/main">
+  <p:cSld>
+    <p:spTree>
+      <p:nvGrpSpPr>
+        <p:cNvPr id="1" name=""/>
+        <p:cNvGrpSpPr/>
+        <p:nvPr/>
+      </p:nvGrpSpPr>
+      <p:grpSpPr>
+        <a:xfrm>
+          <a:off x="0" y="0"/>
+          <a:ext cx="0" cy="0"/>
+          <a:chOff x="0" y="0"/>
+          <a:chExt cx="0" cy="0"/>
+        </a:xfrm>
+      </p:grpSpPr>
+      <p:sp>
+        <p:nvSpPr>
+          <p:cNvPr id="2" name="Slide Image Placeholder 1"/>
+          <p:cNvSpPr>
+            <a:spLocks noGrp="1" noRot="1" noChangeAspect="1"/>
+          </p:cNvSpPr>
+          <p:nvPr>
+            <p:ph type="sldImg"/>
+          </p:nvPr>
+        </p:nvSpPr>
+        <p:spPr/>
+      </p:sp>
+      <p:sp>
+        <p:nvSpPr>
+          <p:cNvPr id="3" name="Notes Placeholder 2"/>
+          <p:cNvSpPr>
+            <a:spLocks noGrp="1"/>
+          </p:cNvSpPr>
+          <p:nvPr>
+            <p:ph type="body" idx="1"/>
+          </p:nvPr>
+        </p:nvSpPr>
+        <p:spPr/>
+        <p:txBody>
+          <a:bodyPr/>
+          <a:lstStyle/>
+          <a:p>
+            <a:endParaRPr lang="en-US" dirty="0"/>
+          </a:p>
+        </p:txBody>
+      </p:sp>
+      <p:sp>
+        <p:nvSpPr>
+          <p:cNvPr id="4" name="Slide Number Placeholder 3"/>
+          <p:cNvSpPr>
+            <a:spLocks noGrp="1"/>
+          </p:cNvSpPr>
+          <p:nvPr>
+            <p:ph type="sldNum" sz="quarter" idx="10"/>
+          </p:nvPr>
+        </p:nvSpPr>
+        <p:spPr/>
+        <p:txBody>
+          <a:bodyPr/>
+          <a:lstStyle/>
+          <a:p>
+            <a:fld id="{2D8A47E9-43C9-0F4F-9379-1746571B2494}" type="slidenum">
+              <a:rPr lang="en-US" smtClean="0"/>
+              <a:t>12</a:t>
+            </a:fld>
+            <a:endParaRPr lang="en-US"/>
+          </a:p>
+        </p:txBody>
+      </p:sp>
+    </p:spTree>
+    <p:extLst>
+      <p:ext uri="{BB962C8B-B14F-4D97-AF65-F5344CB8AC3E}">
+        <p14:creationId xmlns:p14="http://schemas.microsoft.com/office/powerpoint/2010/main" val="3665432864"/>
+      </p:ext>
+    </p:extLst>
+  </p:cSld>
+  <p:clrMapOvr>
+    <a:masterClrMapping/>
+  </p:clrMapOvr>
+</p:notes>
+</file>
+
+<file path=ppt/notesSlides/notesSlide12.xml><?xml version="1.0" encoding="utf-8"?>
+<p:notes xmlns:a="http://schemas.openxmlformats.org/drawingml/2006/main" xmlns:r="http://schemas.openxmlformats.org/officeDocument/2006/relationships" xmlns:p="http://schemas.openxmlformats.org/presentationml/2006/main">
+  <p:cSld>
+    <p:spTree>
+      <p:nvGrpSpPr>
+        <p:cNvPr id="1" name=""/>
+        <p:cNvGrpSpPr/>
+        <p:nvPr/>
+      </p:nvGrpSpPr>
+      <p:grpSpPr>
+        <a:xfrm>
+          <a:off x="0" y="0"/>
+          <a:ext cx="0" cy="0"/>
+          <a:chOff x="0" y="0"/>
+          <a:chExt cx="0" cy="0"/>
+        </a:xfrm>
+      </p:grpSpPr>
+      <p:sp>
+        <p:nvSpPr>
+          <p:cNvPr id="2" name="Slide Image Placeholder 1"/>
+          <p:cNvSpPr>
+            <a:spLocks noGrp="1" noRot="1" noChangeAspect="1"/>
+          </p:cNvSpPr>
+          <p:nvPr>
+            <p:ph type="sldImg"/>
+          </p:nvPr>
+        </p:nvSpPr>
+        <p:spPr/>
+      </p:sp>
+      <p:sp>
+        <p:nvSpPr>
+          <p:cNvPr id="3" name="Notes Placeholder 2"/>
+          <p:cNvSpPr>
+            <a:spLocks noGrp="1"/>
+          </p:cNvSpPr>
+          <p:nvPr>
+            <p:ph type="body" idx="1"/>
+          </p:nvPr>
+        </p:nvSpPr>
+        <p:spPr/>
+        <p:txBody>
+          <a:bodyPr/>
+          <a:lstStyle/>
+          <a:p>
+            <a:endParaRPr lang="en-US" dirty="0"/>
+          </a:p>
+        </p:txBody>
+      </p:sp>
+      <p:sp>
+        <p:nvSpPr>
+          <p:cNvPr id="4" name="Slide Number Placeholder 3"/>
+          <p:cNvSpPr>
+            <a:spLocks noGrp="1"/>
+          </p:cNvSpPr>
+          <p:nvPr>
+            <p:ph type="sldNum" sz="quarter" idx="10"/>
+          </p:nvPr>
+        </p:nvSpPr>
+        <p:spPr/>
+        <p:txBody>
+          <a:bodyPr/>
+          <a:lstStyle/>
+          <a:p>
+            <a:fld id="{2D8A47E9-43C9-0F4F-9379-1746571B2494}" type="slidenum">
+              <a:rPr lang="en-US" smtClean="0"/>
+              <a:t>13</a:t>
+            </a:fld>
+            <a:endParaRPr lang="en-US"/>
+          </a:p>
+        </p:txBody>
+      </p:sp>
+    </p:spTree>
+    <p:extLst>
+      <p:ext uri="{BB962C8B-B14F-4D97-AF65-F5344CB8AC3E}">
+        <p14:creationId xmlns:p14="http://schemas.microsoft.com/office/powerpoint/2010/main" val="4204864892"/>
+      </p:ext>
+    </p:extLst>
+  </p:cSld>
+  <p:clrMapOvr>
+    <a:masterClrMapping/>
+  </p:clrMapOvr>
+</p:notes>
+</file>
+
+<file path=ppt/notesSlides/notesSlide13.xml><?xml version="1.0" encoding="utf-8"?>
+<p:notes xmlns:a="http://schemas.openxmlformats.org/drawingml/2006/main" xmlns:r="http://schemas.openxmlformats.org/officeDocument/2006/relationships" xmlns:p="http://schemas.openxmlformats.org/presentationml/2006/main">
+  <p:cSld>
+    <p:spTree>
+      <p:nvGrpSpPr>
+        <p:cNvPr id="1" name=""/>
+        <p:cNvGrpSpPr/>
+        <p:nvPr/>
+      </p:nvGrpSpPr>
+      <p:grpSpPr>
+        <a:xfrm>
+          <a:off x="0" y="0"/>
+          <a:ext cx="0" cy="0"/>
+          <a:chOff x="0" y="0"/>
+          <a:chExt cx="0" cy="0"/>
+        </a:xfrm>
+      </p:grpSpPr>
+      <p:sp>
+        <p:nvSpPr>
+          <p:cNvPr id="2" name="Slide Image Placeholder 1"/>
+          <p:cNvSpPr>
+            <a:spLocks noGrp="1" noRot="1" noChangeAspect="1"/>
+          </p:cNvSpPr>
+          <p:nvPr>
+            <p:ph type="sldImg"/>
+          </p:nvPr>
+        </p:nvSpPr>
+        <p:spPr/>
+      </p:sp>
+      <p:sp>
+        <p:nvSpPr>
+          <p:cNvPr id="3" name="Notes Placeholder 2"/>
+          <p:cNvSpPr>
+            <a:spLocks noGrp="1"/>
+          </p:cNvSpPr>
+          <p:nvPr>
+            <p:ph type="body" idx="1"/>
+          </p:nvPr>
+        </p:nvSpPr>
+        <p:spPr/>
+        <p:txBody>
+          <a:bodyPr/>
+          <a:lstStyle/>
+          <a:p>
+            <a:endParaRPr lang="en-US" dirty="0"/>
+          </a:p>
+        </p:txBody>
+      </p:sp>
+      <p:sp>
+        <p:nvSpPr>
+          <p:cNvPr id="4" name="Slide Number Placeholder 3"/>
+          <p:cNvSpPr>
+            <a:spLocks noGrp="1"/>
+          </p:cNvSpPr>
+          <p:nvPr>
+            <p:ph type="sldNum" sz="quarter" idx="10"/>
+          </p:nvPr>
+        </p:nvSpPr>
+        <p:spPr/>
+        <p:txBody>
+          <a:bodyPr/>
+          <a:lstStyle/>
+          <a:p>
+            <a:fld id="{2D8A47E9-43C9-0F4F-9379-1746571B2494}" type="slidenum">
+              <a:rPr lang="en-US" smtClean="0"/>
+              <a:t>14</a:t>
+            </a:fld>
+            <a:endParaRPr lang="en-US"/>
+          </a:p>
+        </p:txBody>
+      </p:sp>
+    </p:spTree>
+    <p:extLst>
+      <p:ext uri="{BB962C8B-B14F-4D97-AF65-F5344CB8AC3E}">
+        <p14:creationId xmlns:p14="http://schemas.microsoft.com/office/powerpoint/2010/main" val="2433334982"/>
+      </p:ext>
+    </p:extLst>
+  </p:cSld>
+  <p:clrMapOvr>
+    <a:masterClrMapping/>
+  </p:clrMapOvr>
+</p:notes>
+</file>
+
 <file path=ppt/notesSlides/notesSlide2.xml><?xml version="1.0" encoding="utf-8"?>
 <p:notes xmlns:a="http://schemas.openxmlformats.org/drawingml/2006/main" xmlns:r="http://schemas.openxmlformats.org/officeDocument/2006/relationships" xmlns:p="http://schemas.openxmlformats.org/presentationml/2006/main">
   <p:cSld>
@@ -979,7 +1319,7 @@
     </p:spTree>
     <p:extLst>
       <p:ext uri="{BB962C8B-B14F-4D97-AF65-F5344CB8AC3E}">
-        <p14:creationId xmlns:p14="http://schemas.microsoft.com/office/powerpoint/2010/main" val="3665432864"/>
+        <p14:creationId xmlns:p14="http://schemas.microsoft.com/office/powerpoint/2010/main" val="3988076159"/>
       </p:ext>
     </p:extLst>
   </p:cSld>
@@ -1147,7 +1487,7 @@
     </p:spTree>
     <p:extLst>
       <p:ext uri="{BB962C8B-B14F-4D97-AF65-F5344CB8AC3E}">
-        <p14:creationId xmlns:p14="http://schemas.microsoft.com/office/powerpoint/2010/main" val="4204864892"/>
+        <p14:creationId xmlns:p14="http://schemas.microsoft.com/office/powerpoint/2010/main" val="3988076159"/>
       </p:ext>
     </p:extLst>
   </p:cSld>
@@ -1231,7 +1571,7 @@
     </p:spTree>
     <p:extLst>
       <p:ext uri="{BB962C8B-B14F-4D97-AF65-F5344CB8AC3E}">
-        <p14:creationId xmlns:p14="http://schemas.microsoft.com/office/powerpoint/2010/main" val="2433334982"/>
+        <p14:creationId xmlns:p14="http://schemas.microsoft.com/office/powerpoint/2010/main" val="3988076159"/>
       </p:ext>
     </p:extLst>
   </p:cSld>
@@ -15841,8 +16181,178 @@
           <a:p>
             <a:pPr algn="l"/>
             <a:r>
-              <a:rPr lang="en-US" dirty="0" smtClean="0"/>
-              <a:t>import</a:t>
+              <a:rPr lang="en-US" smtClean="0"/>
+              <a:t>VSC Select Interpreter</a:t>
+            </a:r>
+            <a:endParaRPr lang="en-US" dirty="0"/>
+          </a:p>
+        </p:txBody>
+      </p:sp>
+      <p:sp>
+        <p:nvSpPr>
+          <p:cNvPr id="5" name="Rectangle 4"/>
+          <p:cNvSpPr/>
+          <p:nvPr/>
+        </p:nvSpPr>
+        <p:spPr>
+          <a:xfrm>
+            <a:off x="251586" y="2127167"/>
+            <a:ext cx="8047587" cy="1200329"/>
+          </a:xfrm>
+          <a:prstGeom prst="rect">
+            <a:avLst/>
+          </a:prstGeom>
+        </p:spPr>
+        <p:txBody>
+          <a:bodyPr wrap="square">
+            <a:spAutoFit/>
+          </a:bodyPr>
+          <a:lstStyle/>
+          <a:p>
+            <a:pPr lvl="0"/>
+            <a:r>
+              <a:rPr lang="en-US" sz="3600" smtClean="0">
+                <a:latin typeface="Lucida Sans" panose="020B0602030504020204" pitchFamily="34" charset="0"/>
+              </a:rPr>
+              <a:t>View-&gt; Command Pallete</a:t>
+            </a:r>
+          </a:p>
+          <a:p>
+            <a:pPr lvl="0"/>
+            <a:r>
+              <a:rPr lang="en-US" sz="3600" smtClean="0">
+                <a:latin typeface="Lucida Sans" panose="020B0602030504020204" pitchFamily="34" charset="0"/>
+              </a:rPr>
+              <a:t> -&gt;python:Selected Interpreter</a:t>
+            </a:r>
+          </a:p>
+        </p:txBody>
+      </p:sp>
+      <p:pic>
+        <p:nvPicPr>
+          <p:cNvPr id="2050" name="Picture 2"/>
+          <p:cNvPicPr>
+            <a:picLocks noChangeAspect="1" noChangeArrowheads="1"/>
+          </p:cNvPicPr>
+          <p:nvPr/>
+        </p:nvPicPr>
+        <p:blipFill>
+          <a:blip r:embed="rId3">
+            <a:extLst>
+              <a:ext uri="{28A0092B-C50C-407E-A947-70E740481C1C}">
+                <a14:useLocalDpi xmlns:a14="http://schemas.microsoft.com/office/drawing/2010/main" val="0"/>
+              </a:ext>
+            </a:extLst>
+          </a:blip>
+          <a:srcRect/>
+          <a:stretch>
+            <a:fillRect/>
+          </a:stretch>
+        </p:blipFill>
+        <p:spPr bwMode="auto">
+          <a:xfrm>
+            <a:off x="1126510" y="3540190"/>
+            <a:ext cx="5883275" cy="1905000"/>
+          </a:xfrm>
+          <a:prstGeom prst="rect">
+            <a:avLst/>
+          </a:prstGeom>
+          <a:noFill/>
+          <a:ln>
+            <a:noFill/>
+          </a:ln>
+          <a:effectLst/>
+          <a:extLst>
+            <a:ext uri="{909E8E84-426E-40DD-AFC4-6F175D3DCCD1}">
+              <a14:hiddenFill xmlns:a14="http://schemas.microsoft.com/office/drawing/2010/main">
+                <a:solidFill>
+                  <a:schemeClr val="accent1"/>
+                </a:solidFill>
+              </a14:hiddenFill>
+            </a:ext>
+            <a:ext uri="{91240B29-F687-4F45-9708-019B960494DF}">
+              <a14:hiddenLine xmlns:a14="http://schemas.microsoft.com/office/drawing/2010/main" w="9525">
+                <a:solidFill>
+                  <a:schemeClr val="tx1"/>
+                </a:solidFill>
+                <a:miter lim="800000"/>
+                <a:headEnd/>
+                <a:tailEnd/>
+              </a14:hiddenLine>
+            </a:ext>
+            <a:ext uri="{AF507438-7753-43E0-B8FC-AC1667EBCBE1}">
+              <a14:hiddenEffects xmlns:a14="http://schemas.microsoft.com/office/drawing/2010/main">
+                <a:effectLst>
+                  <a:outerShdw dist="35921" dir="2700000" algn="ctr" rotWithShape="0">
+                    <a:schemeClr val="bg2"/>
+                  </a:outerShdw>
+                </a:effectLst>
+              </a14:hiddenEffects>
+            </a:ext>
+          </a:extLst>
+        </p:spPr>
+      </p:pic>
+    </p:spTree>
+    <p:extLst>
+      <p:ext uri="{BB962C8B-B14F-4D97-AF65-F5344CB8AC3E}">
+        <p14:creationId xmlns:p14="http://schemas.microsoft.com/office/powerpoint/2010/main" val="4148938402"/>
+      </p:ext>
+    </p:extLst>
+  </p:cSld>
+  <p:clrMapOvr>
+    <a:masterClrMapping/>
+  </p:clrMapOvr>
+  <p:timing>
+    <p:tnLst>
+      <p:par>
+        <p:cTn id="1" dur="indefinite" restart="never" nodeType="tmRoot"/>
+      </p:par>
+    </p:tnLst>
+  </p:timing>
+</p:sld>
+</file>
+
+<file path=ppt/slides/slide11.xml><?xml version="1.0" encoding="utf-8"?>
+<p:sld xmlns:a="http://schemas.openxmlformats.org/drawingml/2006/main" xmlns:r="http://schemas.openxmlformats.org/officeDocument/2006/relationships" xmlns:p="http://schemas.openxmlformats.org/presentationml/2006/main">
+  <p:cSld>
+    <p:spTree>
+      <p:nvGrpSpPr>
+        <p:cNvPr id="1" name=""/>
+        <p:cNvGrpSpPr/>
+        <p:nvPr/>
+      </p:nvGrpSpPr>
+      <p:grpSpPr>
+        <a:xfrm>
+          <a:off x="0" y="0"/>
+          <a:ext cx="0" cy="0"/>
+          <a:chOff x="0" y="0"/>
+          <a:chExt cx="0" cy="0"/>
+        </a:xfrm>
+      </p:grpSpPr>
+      <p:sp>
+        <p:nvSpPr>
+          <p:cNvPr id="2" name="Title 1"/>
+          <p:cNvSpPr>
+            <a:spLocks noGrp="1"/>
+          </p:cNvSpPr>
+          <p:nvPr>
+            <p:ph type="title"/>
+          </p:nvPr>
+        </p:nvSpPr>
+        <p:spPr>
+          <a:xfrm>
+            <a:off x="251586" y="244158"/>
+            <a:ext cx="8637831" cy="1339850"/>
+          </a:xfrm>
+        </p:spPr>
+        <p:txBody>
+          <a:bodyPr anchor="t"/>
+          <a:lstStyle/>
+          <a:p>
+            <a:pPr algn="l"/>
+            <a:r>
+              <a:rPr lang="en-US" dirty="0" err="1" smtClean="0"/>
+              <a:t>enum</a:t>
             </a:r>
             <a:endParaRPr lang="en-US" dirty="0"/>
           </a:p>
@@ -15857,7 +16367,7 @@
         <p:spPr>
           <a:xfrm>
             <a:off x="251586" y="2511201"/>
-            <a:ext cx="8337873" cy="954107"/>
+            <a:ext cx="8337873" cy="4832092"/>
           </a:xfrm>
           <a:prstGeom prst="rect">
             <a:avLst/>
@@ -15872,6 +16382,777 @@
             <a:pPr lvl="0"/>
             <a:r>
               <a:rPr lang="en-GB" sz="2800" dirty="0" smtClean="0">
+                <a:latin typeface="Lucida Sans" panose="020B0602030504020204" pitchFamily="34" charset="0"/>
+              </a:rPr>
+              <a:t>from </a:t>
+            </a:r>
+            <a:r>
+              <a:rPr lang="en-GB" sz="2800" dirty="0" err="1" smtClean="0">
+                <a:latin typeface="Lucida Sans" panose="020B0602030504020204" pitchFamily="34" charset="0"/>
+              </a:rPr>
+              <a:t>enum</a:t>
+            </a:r>
+            <a:r>
+              <a:rPr lang="en-GB" sz="2800" dirty="0" smtClean="0">
+                <a:latin typeface="Lucida Sans" panose="020B0602030504020204" pitchFamily="34" charset="0"/>
+              </a:rPr>
+              <a:t> import </a:t>
+            </a:r>
+            <a:r>
+              <a:rPr lang="en-GB" sz="2800" b="1" dirty="0" err="1" smtClean="0">
+                <a:solidFill>
+                  <a:srgbClr val="FF0000"/>
+                </a:solidFill>
+                <a:latin typeface="Lucida Sans" panose="020B0602030504020204" pitchFamily="34" charset="0"/>
+              </a:rPr>
+              <a:t>E</a:t>
+            </a:r>
+            <a:r>
+              <a:rPr lang="en-GB" sz="2800" dirty="0" err="1" smtClean="0">
+                <a:latin typeface="Lucida Sans" panose="020B0602030504020204" pitchFamily="34" charset="0"/>
+              </a:rPr>
+              <a:t>num</a:t>
+            </a:r>
+            <a:r>
+              <a:rPr lang="en-GB" sz="2800" dirty="0" smtClean="0">
+                <a:latin typeface="Lucida Sans" panose="020B0602030504020204" pitchFamily="34" charset="0"/>
+              </a:rPr>
+              <a:t>, auto</a:t>
+            </a:r>
+          </a:p>
+          <a:p>
+            <a:pPr lvl="0"/>
+            <a:endParaRPr lang="en-GB" sz="2800" dirty="0">
+              <a:latin typeface="Lucida Sans" panose="020B0602030504020204" pitchFamily="34" charset="0"/>
+            </a:endParaRPr>
+          </a:p>
+          <a:p>
+            <a:pPr lvl="0"/>
+            <a:r>
+              <a:rPr lang="en-GB" sz="2800" dirty="0" smtClean="0">
+                <a:latin typeface="Lucida Sans" panose="020B0602030504020204" pitchFamily="34" charset="0"/>
+              </a:rPr>
+              <a:t>class state(</a:t>
+            </a:r>
+            <a:r>
+              <a:rPr lang="en-GB" sz="2800" b="1" dirty="0" err="1" smtClean="0">
+                <a:solidFill>
+                  <a:srgbClr val="FF0000"/>
+                </a:solidFill>
+                <a:latin typeface="Lucida Sans" panose="020B0602030504020204" pitchFamily="34" charset="0"/>
+              </a:rPr>
+              <a:t>E</a:t>
+            </a:r>
+            <a:r>
+              <a:rPr lang="en-GB" sz="2800" dirty="0" err="1" smtClean="0">
+                <a:latin typeface="Lucida Sans" panose="020B0602030504020204" pitchFamily="34" charset="0"/>
+              </a:rPr>
+              <a:t>num</a:t>
+            </a:r>
+            <a:r>
+              <a:rPr lang="en-GB" sz="2800" dirty="0" smtClean="0">
+                <a:latin typeface="Lucida Sans" panose="020B0602030504020204" pitchFamily="34" charset="0"/>
+              </a:rPr>
+              <a:t>):</a:t>
+            </a:r>
+          </a:p>
+          <a:p>
+            <a:pPr lvl="0"/>
+            <a:r>
+              <a:rPr lang="en-GB" sz="2800" dirty="0">
+                <a:latin typeface="Lucida Sans" panose="020B0602030504020204" pitchFamily="34" charset="0"/>
+              </a:rPr>
+              <a:t>	</a:t>
+            </a:r>
+            <a:r>
+              <a:rPr lang="en-GB" sz="2800" dirty="0" smtClean="0">
+                <a:latin typeface="Lucida Sans" panose="020B0602030504020204" pitchFamily="34" charset="0"/>
+              </a:rPr>
+              <a:t>OFF = auto()</a:t>
+            </a:r>
+          </a:p>
+          <a:p>
+            <a:pPr lvl="0"/>
+            <a:r>
+              <a:rPr lang="en-GB" sz="2800" dirty="0">
+                <a:latin typeface="Lucida Sans" panose="020B0602030504020204" pitchFamily="34" charset="0"/>
+              </a:rPr>
+              <a:t>	</a:t>
+            </a:r>
+            <a:r>
+              <a:rPr lang="en-GB" sz="2800" dirty="0" smtClean="0">
+                <a:latin typeface="Lucida Sans" panose="020B0602030504020204" pitchFamily="34" charset="0"/>
+              </a:rPr>
+              <a:t>LOAD_STATE = auto()</a:t>
+            </a:r>
+          </a:p>
+          <a:p>
+            <a:pPr lvl="0"/>
+            <a:r>
+              <a:rPr lang="en-GB" sz="2800" dirty="0">
+                <a:latin typeface="Lucida Sans" panose="020B0602030504020204" pitchFamily="34" charset="0"/>
+              </a:rPr>
+              <a:t>	</a:t>
+            </a:r>
+            <a:r>
+              <a:rPr lang="en-GB" sz="2800" dirty="0" smtClean="0">
+                <a:latin typeface="Lucida Sans" panose="020B0602030504020204" pitchFamily="34" charset="0"/>
+              </a:rPr>
+              <a:t>CHECK_HOPPERS = auto()</a:t>
+            </a:r>
+          </a:p>
+          <a:p>
+            <a:pPr lvl="0"/>
+            <a:r>
+              <a:rPr lang="en-GB" sz="2800" dirty="0">
+                <a:latin typeface="Lucida Sans" panose="020B0602030504020204" pitchFamily="34" charset="0"/>
+              </a:rPr>
+              <a:t>	</a:t>
+            </a:r>
+            <a:r>
+              <a:rPr lang="en-GB" sz="2800" dirty="0" smtClean="0">
+                <a:latin typeface="Lucida Sans" panose="020B0602030504020204" pitchFamily="34" charset="0"/>
+              </a:rPr>
+              <a:t>READY = auto()</a:t>
+            </a:r>
+          </a:p>
+          <a:p>
+            <a:pPr lvl="0"/>
+            <a:r>
+              <a:rPr lang="en-GB" sz="2800" dirty="0">
+                <a:latin typeface="Lucida Sans" panose="020B0602030504020204" pitchFamily="34" charset="0"/>
+              </a:rPr>
+              <a:t>	</a:t>
+            </a:r>
+            <a:r>
+              <a:rPr lang="en-GB" sz="2800" dirty="0" smtClean="0">
+                <a:latin typeface="Lucida Sans" panose="020B0602030504020204" pitchFamily="34" charset="0"/>
+              </a:rPr>
+              <a:t>GET_SELECTION = auto()</a:t>
+            </a:r>
+          </a:p>
+          <a:p>
+            <a:pPr lvl="0"/>
+            <a:r>
+              <a:rPr lang="en-GB" sz="2800" dirty="0">
+                <a:latin typeface="Lucida Sans" panose="020B0602030504020204" pitchFamily="34" charset="0"/>
+              </a:rPr>
+              <a:t>	</a:t>
+            </a:r>
+            <a:r>
+              <a:rPr lang="en-GB" sz="2800" dirty="0" smtClean="0">
+                <a:latin typeface="Lucida Sans" panose="020B0602030504020204" pitchFamily="34" charset="0"/>
+              </a:rPr>
+              <a:t>….</a:t>
+            </a:r>
+          </a:p>
+          <a:p>
+            <a:pPr lvl="0"/>
+            <a:r>
+              <a:rPr lang="en-GB" sz="2800" dirty="0">
+                <a:latin typeface="Lucida Sans" panose="020B0602030504020204" pitchFamily="34" charset="0"/>
+              </a:rPr>
+              <a:t>	</a:t>
+            </a:r>
+            <a:endParaRPr lang="en-GB" sz="2800" dirty="0" smtClean="0">
+              <a:latin typeface="Lucida Sans" panose="020B0602030504020204" pitchFamily="34" charset="0"/>
+            </a:endParaRPr>
+          </a:p>
+          <a:p>
+            <a:pPr lvl="0"/>
+            <a:endParaRPr lang="en-GB" sz="2800" dirty="0">
+              <a:latin typeface="Lucida Sans" panose="020B0602030504020204" pitchFamily="34" charset="0"/>
+            </a:endParaRPr>
+          </a:p>
+        </p:txBody>
+      </p:sp>
+    </p:spTree>
+    <p:extLst>
+      <p:ext uri="{BB962C8B-B14F-4D97-AF65-F5344CB8AC3E}">
+        <p14:creationId xmlns:p14="http://schemas.microsoft.com/office/powerpoint/2010/main" val="2671331377"/>
+      </p:ext>
+    </p:extLst>
+  </p:cSld>
+  <p:clrMapOvr>
+    <a:masterClrMapping/>
+  </p:clrMapOvr>
+  <p:timing>
+    <p:tnLst>
+      <p:par>
+        <p:cTn id="1" dur="indefinite" restart="never" nodeType="tmRoot"/>
+      </p:par>
+    </p:tnLst>
+  </p:timing>
+</p:sld>
+</file>
+
+<file path=ppt/slides/slide12.xml><?xml version="1.0" encoding="utf-8"?>
+<p:sld xmlns:a="http://schemas.openxmlformats.org/drawingml/2006/main" xmlns:r="http://schemas.openxmlformats.org/officeDocument/2006/relationships" xmlns:p="http://schemas.openxmlformats.org/presentationml/2006/main">
+  <p:cSld>
+    <p:spTree>
+      <p:nvGrpSpPr>
+        <p:cNvPr id="1" name=""/>
+        <p:cNvGrpSpPr/>
+        <p:nvPr/>
+      </p:nvGrpSpPr>
+      <p:grpSpPr>
+        <a:xfrm>
+          <a:off x="0" y="0"/>
+          <a:ext cx="0" cy="0"/>
+          <a:chOff x="0" y="0"/>
+          <a:chExt cx="0" cy="0"/>
+        </a:xfrm>
+      </p:grpSpPr>
+      <p:sp>
+        <p:nvSpPr>
+          <p:cNvPr id="2" name="Title 1"/>
+          <p:cNvSpPr>
+            <a:spLocks noGrp="1"/>
+          </p:cNvSpPr>
+          <p:nvPr>
+            <p:ph type="title"/>
+          </p:nvPr>
+        </p:nvSpPr>
+        <p:spPr>
+          <a:xfrm>
+            <a:off x="251586" y="244158"/>
+            <a:ext cx="8637831" cy="1339850"/>
+          </a:xfrm>
+        </p:spPr>
+        <p:txBody>
+          <a:bodyPr anchor="t"/>
+          <a:lstStyle/>
+          <a:p>
+            <a:pPr algn="l"/>
+            <a:r>
+              <a:rPr lang="en-US" smtClean="0"/>
+              <a:t>match</a:t>
+            </a:r>
+            <a:endParaRPr lang="en-US" dirty="0"/>
+          </a:p>
+        </p:txBody>
+      </p:sp>
+      <p:sp>
+        <p:nvSpPr>
+          <p:cNvPr id="5" name="Rectangle 4"/>
+          <p:cNvSpPr/>
+          <p:nvPr/>
+        </p:nvSpPr>
+        <p:spPr>
+          <a:xfrm>
+            <a:off x="251586" y="2511201"/>
+            <a:ext cx="8337873" cy="3108543"/>
+          </a:xfrm>
+          <a:prstGeom prst="rect">
+            <a:avLst/>
+          </a:prstGeom>
+        </p:spPr>
+        <p:txBody>
+          <a:bodyPr wrap="square">
+            <a:spAutoFit/>
+          </a:bodyPr>
+          <a:lstStyle/>
+          <a:p>
+            <a:pPr lvl="0"/>
+            <a:r>
+              <a:rPr lang="en-GB" sz="2800" smtClean="0">
+                <a:latin typeface="Lucida Sans" panose="020B0602030504020204" pitchFamily="34" charset="0"/>
+              </a:rPr>
+              <a:t>def state_machine(currentState):</a:t>
+            </a:r>
+            <a:endParaRPr lang="en-GB" sz="2800" dirty="0" smtClean="0">
+              <a:latin typeface="Lucida Sans" panose="020B0602030504020204" pitchFamily="34" charset="0"/>
+            </a:endParaRPr>
+          </a:p>
+          <a:p>
+            <a:pPr lvl="0"/>
+            <a:r>
+              <a:rPr lang="en-GB" sz="2800">
+                <a:latin typeface="Lucida Sans" panose="020B0602030504020204" pitchFamily="34" charset="0"/>
+              </a:rPr>
+              <a:t>	</a:t>
+            </a:r>
+            <a:r>
+              <a:rPr lang="en-GB" sz="2800" b="1" smtClean="0">
+                <a:solidFill>
+                  <a:srgbClr val="FF0000"/>
+                </a:solidFill>
+                <a:latin typeface="Lucida Sans" panose="020B0602030504020204" pitchFamily="34" charset="0"/>
+              </a:rPr>
+              <a:t>match</a:t>
+            </a:r>
+            <a:r>
+              <a:rPr lang="en-GB" sz="2800" smtClean="0">
+                <a:latin typeface="Lucida Sans" panose="020B0602030504020204" pitchFamily="34" charset="0"/>
+              </a:rPr>
+              <a:t> currentState:</a:t>
+            </a:r>
+          </a:p>
+          <a:p>
+            <a:pPr lvl="0"/>
+            <a:r>
+              <a:rPr lang="en-GB" sz="2800">
+                <a:latin typeface="Lucida Sans" panose="020B0602030504020204" pitchFamily="34" charset="0"/>
+              </a:rPr>
+              <a:t>	</a:t>
+            </a:r>
+            <a:r>
+              <a:rPr lang="en-GB" sz="2800" smtClean="0">
+                <a:latin typeface="Lucida Sans" panose="020B0602030504020204" pitchFamily="34" charset="0"/>
+              </a:rPr>
+              <a:t>	</a:t>
+            </a:r>
+            <a:r>
+              <a:rPr lang="en-GB" sz="2800" b="1" smtClean="0">
+                <a:solidFill>
+                  <a:srgbClr val="FF0000"/>
+                </a:solidFill>
+                <a:latin typeface="Lucida Sans" panose="020B0602030504020204" pitchFamily="34" charset="0"/>
+              </a:rPr>
+              <a:t>case</a:t>
+            </a:r>
+            <a:r>
+              <a:rPr lang="en-GB" sz="2800" smtClean="0">
+                <a:latin typeface="Lucida Sans" panose="020B0602030504020204" pitchFamily="34" charset="0"/>
+              </a:rPr>
+              <a:t> state.</a:t>
+            </a:r>
+            <a:r>
+              <a:rPr lang="en-GB" sz="2800" smtClean="0">
+                <a:latin typeface="Lucida Sans" panose="020B0602030504020204" pitchFamily="34" charset="0"/>
+              </a:rPr>
+              <a:t>OFF:</a:t>
+            </a:r>
+          </a:p>
+          <a:p>
+            <a:pPr lvl="0"/>
+            <a:r>
+              <a:rPr lang="en-GB" sz="2800">
+                <a:latin typeface="Lucida Sans" panose="020B0602030504020204" pitchFamily="34" charset="0"/>
+              </a:rPr>
+              <a:t>	</a:t>
+            </a:r>
+            <a:r>
+              <a:rPr lang="en-GB" sz="2800" smtClean="0">
+                <a:latin typeface="Lucida Sans" panose="020B0602030504020204" pitchFamily="34" charset="0"/>
+              </a:rPr>
+              <a:t>	</a:t>
+            </a:r>
+            <a:r>
+              <a:rPr lang="en-GB" sz="2800" b="1" smtClean="0">
+                <a:solidFill>
+                  <a:srgbClr val="FF0000"/>
+                </a:solidFill>
+                <a:latin typeface="Lucida Sans" panose="020B0602030504020204" pitchFamily="34" charset="0"/>
+              </a:rPr>
+              <a:t>case</a:t>
+            </a:r>
+            <a:r>
+              <a:rPr lang="en-GB" sz="2800" smtClean="0">
+                <a:latin typeface="Lucida Sans" panose="020B0602030504020204" pitchFamily="34" charset="0"/>
+              </a:rPr>
+              <a:t> state.</a:t>
+            </a:r>
+            <a:r>
+              <a:rPr lang="en-GB" sz="2800">
+                <a:latin typeface="Lucida Sans" panose="020B0602030504020204" pitchFamily="34" charset="0"/>
+              </a:rPr>
+              <a:t>	</a:t>
+            </a:r>
+            <a:r>
+              <a:rPr lang="en-GB" sz="2800" smtClean="0">
+                <a:latin typeface="Lucida Sans" panose="020B0602030504020204" pitchFamily="34" charset="0"/>
+              </a:rPr>
+              <a:t>CHECK_HOPPERS:</a:t>
+            </a:r>
+          </a:p>
+          <a:p>
+            <a:pPr lvl="0"/>
+            <a:r>
+              <a:rPr lang="en-GB" sz="2800" dirty="0">
+                <a:latin typeface="Lucida Sans" panose="020B0602030504020204" pitchFamily="34" charset="0"/>
+              </a:rPr>
+              <a:t>	</a:t>
+            </a:r>
+            <a:r>
+              <a:rPr lang="en-GB" sz="2800" dirty="0" smtClean="0">
+                <a:latin typeface="Lucida Sans" panose="020B0602030504020204" pitchFamily="34" charset="0"/>
+              </a:rPr>
+              <a:t>….</a:t>
+            </a:r>
+          </a:p>
+          <a:p>
+            <a:pPr lvl="0"/>
+            <a:r>
+              <a:rPr lang="en-GB" sz="2800" dirty="0">
+                <a:latin typeface="Lucida Sans" panose="020B0602030504020204" pitchFamily="34" charset="0"/>
+              </a:rPr>
+              <a:t>	</a:t>
+            </a:r>
+            <a:endParaRPr lang="en-GB" sz="2800" dirty="0" smtClean="0">
+              <a:latin typeface="Lucida Sans" panose="020B0602030504020204" pitchFamily="34" charset="0"/>
+            </a:endParaRPr>
+          </a:p>
+          <a:p>
+            <a:pPr lvl="0"/>
+            <a:endParaRPr lang="en-GB" sz="2800" dirty="0">
+              <a:latin typeface="Lucida Sans" panose="020B0602030504020204" pitchFamily="34" charset="0"/>
+            </a:endParaRPr>
+          </a:p>
+        </p:txBody>
+      </p:sp>
+    </p:spTree>
+    <p:extLst>
+      <p:ext uri="{BB962C8B-B14F-4D97-AF65-F5344CB8AC3E}">
+        <p14:creationId xmlns:p14="http://schemas.microsoft.com/office/powerpoint/2010/main" val="3085796892"/>
+      </p:ext>
+    </p:extLst>
+  </p:cSld>
+  <p:clrMapOvr>
+    <a:masterClrMapping/>
+  </p:clrMapOvr>
+  <p:timing>
+    <p:tnLst>
+      <p:par>
+        <p:cTn id="1" dur="indefinite" restart="never" nodeType="tmRoot"/>
+      </p:par>
+    </p:tnLst>
+  </p:timing>
+</p:sld>
+</file>
+
+<file path=ppt/slides/slide13.xml><?xml version="1.0" encoding="utf-8"?>
+<p:sld xmlns:a="http://schemas.openxmlformats.org/drawingml/2006/main" xmlns:r="http://schemas.openxmlformats.org/officeDocument/2006/relationships" xmlns:p="http://schemas.openxmlformats.org/presentationml/2006/main">
+  <p:cSld>
+    <p:spTree>
+      <p:nvGrpSpPr>
+        <p:cNvPr id="1" name=""/>
+        <p:cNvGrpSpPr/>
+        <p:nvPr/>
+      </p:nvGrpSpPr>
+      <p:grpSpPr>
+        <a:xfrm>
+          <a:off x="0" y="0"/>
+          <a:ext cx="0" cy="0"/>
+          <a:chOff x="0" y="0"/>
+          <a:chExt cx="0" cy="0"/>
+        </a:xfrm>
+      </p:grpSpPr>
+      <p:sp>
+        <p:nvSpPr>
+          <p:cNvPr id="2" name="Title 1"/>
+          <p:cNvSpPr>
+            <a:spLocks noGrp="1"/>
+          </p:cNvSpPr>
+          <p:nvPr>
+            <p:ph type="title"/>
+          </p:nvPr>
+        </p:nvSpPr>
+        <p:spPr>
+          <a:xfrm>
+            <a:off x="251586" y="244158"/>
+            <a:ext cx="8637831" cy="1339850"/>
+          </a:xfrm>
+        </p:spPr>
+        <p:txBody>
+          <a:bodyPr anchor="t"/>
+          <a:lstStyle/>
+          <a:p>
+            <a:pPr algn="l"/>
+            <a:r>
+              <a:rPr lang="en-US" dirty="0" smtClean="0"/>
+              <a:t>State Machine</a:t>
+            </a:r>
+            <a:endParaRPr lang="en-US" dirty="0"/>
+          </a:p>
+        </p:txBody>
+      </p:sp>
+      <p:sp>
+        <p:nvSpPr>
+          <p:cNvPr id="4" name="Rectangle 3"/>
+          <p:cNvSpPr/>
+          <p:nvPr/>
+        </p:nvSpPr>
+        <p:spPr>
+          <a:xfrm>
+            <a:off x="508000" y="2825826"/>
+            <a:ext cx="8105645" cy="3416320"/>
+          </a:xfrm>
+          <a:prstGeom prst="rect">
+            <a:avLst/>
+          </a:prstGeom>
+        </p:spPr>
+        <p:txBody>
+          <a:bodyPr wrap="square">
+            <a:spAutoFit/>
+          </a:bodyPr>
+          <a:lstStyle/>
+          <a:p>
+            <a:pPr marL="342900" indent="-342900">
+              <a:buFont typeface="Arial" panose="020B0604020202020204" pitchFamily="34" charset="0"/>
+              <a:buChar char="•"/>
+            </a:pPr>
+            <a:r>
+              <a:rPr lang="en-US" sz="2400" dirty="0" smtClean="0">
+                <a:latin typeface="Lucida Sans" panose="020B0602030504020204" pitchFamily="34" charset="0"/>
+              </a:rPr>
+              <a:t>In </a:t>
+            </a:r>
+            <a:r>
+              <a:rPr lang="en-US" sz="2400" dirty="0" err="1" smtClean="0">
+                <a:latin typeface="Lucida Sans" panose="020B0602030504020204" pitchFamily="34" charset="0"/>
+              </a:rPr>
+              <a:t>Coffee_machine</a:t>
+            </a:r>
+            <a:r>
+              <a:rPr lang="en-US" sz="2400" dirty="0" smtClean="0">
+                <a:latin typeface="Lucida Sans" panose="020B0602030504020204" pitchFamily="34" charset="0"/>
+              </a:rPr>
+              <a:t> folder</a:t>
+            </a:r>
+          </a:p>
+          <a:p>
+            <a:pPr marL="800100" lvl="1" indent="-342900">
+              <a:buFont typeface="Arial" panose="020B0604020202020204" pitchFamily="34" charset="0"/>
+              <a:buChar char="•"/>
+            </a:pPr>
+            <a:r>
+              <a:rPr lang="en-US" sz="2400" dirty="0" smtClean="0">
+                <a:latin typeface="Lucida Sans" panose="020B0602030504020204" pitchFamily="34" charset="0"/>
+              </a:rPr>
+              <a:t>state_machine.py</a:t>
+            </a:r>
+          </a:p>
+          <a:p>
+            <a:pPr marL="1257300" lvl="2" indent="-342900">
+              <a:buFont typeface="Arial" panose="020B0604020202020204" pitchFamily="34" charset="0"/>
+              <a:buChar char="•"/>
+            </a:pPr>
+            <a:r>
+              <a:rPr lang="en-US" sz="2400" dirty="0" err="1" smtClean="0">
+                <a:latin typeface="Lucida Sans" panose="020B0602030504020204" pitchFamily="34" charset="0"/>
+              </a:rPr>
+              <a:t>Enum</a:t>
+            </a:r>
+            <a:r>
+              <a:rPr lang="en-US" sz="2400" dirty="0" smtClean="0">
+                <a:latin typeface="Lucida Sans" panose="020B0602030504020204" pitchFamily="34" charset="0"/>
+              </a:rPr>
+              <a:t> for machine-states</a:t>
+            </a:r>
+          </a:p>
+          <a:p>
+            <a:pPr marL="1257300" lvl="2" indent="-342900">
+              <a:buFont typeface="Arial" panose="020B0604020202020204" pitchFamily="34" charset="0"/>
+              <a:buChar char="•"/>
+            </a:pPr>
+            <a:endParaRPr lang="en-US" sz="2400" dirty="0" smtClean="0">
+              <a:latin typeface="Lucida Sans" panose="020B0602030504020204" pitchFamily="34" charset="0"/>
+            </a:endParaRPr>
+          </a:p>
+          <a:p>
+            <a:pPr marL="1257300" lvl="2" indent="-342900">
+              <a:buFont typeface="Arial" panose="020B0604020202020204" pitchFamily="34" charset="0"/>
+              <a:buChar char="•"/>
+            </a:pPr>
+            <a:r>
+              <a:rPr lang="en-US" sz="2400" dirty="0" err="1" smtClean="0">
+                <a:latin typeface="Lucida Sans" panose="020B0602030504020204" pitchFamily="34" charset="0"/>
+              </a:rPr>
+              <a:t>def</a:t>
+            </a:r>
+            <a:r>
+              <a:rPr lang="en-US" sz="2400" dirty="0" smtClean="0">
+                <a:latin typeface="Lucida Sans" panose="020B0602030504020204" pitchFamily="34" charset="0"/>
+              </a:rPr>
+              <a:t> </a:t>
+            </a:r>
+            <a:r>
+              <a:rPr lang="en-US" sz="2400" dirty="0" err="1" smtClean="0">
+                <a:latin typeface="Lucida Sans" panose="020B0602030504020204" pitchFamily="34" charset="0"/>
+              </a:rPr>
+              <a:t>state_machine</a:t>
+            </a:r>
+            <a:r>
+              <a:rPr lang="en-US" sz="2400" dirty="0" smtClean="0">
+                <a:latin typeface="Lucida Sans" panose="020B0602030504020204" pitchFamily="34" charset="0"/>
+              </a:rPr>
+              <a:t>(state):</a:t>
+            </a:r>
+            <a:endParaRPr lang="en-US" sz="2400" dirty="0">
+              <a:latin typeface="Lucida Sans" panose="020B0602030504020204" pitchFamily="34" charset="0"/>
+            </a:endParaRPr>
+          </a:p>
+          <a:p>
+            <a:pPr marL="1714500" lvl="3" indent="-342900">
+              <a:buFont typeface="Arial" panose="020B0604020202020204" pitchFamily="34" charset="0"/>
+              <a:buChar char="•"/>
+            </a:pPr>
+            <a:r>
+              <a:rPr lang="en-GB" sz="2400" dirty="0">
+                <a:latin typeface="Lucida Sans" panose="020B0602030504020204" pitchFamily="34" charset="0"/>
+              </a:rPr>
+              <a:t>Use match to call functions for each state</a:t>
+            </a:r>
+          </a:p>
+          <a:p>
+            <a:pPr marL="1714500" lvl="3" indent="-342900">
+              <a:buFont typeface="Arial" panose="020B0604020202020204" pitchFamily="34" charset="0"/>
+              <a:buChar char="•"/>
+            </a:pPr>
+            <a:r>
+              <a:rPr lang="en-GB" sz="2400" dirty="0" smtClean="0">
+                <a:latin typeface="Lucida Sans" panose="020B0602030504020204" pitchFamily="34" charset="0"/>
+              </a:rPr>
+              <a:t>The </a:t>
+            </a:r>
+            <a:r>
+              <a:rPr lang="en-GB" sz="2400" dirty="0">
+                <a:latin typeface="Lucida Sans" panose="020B0602030504020204" pitchFamily="34" charset="0"/>
+              </a:rPr>
+              <a:t>functions should return the new state</a:t>
+            </a:r>
+          </a:p>
+          <a:p>
+            <a:pPr marL="1257300" lvl="2" indent="-342900">
+              <a:buFont typeface="Arial" panose="020B0604020202020204" pitchFamily="34" charset="0"/>
+              <a:buChar char="•"/>
+            </a:pPr>
+            <a:endParaRPr lang="en-US" sz="2400" dirty="0" smtClean="0">
+              <a:latin typeface="Lucida Sans" panose="020B0602030504020204" pitchFamily="34" charset="0"/>
+            </a:endParaRPr>
+          </a:p>
+        </p:txBody>
+      </p:sp>
+    </p:spTree>
+    <p:extLst>
+      <p:ext uri="{BB962C8B-B14F-4D97-AF65-F5344CB8AC3E}">
+        <p14:creationId xmlns:p14="http://schemas.microsoft.com/office/powerpoint/2010/main" val="288456378"/>
+      </p:ext>
+    </p:extLst>
+  </p:cSld>
+  <p:clrMapOvr>
+    <a:masterClrMapping/>
+  </p:clrMapOvr>
+  <p:timing>
+    <p:tnLst>
+      <p:par>
+        <p:cTn id="1" dur="indefinite" restart="never" nodeType="tmRoot"/>
+      </p:par>
+    </p:tnLst>
+  </p:timing>
+</p:sld>
+</file>
+
+<file path=ppt/slides/slide14.xml><?xml version="1.0" encoding="utf-8"?>
+<p:sld xmlns:a="http://schemas.openxmlformats.org/drawingml/2006/main" xmlns:r="http://schemas.openxmlformats.org/officeDocument/2006/relationships" xmlns:p="http://schemas.openxmlformats.org/presentationml/2006/main">
+  <p:cSld>
+    <p:spTree>
+      <p:nvGrpSpPr>
+        <p:cNvPr id="1" name=""/>
+        <p:cNvGrpSpPr/>
+        <p:nvPr/>
+      </p:nvGrpSpPr>
+      <p:grpSpPr>
+        <a:xfrm>
+          <a:off x="0" y="0"/>
+          <a:ext cx="0" cy="0"/>
+          <a:chOff x="0" y="0"/>
+          <a:chExt cx="0" cy="0"/>
+        </a:xfrm>
+      </p:grpSpPr>
+      <p:sp>
+        <p:nvSpPr>
+          <p:cNvPr id="2" name="Title 1"/>
+          <p:cNvSpPr>
+            <a:spLocks noGrp="1"/>
+          </p:cNvSpPr>
+          <p:nvPr>
+            <p:ph type="title"/>
+          </p:nvPr>
+        </p:nvSpPr>
+        <p:spPr>
+          <a:xfrm>
+            <a:off x="251586" y="244158"/>
+            <a:ext cx="8637831" cy="1339850"/>
+          </a:xfrm>
+        </p:spPr>
+        <p:txBody>
+          <a:bodyPr anchor="t"/>
+          <a:lstStyle/>
+          <a:p>
+            <a:pPr algn="l"/>
+            <a:r>
+              <a:rPr lang="en-US" dirty="0" smtClean="0"/>
+              <a:t>import</a:t>
+            </a:r>
+            <a:endParaRPr lang="en-US" dirty="0"/>
+          </a:p>
+        </p:txBody>
+      </p:sp>
+      <p:sp>
+        <p:nvSpPr>
+          <p:cNvPr id="5" name="Rectangle 4"/>
+          <p:cNvSpPr/>
+          <p:nvPr/>
+        </p:nvSpPr>
+        <p:spPr>
+          <a:xfrm>
+            <a:off x="251586" y="2511201"/>
+            <a:ext cx="8337873" cy="2246769"/>
+          </a:xfrm>
+          <a:prstGeom prst="rect">
+            <a:avLst/>
+          </a:prstGeom>
+        </p:spPr>
+        <p:txBody>
+          <a:bodyPr wrap="square">
+            <a:spAutoFit/>
+          </a:bodyPr>
+          <a:lstStyle/>
+          <a:p>
+            <a:pPr lvl="0"/>
+            <a:r>
+              <a:rPr lang="en-GB" sz="2800" smtClean="0">
+                <a:latin typeface="Lucida Sans" panose="020B0602030504020204" pitchFamily="34" charset="0"/>
+              </a:rPr>
+              <a:t>In state_machine.py</a:t>
+            </a:r>
+          </a:p>
+          <a:p>
+            <a:pPr marL="914400" lvl="1" indent="-457200">
+              <a:buFont typeface="Arial" panose="020B0604020202020204" pitchFamily="34" charset="0"/>
+              <a:buChar char="•"/>
+            </a:pPr>
+            <a:r>
+              <a:rPr lang="en-GB" sz="2800" smtClean="0">
+                <a:latin typeface="Lucida Sans" panose="020B0602030504020204" pitchFamily="34" charset="0"/>
+              </a:rPr>
+              <a:t>To call functions in other folders</a:t>
+            </a:r>
+            <a:endParaRPr lang="en-GB" sz="2800" smtClean="0">
+              <a:latin typeface="Lucida Sans" panose="020B0602030504020204" pitchFamily="34" charset="0"/>
+            </a:endParaRPr>
+          </a:p>
+          <a:p>
+            <a:pPr lvl="0"/>
+            <a:r>
+              <a:rPr lang="en-GB" sz="2800" smtClean="0">
+                <a:latin typeface="Lucida Sans" panose="020B0602030504020204" pitchFamily="34" charset="0"/>
+              </a:rPr>
+              <a:t>		</a:t>
+            </a:r>
+          </a:p>
+          <a:p>
+            <a:pPr lvl="0"/>
+            <a:r>
+              <a:rPr lang="en-GB" sz="2800">
+                <a:latin typeface="Lucida Sans" panose="020B0602030504020204" pitchFamily="34" charset="0"/>
+              </a:rPr>
+              <a:t>	</a:t>
+            </a:r>
+            <a:r>
+              <a:rPr lang="en-GB" sz="2800" smtClean="0">
                 <a:latin typeface="Lucida Sans" panose="020B0602030504020204" pitchFamily="34" charset="0"/>
               </a:rPr>
               <a:t>from </a:t>
@@ -15989,8 +17270,11 @@
               <a:rPr lang="en-US" sz="3600" smtClean="0">
                 <a:latin typeface="Lucida Sans" panose="020B0602030504020204" pitchFamily="34" charset="0"/>
               </a:rPr>
-              <a:t>Integers</a:t>
-            </a:r>
+              <a:t>Integers 	(immutable!!!)</a:t>
+            </a:r>
+            <a:endParaRPr lang="en-US" sz="3600" smtClean="0">
+              <a:latin typeface="Lucida Sans" panose="020B0602030504020204" pitchFamily="34" charset="0"/>
+            </a:endParaRPr>
           </a:p>
           <a:p>
             <a:pPr lvl="0"/>
@@ -15998,26 +17282,84 @@
               <a:rPr lang="en-US" sz="3600" smtClean="0">
                 <a:latin typeface="Lucida Sans" panose="020B0602030504020204" pitchFamily="34" charset="0"/>
               </a:rPr>
-              <a:t>Floats</a:t>
-            </a:r>
-          </a:p>
-          <a:p>
-            <a:pPr lvl="0"/>
+              <a:t>Floats			</a:t>
+            </a:r>
+          </a:p>
+          <a:p>
             <a:r>
               <a:rPr lang="en-US" sz="3600" smtClean="0">
                 <a:latin typeface="Lucida Sans" panose="020B0602030504020204" pitchFamily="34" charset="0"/>
               </a:rPr>
-              <a:t>Booleans</a:t>
-            </a:r>
-          </a:p>
-          <a:p>
-            <a:pPr lvl="0"/>
+              <a:t>Booleans	(</a:t>
+            </a:r>
+            <a:r>
+              <a:rPr lang="en-US" sz="3600" b="1">
+                <a:solidFill>
+                  <a:srgbClr val="FF0000"/>
+                </a:solidFill>
+                <a:latin typeface="Lucida Sans" panose="020B0602030504020204" pitchFamily="34" charset="0"/>
+              </a:rPr>
+              <a:t>T</a:t>
+            </a:r>
+            <a:r>
+              <a:rPr lang="en-US" sz="3600">
+                <a:latin typeface="Lucida Sans" panose="020B0602030504020204" pitchFamily="34" charset="0"/>
+              </a:rPr>
+              <a:t>rue/</a:t>
+            </a:r>
+            <a:r>
+              <a:rPr lang="en-US" sz="3600" b="1">
+                <a:solidFill>
+                  <a:srgbClr val="FF0000"/>
+                </a:solidFill>
+                <a:latin typeface="Lucida Sans" panose="020B0602030504020204" pitchFamily="34" charset="0"/>
+              </a:rPr>
+              <a:t>F</a:t>
+            </a:r>
+            <a:r>
+              <a:rPr lang="en-US" sz="3600">
+                <a:latin typeface="Lucida Sans" panose="020B0602030504020204" pitchFamily="34" charset="0"/>
+              </a:rPr>
+              <a:t>alse</a:t>
+            </a:r>
             <a:r>
               <a:rPr lang="en-US" sz="3600" smtClean="0">
                 <a:latin typeface="Lucida Sans" panose="020B0602030504020204" pitchFamily="34" charset="0"/>
               </a:rPr>
-              <a:t>Strings</a:t>
-            </a:r>
+              <a:t>)</a:t>
+            </a:r>
+            <a:endParaRPr lang="en-US" sz="3600" smtClean="0">
+              <a:latin typeface="Lucida Sans" panose="020B0602030504020204" pitchFamily="34" charset="0"/>
+            </a:endParaRPr>
+          </a:p>
+          <a:p>
+            <a:r>
+              <a:rPr lang="en-US" sz="3600">
+                <a:latin typeface="Lucida Sans" panose="020B0602030504020204" pitchFamily="34" charset="0"/>
+              </a:rPr>
+              <a:t>Strings </a:t>
+            </a:r>
+            <a:r>
+              <a:rPr lang="en-US" sz="3600" smtClean="0">
+                <a:latin typeface="Lucida Sans" panose="020B0602030504020204" pitchFamily="34" charset="0"/>
+              </a:rPr>
+              <a:t>		(</a:t>
+            </a:r>
+            <a:r>
+              <a:rPr lang="en-US" sz="3600">
+                <a:latin typeface="Lucida Sans" panose="020B0602030504020204" pitchFamily="34" charset="0"/>
+              </a:rPr>
+              <a:t>immutable</a:t>
+            </a:r>
+            <a:r>
+              <a:rPr lang="en-US" sz="3600" smtClean="0">
+                <a:latin typeface="Lucida Sans" panose="020B0602030504020204" pitchFamily="34" charset="0"/>
+              </a:rPr>
+              <a:t>!!!)</a:t>
+            </a:r>
+            <a:endParaRPr lang="en-US" sz="3600">
+              <a:latin typeface="Lucida Sans" panose="020B0602030504020204" pitchFamily="34" charset="0"/>
+            </a:endParaRPr>
           </a:p>
         </p:txBody>
       </p:sp>
@@ -16211,7 +17553,7 @@
         <p:spPr>
           <a:xfrm>
             <a:off x="841829" y="2472400"/>
-            <a:ext cx="8047587" cy="2308324"/>
+            <a:ext cx="8047587" cy="2862322"/>
           </a:xfrm>
           <a:prstGeom prst="rect">
             <a:avLst/>
@@ -16228,8 +17570,17 @@
               <a:rPr lang="en-US" sz="3600" smtClean="0">
                 <a:latin typeface="Lucida Sans" panose="020B0602030504020204" pitchFamily="34" charset="0"/>
               </a:rPr>
-              <a:t>Tuple (1,2,3)</a:t>
-            </a:r>
+              <a:t>Tuple (1,2,3</a:t>
+            </a:r>
+            <a:r>
+              <a:rPr lang="en-US" sz="3600" smtClean="0">
+                <a:latin typeface="Lucida Sans" panose="020B0602030504020204" pitchFamily="34" charset="0"/>
+              </a:rPr>
+              <a:t>)	(immutable)</a:t>
+            </a:r>
+            <a:endParaRPr lang="en-US" sz="3600" smtClean="0">
+              <a:latin typeface="Lucida Sans" panose="020B0602030504020204" pitchFamily="34" charset="0"/>
+            </a:endParaRPr>
           </a:p>
           <a:p>
             <a:pPr lvl="0"/>
@@ -16246,17 +17597,47 @@
               <a:rPr lang="en-US" sz="3600" smtClean="0">
                 <a:latin typeface="Lucida Sans" panose="020B0602030504020204" pitchFamily="34" charset="0"/>
               </a:rPr>
-              <a:t>Set		{1,2,3}</a:t>
-            </a:r>
-          </a:p>
-          <a:p>
-            <a:pPr lvl="0"/>
+              <a:t>Set		{1,2,3</a:t>
+            </a:r>
             <a:r>
               <a:rPr lang="en-US" sz="3600" smtClean="0">
                 <a:latin typeface="Lucida Sans" panose="020B0602030504020204" pitchFamily="34" charset="0"/>
               </a:rPr>
-              <a:t>Dict		{"a":1, "b":2, "c":3}</a:t>
-            </a:r>
+              <a:t>}	(unique/ordered)</a:t>
+            </a:r>
+            <a:endParaRPr lang="en-US" sz="3600" smtClean="0">
+              <a:latin typeface="Lucida Sans" panose="020B0602030504020204" pitchFamily="34" charset="0"/>
+            </a:endParaRPr>
+          </a:p>
+          <a:p>
+            <a:pPr lvl="0"/>
+            <a:r>
+              <a:rPr lang="en-US" sz="3600" smtClean="0">
+                <a:latin typeface="Lucida Sans" panose="020B0602030504020204" pitchFamily="34" charset="0"/>
+              </a:rPr>
+              <a:t>Dict		{"a":1, "b":2, "c":3</a:t>
+            </a:r>
+            <a:r>
+              <a:rPr lang="en-US" sz="3600" smtClean="0">
+                <a:latin typeface="Lucida Sans" panose="020B0602030504020204" pitchFamily="34" charset="0"/>
+              </a:rPr>
+              <a:t>}</a:t>
+            </a:r>
+          </a:p>
+          <a:p>
+            <a:pPr marL="914400" lvl="1" indent="-457200">
+              <a:buFont typeface="Arial" panose="020B0604020202020204" pitchFamily="34" charset="0"/>
+              <a:buChar char="•"/>
+            </a:pPr>
+            <a:r>
+              <a:rPr lang="en-US" sz="3200" smtClean="0">
+                <a:latin typeface="Lucida Sans" panose="020B0602030504020204" pitchFamily="34" charset="0"/>
+              </a:rPr>
+              <a:t>also unique and ordered on keys</a:t>
+            </a:r>
+            <a:endParaRPr lang="en-US" sz="3200" smtClean="0">
+              <a:latin typeface="Lucida Sans" panose="020B0602030504020204" pitchFamily="34" charset="0"/>
+            </a:endParaRPr>
           </a:p>
         </p:txBody>
       </p:sp>
@@ -16334,8 +17715,8 @@
         </p:nvSpPr>
         <p:spPr>
           <a:xfrm>
-            <a:off x="841829" y="2472400"/>
-            <a:ext cx="8047587" cy="3970318"/>
+            <a:off x="720531" y="2108506"/>
+            <a:ext cx="8047587" cy="4524315"/>
           </a:xfrm>
           <a:prstGeom prst="rect">
             <a:avLst/>
@@ -16366,9 +17747,6 @@
               </a:rPr>
               <a:t>)</a:t>
             </a:r>
-            <a:endParaRPr lang="en-US" sz="3600" dirty="0" smtClean="0">
-              <a:latin typeface="Lucida Sans" panose="020B0602030504020204" pitchFamily="34" charset="0"/>
-            </a:endParaRPr>
           </a:p>
           <a:p>
             <a:pPr lvl="0"/>
@@ -16390,9 +17768,6 @@
               </a:rPr>
               <a:t>)</a:t>
             </a:r>
-            <a:endParaRPr lang="en-US" sz="3600" dirty="0" smtClean="0">
-              <a:latin typeface="Lucida Sans" panose="020B0602030504020204" pitchFamily="34" charset="0"/>
-            </a:endParaRPr>
           </a:p>
           <a:p>
             <a:pPr lvl="0"/>
@@ -16414,9 +17789,6 @@
               </a:rPr>
               <a:t>)</a:t>
             </a:r>
-            <a:endParaRPr lang="en-US" sz="3600" dirty="0" smtClean="0">
-              <a:latin typeface="Lucida Sans" panose="020B0602030504020204" pitchFamily="34" charset="0"/>
-            </a:endParaRPr>
           </a:p>
           <a:p>
             <a:pPr lvl="0"/>
@@ -16430,13 +17802,7 @@
               <a:rPr lang="en-US" sz="3600" dirty="0" smtClean="0">
                 <a:latin typeface="Lucida Sans" panose="020B0602030504020204" pitchFamily="34" charset="0"/>
               </a:rPr>
-              <a:t>	</a:t>
-            </a:r>
-            <a:r>
-              <a:rPr lang="en-US" sz="3600" dirty="0" smtClean="0">
-                <a:latin typeface="Lucida Sans" panose="020B0602030504020204" pitchFamily="34" charset="0"/>
-              </a:rPr>
-              <a:t>(</a:t>
+              <a:t>	(</a:t>
             </a:r>
             <a:r>
               <a:rPr lang="en-US" sz="3600" dirty="0" err="1" smtClean="0">
@@ -16481,24 +17847,44 @@
               <a:t>"".</a:t>
             </a:r>
             <a:r>
-              <a:rPr lang="en-US" sz="3600" dirty="0" smtClean="0">
+              <a:rPr lang="en-US" sz="3600" smtClean="0">
                 <a:latin typeface="Lucida Sans" panose="020B0602030504020204" pitchFamily="34" charset="0"/>
               </a:rPr>
               <a:t>join(</a:t>
             </a:r>
             <a:r>
-              <a:rPr lang="en-US" sz="3600" dirty="0" err="1" smtClean="0">
+              <a:rPr lang="en-US" sz="3600" err="1" smtClean="0">
                 <a:latin typeface="Lucida Sans" panose="020B0602030504020204" pitchFamily="34" charset="0"/>
               </a:rPr>
               <a:t>myList</a:t>
             </a:r>
             <a:r>
-              <a:rPr lang="en-US" sz="3600" dirty="0" smtClean="0">
+              <a:rPr lang="en-US" sz="3600" smtClean="0">
                 <a:latin typeface="Lucida Sans" panose="020B0602030504020204" pitchFamily="34" charset="0"/>
               </a:rPr>
               <a:t>)</a:t>
             </a:r>
-            <a:endParaRPr lang="en-US" sz="3600" dirty="0" smtClean="0">
+          </a:p>
+          <a:p>
+            <a:r>
+              <a:rPr lang="en-US" sz="3600" smtClean="0">
+                <a:latin typeface="Lucida Sans" panose="020B0602030504020204" pitchFamily="34" charset="0"/>
+              </a:rPr>
+              <a:t>"fred".</a:t>
+            </a:r>
+            <a:r>
+              <a:rPr lang="en-US" sz="3600">
+                <a:latin typeface="Lucida Sans" panose="020B0602030504020204" pitchFamily="34" charset="0"/>
+              </a:rPr>
+              <a:t>join(myList</a:t>
+            </a:r>
+            <a:r>
+              <a:rPr lang="en-US" sz="3600" smtClean="0">
+                <a:latin typeface="Lucida Sans" panose="020B0602030504020204" pitchFamily="34" charset="0"/>
+              </a:rPr>
+              <a:t>)</a:t>
+            </a:r>
+            <a:endParaRPr lang="en-US" sz="3600">
               <a:latin typeface="Lucida Sans" panose="020B0602030504020204" pitchFamily="34" charset="0"/>
             </a:endParaRPr>
           </a:p>
@@ -16579,7 +17965,7 @@
         <p:spPr>
           <a:xfrm>
             <a:off x="841829" y="2472400"/>
-            <a:ext cx="8047587" cy="3970318"/>
+            <a:ext cx="8047587" cy="2308324"/>
           </a:xfrm>
           <a:prstGeom prst="rect">
             <a:avLst/>
@@ -16623,29 +18009,21 @@
               <a:rPr lang="en-US" sz="3600" dirty="0" smtClean="0">
                 <a:latin typeface="Lucida Sans" panose="020B0602030504020204" pitchFamily="34" charset="0"/>
               </a:rPr>
-              <a:t>match (need python 3.10 or later)</a:t>
-            </a:r>
-          </a:p>
-          <a:p>
-            <a:pPr lvl="0"/>
-            <a:endParaRPr lang="en-US" sz="3600" dirty="0">
-              <a:latin typeface="Lucida Sans" panose="020B0602030504020204" pitchFamily="34" charset="0"/>
-            </a:endParaRPr>
-          </a:p>
-          <a:p>
-            <a:pPr lvl="0"/>
-            <a:r>
-              <a:rPr lang="en-US" sz="3600" dirty="0" err="1" smtClean="0">
+              <a:t>match (need python 3.10 or </a:t>
+            </a:r>
+            <a:r>
+              <a:rPr lang="en-US" sz="3600" smtClean="0">
                 <a:latin typeface="Lucida Sans" panose="020B0602030504020204" pitchFamily="34" charset="0"/>
               </a:rPr>
-              <a:t>enum</a:t>
-            </a:r>
-            <a:endParaRPr lang="en-US" sz="3600" dirty="0">
-              <a:latin typeface="Lucida Sans" panose="020B0602030504020204" pitchFamily="34" charset="0"/>
-            </a:endParaRPr>
-          </a:p>
-          <a:p>
-            <a:endParaRPr lang="en-GB" sz="3600" dirty="0">
+              <a:t>later</a:t>
+            </a:r>
+            <a:r>
+              <a:rPr lang="en-US" sz="3600" smtClean="0">
+                <a:latin typeface="Lucida Sans" panose="020B0602030504020204" pitchFamily="34" charset="0"/>
+              </a:rPr>
+              <a:t>)</a:t>
+            </a:r>
+            <a:endParaRPr lang="en-US" sz="3600" dirty="0" smtClean="0">
               <a:latin typeface="Lucida Sans" panose="020B0602030504020204" pitchFamily="34" charset="0"/>
             </a:endParaRPr>
           </a:p>
@@ -16710,8 +18088,8 @@
           <a:p>
             <a:pPr algn="l"/>
             <a:r>
-              <a:rPr lang="en-US" dirty="0" err="1" smtClean="0"/>
-              <a:t>enum</a:t>
+              <a:rPr lang="en-US" smtClean="0"/>
+              <a:t>Syntax</a:t>
             </a:r>
             <a:endParaRPr lang="en-US" dirty="0"/>
           </a:p>
@@ -16725,8 +18103,8 @@
         </p:nvSpPr>
         <p:spPr>
           <a:xfrm>
-            <a:off x="251586" y="2511201"/>
-            <a:ext cx="8337873" cy="4832092"/>
+            <a:off x="391886" y="1949886"/>
+            <a:ext cx="8337873" cy="4616648"/>
           </a:xfrm>
           <a:prstGeom prst="rect">
             <a:avLst/>
@@ -16740,168 +18118,86 @@
           <a:p>
             <a:pPr lvl="0"/>
             <a:r>
-              <a:rPr lang="en-GB" sz="2800" dirty="0" smtClean="0">
+              <a:rPr lang="en-US" sz="3600" smtClean="0">
                 <a:latin typeface="Lucida Sans" panose="020B0602030504020204" pitchFamily="34" charset="0"/>
               </a:rPr>
-              <a:t>from </a:t>
-            </a:r>
-            <a:r>
-              <a:rPr lang="en-GB" sz="2800" dirty="0" err="1" smtClean="0">
+              <a:t>colon :</a:t>
+            </a:r>
+          </a:p>
+          <a:p>
+            <a:pPr lvl="0"/>
+            <a:r>
+              <a:rPr lang="en-US" sz="3600" smtClean="0">
                 <a:latin typeface="Lucida Sans" panose="020B0602030504020204" pitchFamily="34" charset="0"/>
               </a:rPr>
-              <a:t>enum</a:t>
-            </a:r>
-            <a:r>
-              <a:rPr lang="en-GB" sz="2800" dirty="0" smtClean="0">
+              <a:t>   indent</a:t>
+            </a:r>
+          </a:p>
+          <a:p>
+            <a:pPr lvl="0"/>
+            <a:r>
+              <a:rPr lang="en-US" sz="3600">
                 <a:latin typeface="Lucida Sans" panose="020B0602030504020204" pitchFamily="34" charset="0"/>
               </a:rPr>
-              <a:t> import </a:t>
-            </a:r>
-            <a:r>
-              <a:rPr lang="en-GB" sz="2800" dirty="0" err="1" smtClean="0">
+              <a:t> </a:t>
+            </a:r>
+            <a:r>
+              <a:rPr lang="en-US" sz="3600" smtClean="0">
                 <a:latin typeface="Lucida Sans" panose="020B0602030504020204" pitchFamily="34" charset="0"/>
               </a:rPr>
-              <a:t>Enum</a:t>
-            </a:r>
-            <a:r>
-              <a:rPr lang="en-GB" sz="2800" dirty="0" smtClean="0">
+              <a:t>  same indent</a:t>
+            </a:r>
+          </a:p>
+          <a:p>
+            <a:pPr lvl="0"/>
+            <a:endParaRPr lang="en-US">
+              <a:latin typeface="Lucida Sans" panose="020B0602030504020204" pitchFamily="34" charset="0"/>
+            </a:endParaRPr>
+          </a:p>
+          <a:p>
+            <a:pPr lvl="0"/>
+            <a:r>
+              <a:rPr lang="en-US" sz="3600" smtClean="0">
                 <a:latin typeface="Lucida Sans" panose="020B0602030504020204" pitchFamily="34" charset="0"/>
               </a:rPr>
-              <a:t>, auto</a:t>
+              <a:t>result = functionCall(argA, argB)</a:t>
             </a:r>
           </a:p>
           <a:p>
             <a:pPr lvl="0"/>
-            <a:endParaRPr lang="en-GB" sz="2800" dirty="0">
+            <a:endParaRPr lang="en-US" smtClean="0">
               <a:latin typeface="Lucida Sans" panose="020B0602030504020204" pitchFamily="34" charset="0"/>
             </a:endParaRPr>
           </a:p>
           <a:p>
             <a:pPr lvl="0"/>
             <a:r>
-              <a:rPr lang="en-GB" sz="2800" dirty="0" smtClean="0">
+              <a:rPr lang="en-US" sz="3600" smtClean="0">
                 <a:latin typeface="Lucida Sans" panose="020B0602030504020204" pitchFamily="34" charset="0"/>
               </a:rPr>
-              <a:t>class state(</a:t>
-            </a:r>
-            <a:r>
-              <a:rPr lang="en-GB" sz="2800" dirty="0" err="1" smtClean="0">
+              <a:t>=,==</a:t>
+            </a:r>
+          </a:p>
+          <a:p>
+            <a:pPr lvl="0"/>
+            <a:r>
+              <a:rPr lang="en-US" sz="3600" smtClean="0">
                 <a:latin typeface="Lucida Sans" panose="020B0602030504020204" pitchFamily="34" charset="0"/>
               </a:rPr>
-              <a:t>Enum</a:t>
-            </a:r>
-            <a:r>
-              <a:rPr lang="en-GB" sz="2800" dirty="0" smtClean="0">
+              <a:t>+=</a:t>
+            </a:r>
+            <a:endParaRPr lang="en-US" sz="3600">
+              <a:latin typeface="Lucida Sans" panose="020B0602030504020204" pitchFamily="34" charset="0"/>
+            </a:endParaRPr>
+          </a:p>
+          <a:p>
+            <a:r>
+              <a:rPr lang="en-GB" sz="3600" smtClean="0">
                 <a:latin typeface="Lucida Sans" panose="020B0602030504020204" pitchFamily="34" charset="0"/>
               </a:rPr>
-              <a:t>):</a:t>
-            </a:r>
-          </a:p>
-          <a:p>
-            <a:pPr lvl="0"/>
-            <a:r>
-              <a:rPr lang="en-GB" sz="2800" dirty="0">
-                <a:latin typeface="Lucida Sans" panose="020B0602030504020204" pitchFamily="34" charset="0"/>
-              </a:rPr>
-              <a:t>	</a:t>
-            </a:r>
-            <a:r>
-              <a:rPr lang="en-GB" sz="2800" dirty="0" smtClean="0">
-                <a:latin typeface="Lucida Sans" panose="020B0602030504020204" pitchFamily="34" charset="0"/>
-              </a:rPr>
-              <a:t>OFF = auto()</a:t>
-            </a:r>
-          </a:p>
-          <a:p>
-            <a:pPr lvl="0"/>
-            <a:r>
-              <a:rPr lang="en-GB" sz="2800" dirty="0">
-                <a:latin typeface="Lucida Sans" panose="020B0602030504020204" pitchFamily="34" charset="0"/>
-              </a:rPr>
-              <a:t>	</a:t>
-            </a:r>
-            <a:r>
-              <a:rPr lang="en-GB" sz="2800" dirty="0" smtClean="0">
-                <a:latin typeface="Lucida Sans" panose="020B0602030504020204" pitchFamily="34" charset="0"/>
-              </a:rPr>
-              <a:t>LOAD_STATE = auto()</a:t>
-            </a:r>
-          </a:p>
-          <a:p>
-            <a:pPr lvl="0"/>
-            <a:r>
-              <a:rPr lang="en-GB" sz="2800" dirty="0">
-                <a:latin typeface="Lucida Sans" panose="020B0602030504020204" pitchFamily="34" charset="0"/>
-              </a:rPr>
-              <a:t>	</a:t>
-            </a:r>
-            <a:r>
-              <a:rPr lang="en-GB" sz="2800" dirty="0" smtClean="0">
-                <a:latin typeface="Lucida Sans" panose="020B0602030504020204" pitchFamily="34" charset="0"/>
-              </a:rPr>
-              <a:t>CHECK_HOPPERS = auto()</a:t>
-            </a:r>
-          </a:p>
-          <a:p>
-            <a:pPr lvl="0"/>
-            <a:r>
-              <a:rPr lang="en-GB" sz="2800" dirty="0">
-                <a:latin typeface="Lucida Sans" panose="020B0602030504020204" pitchFamily="34" charset="0"/>
-              </a:rPr>
-              <a:t>	</a:t>
-            </a:r>
-            <a:r>
-              <a:rPr lang="en-GB" sz="2800" dirty="0" smtClean="0">
-                <a:latin typeface="Lucida Sans" panose="020B0602030504020204" pitchFamily="34" charset="0"/>
-              </a:rPr>
-              <a:t>READY = auto()</a:t>
-            </a:r>
-          </a:p>
-          <a:p>
-            <a:pPr lvl="0"/>
-            <a:r>
-              <a:rPr lang="en-GB" sz="2800" dirty="0">
-                <a:latin typeface="Lucida Sans" panose="020B0602030504020204" pitchFamily="34" charset="0"/>
-              </a:rPr>
-              <a:t>	</a:t>
-            </a:r>
-            <a:r>
-              <a:rPr lang="en-GB" sz="2800" dirty="0" smtClean="0">
-                <a:latin typeface="Lucida Sans" panose="020B0602030504020204" pitchFamily="34" charset="0"/>
-              </a:rPr>
-              <a:t>GET_SELECTION = auto()</a:t>
-            </a:r>
-          </a:p>
-          <a:p>
-            <a:pPr lvl="0"/>
-            <a:r>
-              <a:rPr lang="en-GB" sz="2800" dirty="0">
-                <a:latin typeface="Lucida Sans" panose="020B0602030504020204" pitchFamily="34" charset="0"/>
-              </a:rPr>
-              <a:t>	</a:t>
-            </a:r>
-            <a:r>
-              <a:rPr lang="en-GB" sz="2800" dirty="0" smtClean="0">
-                <a:latin typeface="Lucida Sans" panose="020B0602030504020204" pitchFamily="34" charset="0"/>
-              </a:rPr>
-              <a:t>….</a:t>
-            </a:r>
-          </a:p>
-          <a:p>
-            <a:pPr lvl="0"/>
-            <a:r>
-              <a:rPr lang="en-GB" sz="2800" dirty="0">
-                <a:latin typeface="Lucida Sans" panose="020B0602030504020204" pitchFamily="34" charset="0"/>
-              </a:rPr>
-              <a:t>	</a:t>
-            </a:r>
-            <a:endParaRPr lang="en-GB" sz="2800" dirty="0" smtClean="0">
-              <a:latin typeface="Lucida Sans" panose="020B0602030504020204" pitchFamily="34" charset="0"/>
-            </a:endParaRPr>
-          </a:p>
-          <a:p>
-            <a:pPr lvl="0"/>
-            <a:endParaRPr lang="en-GB" sz="2800" dirty="0">
+              <a:t>and / or / not</a:t>
+            </a:r>
+            <a:endParaRPr lang="en-GB" sz="3600">
               <a:latin typeface="Lucida Sans" panose="020B0602030504020204" pitchFamily="34" charset="0"/>
             </a:endParaRPr>
           </a:p>
@@ -16910,7 +18206,7 @@
     </p:spTree>
     <p:extLst>
       <p:ext uri="{BB962C8B-B14F-4D97-AF65-F5344CB8AC3E}">
-        <p14:creationId xmlns:p14="http://schemas.microsoft.com/office/powerpoint/2010/main" val="2671331377"/>
+        <p14:creationId xmlns:p14="http://schemas.microsoft.com/office/powerpoint/2010/main" val="1169134992"/>
       </p:ext>
     </p:extLst>
   </p:cSld>
@@ -16967,7 +18263,7 @@
             <a:pPr algn="l"/>
             <a:r>
               <a:rPr lang="en-US" smtClean="0"/>
-              <a:t>Syntax</a:t>
+              <a:t>Install Python 3.10</a:t>
             </a:r>
             <a:endParaRPr lang="en-US" dirty="0"/>
           </a:p>
@@ -16981,8 +18277,8 @@
         </p:nvSpPr>
         <p:spPr>
           <a:xfrm>
-            <a:off x="391886" y="1949886"/>
-            <a:ext cx="8337873" cy="4616648"/>
+            <a:off x="398916" y="4515803"/>
+            <a:ext cx="8047587" cy="1200329"/>
           </a:xfrm>
           <a:prstGeom prst="rect">
             <a:avLst/>
@@ -16999,7 +18295,7 @@
               <a:rPr lang="en-US" sz="3600" smtClean="0">
                 <a:latin typeface="Lucida Sans" panose="020B0602030504020204" pitchFamily="34" charset="0"/>
               </a:rPr>
-              <a:t>colon :</a:t>
+              <a:t>If version is not 3.10 or higher:</a:t>
             </a:r>
           </a:p>
           <a:p>
@@ -17008,75 +18304,242 @@
               <a:rPr lang="en-US" sz="3600" smtClean="0">
                 <a:latin typeface="Lucida Sans" panose="020B0602030504020204" pitchFamily="34" charset="0"/>
               </a:rPr>
-              <a:t>   indent</a:t>
-            </a:r>
-          </a:p>
-          <a:p>
-            <a:pPr lvl="0"/>
-            <a:r>
-              <a:rPr lang="en-US" sz="3600">
-                <a:latin typeface="Lucida Sans" panose="020B0602030504020204" pitchFamily="34" charset="0"/>
-              </a:rPr>
-              <a:t> </a:t>
-            </a:r>
-            <a:r>
-              <a:rPr lang="en-US" sz="3600" smtClean="0">
-                <a:latin typeface="Lucida Sans" panose="020B0602030504020204" pitchFamily="34" charset="0"/>
-              </a:rPr>
-              <a:t>  same indent</a:t>
-            </a:r>
-          </a:p>
-          <a:p>
-            <a:pPr lvl="0"/>
-            <a:endParaRPr lang="en-US">
+              <a:t>Browser: python.org/downloads</a:t>
+            </a:r>
+            <a:endParaRPr lang="en-US" sz="3600" dirty="0" smtClean="0">
               <a:latin typeface="Lucida Sans" panose="020B0602030504020204" pitchFamily="34" charset="0"/>
             </a:endParaRPr>
           </a:p>
-          <a:p>
-            <a:pPr lvl="0"/>
-            <a:r>
-              <a:rPr lang="en-US" sz="3600" smtClean="0">
-                <a:latin typeface="Lucida Sans" panose="020B0602030504020204" pitchFamily="34" charset="0"/>
+        </p:txBody>
+      </p:sp>
+      <p:pic>
+        <p:nvPicPr>
+          <p:cNvPr id="1026" name="Picture 2"/>
+          <p:cNvPicPr>
+            <a:picLocks noChangeAspect="1" noChangeArrowheads="1"/>
+          </p:cNvPicPr>
+          <p:nvPr/>
+        </p:nvPicPr>
+        <p:blipFill>
+          <a:blip r:embed="rId3">
+            <a:extLst>
+              <a:ext uri="{28A0092B-C50C-407E-A947-70E740481C1C}">
+                <a14:useLocalDpi xmlns:a14="http://schemas.microsoft.com/office/drawing/2010/main" val="0"/>
+              </a:ext>
+            </a:extLst>
+          </a:blip>
+          <a:srcRect/>
+          <a:stretch>
+            <a:fillRect/>
+          </a:stretch>
+        </p:blipFill>
+        <p:spPr bwMode="auto">
+          <a:xfrm>
+            <a:off x="353008" y="2115846"/>
+            <a:ext cx="5638800" cy="2195513"/>
+          </a:xfrm>
+          <a:prstGeom prst="rect">
+            <a:avLst/>
+          </a:prstGeom>
+          <a:noFill/>
+          <a:ln>
+            <a:noFill/>
+          </a:ln>
+          <a:effectLst/>
+          <a:extLst>
+            <a:ext uri="{909E8E84-426E-40DD-AFC4-6F175D3DCCD1}">
+              <a14:hiddenFill xmlns:a14="http://schemas.microsoft.com/office/drawing/2010/main">
+                <a:solidFill>
+                  <a:schemeClr val="accent1"/>
+                </a:solidFill>
+              </a14:hiddenFill>
+            </a:ext>
+            <a:ext uri="{91240B29-F687-4F45-9708-019B960494DF}">
+              <a14:hiddenLine xmlns:a14="http://schemas.microsoft.com/office/drawing/2010/main" w="9525">
+                <a:solidFill>
+                  <a:schemeClr val="tx1"/>
+                </a:solidFill>
+                <a:miter lim="800000"/>
+                <a:headEnd/>
+                <a:tailEnd/>
+              </a14:hiddenLine>
+            </a:ext>
+            <a:ext uri="{AF507438-7753-43E0-B8FC-AC1667EBCBE1}">
+              <a14:hiddenEffects xmlns:a14="http://schemas.microsoft.com/office/drawing/2010/main">
+                <a:effectLst>
+                  <a:outerShdw dist="35921" dir="2700000" algn="ctr" rotWithShape="0">
+                    <a:schemeClr val="bg2"/>
+                  </a:outerShdw>
+                </a:effectLst>
+              </a14:hiddenEffects>
+            </a:ext>
+          </a:extLst>
+        </p:spPr>
+      </p:pic>
+      <p:sp>
+        <p:nvSpPr>
+          <p:cNvPr id="6" name="Oval 5"/>
+          <p:cNvSpPr/>
+          <p:nvPr/>
+        </p:nvSpPr>
+        <p:spPr>
+          <a:xfrm>
+            <a:off x="3334502" y="2270544"/>
+            <a:ext cx="1088208" cy="424206"/>
+          </a:xfrm>
+          <a:prstGeom prst="ellipse">
+            <a:avLst/>
+          </a:prstGeom>
+          <a:noFill/>
+          <a:ln w="38100">
+            <a:solidFill>
+              <a:srgbClr val="FF0000"/>
+            </a:solidFill>
+          </a:ln>
+        </p:spPr>
+        <p:style>
+          <a:lnRef idx="2">
+            <a:schemeClr val="accent1">
+              <a:shade val="50000"/>
+            </a:schemeClr>
+          </a:lnRef>
+          <a:fillRef idx="1">
+            <a:schemeClr val="accent1"/>
+          </a:fillRef>
+          <a:effectRef idx="0">
+            <a:schemeClr val="accent1"/>
+          </a:effectRef>
+          <a:fontRef idx="minor">
+            <a:schemeClr val="lt1"/>
+          </a:fontRef>
+        </p:style>
+        <p:txBody>
+          <a:bodyPr rtlCol="0" anchor="ctr"/>
+          <a:lstStyle/>
+          <a:p>
+            <a:pPr algn="ctr"/>
+            <a:endParaRPr lang="en-GB"/>
+          </a:p>
+        </p:txBody>
+      </p:sp>
+      <p:sp>
+        <p:nvSpPr>
+          <p:cNvPr id="7" name="TextBox 6"/>
+          <p:cNvSpPr txBox="1"/>
+          <p:nvPr/>
+        </p:nvSpPr>
+        <p:spPr>
+          <a:xfrm>
+            <a:off x="2992990" y="2042023"/>
+            <a:ext cx="1032293" cy="769441"/>
+          </a:xfrm>
+          <a:prstGeom prst="rect">
+            <a:avLst/>
+          </a:prstGeom>
+          <a:noFill/>
+        </p:spPr>
+        <p:txBody>
+          <a:bodyPr wrap="square" rtlCol="0">
+            <a:spAutoFit/>
+          </a:bodyPr>
+          <a:lstStyle/>
+          <a:p>
+            <a:r>
+              <a:rPr lang="en-GB" sz="4400" b="1" smtClean="0">
+                <a:solidFill>
+                  <a:srgbClr val="FF0000"/>
+                </a:solidFill>
               </a:rPr>
-              <a:t>result = functionCall(argA, argB)</a:t>
-            </a:r>
-          </a:p>
-          <a:p>
-            <a:pPr lvl="0"/>
-            <a:endParaRPr lang="en-US" smtClean="0">
-              <a:latin typeface="Lucida Sans" panose="020B0602030504020204" pitchFamily="34" charset="0"/>
+              <a:t>1</a:t>
+            </a:r>
+            <a:endParaRPr lang="en-GB" sz="4400" b="1">
+              <a:solidFill>
+                <a:srgbClr val="FF0000"/>
+              </a:solidFill>
             </a:endParaRPr>
           </a:p>
-          <a:p>
-            <a:pPr lvl="0"/>
-            <a:r>
-              <a:rPr lang="en-US" sz="3600" smtClean="0">
-                <a:latin typeface="Lucida Sans" panose="020B0602030504020204" pitchFamily="34" charset="0"/>
+        </p:txBody>
+      </p:sp>
+      <p:sp>
+        <p:nvSpPr>
+          <p:cNvPr id="11" name="Oval 10"/>
+          <p:cNvSpPr/>
+          <p:nvPr/>
+        </p:nvSpPr>
+        <p:spPr>
+          <a:xfrm>
+            <a:off x="2563485" y="3515132"/>
+            <a:ext cx="1672611" cy="424206"/>
+          </a:xfrm>
+          <a:prstGeom prst="ellipse">
+            <a:avLst/>
+          </a:prstGeom>
+          <a:noFill/>
+          <a:ln w="38100">
+            <a:solidFill>
+              <a:srgbClr val="FF0000"/>
+            </a:solidFill>
+          </a:ln>
+        </p:spPr>
+        <p:style>
+          <a:lnRef idx="2">
+            <a:schemeClr val="accent1">
+              <a:shade val="50000"/>
+            </a:schemeClr>
+          </a:lnRef>
+          <a:fillRef idx="1">
+            <a:schemeClr val="accent1"/>
+          </a:fillRef>
+          <a:effectRef idx="0">
+            <a:schemeClr val="accent1"/>
+          </a:effectRef>
+          <a:fontRef idx="minor">
+            <a:schemeClr val="lt1"/>
+          </a:fontRef>
+        </p:style>
+        <p:txBody>
+          <a:bodyPr rtlCol="0" anchor="ctr"/>
+          <a:lstStyle/>
+          <a:p>
+            <a:pPr algn="ctr"/>
+            <a:endParaRPr lang="en-GB"/>
+          </a:p>
+        </p:txBody>
+      </p:sp>
+      <p:sp>
+        <p:nvSpPr>
+          <p:cNvPr id="12" name="TextBox 11"/>
+          <p:cNvSpPr txBox="1"/>
+          <p:nvPr/>
+        </p:nvSpPr>
+        <p:spPr>
+          <a:xfrm>
+            <a:off x="4236096" y="3342514"/>
+            <a:ext cx="1032293" cy="769441"/>
+          </a:xfrm>
+          <a:prstGeom prst="rect">
+            <a:avLst/>
+          </a:prstGeom>
+          <a:noFill/>
+        </p:spPr>
+        <p:txBody>
+          <a:bodyPr wrap="square" rtlCol="0">
+            <a:spAutoFit/>
+          </a:bodyPr>
+          <a:lstStyle/>
+          <a:p>
+            <a:r>
+              <a:rPr lang="en-GB" sz="4400" b="1" smtClean="0">
+                <a:solidFill>
+                  <a:srgbClr val="FF0000"/>
+                </a:solidFill>
               </a:rPr>
-              <a:t>=,==</a:t>
-            </a:r>
-          </a:p>
-          <a:p>
-            <a:pPr lvl="0"/>
-            <a:r>
-              <a:rPr lang="en-US" sz="3600" smtClean="0">
-                <a:latin typeface="Lucida Sans" panose="020B0602030504020204" pitchFamily="34" charset="0"/>
-              </a:rPr>
-              <a:t>+=</a:t>
-            </a:r>
-            <a:endParaRPr lang="en-US" sz="3600">
-              <a:latin typeface="Lucida Sans" panose="020B0602030504020204" pitchFamily="34" charset="0"/>
-            </a:endParaRPr>
-          </a:p>
-          <a:p>
-            <a:r>
-              <a:rPr lang="en-GB" sz="3600" smtClean="0">
-                <a:latin typeface="Lucida Sans" panose="020B0602030504020204" pitchFamily="34" charset="0"/>
-              </a:rPr>
-              <a:t>and / or / not</a:t>
-            </a:r>
-            <a:endParaRPr lang="en-GB" sz="3600">
-              <a:latin typeface="Lucida Sans" panose="020B0602030504020204" pitchFamily="34" charset="0"/>
+              <a:t>2</a:t>
+            </a:r>
+            <a:endParaRPr lang="en-GB" sz="4400" b="1">
+              <a:solidFill>
+                <a:srgbClr val="FF0000"/>
+              </a:solidFill>
             </a:endParaRPr>
           </a:p>
         </p:txBody>
@@ -17084,7 +18547,7 @@
     </p:spTree>
     <p:extLst>
       <p:ext uri="{BB962C8B-B14F-4D97-AF65-F5344CB8AC3E}">
-        <p14:creationId xmlns:p14="http://schemas.microsoft.com/office/powerpoint/2010/main" val="1169134992"/>
+        <p14:creationId xmlns:p14="http://schemas.microsoft.com/office/powerpoint/2010/main" val="1063533142"/>
       </p:ext>
     </p:extLst>
   </p:cSld>
@@ -17140,8 +18603,8 @@
           <a:p>
             <a:pPr algn="l"/>
             <a:r>
-              <a:rPr lang="en-US" dirty="0" smtClean="0"/>
-              <a:t>State Machine</a:t>
+              <a:rPr lang="en-US" smtClean="0"/>
+              <a:t>Windows env variables</a:t>
             </a:r>
             <a:endParaRPr lang="en-US" dirty="0"/>
           </a:p>
@@ -17149,14 +18612,14 @@
       </p:sp>
       <p:sp>
         <p:nvSpPr>
-          <p:cNvPr id="4" name="Rectangle 3"/>
+          <p:cNvPr id="5" name="Rectangle 4"/>
           <p:cNvSpPr/>
           <p:nvPr/>
         </p:nvSpPr>
         <p:spPr>
           <a:xfrm>
-            <a:off x="508000" y="2825826"/>
-            <a:ext cx="8105645" cy="3416320"/>
+            <a:off x="251586" y="2379093"/>
+            <a:ext cx="8047587" cy="1754326"/>
           </a:xfrm>
           <a:prstGeom prst="rect">
             <a:avLst/>
@@ -17168,146 +18631,32 @@
           </a:bodyPr>
           <a:lstStyle/>
           <a:p>
-            <a:pPr marL="342900" indent="-342900">
-              <a:buFont typeface="Arial" panose="020B0604020202020204" pitchFamily="34" charset="0"/>
-              <a:buChar char="•"/>
-            </a:pPr>
-            <a:r>
-              <a:rPr lang="en-US" sz="2400" dirty="0" smtClean="0">
+            <a:pPr lvl="0"/>
+            <a:r>
+              <a:rPr lang="en-US" sz="3600" smtClean="0">
                 <a:latin typeface="Lucida Sans" panose="020B0602030504020204" pitchFamily="34" charset="0"/>
               </a:rPr>
-              <a:t>In </a:t>
-            </a:r>
-            <a:r>
-              <a:rPr lang="en-US" sz="2400" dirty="0" err="1" smtClean="0">
+              <a:t>Start-&gt;"env"</a:t>
+            </a:r>
+          </a:p>
+          <a:p>
+            <a:pPr lvl="0"/>
+            <a:r>
+              <a:rPr lang="en-US" sz="3600" smtClean="0">
                 <a:latin typeface="Lucida Sans" panose="020B0602030504020204" pitchFamily="34" charset="0"/>
               </a:rPr>
-              <a:t>Coffee_machine</a:t>
-            </a:r>
-            <a:r>
-              <a:rPr lang="en-US" sz="2400" dirty="0" smtClean="0">
+              <a:t>Edit system path</a:t>
+            </a:r>
+          </a:p>
+          <a:p>
+            <a:pPr lvl="0"/>
+            <a:r>
+              <a:rPr lang="en-US" sz="3600" smtClean="0">
                 <a:latin typeface="Lucida Sans" panose="020B0602030504020204" pitchFamily="34" charset="0"/>
               </a:rPr>
-              <a:t> folder</a:t>
-            </a:r>
-          </a:p>
-          <a:p>
-            <a:pPr marL="800100" lvl="1" indent="-342900">
-              <a:buFont typeface="Arial" panose="020B0604020202020204" pitchFamily="34" charset="0"/>
-              <a:buChar char="•"/>
-            </a:pPr>
-            <a:r>
-              <a:rPr lang="en-US" sz="2400" dirty="0" smtClean="0">
-                <a:latin typeface="Lucida Sans" panose="020B0602030504020204" pitchFamily="34" charset="0"/>
-              </a:rPr>
-              <a:t>state_machine.py</a:t>
-            </a:r>
-          </a:p>
-          <a:p>
-            <a:pPr marL="1257300" lvl="2" indent="-342900">
-              <a:buFont typeface="Arial" panose="020B0604020202020204" pitchFamily="34" charset="0"/>
-              <a:buChar char="•"/>
-            </a:pPr>
-            <a:r>
-              <a:rPr lang="en-US" sz="2400" dirty="0" err="1" smtClean="0">
-                <a:latin typeface="Lucida Sans" panose="020B0602030504020204" pitchFamily="34" charset="0"/>
-              </a:rPr>
-              <a:t>Enum</a:t>
-            </a:r>
-            <a:r>
-              <a:rPr lang="en-US" sz="2400" dirty="0" smtClean="0">
-                <a:latin typeface="Lucida Sans" panose="020B0602030504020204" pitchFamily="34" charset="0"/>
-              </a:rPr>
-              <a:t> for machine-states</a:t>
-            </a:r>
-            <a:endParaRPr lang="en-US" sz="2400" dirty="0" smtClean="0">
-              <a:latin typeface="Lucida Sans" panose="020B0602030504020204" pitchFamily="34" charset="0"/>
-            </a:endParaRPr>
-          </a:p>
-          <a:p>
-            <a:pPr marL="1257300" lvl="2" indent="-342900">
-              <a:buFont typeface="Arial" panose="020B0604020202020204" pitchFamily="34" charset="0"/>
-              <a:buChar char="•"/>
-            </a:pPr>
-            <a:endParaRPr lang="en-US" sz="2400" dirty="0" smtClean="0">
-              <a:latin typeface="Lucida Sans" panose="020B0602030504020204" pitchFamily="34" charset="0"/>
-            </a:endParaRPr>
-          </a:p>
-          <a:p>
-            <a:pPr marL="1257300" lvl="2" indent="-342900">
-              <a:buFont typeface="Arial" panose="020B0604020202020204" pitchFamily="34" charset="0"/>
-              <a:buChar char="•"/>
-            </a:pPr>
-            <a:r>
-              <a:rPr lang="en-US" sz="2400" dirty="0" err="1" smtClean="0">
-                <a:latin typeface="Lucida Sans" panose="020B0602030504020204" pitchFamily="34" charset="0"/>
-              </a:rPr>
-              <a:t>def</a:t>
-            </a:r>
-            <a:r>
-              <a:rPr lang="en-US" sz="2400" dirty="0" smtClean="0">
-                <a:latin typeface="Lucida Sans" panose="020B0602030504020204" pitchFamily="34" charset="0"/>
-              </a:rPr>
-              <a:t> </a:t>
-            </a:r>
-            <a:r>
-              <a:rPr lang="en-US" sz="2400" dirty="0" err="1" smtClean="0">
-                <a:latin typeface="Lucida Sans" panose="020B0602030504020204" pitchFamily="34" charset="0"/>
-              </a:rPr>
-              <a:t>state_machine</a:t>
-            </a:r>
-            <a:r>
-              <a:rPr lang="en-US" sz="2400" dirty="0" smtClean="0">
-                <a:latin typeface="Lucida Sans" panose="020B0602030504020204" pitchFamily="34" charset="0"/>
-              </a:rPr>
-              <a:t>(state</a:t>
-            </a:r>
-            <a:r>
-              <a:rPr lang="en-US" sz="2400" dirty="0" smtClean="0">
-                <a:latin typeface="Lucida Sans" panose="020B0602030504020204" pitchFamily="34" charset="0"/>
-              </a:rPr>
-              <a:t>):</a:t>
-            </a:r>
-            <a:endParaRPr lang="en-US" sz="2400" dirty="0">
-              <a:latin typeface="Lucida Sans" panose="020B0602030504020204" pitchFamily="34" charset="0"/>
-            </a:endParaRPr>
-          </a:p>
-          <a:p>
-            <a:pPr marL="1714500" lvl="3" indent="-342900">
-              <a:buFont typeface="Arial" panose="020B0604020202020204" pitchFamily="34" charset="0"/>
-              <a:buChar char="•"/>
-            </a:pPr>
-            <a:r>
-              <a:rPr lang="en-GB" sz="2400" dirty="0">
-                <a:latin typeface="Lucida Sans" panose="020B0602030504020204" pitchFamily="34" charset="0"/>
-              </a:rPr>
-              <a:t>Use match to call functions for each state</a:t>
-            </a:r>
-          </a:p>
-          <a:p>
-            <a:pPr marL="1714500" lvl="3" indent="-342900">
-              <a:buFont typeface="Arial" panose="020B0604020202020204" pitchFamily="34" charset="0"/>
-              <a:buChar char="•"/>
-            </a:pPr>
-            <a:r>
-              <a:rPr lang="en-GB" sz="2400" dirty="0" smtClean="0">
-                <a:latin typeface="Lucida Sans" panose="020B0602030504020204" pitchFamily="34" charset="0"/>
-              </a:rPr>
-              <a:t>The </a:t>
-            </a:r>
-            <a:r>
-              <a:rPr lang="en-GB" sz="2400" dirty="0">
-                <a:latin typeface="Lucida Sans" panose="020B0602030504020204" pitchFamily="34" charset="0"/>
-              </a:rPr>
-              <a:t>functions should return the new state</a:t>
-            </a:r>
-          </a:p>
-          <a:p>
-            <a:pPr marL="1257300" lvl="2" indent="-342900">
-              <a:buFont typeface="Arial" panose="020B0604020202020204" pitchFamily="34" charset="0"/>
-              <a:buChar char="•"/>
-            </a:pPr>
-            <a:endParaRPr lang="en-US" sz="2400" dirty="0" smtClean="0">
+              <a:t>add path to python 3.10</a:t>
+            </a:r>
+            <a:endParaRPr lang="en-US" sz="3600" dirty="0" smtClean="0">
               <a:latin typeface="Lucida Sans" panose="020B0602030504020204" pitchFamily="34" charset="0"/>
             </a:endParaRPr>
           </a:p>
@@ -17316,7 +18665,7 @@
     </p:spTree>
     <p:extLst>
       <p:ext uri="{BB962C8B-B14F-4D97-AF65-F5344CB8AC3E}">
-        <p14:creationId xmlns:p14="http://schemas.microsoft.com/office/powerpoint/2010/main" val="288456378"/>
+        <p14:creationId xmlns:p14="http://schemas.microsoft.com/office/powerpoint/2010/main" val="109233633"/>
       </p:ext>
     </p:extLst>
   </p:cSld>

--- a/DG_04 The Toolset.pptx
+++ b/DG_04 The Toolset.pptx
@@ -122,7 +122,7 @@
   </p:defaultTextStyle>
   <p:extLst>
     <p:ext uri="{EFAFB233-063F-42B5-8137-9DF3F51BA10A}">
-      <p15:sldGuideLst xmlns:p15="http://schemas.microsoft.com/office/powerpoint/2012/main" xmlns="">
+      <p15:sldGuideLst xmlns="" xmlns:p15="http://schemas.microsoft.com/office/powerpoint/2012/main">
         <p15:guide id="1" orient="horz" pos="2160">
           <p15:clr>
             <a:srgbClr val="A4A3A4"/>
@@ -221,7 +221,7 @@
           <a:p>
             <a:fld id="{78C00125-7AA2-BF47-9592-BD0EA1380ED7}" type="datetimeFigureOut">
               <a:rPr lang="en-US" smtClean="0"/>
-              <a:t>5/23/2022</a:t>
+              <a:t>5/24/2022</a:t>
             </a:fld>
             <a:endParaRPr lang="en-US"/>
           </a:p>
@@ -3394,7 +3394,7 @@
             <a:fld id="{28E80666-FB37-4B36-9149-507F3B0178E3}" type="datetimeFigureOut">
               <a:rPr lang="en-US" smtClean="0"/>
               <a:pPr/>
-              <a:t>5/23/2022</a:t>
+              <a:t>5/24/2022</a:t>
             </a:fld>
             <a:endParaRPr lang="en-US"/>
           </a:p>
@@ -3576,7 +3576,7 @@
           <a:p>
             <a:fld id="{05DB9FB3-5BB2-724E-A037-6C88DDC21847}" type="datetimeFigureOut">
               <a:rPr lang="en-US" smtClean="0"/>
-              <a:t>5/23/2022</a:t>
+              <a:t>5/24/2022</a:t>
             </a:fld>
             <a:endParaRPr lang="en-US"/>
           </a:p>
@@ -3727,7 +3727,7 @@
           <a:p>
             <a:fld id="{05DB9FB3-5BB2-724E-A037-6C88DDC21847}" type="datetimeFigureOut">
               <a:rPr lang="en-US" smtClean="0"/>
-              <a:t>5/23/2022</a:t>
+              <a:t>5/24/2022</a:t>
             </a:fld>
             <a:endParaRPr lang="en-US"/>
           </a:p>
@@ -5553,7 +5553,7 @@
           <a:p>
             <a:fld id="{05DB9FB3-5BB2-724E-A037-6C88DDC21847}" type="datetimeFigureOut">
               <a:rPr lang="en-US" smtClean="0"/>
-              <a:t>5/23/2022</a:t>
+              <a:t>5/24/2022</a:t>
             </a:fld>
             <a:endParaRPr lang="en-US"/>
           </a:p>
@@ -7424,7 +7424,7 @@
             <a:fld id="{28E80666-FB37-4B36-9149-507F3B0178E3}" type="datetimeFigureOut">
               <a:rPr lang="en-US" smtClean="0"/>
               <a:pPr/>
-              <a:t>5/23/2022</a:t>
+              <a:t>5/24/2022</a:t>
             </a:fld>
             <a:endParaRPr lang="en-US"/>
           </a:p>
@@ -7538,7 +7538,7 @@
           <a:p>
             <a:fld id="{05DB9FB3-5BB2-724E-A037-6C88DDC21847}" type="datetimeFigureOut">
               <a:rPr lang="en-US" smtClean="0"/>
-              <a:t>5/23/2022</a:t>
+              <a:t>5/24/2022</a:t>
             </a:fld>
             <a:endParaRPr lang="en-US"/>
           </a:p>
@@ -8079,7 +8079,7 @@
           <a:p>
             <a:fld id="{05DB9FB3-5BB2-724E-A037-6C88DDC21847}" type="datetimeFigureOut">
               <a:rPr lang="en-US" smtClean="0"/>
-              <a:t>5/23/2022</a:t>
+              <a:t>5/24/2022</a:t>
             </a:fld>
             <a:endParaRPr lang="en-US"/>
           </a:p>
@@ -8192,7 +8192,7 @@
           <a:p>
             <a:fld id="{05DB9FB3-5BB2-724E-A037-6C88DDC21847}" type="datetimeFigureOut">
               <a:rPr lang="en-US" smtClean="0"/>
-              <a:t>5/23/2022</a:t>
+              <a:t>5/24/2022</a:t>
             </a:fld>
             <a:endParaRPr lang="en-US"/>
           </a:p>
@@ -9903,7 +9903,7 @@
           <a:p>
             <a:fld id="{05DB9FB3-5BB2-724E-A037-6C88DDC21847}" type="datetimeFigureOut">
               <a:rPr lang="en-US" smtClean="0"/>
-              <a:t>5/23/2022</a:t>
+              <a:t>5/24/2022</a:t>
             </a:fld>
             <a:endParaRPr lang="en-US"/>
           </a:p>
@@ -10054,7 +10054,7 @@
           <a:p>
             <a:fld id="{05DB9FB3-5BB2-724E-A037-6C88DDC21847}" type="datetimeFigureOut">
               <a:rPr lang="en-US" smtClean="0"/>
-              <a:t>5/23/2022</a:t>
+              <a:t>5/24/2022</a:t>
             </a:fld>
             <a:endParaRPr lang="en-US"/>
           </a:p>
@@ -13669,7 +13669,7 @@
           <a:p>
             <a:fld id="{05DB9FB3-5BB2-724E-A037-6C88DDC21847}" type="datetimeFigureOut">
               <a:rPr lang="en-US" smtClean="0"/>
-              <a:t>5/23/2022</a:t>
+              <a:t>5/24/2022</a:t>
             </a:fld>
             <a:endParaRPr lang="en-US"/>
           </a:p>
@@ -15528,7 +15528,7 @@
           <a:p>
             <a:fld id="{05DB9FB3-5BB2-724E-A037-6C88DDC21847}" type="datetimeFigureOut">
               <a:rPr lang="en-US" smtClean="0"/>
-              <a:t>5/23/2022</a:t>
+              <a:t>5/24/2022</a:t>
             </a:fld>
             <a:endParaRPr lang="en-US"/>
           </a:p>
@@ -16715,13 +16715,7 @@
               <a:rPr lang="en-GB" sz="2800" smtClean="0">
                 <a:latin typeface="Lucida Sans" panose="020B0602030504020204" pitchFamily="34" charset="0"/>
               </a:rPr>
-              <a:t> state.</a:t>
-            </a:r>
-            <a:r>
-              <a:rPr lang="en-GB" sz="2800" smtClean="0">
-                <a:latin typeface="Lucida Sans" panose="020B0602030504020204" pitchFamily="34" charset="0"/>
-              </a:rPr>
-              <a:t>OFF:</a:t>
+              <a:t> state.OFF:</a:t>
             </a:r>
           </a:p>
           <a:p>
@@ -17099,7 +17093,7 @@
         <p:spPr>
           <a:xfrm>
             <a:off x="251586" y="2511201"/>
-            <a:ext cx="8337873" cy="2246769"/>
+            <a:ext cx="8337873" cy="2677656"/>
           </a:xfrm>
           <a:prstGeom prst="rect">
             <a:avLst/>
@@ -17130,9 +17124,6 @@
               </a:rPr>
               <a:t>To call functions in other folders</a:t>
             </a:r>
-            <a:endParaRPr lang="en-GB" sz="2800" smtClean="0">
-              <a:latin typeface="Lucida Sans" panose="020B0602030504020204" pitchFamily="34" charset="0"/>
-            </a:endParaRPr>
           </a:p>
           <a:p>
             <a:pPr lvl="0"/>
@@ -17158,17 +17149,41 @@
               <a:t>from </a:t>
             </a:r>
             <a:r>
-              <a:rPr lang="en-GB" sz="2800" dirty="0" err="1" smtClean="0">
+              <a:rPr lang="en-GB" sz="2800" smtClean="0">
                 <a:latin typeface="Lucida Sans" panose="020B0602030504020204" pitchFamily="34" charset="0"/>
               </a:rPr>
-              <a:t>yourFolder.yourFile</a:t>
-            </a:r>
-            <a:r>
-              <a:rPr lang="en-GB" sz="2800" dirty="0" smtClean="0">
+              <a:t>subFolder.myFile </a:t>
+            </a:r>
+            <a:r>
+              <a:rPr lang="en-GB" sz="2800" smtClean="0">
                 <a:latin typeface="Lucida Sans" panose="020B0602030504020204" pitchFamily="34" charset="0"/>
               </a:rPr>
-              <a:t> import *</a:t>
-            </a:r>
+              <a:t>import </a:t>
+            </a:r>
+            <a:r>
+              <a:rPr lang="en-GB" sz="2800" smtClean="0">
+                <a:latin typeface="Lucida Sans" panose="020B0602030504020204" pitchFamily="34" charset="0"/>
+              </a:rPr>
+              <a:t>*</a:t>
+            </a:r>
+          </a:p>
+          <a:p>
+            <a:pPr lvl="0"/>
+            <a:r>
+              <a:rPr lang="en-GB" sz="2800">
+                <a:latin typeface="Lucida Sans" panose="020B0602030504020204" pitchFamily="34" charset="0"/>
+              </a:rPr>
+              <a:t>	</a:t>
+            </a:r>
+            <a:r>
+              <a:rPr lang="en-GB" sz="2800" smtClean="0">
+                <a:latin typeface="Lucida Sans" panose="020B0602030504020204" pitchFamily="34" charset="0"/>
+              </a:rPr>
+              <a:t>from .siblingFile import *</a:t>
+            </a:r>
+            <a:endParaRPr lang="en-GB" sz="2800" dirty="0" smtClean="0">
+              <a:latin typeface="Lucida Sans" panose="020B0602030504020204" pitchFamily="34" charset="0"/>
+            </a:endParaRPr>
           </a:p>
           <a:p>
             <a:pPr lvl="0"/>
@@ -17272,9 +17287,6 @@
               </a:rPr>
               <a:t>Integers 	(immutable!!!)</a:t>
             </a:r>
-            <a:endParaRPr lang="en-US" sz="3600" smtClean="0">
-              <a:latin typeface="Lucida Sans" panose="020B0602030504020204" pitchFamily="34" charset="0"/>
-            </a:endParaRPr>
           </a:p>
           <a:p>
             <a:pPr lvl="0"/>
@@ -17328,9 +17340,6 @@
               </a:rPr>
               <a:t>)</a:t>
             </a:r>
-            <a:endParaRPr lang="en-US" sz="3600" smtClean="0">
-              <a:latin typeface="Lucida Sans" panose="020B0602030504020204" pitchFamily="34" charset="0"/>
-            </a:endParaRPr>
           </a:p>
           <a:p>
             <a:r>
@@ -17570,17 +17579,8 @@
               <a:rPr lang="en-US" sz="3600" smtClean="0">
                 <a:latin typeface="Lucida Sans" panose="020B0602030504020204" pitchFamily="34" charset="0"/>
               </a:rPr>
-              <a:t>Tuple (1,2,3</a:t>
-            </a:r>
-            <a:r>
-              <a:rPr lang="en-US" sz="3600" smtClean="0">
-                <a:latin typeface="Lucida Sans" panose="020B0602030504020204" pitchFamily="34" charset="0"/>
-              </a:rPr>
-              <a:t>)	(immutable)</a:t>
-            </a:r>
-            <a:endParaRPr lang="en-US" sz="3600" smtClean="0">
-              <a:latin typeface="Lucida Sans" panose="020B0602030504020204" pitchFamily="34" charset="0"/>
-            </a:endParaRPr>
+              <a:t>Tuple (1,2,3)	(immutable)</a:t>
+            </a:r>
           </a:p>
           <a:p>
             <a:pPr lvl="0"/>
@@ -17597,31 +17597,16 @@
               <a:rPr lang="en-US" sz="3600" smtClean="0">
                 <a:latin typeface="Lucida Sans" panose="020B0602030504020204" pitchFamily="34" charset="0"/>
               </a:rPr>
-              <a:t>Set		{1,2,3</a:t>
-            </a:r>
+              <a:t>Set		{1,2,3}	(unique/ordered)</a:t>
+            </a:r>
+          </a:p>
+          <a:p>
+            <a:pPr lvl="0"/>
             <a:r>
               <a:rPr lang="en-US" sz="3600" smtClean="0">
                 <a:latin typeface="Lucida Sans" panose="020B0602030504020204" pitchFamily="34" charset="0"/>
               </a:rPr>
-              <a:t>}	(unique/ordered)</a:t>
-            </a:r>
-            <a:endParaRPr lang="en-US" sz="3600" smtClean="0">
-              <a:latin typeface="Lucida Sans" panose="020B0602030504020204" pitchFamily="34" charset="0"/>
-            </a:endParaRPr>
-          </a:p>
-          <a:p>
-            <a:pPr lvl="0"/>
-            <a:r>
-              <a:rPr lang="en-US" sz="3600" smtClean="0">
-                <a:latin typeface="Lucida Sans" panose="020B0602030504020204" pitchFamily="34" charset="0"/>
-              </a:rPr>
-              <a:t>Dict		{"a":1, "b":2, "c":3</a:t>
-            </a:r>
-            <a:r>
-              <a:rPr lang="en-US" sz="3600" smtClean="0">
-                <a:latin typeface="Lucida Sans" panose="020B0602030504020204" pitchFamily="34" charset="0"/>
-              </a:rPr>
-              <a:t>}</a:t>
+              <a:t>Dict		{"a":1, "b":2, "c":3}</a:t>
             </a:r>
           </a:p>
           <a:p>
@@ -17635,9 +17620,6 @@
               </a:rPr>
               <a:t>also unique and ordered on keys</a:t>
             </a:r>
-            <a:endParaRPr lang="en-US" sz="3200" smtClean="0">
-              <a:latin typeface="Lucida Sans" panose="020B0602030504020204" pitchFamily="34" charset="0"/>
-            </a:endParaRPr>
           </a:p>
         </p:txBody>
       </p:sp>
@@ -18015,13 +17997,7 @@
               <a:rPr lang="en-US" sz="3600" smtClean="0">
                 <a:latin typeface="Lucida Sans" panose="020B0602030504020204" pitchFamily="34" charset="0"/>
               </a:rPr>
-              <a:t>later</a:t>
-            </a:r>
-            <a:r>
-              <a:rPr lang="en-US" sz="3600" smtClean="0">
-                <a:latin typeface="Lucida Sans" panose="020B0602030504020204" pitchFamily="34" charset="0"/>
-              </a:rPr>
-              <a:t>)</a:t>
+              <a:t>later)</a:t>
             </a:r>
             <a:endParaRPr lang="en-US" sz="3600" dirty="0" smtClean="0">
               <a:latin typeface="Lucida Sans" panose="020B0602030504020204" pitchFamily="34" charset="0"/>

--- a/DG_04 The Toolset.pptx
+++ b/DG_04 The Toolset.pptx
@@ -122,7 +122,7 @@
   </p:defaultTextStyle>
   <p:extLst>
     <p:ext uri="{EFAFB233-063F-42B5-8137-9DF3F51BA10A}">
-      <p15:sldGuideLst xmlns="" xmlns:p15="http://schemas.microsoft.com/office/powerpoint/2012/main">
+      <p15:sldGuideLst xmlns:p15="http://schemas.microsoft.com/office/powerpoint/2012/main">
         <p15:guide id="1" orient="horz" pos="2160">
           <p15:clr>
             <a:srgbClr val="A4A3A4"/>
@@ -17146,25 +17146,7 @@
               <a:rPr lang="en-GB" sz="2800" smtClean="0">
                 <a:latin typeface="Lucida Sans" panose="020B0602030504020204" pitchFamily="34" charset="0"/>
               </a:rPr>
-              <a:t>from </a:t>
-            </a:r>
-            <a:r>
-              <a:rPr lang="en-GB" sz="2800" smtClean="0">
-                <a:latin typeface="Lucida Sans" panose="020B0602030504020204" pitchFamily="34" charset="0"/>
-              </a:rPr>
-              <a:t>subFolder.myFile </a:t>
-            </a:r>
-            <a:r>
-              <a:rPr lang="en-GB" sz="2800" smtClean="0">
-                <a:latin typeface="Lucida Sans" panose="020B0602030504020204" pitchFamily="34" charset="0"/>
-              </a:rPr>
-              <a:t>import </a:t>
-            </a:r>
-            <a:r>
-              <a:rPr lang="en-GB" sz="2800" smtClean="0">
-                <a:latin typeface="Lucida Sans" panose="020B0602030504020204" pitchFamily="34" charset="0"/>
-              </a:rPr>
-              <a:t>*</a:t>
+              <a:t>from subFolder.myFile import *</a:t>
             </a:r>
           </a:p>
           <a:p>
@@ -18609,35 +18591,83 @@
           <a:p>
             <a:pPr lvl="0"/>
             <a:r>
-              <a:rPr lang="en-US" sz="3600" smtClean="0">
+              <a:rPr lang="en-US" sz="3600" dirty="0" smtClean="0">
                 <a:latin typeface="Lucida Sans" panose="020B0602030504020204" pitchFamily="34" charset="0"/>
               </a:rPr>
-              <a:t>Start-&gt;"env"</a:t>
-            </a:r>
-          </a:p>
-          <a:p>
-            <a:pPr lvl="0"/>
-            <a:r>
-              <a:rPr lang="en-US" sz="3600" smtClean="0">
+              <a:t>Start-&gt;"</a:t>
+            </a:r>
+            <a:r>
+              <a:rPr lang="en-US" sz="3600" dirty="0" err="1" smtClean="0">
                 <a:latin typeface="Lucida Sans" panose="020B0602030504020204" pitchFamily="34" charset="0"/>
               </a:rPr>
-              <a:t>Edit system path</a:t>
+              <a:t>env</a:t>
+            </a:r>
+            <a:r>
+              <a:rPr lang="en-US" sz="3600" dirty="0" smtClean="0">
+                <a:latin typeface="Lucida Sans" panose="020B0602030504020204" pitchFamily="34" charset="0"/>
+              </a:rPr>
+              <a:t>"</a:t>
             </a:r>
           </a:p>
           <a:p>
             <a:pPr lvl="0"/>
             <a:r>
-              <a:rPr lang="en-US" sz="3600" smtClean="0">
+              <a:rPr lang="en-US" sz="3600" dirty="0" smtClean="0">
+                <a:latin typeface="Lucida Sans" panose="020B0602030504020204" pitchFamily="34" charset="0"/>
+              </a:rPr>
+              <a:t>Edit </a:t>
+            </a:r>
+            <a:r>
+              <a:rPr lang="en-US" sz="3600" b="1" dirty="0" smtClean="0">
+                <a:solidFill>
+                  <a:srgbClr val="FF0000"/>
+                </a:solidFill>
+                <a:latin typeface="Lucida Sans" panose="020B0602030504020204" pitchFamily="34" charset="0"/>
+              </a:rPr>
+              <a:t>system</a:t>
+            </a:r>
+            <a:r>
+              <a:rPr lang="en-US" sz="3600" dirty="0" smtClean="0">
+                <a:latin typeface="Lucida Sans" panose="020B0602030504020204" pitchFamily="34" charset="0"/>
+              </a:rPr>
+              <a:t> path</a:t>
+            </a:r>
+          </a:p>
+          <a:p>
+            <a:pPr lvl="0"/>
+            <a:r>
+              <a:rPr lang="en-US" sz="3600" dirty="0" smtClean="0">
                 <a:latin typeface="Lucida Sans" panose="020B0602030504020204" pitchFamily="34" charset="0"/>
               </a:rPr>
               <a:t>add path to python 3.10</a:t>
             </a:r>
-            <a:endParaRPr lang="en-US" sz="3600" dirty="0" smtClean="0">
-              <a:latin typeface="Lucida Sans" panose="020B0602030504020204" pitchFamily="34" charset="0"/>
-            </a:endParaRPr>
           </a:p>
         </p:txBody>
       </p:sp>
+      <p:pic>
+        <p:nvPicPr>
+          <p:cNvPr id="3" name="Picture 2"/>
+          <p:cNvPicPr>
+            <a:picLocks noChangeAspect="1"/>
+          </p:cNvPicPr>
+          <p:nvPr/>
+        </p:nvPicPr>
+        <p:blipFill>
+          <a:blip r:embed="rId3"/>
+          <a:stretch>
+            <a:fillRect/>
+          </a:stretch>
+        </p:blipFill>
+        <p:spPr>
+          <a:xfrm>
+            <a:off x="667929" y="4201703"/>
+            <a:ext cx="7251446" cy="1664943"/>
+          </a:xfrm>
+          <a:prstGeom prst="rect">
+            <a:avLst/>
+          </a:prstGeom>
+        </p:spPr>
+      </p:pic>
     </p:spTree>
     <p:extLst>
       <p:ext uri="{BB962C8B-B14F-4D97-AF65-F5344CB8AC3E}">

--- a/DG_04 The Toolset.pptx
+++ b/DG_04 The Toolset.pptx
@@ -5,7 +5,7 @@
     <p:sldMasterId id="2147483739" r:id="rId1"/>
   </p:sldMasterIdLst>
   <p:notesMasterIdLst>
-    <p:notesMasterId r:id="rId16"/>
+    <p:notesMasterId r:id="rId18"/>
   </p:notesMasterIdLst>
   <p:sldIdLst>
     <p:sldId id="643" r:id="rId2"/>
@@ -13,15 +13,17 @@
     <p:sldId id="648" r:id="rId4"/>
     <p:sldId id="645" r:id="rId5"/>
     <p:sldId id="649" r:id="rId6"/>
-    <p:sldId id="646" r:id="rId7"/>
-    <p:sldId id="647" r:id="rId8"/>
-    <p:sldId id="653" r:id="rId9"/>
-    <p:sldId id="654" r:id="rId10"/>
-    <p:sldId id="655" r:id="rId11"/>
-    <p:sldId id="651" r:id="rId12"/>
-    <p:sldId id="656" r:id="rId13"/>
-    <p:sldId id="652" r:id="rId14"/>
-    <p:sldId id="650" r:id="rId15"/>
+    <p:sldId id="657" r:id="rId7"/>
+    <p:sldId id="646" r:id="rId8"/>
+    <p:sldId id="647" r:id="rId9"/>
+    <p:sldId id="658" r:id="rId10"/>
+    <p:sldId id="653" r:id="rId11"/>
+    <p:sldId id="654" r:id="rId12"/>
+    <p:sldId id="655" r:id="rId13"/>
+    <p:sldId id="651" r:id="rId14"/>
+    <p:sldId id="656" r:id="rId15"/>
+    <p:sldId id="652" r:id="rId16"/>
+    <p:sldId id="650" r:id="rId17"/>
   </p:sldIdLst>
   <p:sldSz cx="9144000" cy="6858000" type="screen4x3"/>
   <p:notesSz cx="6858000" cy="9144000"/>
@@ -122,7 +124,7 @@
   </p:defaultTextStyle>
   <p:extLst>
     <p:ext uri="{EFAFB233-063F-42B5-8137-9DF3F51BA10A}">
-      <p15:sldGuideLst xmlns:p15="http://schemas.microsoft.com/office/powerpoint/2012/main">
+      <p15:sldGuideLst xmlns:p15="http://schemas.microsoft.com/office/powerpoint/2012/main" xmlns="">
         <p15:guide id="1" orient="horz" pos="2160">
           <p15:clr>
             <a:srgbClr val="A4A3A4"/>
@@ -221,7 +223,7 @@
           <a:p>
             <a:fld id="{78C00125-7AA2-BF47-9592-BD0EA1380ED7}" type="datetimeFigureOut">
               <a:rPr lang="en-US" smtClean="0"/>
-              <a:t>5/24/2022</a:t>
+              <a:t>5/25/2022</a:t>
             </a:fld>
             <a:endParaRPr lang="en-US"/>
           </a:p>
@@ -647,7 +649,7 @@
     </p:spTree>
     <p:extLst>
       <p:ext uri="{BB962C8B-B14F-4D97-AF65-F5344CB8AC3E}">
-        <p14:creationId xmlns:p14="http://schemas.microsoft.com/office/powerpoint/2010/main" val="3665432864"/>
+        <p14:creationId xmlns:p14="http://schemas.microsoft.com/office/powerpoint/2010/main" val="3988076159"/>
       </p:ext>
     </p:extLst>
   </p:cSld>
@@ -731,7 +733,7 @@
     </p:spTree>
     <p:extLst>
       <p:ext uri="{BB962C8B-B14F-4D97-AF65-F5344CB8AC3E}">
-        <p14:creationId xmlns:p14="http://schemas.microsoft.com/office/powerpoint/2010/main" val="3665432864"/>
+        <p14:creationId xmlns:p14="http://schemas.microsoft.com/office/powerpoint/2010/main" val="3988076159"/>
       </p:ext>
     </p:extLst>
   </p:cSld>
@@ -815,7 +817,7 @@
     </p:spTree>
     <p:extLst>
       <p:ext uri="{BB962C8B-B14F-4D97-AF65-F5344CB8AC3E}">
-        <p14:creationId xmlns:p14="http://schemas.microsoft.com/office/powerpoint/2010/main" val="4204864892"/>
+        <p14:creationId xmlns:p14="http://schemas.microsoft.com/office/powerpoint/2010/main" val="3665432864"/>
       </p:ext>
     </p:extLst>
   </p:cSld>
@@ -891,6 +893,174 @@
             <a:fld id="{2D8A47E9-43C9-0F4F-9379-1746571B2494}" type="slidenum">
               <a:rPr lang="en-US" smtClean="0"/>
               <a:t>14</a:t>
+            </a:fld>
+            <a:endParaRPr lang="en-US"/>
+          </a:p>
+        </p:txBody>
+      </p:sp>
+    </p:spTree>
+    <p:extLst>
+      <p:ext uri="{BB962C8B-B14F-4D97-AF65-F5344CB8AC3E}">
+        <p14:creationId xmlns:p14="http://schemas.microsoft.com/office/powerpoint/2010/main" val="3665432864"/>
+      </p:ext>
+    </p:extLst>
+  </p:cSld>
+  <p:clrMapOvr>
+    <a:masterClrMapping/>
+  </p:clrMapOvr>
+</p:notes>
+</file>
+
+<file path=ppt/notesSlides/notesSlide14.xml><?xml version="1.0" encoding="utf-8"?>
+<p:notes xmlns:a="http://schemas.openxmlformats.org/drawingml/2006/main" xmlns:r="http://schemas.openxmlformats.org/officeDocument/2006/relationships" xmlns:p="http://schemas.openxmlformats.org/presentationml/2006/main">
+  <p:cSld>
+    <p:spTree>
+      <p:nvGrpSpPr>
+        <p:cNvPr id="1" name=""/>
+        <p:cNvGrpSpPr/>
+        <p:nvPr/>
+      </p:nvGrpSpPr>
+      <p:grpSpPr>
+        <a:xfrm>
+          <a:off x="0" y="0"/>
+          <a:ext cx="0" cy="0"/>
+          <a:chOff x="0" y="0"/>
+          <a:chExt cx="0" cy="0"/>
+        </a:xfrm>
+      </p:grpSpPr>
+      <p:sp>
+        <p:nvSpPr>
+          <p:cNvPr id="2" name="Slide Image Placeholder 1"/>
+          <p:cNvSpPr>
+            <a:spLocks noGrp="1" noRot="1" noChangeAspect="1"/>
+          </p:cNvSpPr>
+          <p:nvPr>
+            <p:ph type="sldImg"/>
+          </p:nvPr>
+        </p:nvSpPr>
+        <p:spPr/>
+      </p:sp>
+      <p:sp>
+        <p:nvSpPr>
+          <p:cNvPr id="3" name="Notes Placeholder 2"/>
+          <p:cNvSpPr>
+            <a:spLocks noGrp="1"/>
+          </p:cNvSpPr>
+          <p:nvPr>
+            <p:ph type="body" idx="1"/>
+          </p:nvPr>
+        </p:nvSpPr>
+        <p:spPr/>
+        <p:txBody>
+          <a:bodyPr/>
+          <a:lstStyle/>
+          <a:p>
+            <a:endParaRPr lang="en-US" dirty="0"/>
+          </a:p>
+        </p:txBody>
+      </p:sp>
+      <p:sp>
+        <p:nvSpPr>
+          <p:cNvPr id="4" name="Slide Number Placeholder 3"/>
+          <p:cNvSpPr>
+            <a:spLocks noGrp="1"/>
+          </p:cNvSpPr>
+          <p:nvPr>
+            <p:ph type="sldNum" sz="quarter" idx="10"/>
+          </p:nvPr>
+        </p:nvSpPr>
+        <p:spPr/>
+        <p:txBody>
+          <a:bodyPr/>
+          <a:lstStyle/>
+          <a:p>
+            <a:fld id="{2D8A47E9-43C9-0F4F-9379-1746571B2494}" type="slidenum">
+              <a:rPr lang="en-US" smtClean="0"/>
+              <a:t>15</a:t>
+            </a:fld>
+            <a:endParaRPr lang="en-US"/>
+          </a:p>
+        </p:txBody>
+      </p:sp>
+    </p:spTree>
+    <p:extLst>
+      <p:ext uri="{BB962C8B-B14F-4D97-AF65-F5344CB8AC3E}">
+        <p14:creationId xmlns:p14="http://schemas.microsoft.com/office/powerpoint/2010/main" val="4204864892"/>
+      </p:ext>
+    </p:extLst>
+  </p:cSld>
+  <p:clrMapOvr>
+    <a:masterClrMapping/>
+  </p:clrMapOvr>
+</p:notes>
+</file>
+
+<file path=ppt/notesSlides/notesSlide15.xml><?xml version="1.0" encoding="utf-8"?>
+<p:notes xmlns:a="http://schemas.openxmlformats.org/drawingml/2006/main" xmlns:r="http://schemas.openxmlformats.org/officeDocument/2006/relationships" xmlns:p="http://schemas.openxmlformats.org/presentationml/2006/main">
+  <p:cSld>
+    <p:spTree>
+      <p:nvGrpSpPr>
+        <p:cNvPr id="1" name=""/>
+        <p:cNvGrpSpPr/>
+        <p:nvPr/>
+      </p:nvGrpSpPr>
+      <p:grpSpPr>
+        <a:xfrm>
+          <a:off x="0" y="0"/>
+          <a:ext cx="0" cy="0"/>
+          <a:chOff x="0" y="0"/>
+          <a:chExt cx="0" cy="0"/>
+        </a:xfrm>
+      </p:grpSpPr>
+      <p:sp>
+        <p:nvSpPr>
+          <p:cNvPr id="2" name="Slide Image Placeholder 1"/>
+          <p:cNvSpPr>
+            <a:spLocks noGrp="1" noRot="1" noChangeAspect="1"/>
+          </p:cNvSpPr>
+          <p:nvPr>
+            <p:ph type="sldImg"/>
+          </p:nvPr>
+        </p:nvSpPr>
+        <p:spPr/>
+      </p:sp>
+      <p:sp>
+        <p:nvSpPr>
+          <p:cNvPr id="3" name="Notes Placeholder 2"/>
+          <p:cNvSpPr>
+            <a:spLocks noGrp="1"/>
+          </p:cNvSpPr>
+          <p:nvPr>
+            <p:ph type="body" idx="1"/>
+          </p:nvPr>
+        </p:nvSpPr>
+        <p:spPr/>
+        <p:txBody>
+          <a:bodyPr/>
+          <a:lstStyle/>
+          <a:p>
+            <a:endParaRPr lang="en-US" dirty="0"/>
+          </a:p>
+        </p:txBody>
+      </p:sp>
+      <p:sp>
+        <p:nvSpPr>
+          <p:cNvPr id="4" name="Slide Number Placeholder 3"/>
+          <p:cNvSpPr>
+            <a:spLocks noGrp="1"/>
+          </p:cNvSpPr>
+          <p:nvPr>
+            <p:ph type="sldNum" sz="quarter" idx="10"/>
+          </p:nvPr>
+        </p:nvSpPr>
+        <p:spPr/>
+        <p:txBody>
+          <a:bodyPr/>
+          <a:lstStyle/>
+          <a:p>
+            <a:fld id="{2D8A47E9-43C9-0F4F-9379-1746571B2494}" type="slidenum">
+              <a:rPr lang="en-US" smtClean="0"/>
+              <a:t>16</a:t>
             </a:fld>
             <a:endParaRPr lang="en-US"/>
           </a:p>
@@ -1235,7 +1405,7 @@
     </p:spTree>
     <p:extLst>
       <p:ext uri="{BB962C8B-B14F-4D97-AF65-F5344CB8AC3E}">
-        <p14:creationId xmlns:p14="http://schemas.microsoft.com/office/powerpoint/2010/main" val="3988076159"/>
+        <p14:creationId xmlns:p14="http://schemas.microsoft.com/office/powerpoint/2010/main" val="2609574775"/>
       </p:ext>
     </p:extLst>
   </p:cSld>
@@ -3394,7 +3564,7 @@
             <a:fld id="{28E80666-FB37-4B36-9149-507F3B0178E3}" type="datetimeFigureOut">
               <a:rPr lang="en-US" smtClean="0"/>
               <a:pPr/>
-              <a:t>5/24/2022</a:t>
+              <a:t>5/25/2022</a:t>
             </a:fld>
             <a:endParaRPr lang="en-US"/>
           </a:p>
@@ -3576,7 +3746,7 @@
           <a:p>
             <a:fld id="{05DB9FB3-5BB2-724E-A037-6C88DDC21847}" type="datetimeFigureOut">
               <a:rPr lang="en-US" smtClean="0"/>
-              <a:t>5/24/2022</a:t>
+              <a:t>5/25/2022</a:t>
             </a:fld>
             <a:endParaRPr lang="en-US"/>
           </a:p>
@@ -3727,7 +3897,7 @@
           <a:p>
             <a:fld id="{05DB9FB3-5BB2-724E-A037-6C88DDC21847}" type="datetimeFigureOut">
               <a:rPr lang="en-US" smtClean="0"/>
-              <a:t>5/24/2022</a:t>
+              <a:t>5/25/2022</a:t>
             </a:fld>
             <a:endParaRPr lang="en-US"/>
           </a:p>
@@ -5553,7 +5723,7 @@
           <a:p>
             <a:fld id="{05DB9FB3-5BB2-724E-A037-6C88DDC21847}" type="datetimeFigureOut">
               <a:rPr lang="en-US" smtClean="0"/>
-              <a:t>5/24/2022</a:t>
+              <a:t>5/25/2022</a:t>
             </a:fld>
             <a:endParaRPr lang="en-US"/>
           </a:p>
@@ -7424,7 +7594,7 @@
             <a:fld id="{28E80666-FB37-4B36-9149-507F3B0178E3}" type="datetimeFigureOut">
               <a:rPr lang="en-US" smtClean="0"/>
               <a:pPr/>
-              <a:t>5/24/2022</a:t>
+              <a:t>5/25/2022</a:t>
             </a:fld>
             <a:endParaRPr lang="en-US"/>
           </a:p>
@@ -7538,7 +7708,7 @@
           <a:p>
             <a:fld id="{05DB9FB3-5BB2-724E-A037-6C88DDC21847}" type="datetimeFigureOut">
               <a:rPr lang="en-US" smtClean="0"/>
-              <a:t>5/24/2022</a:t>
+              <a:t>5/25/2022</a:t>
             </a:fld>
             <a:endParaRPr lang="en-US"/>
           </a:p>
@@ -8079,7 +8249,7 @@
           <a:p>
             <a:fld id="{05DB9FB3-5BB2-724E-A037-6C88DDC21847}" type="datetimeFigureOut">
               <a:rPr lang="en-US" smtClean="0"/>
-              <a:t>5/24/2022</a:t>
+              <a:t>5/25/2022</a:t>
             </a:fld>
             <a:endParaRPr lang="en-US"/>
           </a:p>
@@ -8192,7 +8362,7 @@
           <a:p>
             <a:fld id="{05DB9FB3-5BB2-724E-A037-6C88DDC21847}" type="datetimeFigureOut">
               <a:rPr lang="en-US" smtClean="0"/>
-              <a:t>5/24/2022</a:t>
+              <a:t>5/25/2022</a:t>
             </a:fld>
             <a:endParaRPr lang="en-US"/>
           </a:p>
@@ -9903,7 +10073,7 @@
           <a:p>
             <a:fld id="{05DB9FB3-5BB2-724E-A037-6C88DDC21847}" type="datetimeFigureOut">
               <a:rPr lang="en-US" smtClean="0"/>
-              <a:t>5/24/2022</a:t>
+              <a:t>5/25/2022</a:t>
             </a:fld>
             <a:endParaRPr lang="en-US"/>
           </a:p>
@@ -10054,7 +10224,7 @@
           <a:p>
             <a:fld id="{05DB9FB3-5BB2-724E-A037-6C88DDC21847}" type="datetimeFigureOut">
               <a:rPr lang="en-US" smtClean="0"/>
-              <a:t>5/24/2022</a:t>
+              <a:t>5/25/2022</a:t>
             </a:fld>
             <a:endParaRPr lang="en-US"/>
           </a:p>
@@ -13669,7 +13839,7 @@
           <a:p>
             <a:fld id="{05DB9FB3-5BB2-724E-A037-6C88DDC21847}" type="datetimeFigureOut">
               <a:rPr lang="en-US" smtClean="0"/>
-              <a:t>5/24/2022</a:t>
+              <a:t>5/25/2022</a:t>
             </a:fld>
             <a:endParaRPr lang="en-US"/>
           </a:p>
@@ -15528,7 +15698,7 @@
           <a:p>
             <a:fld id="{05DB9FB3-5BB2-724E-A037-6C88DDC21847}" type="datetimeFigureOut">
               <a:rPr lang="en-US" smtClean="0"/>
-              <a:t>5/24/2022</a:t>
+              <a:t>5/25/2022</a:t>
             </a:fld>
             <a:endParaRPr lang="en-US"/>
           </a:p>
@@ -16182,2045 +16352,6 @@
             <a:pPr algn="l"/>
             <a:r>
               <a:rPr lang="en-US" smtClean="0"/>
-              <a:t>VSC Select Interpreter</a:t>
-            </a:r>
-            <a:endParaRPr lang="en-US" dirty="0"/>
-          </a:p>
-        </p:txBody>
-      </p:sp>
-      <p:sp>
-        <p:nvSpPr>
-          <p:cNvPr id="5" name="Rectangle 4"/>
-          <p:cNvSpPr/>
-          <p:nvPr/>
-        </p:nvSpPr>
-        <p:spPr>
-          <a:xfrm>
-            <a:off x="251586" y="2127167"/>
-            <a:ext cx="8047587" cy="1200329"/>
-          </a:xfrm>
-          <a:prstGeom prst="rect">
-            <a:avLst/>
-          </a:prstGeom>
-        </p:spPr>
-        <p:txBody>
-          <a:bodyPr wrap="square">
-            <a:spAutoFit/>
-          </a:bodyPr>
-          <a:lstStyle/>
-          <a:p>
-            <a:pPr lvl="0"/>
-            <a:r>
-              <a:rPr lang="en-US" sz="3600" smtClean="0">
-                <a:latin typeface="Lucida Sans" panose="020B0602030504020204" pitchFamily="34" charset="0"/>
-              </a:rPr>
-              <a:t>View-&gt; Command Pallete</a:t>
-            </a:r>
-          </a:p>
-          <a:p>
-            <a:pPr lvl="0"/>
-            <a:r>
-              <a:rPr lang="en-US" sz="3600" smtClean="0">
-                <a:latin typeface="Lucida Sans" panose="020B0602030504020204" pitchFamily="34" charset="0"/>
-              </a:rPr>
-              <a:t> -&gt;python:Selected Interpreter</a:t>
-            </a:r>
-          </a:p>
-        </p:txBody>
-      </p:sp>
-      <p:pic>
-        <p:nvPicPr>
-          <p:cNvPr id="2050" name="Picture 2"/>
-          <p:cNvPicPr>
-            <a:picLocks noChangeAspect="1" noChangeArrowheads="1"/>
-          </p:cNvPicPr>
-          <p:nvPr/>
-        </p:nvPicPr>
-        <p:blipFill>
-          <a:blip r:embed="rId3">
-            <a:extLst>
-              <a:ext uri="{28A0092B-C50C-407E-A947-70E740481C1C}">
-                <a14:useLocalDpi xmlns:a14="http://schemas.microsoft.com/office/drawing/2010/main" val="0"/>
-              </a:ext>
-            </a:extLst>
-          </a:blip>
-          <a:srcRect/>
-          <a:stretch>
-            <a:fillRect/>
-          </a:stretch>
-        </p:blipFill>
-        <p:spPr bwMode="auto">
-          <a:xfrm>
-            <a:off x="1126510" y="3540190"/>
-            <a:ext cx="5883275" cy="1905000"/>
-          </a:xfrm>
-          <a:prstGeom prst="rect">
-            <a:avLst/>
-          </a:prstGeom>
-          <a:noFill/>
-          <a:ln>
-            <a:noFill/>
-          </a:ln>
-          <a:effectLst/>
-          <a:extLst>
-            <a:ext uri="{909E8E84-426E-40DD-AFC4-6F175D3DCCD1}">
-              <a14:hiddenFill xmlns:a14="http://schemas.microsoft.com/office/drawing/2010/main">
-                <a:solidFill>
-                  <a:schemeClr val="accent1"/>
-                </a:solidFill>
-              </a14:hiddenFill>
-            </a:ext>
-            <a:ext uri="{91240B29-F687-4F45-9708-019B960494DF}">
-              <a14:hiddenLine xmlns:a14="http://schemas.microsoft.com/office/drawing/2010/main" w="9525">
-                <a:solidFill>
-                  <a:schemeClr val="tx1"/>
-                </a:solidFill>
-                <a:miter lim="800000"/>
-                <a:headEnd/>
-                <a:tailEnd/>
-              </a14:hiddenLine>
-            </a:ext>
-            <a:ext uri="{AF507438-7753-43E0-B8FC-AC1667EBCBE1}">
-              <a14:hiddenEffects xmlns:a14="http://schemas.microsoft.com/office/drawing/2010/main">
-                <a:effectLst>
-                  <a:outerShdw dist="35921" dir="2700000" algn="ctr" rotWithShape="0">
-                    <a:schemeClr val="bg2"/>
-                  </a:outerShdw>
-                </a:effectLst>
-              </a14:hiddenEffects>
-            </a:ext>
-          </a:extLst>
-        </p:spPr>
-      </p:pic>
-    </p:spTree>
-    <p:extLst>
-      <p:ext uri="{BB962C8B-B14F-4D97-AF65-F5344CB8AC3E}">
-        <p14:creationId xmlns:p14="http://schemas.microsoft.com/office/powerpoint/2010/main" val="4148938402"/>
-      </p:ext>
-    </p:extLst>
-  </p:cSld>
-  <p:clrMapOvr>
-    <a:masterClrMapping/>
-  </p:clrMapOvr>
-  <p:timing>
-    <p:tnLst>
-      <p:par>
-        <p:cTn id="1" dur="indefinite" restart="never" nodeType="tmRoot"/>
-      </p:par>
-    </p:tnLst>
-  </p:timing>
-</p:sld>
-</file>
-
-<file path=ppt/slides/slide11.xml><?xml version="1.0" encoding="utf-8"?>
-<p:sld xmlns:a="http://schemas.openxmlformats.org/drawingml/2006/main" xmlns:r="http://schemas.openxmlformats.org/officeDocument/2006/relationships" xmlns:p="http://schemas.openxmlformats.org/presentationml/2006/main">
-  <p:cSld>
-    <p:spTree>
-      <p:nvGrpSpPr>
-        <p:cNvPr id="1" name=""/>
-        <p:cNvGrpSpPr/>
-        <p:nvPr/>
-      </p:nvGrpSpPr>
-      <p:grpSpPr>
-        <a:xfrm>
-          <a:off x="0" y="0"/>
-          <a:ext cx="0" cy="0"/>
-          <a:chOff x="0" y="0"/>
-          <a:chExt cx="0" cy="0"/>
-        </a:xfrm>
-      </p:grpSpPr>
-      <p:sp>
-        <p:nvSpPr>
-          <p:cNvPr id="2" name="Title 1"/>
-          <p:cNvSpPr>
-            <a:spLocks noGrp="1"/>
-          </p:cNvSpPr>
-          <p:nvPr>
-            <p:ph type="title"/>
-          </p:nvPr>
-        </p:nvSpPr>
-        <p:spPr>
-          <a:xfrm>
-            <a:off x="251586" y="244158"/>
-            <a:ext cx="8637831" cy="1339850"/>
-          </a:xfrm>
-        </p:spPr>
-        <p:txBody>
-          <a:bodyPr anchor="t"/>
-          <a:lstStyle/>
-          <a:p>
-            <a:pPr algn="l"/>
-            <a:r>
-              <a:rPr lang="en-US" dirty="0" err="1" smtClean="0"/>
-              <a:t>enum</a:t>
-            </a:r>
-            <a:endParaRPr lang="en-US" dirty="0"/>
-          </a:p>
-        </p:txBody>
-      </p:sp>
-      <p:sp>
-        <p:nvSpPr>
-          <p:cNvPr id="5" name="Rectangle 4"/>
-          <p:cNvSpPr/>
-          <p:nvPr/>
-        </p:nvSpPr>
-        <p:spPr>
-          <a:xfrm>
-            <a:off x="251586" y="2511201"/>
-            <a:ext cx="8337873" cy="4832092"/>
-          </a:xfrm>
-          <a:prstGeom prst="rect">
-            <a:avLst/>
-          </a:prstGeom>
-        </p:spPr>
-        <p:txBody>
-          <a:bodyPr wrap="square">
-            <a:spAutoFit/>
-          </a:bodyPr>
-          <a:lstStyle/>
-          <a:p>
-            <a:pPr lvl="0"/>
-            <a:r>
-              <a:rPr lang="en-GB" sz="2800" dirty="0" smtClean="0">
-                <a:latin typeface="Lucida Sans" panose="020B0602030504020204" pitchFamily="34" charset="0"/>
-              </a:rPr>
-              <a:t>from </a:t>
-            </a:r>
-            <a:r>
-              <a:rPr lang="en-GB" sz="2800" dirty="0" err="1" smtClean="0">
-                <a:latin typeface="Lucida Sans" panose="020B0602030504020204" pitchFamily="34" charset="0"/>
-              </a:rPr>
-              <a:t>enum</a:t>
-            </a:r>
-            <a:r>
-              <a:rPr lang="en-GB" sz="2800" dirty="0" smtClean="0">
-                <a:latin typeface="Lucida Sans" panose="020B0602030504020204" pitchFamily="34" charset="0"/>
-              </a:rPr>
-              <a:t> import </a:t>
-            </a:r>
-            <a:r>
-              <a:rPr lang="en-GB" sz="2800" b="1" dirty="0" err="1" smtClean="0">
-                <a:solidFill>
-                  <a:srgbClr val="FF0000"/>
-                </a:solidFill>
-                <a:latin typeface="Lucida Sans" panose="020B0602030504020204" pitchFamily="34" charset="0"/>
-              </a:rPr>
-              <a:t>E</a:t>
-            </a:r>
-            <a:r>
-              <a:rPr lang="en-GB" sz="2800" dirty="0" err="1" smtClean="0">
-                <a:latin typeface="Lucida Sans" panose="020B0602030504020204" pitchFamily="34" charset="0"/>
-              </a:rPr>
-              <a:t>num</a:t>
-            </a:r>
-            <a:r>
-              <a:rPr lang="en-GB" sz="2800" dirty="0" smtClean="0">
-                <a:latin typeface="Lucida Sans" panose="020B0602030504020204" pitchFamily="34" charset="0"/>
-              </a:rPr>
-              <a:t>, auto</a:t>
-            </a:r>
-          </a:p>
-          <a:p>
-            <a:pPr lvl="0"/>
-            <a:endParaRPr lang="en-GB" sz="2800" dirty="0">
-              <a:latin typeface="Lucida Sans" panose="020B0602030504020204" pitchFamily="34" charset="0"/>
-            </a:endParaRPr>
-          </a:p>
-          <a:p>
-            <a:pPr lvl="0"/>
-            <a:r>
-              <a:rPr lang="en-GB" sz="2800" dirty="0" smtClean="0">
-                <a:latin typeface="Lucida Sans" panose="020B0602030504020204" pitchFamily="34" charset="0"/>
-              </a:rPr>
-              <a:t>class state(</a:t>
-            </a:r>
-            <a:r>
-              <a:rPr lang="en-GB" sz="2800" b="1" dirty="0" err="1" smtClean="0">
-                <a:solidFill>
-                  <a:srgbClr val="FF0000"/>
-                </a:solidFill>
-                <a:latin typeface="Lucida Sans" panose="020B0602030504020204" pitchFamily="34" charset="0"/>
-              </a:rPr>
-              <a:t>E</a:t>
-            </a:r>
-            <a:r>
-              <a:rPr lang="en-GB" sz="2800" dirty="0" err="1" smtClean="0">
-                <a:latin typeface="Lucida Sans" panose="020B0602030504020204" pitchFamily="34" charset="0"/>
-              </a:rPr>
-              <a:t>num</a:t>
-            </a:r>
-            <a:r>
-              <a:rPr lang="en-GB" sz="2800" dirty="0" smtClean="0">
-                <a:latin typeface="Lucida Sans" panose="020B0602030504020204" pitchFamily="34" charset="0"/>
-              </a:rPr>
-              <a:t>):</a:t>
-            </a:r>
-          </a:p>
-          <a:p>
-            <a:pPr lvl="0"/>
-            <a:r>
-              <a:rPr lang="en-GB" sz="2800" dirty="0">
-                <a:latin typeface="Lucida Sans" panose="020B0602030504020204" pitchFamily="34" charset="0"/>
-              </a:rPr>
-              <a:t>	</a:t>
-            </a:r>
-            <a:r>
-              <a:rPr lang="en-GB" sz="2800" dirty="0" smtClean="0">
-                <a:latin typeface="Lucida Sans" panose="020B0602030504020204" pitchFamily="34" charset="0"/>
-              </a:rPr>
-              <a:t>OFF = auto()</a:t>
-            </a:r>
-          </a:p>
-          <a:p>
-            <a:pPr lvl="0"/>
-            <a:r>
-              <a:rPr lang="en-GB" sz="2800" dirty="0">
-                <a:latin typeface="Lucida Sans" panose="020B0602030504020204" pitchFamily="34" charset="0"/>
-              </a:rPr>
-              <a:t>	</a:t>
-            </a:r>
-            <a:r>
-              <a:rPr lang="en-GB" sz="2800" dirty="0" smtClean="0">
-                <a:latin typeface="Lucida Sans" panose="020B0602030504020204" pitchFamily="34" charset="0"/>
-              </a:rPr>
-              <a:t>LOAD_STATE = auto()</a:t>
-            </a:r>
-          </a:p>
-          <a:p>
-            <a:pPr lvl="0"/>
-            <a:r>
-              <a:rPr lang="en-GB" sz="2800" dirty="0">
-                <a:latin typeface="Lucida Sans" panose="020B0602030504020204" pitchFamily="34" charset="0"/>
-              </a:rPr>
-              <a:t>	</a:t>
-            </a:r>
-            <a:r>
-              <a:rPr lang="en-GB" sz="2800" dirty="0" smtClean="0">
-                <a:latin typeface="Lucida Sans" panose="020B0602030504020204" pitchFamily="34" charset="0"/>
-              </a:rPr>
-              <a:t>CHECK_HOPPERS = auto()</a:t>
-            </a:r>
-          </a:p>
-          <a:p>
-            <a:pPr lvl="0"/>
-            <a:r>
-              <a:rPr lang="en-GB" sz="2800" dirty="0">
-                <a:latin typeface="Lucida Sans" panose="020B0602030504020204" pitchFamily="34" charset="0"/>
-              </a:rPr>
-              <a:t>	</a:t>
-            </a:r>
-            <a:r>
-              <a:rPr lang="en-GB" sz="2800" dirty="0" smtClean="0">
-                <a:latin typeface="Lucida Sans" panose="020B0602030504020204" pitchFamily="34" charset="0"/>
-              </a:rPr>
-              <a:t>READY = auto()</a:t>
-            </a:r>
-          </a:p>
-          <a:p>
-            <a:pPr lvl="0"/>
-            <a:r>
-              <a:rPr lang="en-GB" sz="2800" dirty="0">
-                <a:latin typeface="Lucida Sans" panose="020B0602030504020204" pitchFamily="34" charset="0"/>
-              </a:rPr>
-              <a:t>	</a:t>
-            </a:r>
-            <a:r>
-              <a:rPr lang="en-GB" sz="2800" dirty="0" smtClean="0">
-                <a:latin typeface="Lucida Sans" panose="020B0602030504020204" pitchFamily="34" charset="0"/>
-              </a:rPr>
-              <a:t>GET_SELECTION = auto()</a:t>
-            </a:r>
-          </a:p>
-          <a:p>
-            <a:pPr lvl="0"/>
-            <a:r>
-              <a:rPr lang="en-GB" sz="2800" dirty="0">
-                <a:latin typeface="Lucida Sans" panose="020B0602030504020204" pitchFamily="34" charset="0"/>
-              </a:rPr>
-              <a:t>	</a:t>
-            </a:r>
-            <a:r>
-              <a:rPr lang="en-GB" sz="2800" dirty="0" smtClean="0">
-                <a:latin typeface="Lucida Sans" panose="020B0602030504020204" pitchFamily="34" charset="0"/>
-              </a:rPr>
-              <a:t>….</a:t>
-            </a:r>
-          </a:p>
-          <a:p>
-            <a:pPr lvl="0"/>
-            <a:r>
-              <a:rPr lang="en-GB" sz="2800" dirty="0">
-                <a:latin typeface="Lucida Sans" panose="020B0602030504020204" pitchFamily="34" charset="0"/>
-              </a:rPr>
-              <a:t>	</a:t>
-            </a:r>
-            <a:endParaRPr lang="en-GB" sz="2800" dirty="0" smtClean="0">
-              <a:latin typeface="Lucida Sans" panose="020B0602030504020204" pitchFamily="34" charset="0"/>
-            </a:endParaRPr>
-          </a:p>
-          <a:p>
-            <a:pPr lvl="0"/>
-            <a:endParaRPr lang="en-GB" sz="2800" dirty="0">
-              <a:latin typeface="Lucida Sans" panose="020B0602030504020204" pitchFamily="34" charset="0"/>
-            </a:endParaRPr>
-          </a:p>
-        </p:txBody>
-      </p:sp>
-    </p:spTree>
-    <p:extLst>
-      <p:ext uri="{BB962C8B-B14F-4D97-AF65-F5344CB8AC3E}">
-        <p14:creationId xmlns:p14="http://schemas.microsoft.com/office/powerpoint/2010/main" val="2671331377"/>
-      </p:ext>
-    </p:extLst>
-  </p:cSld>
-  <p:clrMapOvr>
-    <a:masterClrMapping/>
-  </p:clrMapOvr>
-  <p:timing>
-    <p:tnLst>
-      <p:par>
-        <p:cTn id="1" dur="indefinite" restart="never" nodeType="tmRoot"/>
-      </p:par>
-    </p:tnLst>
-  </p:timing>
-</p:sld>
-</file>
-
-<file path=ppt/slides/slide12.xml><?xml version="1.0" encoding="utf-8"?>
-<p:sld xmlns:a="http://schemas.openxmlformats.org/drawingml/2006/main" xmlns:r="http://schemas.openxmlformats.org/officeDocument/2006/relationships" xmlns:p="http://schemas.openxmlformats.org/presentationml/2006/main">
-  <p:cSld>
-    <p:spTree>
-      <p:nvGrpSpPr>
-        <p:cNvPr id="1" name=""/>
-        <p:cNvGrpSpPr/>
-        <p:nvPr/>
-      </p:nvGrpSpPr>
-      <p:grpSpPr>
-        <a:xfrm>
-          <a:off x="0" y="0"/>
-          <a:ext cx="0" cy="0"/>
-          <a:chOff x="0" y="0"/>
-          <a:chExt cx="0" cy="0"/>
-        </a:xfrm>
-      </p:grpSpPr>
-      <p:sp>
-        <p:nvSpPr>
-          <p:cNvPr id="2" name="Title 1"/>
-          <p:cNvSpPr>
-            <a:spLocks noGrp="1"/>
-          </p:cNvSpPr>
-          <p:nvPr>
-            <p:ph type="title"/>
-          </p:nvPr>
-        </p:nvSpPr>
-        <p:spPr>
-          <a:xfrm>
-            <a:off x="251586" y="244158"/>
-            <a:ext cx="8637831" cy="1339850"/>
-          </a:xfrm>
-        </p:spPr>
-        <p:txBody>
-          <a:bodyPr anchor="t"/>
-          <a:lstStyle/>
-          <a:p>
-            <a:pPr algn="l"/>
-            <a:r>
-              <a:rPr lang="en-US" smtClean="0"/>
-              <a:t>match</a:t>
-            </a:r>
-            <a:endParaRPr lang="en-US" dirty="0"/>
-          </a:p>
-        </p:txBody>
-      </p:sp>
-      <p:sp>
-        <p:nvSpPr>
-          <p:cNvPr id="5" name="Rectangle 4"/>
-          <p:cNvSpPr/>
-          <p:nvPr/>
-        </p:nvSpPr>
-        <p:spPr>
-          <a:xfrm>
-            <a:off x="251586" y="2511201"/>
-            <a:ext cx="8337873" cy="3108543"/>
-          </a:xfrm>
-          <a:prstGeom prst="rect">
-            <a:avLst/>
-          </a:prstGeom>
-        </p:spPr>
-        <p:txBody>
-          <a:bodyPr wrap="square">
-            <a:spAutoFit/>
-          </a:bodyPr>
-          <a:lstStyle/>
-          <a:p>
-            <a:pPr lvl="0"/>
-            <a:r>
-              <a:rPr lang="en-GB" sz="2800" smtClean="0">
-                <a:latin typeface="Lucida Sans" panose="020B0602030504020204" pitchFamily="34" charset="0"/>
-              </a:rPr>
-              <a:t>def state_machine(currentState):</a:t>
-            </a:r>
-            <a:endParaRPr lang="en-GB" sz="2800" dirty="0" smtClean="0">
-              <a:latin typeface="Lucida Sans" panose="020B0602030504020204" pitchFamily="34" charset="0"/>
-            </a:endParaRPr>
-          </a:p>
-          <a:p>
-            <a:pPr lvl="0"/>
-            <a:r>
-              <a:rPr lang="en-GB" sz="2800">
-                <a:latin typeface="Lucida Sans" panose="020B0602030504020204" pitchFamily="34" charset="0"/>
-              </a:rPr>
-              <a:t>	</a:t>
-            </a:r>
-            <a:r>
-              <a:rPr lang="en-GB" sz="2800" b="1" smtClean="0">
-                <a:solidFill>
-                  <a:srgbClr val="FF0000"/>
-                </a:solidFill>
-                <a:latin typeface="Lucida Sans" panose="020B0602030504020204" pitchFamily="34" charset="0"/>
-              </a:rPr>
-              <a:t>match</a:t>
-            </a:r>
-            <a:r>
-              <a:rPr lang="en-GB" sz="2800" smtClean="0">
-                <a:latin typeface="Lucida Sans" panose="020B0602030504020204" pitchFamily="34" charset="0"/>
-              </a:rPr>
-              <a:t> currentState:</a:t>
-            </a:r>
-          </a:p>
-          <a:p>
-            <a:pPr lvl="0"/>
-            <a:r>
-              <a:rPr lang="en-GB" sz="2800">
-                <a:latin typeface="Lucida Sans" panose="020B0602030504020204" pitchFamily="34" charset="0"/>
-              </a:rPr>
-              <a:t>	</a:t>
-            </a:r>
-            <a:r>
-              <a:rPr lang="en-GB" sz="2800" smtClean="0">
-                <a:latin typeface="Lucida Sans" panose="020B0602030504020204" pitchFamily="34" charset="0"/>
-              </a:rPr>
-              <a:t>	</a:t>
-            </a:r>
-            <a:r>
-              <a:rPr lang="en-GB" sz="2800" b="1" smtClean="0">
-                <a:solidFill>
-                  <a:srgbClr val="FF0000"/>
-                </a:solidFill>
-                <a:latin typeface="Lucida Sans" panose="020B0602030504020204" pitchFamily="34" charset="0"/>
-              </a:rPr>
-              <a:t>case</a:t>
-            </a:r>
-            <a:r>
-              <a:rPr lang="en-GB" sz="2800" smtClean="0">
-                <a:latin typeface="Lucida Sans" panose="020B0602030504020204" pitchFamily="34" charset="0"/>
-              </a:rPr>
-              <a:t> state.OFF:</a:t>
-            </a:r>
-          </a:p>
-          <a:p>
-            <a:pPr lvl="0"/>
-            <a:r>
-              <a:rPr lang="en-GB" sz="2800">
-                <a:latin typeface="Lucida Sans" panose="020B0602030504020204" pitchFamily="34" charset="0"/>
-              </a:rPr>
-              <a:t>	</a:t>
-            </a:r>
-            <a:r>
-              <a:rPr lang="en-GB" sz="2800" smtClean="0">
-                <a:latin typeface="Lucida Sans" panose="020B0602030504020204" pitchFamily="34" charset="0"/>
-              </a:rPr>
-              <a:t>	</a:t>
-            </a:r>
-            <a:r>
-              <a:rPr lang="en-GB" sz="2800" b="1" smtClean="0">
-                <a:solidFill>
-                  <a:srgbClr val="FF0000"/>
-                </a:solidFill>
-                <a:latin typeface="Lucida Sans" panose="020B0602030504020204" pitchFamily="34" charset="0"/>
-              </a:rPr>
-              <a:t>case</a:t>
-            </a:r>
-            <a:r>
-              <a:rPr lang="en-GB" sz="2800" smtClean="0">
-                <a:latin typeface="Lucida Sans" panose="020B0602030504020204" pitchFamily="34" charset="0"/>
-              </a:rPr>
-              <a:t> state.</a:t>
-            </a:r>
-            <a:r>
-              <a:rPr lang="en-GB" sz="2800">
-                <a:latin typeface="Lucida Sans" panose="020B0602030504020204" pitchFamily="34" charset="0"/>
-              </a:rPr>
-              <a:t>	</a:t>
-            </a:r>
-            <a:r>
-              <a:rPr lang="en-GB" sz="2800" smtClean="0">
-                <a:latin typeface="Lucida Sans" panose="020B0602030504020204" pitchFamily="34" charset="0"/>
-              </a:rPr>
-              <a:t>CHECK_HOPPERS:</a:t>
-            </a:r>
-          </a:p>
-          <a:p>
-            <a:pPr lvl="0"/>
-            <a:r>
-              <a:rPr lang="en-GB" sz="2800" dirty="0">
-                <a:latin typeface="Lucida Sans" panose="020B0602030504020204" pitchFamily="34" charset="0"/>
-              </a:rPr>
-              <a:t>	</a:t>
-            </a:r>
-            <a:r>
-              <a:rPr lang="en-GB" sz="2800" dirty="0" smtClean="0">
-                <a:latin typeface="Lucida Sans" panose="020B0602030504020204" pitchFamily="34" charset="0"/>
-              </a:rPr>
-              <a:t>….</a:t>
-            </a:r>
-          </a:p>
-          <a:p>
-            <a:pPr lvl="0"/>
-            <a:r>
-              <a:rPr lang="en-GB" sz="2800" dirty="0">
-                <a:latin typeface="Lucida Sans" panose="020B0602030504020204" pitchFamily="34" charset="0"/>
-              </a:rPr>
-              <a:t>	</a:t>
-            </a:r>
-            <a:endParaRPr lang="en-GB" sz="2800" dirty="0" smtClean="0">
-              <a:latin typeface="Lucida Sans" panose="020B0602030504020204" pitchFamily="34" charset="0"/>
-            </a:endParaRPr>
-          </a:p>
-          <a:p>
-            <a:pPr lvl="0"/>
-            <a:endParaRPr lang="en-GB" sz="2800" dirty="0">
-              <a:latin typeface="Lucida Sans" panose="020B0602030504020204" pitchFamily="34" charset="0"/>
-            </a:endParaRPr>
-          </a:p>
-        </p:txBody>
-      </p:sp>
-    </p:spTree>
-    <p:extLst>
-      <p:ext uri="{BB962C8B-B14F-4D97-AF65-F5344CB8AC3E}">
-        <p14:creationId xmlns:p14="http://schemas.microsoft.com/office/powerpoint/2010/main" val="3085796892"/>
-      </p:ext>
-    </p:extLst>
-  </p:cSld>
-  <p:clrMapOvr>
-    <a:masterClrMapping/>
-  </p:clrMapOvr>
-  <p:timing>
-    <p:tnLst>
-      <p:par>
-        <p:cTn id="1" dur="indefinite" restart="never" nodeType="tmRoot"/>
-      </p:par>
-    </p:tnLst>
-  </p:timing>
-</p:sld>
-</file>
-
-<file path=ppt/slides/slide13.xml><?xml version="1.0" encoding="utf-8"?>
-<p:sld xmlns:a="http://schemas.openxmlformats.org/drawingml/2006/main" xmlns:r="http://schemas.openxmlformats.org/officeDocument/2006/relationships" xmlns:p="http://schemas.openxmlformats.org/presentationml/2006/main">
-  <p:cSld>
-    <p:spTree>
-      <p:nvGrpSpPr>
-        <p:cNvPr id="1" name=""/>
-        <p:cNvGrpSpPr/>
-        <p:nvPr/>
-      </p:nvGrpSpPr>
-      <p:grpSpPr>
-        <a:xfrm>
-          <a:off x="0" y="0"/>
-          <a:ext cx="0" cy="0"/>
-          <a:chOff x="0" y="0"/>
-          <a:chExt cx="0" cy="0"/>
-        </a:xfrm>
-      </p:grpSpPr>
-      <p:sp>
-        <p:nvSpPr>
-          <p:cNvPr id="2" name="Title 1"/>
-          <p:cNvSpPr>
-            <a:spLocks noGrp="1"/>
-          </p:cNvSpPr>
-          <p:nvPr>
-            <p:ph type="title"/>
-          </p:nvPr>
-        </p:nvSpPr>
-        <p:spPr>
-          <a:xfrm>
-            <a:off x="251586" y="244158"/>
-            <a:ext cx="8637831" cy="1339850"/>
-          </a:xfrm>
-        </p:spPr>
-        <p:txBody>
-          <a:bodyPr anchor="t"/>
-          <a:lstStyle/>
-          <a:p>
-            <a:pPr algn="l"/>
-            <a:r>
-              <a:rPr lang="en-US" dirty="0" smtClean="0"/>
-              <a:t>State Machine</a:t>
-            </a:r>
-            <a:endParaRPr lang="en-US" dirty="0"/>
-          </a:p>
-        </p:txBody>
-      </p:sp>
-      <p:sp>
-        <p:nvSpPr>
-          <p:cNvPr id="4" name="Rectangle 3"/>
-          <p:cNvSpPr/>
-          <p:nvPr/>
-        </p:nvSpPr>
-        <p:spPr>
-          <a:xfrm>
-            <a:off x="508000" y="2825826"/>
-            <a:ext cx="8105645" cy="3416320"/>
-          </a:xfrm>
-          <a:prstGeom prst="rect">
-            <a:avLst/>
-          </a:prstGeom>
-        </p:spPr>
-        <p:txBody>
-          <a:bodyPr wrap="square">
-            <a:spAutoFit/>
-          </a:bodyPr>
-          <a:lstStyle/>
-          <a:p>
-            <a:pPr marL="342900" indent="-342900">
-              <a:buFont typeface="Arial" panose="020B0604020202020204" pitchFamily="34" charset="0"/>
-              <a:buChar char="•"/>
-            </a:pPr>
-            <a:r>
-              <a:rPr lang="en-US" sz="2400" dirty="0" smtClean="0">
-                <a:latin typeface="Lucida Sans" panose="020B0602030504020204" pitchFamily="34" charset="0"/>
-              </a:rPr>
-              <a:t>In </a:t>
-            </a:r>
-            <a:r>
-              <a:rPr lang="en-US" sz="2400" dirty="0" err="1" smtClean="0">
-                <a:latin typeface="Lucida Sans" panose="020B0602030504020204" pitchFamily="34" charset="0"/>
-              </a:rPr>
-              <a:t>Coffee_machine</a:t>
-            </a:r>
-            <a:r>
-              <a:rPr lang="en-US" sz="2400" dirty="0" smtClean="0">
-                <a:latin typeface="Lucida Sans" panose="020B0602030504020204" pitchFamily="34" charset="0"/>
-              </a:rPr>
-              <a:t> folder</a:t>
-            </a:r>
-          </a:p>
-          <a:p>
-            <a:pPr marL="800100" lvl="1" indent="-342900">
-              <a:buFont typeface="Arial" panose="020B0604020202020204" pitchFamily="34" charset="0"/>
-              <a:buChar char="•"/>
-            </a:pPr>
-            <a:r>
-              <a:rPr lang="en-US" sz="2400" dirty="0" smtClean="0">
-                <a:latin typeface="Lucida Sans" panose="020B0602030504020204" pitchFamily="34" charset="0"/>
-              </a:rPr>
-              <a:t>state_machine.py</a:t>
-            </a:r>
-          </a:p>
-          <a:p>
-            <a:pPr marL="1257300" lvl="2" indent="-342900">
-              <a:buFont typeface="Arial" panose="020B0604020202020204" pitchFamily="34" charset="0"/>
-              <a:buChar char="•"/>
-            </a:pPr>
-            <a:r>
-              <a:rPr lang="en-US" sz="2400" dirty="0" err="1" smtClean="0">
-                <a:latin typeface="Lucida Sans" panose="020B0602030504020204" pitchFamily="34" charset="0"/>
-              </a:rPr>
-              <a:t>Enum</a:t>
-            </a:r>
-            <a:r>
-              <a:rPr lang="en-US" sz="2400" dirty="0" smtClean="0">
-                <a:latin typeface="Lucida Sans" panose="020B0602030504020204" pitchFamily="34" charset="0"/>
-              </a:rPr>
-              <a:t> for machine-states</a:t>
-            </a:r>
-          </a:p>
-          <a:p>
-            <a:pPr marL="1257300" lvl="2" indent="-342900">
-              <a:buFont typeface="Arial" panose="020B0604020202020204" pitchFamily="34" charset="0"/>
-              <a:buChar char="•"/>
-            </a:pPr>
-            <a:endParaRPr lang="en-US" sz="2400" dirty="0" smtClean="0">
-              <a:latin typeface="Lucida Sans" panose="020B0602030504020204" pitchFamily="34" charset="0"/>
-            </a:endParaRPr>
-          </a:p>
-          <a:p>
-            <a:pPr marL="1257300" lvl="2" indent="-342900">
-              <a:buFont typeface="Arial" panose="020B0604020202020204" pitchFamily="34" charset="0"/>
-              <a:buChar char="•"/>
-            </a:pPr>
-            <a:r>
-              <a:rPr lang="en-US" sz="2400" dirty="0" err="1" smtClean="0">
-                <a:latin typeface="Lucida Sans" panose="020B0602030504020204" pitchFamily="34" charset="0"/>
-              </a:rPr>
-              <a:t>def</a:t>
-            </a:r>
-            <a:r>
-              <a:rPr lang="en-US" sz="2400" dirty="0" smtClean="0">
-                <a:latin typeface="Lucida Sans" panose="020B0602030504020204" pitchFamily="34" charset="0"/>
-              </a:rPr>
-              <a:t> </a:t>
-            </a:r>
-            <a:r>
-              <a:rPr lang="en-US" sz="2400" dirty="0" err="1" smtClean="0">
-                <a:latin typeface="Lucida Sans" panose="020B0602030504020204" pitchFamily="34" charset="0"/>
-              </a:rPr>
-              <a:t>state_machine</a:t>
-            </a:r>
-            <a:r>
-              <a:rPr lang="en-US" sz="2400" dirty="0" smtClean="0">
-                <a:latin typeface="Lucida Sans" panose="020B0602030504020204" pitchFamily="34" charset="0"/>
-              </a:rPr>
-              <a:t>(state):</a:t>
-            </a:r>
-            <a:endParaRPr lang="en-US" sz="2400" dirty="0">
-              <a:latin typeface="Lucida Sans" panose="020B0602030504020204" pitchFamily="34" charset="0"/>
-            </a:endParaRPr>
-          </a:p>
-          <a:p>
-            <a:pPr marL="1714500" lvl="3" indent="-342900">
-              <a:buFont typeface="Arial" panose="020B0604020202020204" pitchFamily="34" charset="0"/>
-              <a:buChar char="•"/>
-            </a:pPr>
-            <a:r>
-              <a:rPr lang="en-GB" sz="2400" dirty="0">
-                <a:latin typeface="Lucida Sans" panose="020B0602030504020204" pitchFamily="34" charset="0"/>
-              </a:rPr>
-              <a:t>Use match to call functions for each state</a:t>
-            </a:r>
-          </a:p>
-          <a:p>
-            <a:pPr marL="1714500" lvl="3" indent="-342900">
-              <a:buFont typeface="Arial" panose="020B0604020202020204" pitchFamily="34" charset="0"/>
-              <a:buChar char="•"/>
-            </a:pPr>
-            <a:r>
-              <a:rPr lang="en-GB" sz="2400" dirty="0" smtClean="0">
-                <a:latin typeface="Lucida Sans" panose="020B0602030504020204" pitchFamily="34" charset="0"/>
-              </a:rPr>
-              <a:t>The </a:t>
-            </a:r>
-            <a:r>
-              <a:rPr lang="en-GB" sz="2400" dirty="0">
-                <a:latin typeface="Lucida Sans" panose="020B0602030504020204" pitchFamily="34" charset="0"/>
-              </a:rPr>
-              <a:t>functions should return the new state</a:t>
-            </a:r>
-          </a:p>
-          <a:p>
-            <a:pPr marL="1257300" lvl="2" indent="-342900">
-              <a:buFont typeface="Arial" panose="020B0604020202020204" pitchFamily="34" charset="0"/>
-              <a:buChar char="•"/>
-            </a:pPr>
-            <a:endParaRPr lang="en-US" sz="2400" dirty="0" smtClean="0">
-              <a:latin typeface="Lucida Sans" panose="020B0602030504020204" pitchFamily="34" charset="0"/>
-            </a:endParaRPr>
-          </a:p>
-        </p:txBody>
-      </p:sp>
-    </p:spTree>
-    <p:extLst>
-      <p:ext uri="{BB962C8B-B14F-4D97-AF65-F5344CB8AC3E}">
-        <p14:creationId xmlns:p14="http://schemas.microsoft.com/office/powerpoint/2010/main" val="288456378"/>
-      </p:ext>
-    </p:extLst>
-  </p:cSld>
-  <p:clrMapOvr>
-    <a:masterClrMapping/>
-  </p:clrMapOvr>
-  <p:timing>
-    <p:tnLst>
-      <p:par>
-        <p:cTn id="1" dur="indefinite" restart="never" nodeType="tmRoot"/>
-      </p:par>
-    </p:tnLst>
-  </p:timing>
-</p:sld>
-</file>
-
-<file path=ppt/slides/slide14.xml><?xml version="1.0" encoding="utf-8"?>
-<p:sld xmlns:a="http://schemas.openxmlformats.org/drawingml/2006/main" xmlns:r="http://schemas.openxmlformats.org/officeDocument/2006/relationships" xmlns:p="http://schemas.openxmlformats.org/presentationml/2006/main">
-  <p:cSld>
-    <p:spTree>
-      <p:nvGrpSpPr>
-        <p:cNvPr id="1" name=""/>
-        <p:cNvGrpSpPr/>
-        <p:nvPr/>
-      </p:nvGrpSpPr>
-      <p:grpSpPr>
-        <a:xfrm>
-          <a:off x="0" y="0"/>
-          <a:ext cx="0" cy="0"/>
-          <a:chOff x="0" y="0"/>
-          <a:chExt cx="0" cy="0"/>
-        </a:xfrm>
-      </p:grpSpPr>
-      <p:sp>
-        <p:nvSpPr>
-          <p:cNvPr id="2" name="Title 1"/>
-          <p:cNvSpPr>
-            <a:spLocks noGrp="1"/>
-          </p:cNvSpPr>
-          <p:nvPr>
-            <p:ph type="title"/>
-          </p:nvPr>
-        </p:nvSpPr>
-        <p:spPr>
-          <a:xfrm>
-            <a:off x="251586" y="244158"/>
-            <a:ext cx="8637831" cy="1339850"/>
-          </a:xfrm>
-        </p:spPr>
-        <p:txBody>
-          <a:bodyPr anchor="t"/>
-          <a:lstStyle/>
-          <a:p>
-            <a:pPr algn="l"/>
-            <a:r>
-              <a:rPr lang="en-US" dirty="0" smtClean="0"/>
-              <a:t>import</a:t>
-            </a:r>
-            <a:endParaRPr lang="en-US" dirty="0"/>
-          </a:p>
-        </p:txBody>
-      </p:sp>
-      <p:sp>
-        <p:nvSpPr>
-          <p:cNvPr id="5" name="Rectangle 4"/>
-          <p:cNvSpPr/>
-          <p:nvPr/>
-        </p:nvSpPr>
-        <p:spPr>
-          <a:xfrm>
-            <a:off x="251586" y="2511201"/>
-            <a:ext cx="8337873" cy="2677656"/>
-          </a:xfrm>
-          <a:prstGeom prst="rect">
-            <a:avLst/>
-          </a:prstGeom>
-        </p:spPr>
-        <p:txBody>
-          <a:bodyPr wrap="square">
-            <a:spAutoFit/>
-          </a:bodyPr>
-          <a:lstStyle/>
-          <a:p>
-            <a:pPr lvl="0"/>
-            <a:r>
-              <a:rPr lang="en-GB" sz="2800" smtClean="0">
-                <a:latin typeface="Lucida Sans" panose="020B0602030504020204" pitchFamily="34" charset="0"/>
-              </a:rPr>
-              <a:t>In state_machine.py</a:t>
-            </a:r>
-          </a:p>
-          <a:p>
-            <a:pPr marL="914400" lvl="1" indent="-457200">
-              <a:buFont typeface="Arial" panose="020B0604020202020204" pitchFamily="34" charset="0"/>
-              <a:buChar char="•"/>
-            </a:pPr>
-            <a:r>
-              <a:rPr lang="en-GB" sz="2800" smtClean="0">
-                <a:latin typeface="Lucida Sans" panose="020B0602030504020204" pitchFamily="34" charset="0"/>
-              </a:rPr>
-              <a:t>To call functions in other folders</a:t>
-            </a:r>
-          </a:p>
-          <a:p>
-            <a:pPr lvl="0"/>
-            <a:r>
-              <a:rPr lang="en-GB" sz="2800" smtClean="0">
-                <a:latin typeface="Lucida Sans" panose="020B0602030504020204" pitchFamily="34" charset="0"/>
-              </a:rPr>
-              <a:t>		</a:t>
-            </a:r>
-          </a:p>
-          <a:p>
-            <a:pPr lvl="0"/>
-            <a:r>
-              <a:rPr lang="en-GB" sz="2800">
-                <a:latin typeface="Lucida Sans" panose="020B0602030504020204" pitchFamily="34" charset="0"/>
-              </a:rPr>
-              <a:t>	</a:t>
-            </a:r>
-            <a:r>
-              <a:rPr lang="en-GB" sz="2800" smtClean="0">
-                <a:latin typeface="Lucida Sans" panose="020B0602030504020204" pitchFamily="34" charset="0"/>
-              </a:rPr>
-              <a:t>from subFolder.myFile import *</a:t>
-            </a:r>
-          </a:p>
-          <a:p>
-            <a:pPr lvl="0"/>
-            <a:r>
-              <a:rPr lang="en-GB" sz="2800">
-                <a:latin typeface="Lucida Sans" panose="020B0602030504020204" pitchFamily="34" charset="0"/>
-              </a:rPr>
-              <a:t>	</a:t>
-            </a:r>
-            <a:r>
-              <a:rPr lang="en-GB" sz="2800" smtClean="0">
-                <a:latin typeface="Lucida Sans" panose="020B0602030504020204" pitchFamily="34" charset="0"/>
-              </a:rPr>
-              <a:t>from .siblingFile import *</a:t>
-            </a:r>
-            <a:endParaRPr lang="en-GB" sz="2800" dirty="0" smtClean="0">
-              <a:latin typeface="Lucida Sans" panose="020B0602030504020204" pitchFamily="34" charset="0"/>
-            </a:endParaRPr>
-          </a:p>
-          <a:p>
-            <a:pPr lvl="0"/>
-            <a:endParaRPr lang="en-GB" sz="2800" dirty="0">
-              <a:latin typeface="Lucida Sans" panose="020B0602030504020204" pitchFamily="34" charset="0"/>
-            </a:endParaRPr>
-          </a:p>
-        </p:txBody>
-      </p:sp>
-    </p:spTree>
-    <p:extLst>
-      <p:ext uri="{BB962C8B-B14F-4D97-AF65-F5344CB8AC3E}">
-        <p14:creationId xmlns:p14="http://schemas.microsoft.com/office/powerpoint/2010/main" val="863557071"/>
-      </p:ext>
-    </p:extLst>
-  </p:cSld>
-  <p:clrMapOvr>
-    <a:masterClrMapping/>
-  </p:clrMapOvr>
-  <p:timing>
-    <p:tnLst>
-      <p:par>
-        <p:cTn id="1" dur="indefinite" restart="never" nodeType="tmRoot"/>
-      </p:par>
-    </p:tnLst>
-  </p:timing>
-</p:sld>
-</file>
-
-<file path=ppt/slides/slide2.xml><?xml version="1.0" encoding="utf-8"?>
-<p:sld xmlns:a="http://schemas.openxmlformats.org/drawingml/2006/main" xmlns:r="http://schemas.openxmlformats.org/officeDocument/2006/relationships" xmlns:p="http://schemas.openxmlformats.org/presentationml/2006/main">
-  <p:cSld>
-    <p:spTree>
-      <p:nvGrpSpPr>
-        <p:cNvPr id="1" name=""/>
-        <p:cNvGrpSpPr/>
-        <p:nvPr/>
-      </p:nvGrpSpPr>
-      <p:grpSpPr>
-        <a:xfrm>
-          <a:off x="0" y="0"/>
-          <a:ext cx="0" cy="0"/>
-          <a:chOff x="0" y="0"/>
-          <a:chExt cx="0" cy="0"/>
-        </a:xfrm>
-      </p:grpSpPr>
-      <p:sp>
-        <p:nvSpPr>
-          <p:cNvPr id="2" name="Title 1"/>
-          <p:cNvSpPr>
-            <a:spLocks noGrp="1"/>
-          </p:cNvSpPr>
-          <p:nvPr>
-            <p:ph type="title"/>
-          </p:nvPr>
-        </p:nvSpPr>
-        <p:spPr>
-          <a:xfrm>
-            <a:off x="251586" y="244158"/>
-            <a:ext cx="8637831" cy="1339850"/>
-          </a:xfrm>
-        </p:spPr>
-        <p:txBody>
-          <a:bodyPr anchor="t"/>
-          <a:lstStyle/>
-          <a:p>
-            <a:pPr algn="l"/>
-            <a:r>
-              <a:rPr lang="en-US" smtClean="0"/>
-              <a:t>Variables</a:t>
-            </a:r>
-            <a:endParaRPr lang="en-US" dirty="0"/>
-          </a:p>
-        </p:txBody>
-      </p:sp>
-      <p:sp>
-        <p:nvSpPr>
-          <p:cNvPr id="5" name="Rectangle 4"/>
-          <p:cNvSpPr/>
-          <p:nvPr/>
-        </p:nvSpPr>
-        <p:spPr>
-          <a:xfrm>
-            <a:off x="827314" y="2825826"/>
-            <a:ext cx="7786331" cy="2308324"/>
-          </a:xfrm>
-          <a:prstGeom prst="rect">
-            <a:avLst/>
-          </a:prstGeom>
-        </p:spPr>
-        <p:txBody>
-          <a:bodyPr wrap="square">
-            <a:spAutoFit/>
-          </a:bodyPr>
-          <a:lstStyle/>
-          <a:p>
-            <a:pPr lvl="0"/>
-            <a:r>
-              <a:rPr lang="en-US" sz="3600" smtClean="0">
-                <a:latin typeface="Lucida Sans" panose="020B0602030504020204" pitchFamily="34" charset="0"/>
-              </a:rPr>
-              <a:t>Integers 	(immutable!!!)</a:t>
-            </a:r>
-          </a:p>
-          <a:p>
-            <a:pPr lvl="0"/>
-            <a:r>
-              <a:rPr lang="en-US" sz="3600" smtClean="0">
-                <a:latin typeface="Lucida Sans" panose="020B0602030504020204" pitchFamily="34" charset="0"/>
-              </a:rPr>
-              <a:t>Floats			</a:t>
-            </a:r>
-          </a:p>
-          <a:p>
-            <a:r>
-              <a:rPr lang="en-US" sz="3600" smtClean="0">
-                <a:latin typeface="Lucida Sans" panose="020B0602030504020204" pitchFamily="34" charset="0"/>
-              </a:rPr>
-              <a:t>Booleans	(</a:t>
-            </a:r>
-            <a:r>
-              <a:rPr lang="en-US" sz="3600" b="1">
-                <a:solidFill>
-                  <a:srgbClr val="FF0000"/>
-                </a:solidFill>
-                <a:latin typeface="Lucida Sans" panose="020B0602030504020204" pitchFamily="34" charset="0"/>
-              </a:rPr>
-              <a:t>T</a:t>
-            </a:r>
-            <a:r>
-              <a:rPr lang="en-US" sz="3600">
-                <a:latin typeface="Lucida Sans" panose="020B0602030504020204" pitchFamily="34" charset="0"/>
-              </a:rPr>
-              <a:t>rue/</a:t>
-            </a:r>
-            <a:r>
-              <a:rPr lang="en-US" sz="3600" b="1">
-                <a:solidFill>
-                  <a:srgbClr val="FF0000"/>
-                </a:solidFill>
-                <a:latin typeface="Lucida Sans" panose="020B0602030504020204" pitchFamily="34" charset="0"/>
-              </a:rPr>
-              <a:t>F</a:t>
-            </a:r>
-            <a:r>
-              <a:rPr lang="en-US" sz="3600">
-                <a:latin typeface="Lucida Sans" panose="020B0602030504020204" pitchFamily="34" charset="0"/>
-              </a:rPr>
-              <a:t>alse</a:t>
-            </a:r>
-            <a:r>
-              <a:rPr lang="en-US" sz="3600" smtClean="0">
-                <a:latin typeface="Lucida Sans" panose="020B0602030504020204" pitchFamily="34" charset="0"/>
-              </a:rPr>
-              <a:t>)</a:t>
-            </a:r>
-          </a:p>
-          <a:p>
-            <a:r>
-              <a:rPr lang="en-US" sz="3600">
-                <a:latin typeface="Lucida Sans" panose="020B0602030504020204" pitchFamily="34" charset="0"/>
-              </a:rPr>
-              <a:t>Strings </a:t>
-            </a:r>
-            <a:r>
-              <a:rPr lang="en-US" sz="3600" smtClean="0">
-                <a:latin typeface="Lucida Sans" panose="020B0602030504020204" pitchFamily="34" charset="0"/>
-              </a:rPr>
-              <a:t>		(</a:t>
-            </a:r>
-            <a:r>
-              <a:rPr lang="en-US" sz="3600">
-                <a:latin typeface="Lucida Sans" panose="020B0602030504020204" pitchFamily="34" charset="0"/>
-              </a:rPr>
-              <a:t>immutable</a:t>
-            </a:r>
-            <a:r>
-              <a:rPr lang="en-US" sz="3600" smtClean="0">
-                <a:latin typeface="Lucida Sans" panose="020B0602030504020204" pitchFamily="34" charset="0"/>
-              </a:rPr>
-              <a:t>!!!)</a:t>
-            </a:r>
-            <a:endParaRPr lang="en-US" sz="3600">
-              <a:latin typeface="Lucida Sans" panose="020B0602030504020204" pitchFamily="34" charset="0"/>
-            </a:endParaRPr>
-          </a:p>
-        </p:txBody>
-      </p:sp>
-    </p:spTree>
-    <p:extLst>
-      <p:ext uri="{BB962C8B-B14F-4D97-AF65-F5344CB8AC3E}">
-        <p14:creationId xmlns:p14="http://schemas.microsoft.com/office/powerpoint/2010/main" val="184622729"/>
-      </p:ext>
-    </p:extLst>
-  </p:cSld>
-  <p:clrMapOvr>
-    <a:masterClrMapping/>
-  </p:clrMapOvr>
-  <p:timing>
-    <p:tnLst>
-      <p:par>
-        <p:cTn id="1" dur="indefinite" restart="never" nodeType="tmRoot"/>
-      </p:par>
-    </p:tnLst>
-  </p:timing>
-</p:sld>
-</file>
-
-<file path=ppt/slides/slide3.xml><?xml version="1.0" encoding="utf-8"?>
-<p:sld xmlns:a="http://schemas.openxmlformats.org/drawingml/2006/main" xmlns:r="http://schemas.openxmlformats.org/officeDocument/2006/relationships" xmlns:p="http://schemas.openxmlformats.org/presentationml/2006/main">
-  <p:cSld>
-    <p:spTree>
-      <p:nvGrpSpPr>
-        <p:cNvPr id="1" name=""/>
-        <p:cNvGrpSpPr/>
-        <p:nvPr/>
-      </p:nvGrpSpPr>
-      <p:grpSpPr>
-        <a:xfrm>
-          <a:off x="0" y="0"/>
-          <a:ext cx="0" cy="0"/>
-          <a:chOff x="0" y="0"/>
-          <a:chExt cx="0" cy="0"/>
-        </a:xfrm>
-      </p:grpSpPr>
-      <p:sp>
-        <p:nvSpPr>
-          <p:cNvPr id="2" name="Title 1"/>
-          <p:cNvSpPr>
-            <a:spLocks noGrp="1"/>
-          </p:cNvSpPr>
-          <p:nvPr>
-            <p:ph type="title"/>
-          </p:nvPr>
-        </p:nvSpPr>
-        <p:spPr>
-          <a:xfrm>
-            <a:off x="251586" y="244158"/>
-            <a:ext cx="8637831" cy="1339850"/>
-          </a:xfrm>
-        </p:spPr>
-        <p:txBody>
-          <a:bodyPr anchor="t"/>
-          <a:lstStyle/>
-          <a:p>
-            <a:pPr algn="l"/>
-            <a:r>
-              <a:rPr lang="en-US" smtClean="0"/>
-              <a:t>In/Out</a:t>
-            </a:r>
-            <a:endParaRPr lang="en-US" dirty="0"/>
-          </a:p>
-        </p:txBody>
-      </p:sp>
-      <p:sp>
-        <p:nvSpPr>
-          <p:cNvPr id="5" name="Rectangle 4"/>
-          <p:cNvSpPr/>
-          <p:nvPr/>
-        </p:nvSpPr>
-        <p:spPr>
-          <a:xfrm>
-            <a:off x="827314" y="2825826"/>
-            <a:ext cx="7786331" cy="1754326"/>
-          </a:xfrm>
-          <a:prstGeom prst="rect">
-            <a:avLst/>
-          </a:prstGeom>
-        </p:spPr>
-        <p:txBody>
-          <a:bodyPr wrap="square">
-            <a:spAutoFit/>
-          </a:bodyPr>
-          <a:lstStyle/>
-          <a:p>
-            <a:pPr lvl="0"/>
-            <a:r>
-              <a:rPr lang="en-US" sz="3600" smtClean="0">
-                <a:latin typeface="Lucida Sans" panose="020B0602030504020204" pitchFamily="34" charset="0"/>
-              </a:rPr>
-              <a:t>print(message)</a:t>
-            </a:r>
-          </a:p>
-          <a:p>
-            <a:pPr lvl="0"/>
-            <a:r>
-              <a:rPr lang="en-US" sz="3600" smtClean="0">
-                <a:latin typeface="Lucida Sans" panose="020B0602030504020204" pitchFamily="34" charset="0"/>
-              </a:rPr>
-              <a:t>resultStr = input(prompt)</a:t>
-            </a:r>
-          </a:p>
-          <a:p>
-            <a:pPr lvl="0"/>
-            <a:r>
-              <a:rPr lang="en-US" sz="3600" smtClean="0">
-                <a:latin typeface="Lucida Sans" panose="020B0602030504020204" pitchFamily="34" charset="0"/>
-              </a:rPr>
-              <a:t>resultVal = int(input(prompt))</a:t>
-            </a:r>
-          </a:p>
-        </p:txBody>
-      </p:sp>
-    </p:spTree>
-    <p:extLst>
-      <p:ext uri="{BB962C8B-B14F-4D97-AF65-F5344CB8AC3E}">
-        <p14:creationId xmlns:p14="http://schemas.microsoft.com/office/powerpoint/2010/main" val="2479767884"/>
-      </p:ext>
-    </p:extLst>
-  </p:cSld>
-  <p:clrMapOvr>
-    <a:masterClrMapping/>
-  </p:clrMapOvr>
-  <p:timing>
-    <p:tnLst>
-      <p:par>
-        <p:cTn id="1" dur="indefinite" restart="never" nodeType="tmRoot"/>
-      </p:par>
-    </p:tnLst>
-  </p:timing>
-</p:sld>
-</file>
-
-<file path=ppt/slides/slide4.xml><?xml version="1.0" encoding="utf-8"?>
-<p:sld xmlns:a="http://schemas.openxmlformats.org/drawingml/2006/main" xmlns:r="http://schemas.openxmlformats.org/officeDocument/2006/relationships" xmlns:p="http://schemas.openxmlformats.org/presentationml/2006/main">
-  <p:cSld>
-    <p:spTree>
-      <p:nvGrpSpPr>
-        <p:cNvPr id="1" name=""/>
-        <p:cNvGrpSpPr/>
-        <p:nvPr/>
-      </p:nvGrpSpPr>
-      <p:grpSpPr>
-        <a:xfrm>
-          <a:off x="0" y="0"/>
-          <a:ext cx="0" cy="0"/>
-          <a:chOff x="0" y="0"/>
-          <a:chExt cx="0" cy="0"/>
-        </a:xfrm>
-      </p:grpSpPr>
-      <p:sp>
-        <p:nvSpPr>
-          <p:cNvPr id="2" name="Title 1"/>
-          <p:cNvSpPr>
-            <a:spLocks noGrp="1"/>
-          </p:cNvSpPr>
-          <p:nvPr>
-            <p:ph type="title"/>
-          </p:nvPr>
-        </p:nvSpPr>
-        <p:spPr>
-          <a:xfrm>
-            <a:off x="251586" y="244158"/>
-            <a:ext cx="8637831" cy="1339850"/>
-          </a:xfrm>
-        </p:spPr>
-        <p:txBody>
-          <a:bodyPr anchor="t"/>
-          <a:lstStyle/>
-          <a:p>
-            <a:pPr algn="l"/>
-            <a:r>
-              <a:rPr lang="en-US" smtClean="0"/>
-              <a:t>Collections</a:t>
-            </a:r>
-            <a:endParaRPr lang="en-US" dirty="0"/>
-          </a:p>
-        </p:txBody>
-      </p:sp>
-      <p:sp>
-        <p:nvSpPr>
-          <p:cNvPr id="5" name="Rectangle 4"/>
-          <p:cNvSpPr/>
-          <p:nvPr/>
-        </p:nvSpPr>
-        <p:spPr>
-          <a:xfrm>
-            <a:off x="841829" y="2472400"/>
-            <a:ext cx="8047587" cy="2862322"/>
-          </a:xfrm>
-          <a:prstGeom prst="rect">
-            <a:avLst/>
-          </a:prstGeom>
-        </p:spPr>
-        <p:txBody>
-          <a:bodyPr wrap="square">
-            <a:spAutoFit/>
-          </a:bodyPr>
-          <a:lstStyle/>
-          <a:p>
-            <a:pPr lvl="0"/>
-            <a:r>
-              <a:rPr lang="en-US" sz="3600" smtClean="0">
-                <a:latin typeface="Lucida Sans" panose="020B0602030504020204" pitchFamily="34" charset="0"/>
-              </a:rPr>
-              <a:t>Tuple (1,2,3)	(immutable)</a:t>
-            </a:r>
-          </a:p>
-          <a:p>
-            <a:pPr lvl="0"/>
-            <a:r>
-              <a:rPr lang="en-US" sz="3600" smtClean="0">
-                <a:latin typeface="Lucida Sans" panose="020B0602030504020204" pitchFamily="34" charset="0"/>
-              </a:rPr>
-              <a:t>List		[1,2,3]</a:t>
-            </a:r>
-          </a:p>
-          <a:p>
-            <a:pPr lvl="0"/>
-            <a:r>
-              <a:rPr lang="en-US" sz="3600" smtClean="0">
-                <a:latin typeface="Lucida Sans" panose="020B0602030504020204" pitchFamily="34" charset="0"/>
-              </a:rPr>
-              <a:t>Set		{1,2,3}	(unique/ordered)</a:t>
-            </a:r>
-          </a:p>
-          <a:p>
-            <a:pPr lvl="0"/>
-            <a:r>
-              <a:rPr lang="en-US" sz="3600" smtClean="0">
-                <a:latin typeface="Lucida Sans" panose="020B0602030504020204" pitchFamily="34" charset="0"/>
-              </a:rPr>
-              <a:t>Dict		{"a":1, "b":2, "c":3}</a:t>
-            </a:r>
-          </a:p>
-          <a:p>
-            <a:pPr marL="914400" lvl="1" indent="-457200">
-              <a:buFont typeface="Arial" panose="020B0604020202020204" pitchFamily="34" charset="0"/>
-              <a:buChar char="•"/>
-            </a:pPr>
-            <a:r>
-              <a:rPr lang="en-US" sz="3200" smtClean="0">
-                <a:latin typeface="Lucida Sans" panose="020B0602030504020204" pitchFamily="34" charset="0"/>
-              </a:rPr>
-              <a:t>also unique and ordered on keys</a:t>
-            </a:r>
-          </a:p>
-        </p:txBody>
-      </p:sp>
-    </p:spTree>
-    <p:extLst>
-      <p:ext uri="{BB962C8B-B14F-4D97-AF65-F5344CB8AC3E}">
-        <p14:creationId xmlns:p14="http://schemas.microsoft.com/office/powerpoint/2010/main" val="184622729"/>
-      </p:ext>
-    </p:extLst>
-  </p:cSld>
-  <p:clrMapOvr>
-    <a:masterClrMapping/>
-  </p:clrMapOvr>
-  <p:timing>
-    <p:tnLst>
-      <p:par>
-        <p:cTn id="1" dur="indefinite" restart="never" nodeType="tmRoot"/>
-      </p:par>
-    </p:tnLst>
-  </p:timing>
-</p:sld>
-</file>
-
-<file path=ppt/slides/slide5.xml><?xml version="1.0" encoding="utf-8"?>
-<p:sld xmlns:a="http://schemas.openxmlformats.org/drawingml/2006/main" xmlns:r="http://schemas.openxmlformats.org/officeDocument/2006/relationships" xmlns:p="http://schemas.openxmlformats.org/presentationml/2006/main">
-  <p:cSld>
-    <p:spTree>
-      <p:nvGrpSpPr>
-        <p:cNvPr id="1" name=""/>
-        <p:cNvGrpSpPr/>
-        <p:nvPr/>
-      </p:nvGrpSpPr>
-      <p:grpSpPr>
-        <a:xfrm>
-          <a:off x="0" y="0"/>
-          <a:ext cx="0" cy="0"/>
-          <a:chOff x="0" y="0"/>
-          <a:chExt cx="0" cy="0"/>
-        </a:xfrm>
-      </p:grpSpPr>
-      <p:sp>
-        <p:nvSpPr>
-          <p:cNvPr id="2" name="Title 1"/>
-          <p:cNvSpPr>
-            <a:spLocks noGrp="1"/>
-          </p:cNvSpPr>
-          <p:nvPr>
-            <p:ph type="title"/>
-          </p:nvPr>
-        </p:nvSpPr>
-        <p:spPr>
-          <a:xfrm>
-            <a:off x="251586" y="244158"/>
-            <a:ext cx="8637831" cy="1339850"/>
-          </a:xfrm>
-        </p:spPr>
-        <p:txBody>
-          <a:bodyPr anchor="t"/>
-          <a:lstStyle/>
-          <a:p>
-            <a:pPr algn="l"/>
-            <a:r>
-              <a:rPr lang="en-US" dirty="0" smtClean="0"/>
-              <a:t>Casting</a:t>
-            </a:r>
-            <a:endParaRPr lang="en-US" dirty="0"/>
-          </a:p>
-        </p:txBody>
-      </p:sp>
-      <p:sp>
-        <p:nvSpPr>
-          <p:cNvPr id="5" name="Rectangle 4"/>
-          <p:cNvSpPr/>
-          <p:nvPr/>
-        </p:nvSpPr>
-        <p:spPr>
-          <a:xfrm>
-            <a:off x="720531" y="2108506"/>
-            <a:ext cx="8047587" cy="4524315"/>
-          </a:xfrm>
-          <a:prstGeom prst="rect">
-            <a:avLst/>
-          </a:prstGeom>
-        </p:spPr>
-        <p:txBody>
-          <a:bodyPr wrap="square">
-            <a:spAutoFit/>
-          </a:bodyPr>
-          <a:lstStyle/>
-          <a:p>
-            <a:pPr lvl="0"/>
-            <a:r>
-              <a:rPr lang="en-US" sz="3600" dirty="0" smtClean="0">
-                <a:latin typeface="Lucida Sans" panose="020B0602030504020204" pitchFamily="34" charset="0"/>
-              </a:rPr>
-              <a:t>tuple(</a:t>
-            </a:r>
-            <a:r>
-              <a:rPr lang="en-US" sz="3600" dirty="0" err="1" smtClean="0">
-                <a:latin typeface="Lucida Sans" panose="020B0602030504020204" pitchFamily="34" charset="0"/>
-              </a:rPr>
-              <a:t>myList</a:t>
-            </a:r>
-            <a:r>
-              <a:rPr lang="en-US" sz="3600" dirty="0" smtClean="0">
-                <a:latin typeface="Lucida Sans" panose="020B0602030504020204" pitchFamily="34" charset="0"/>
-              </a:rPr>
-              <a:t>)</a:t>
-            </a:r>
-          </a:p>
-          <a:p>
-            <a:pPr lvl="0"/>
-            <a:r>
-              <a:rPr lang="en-US" sz="3600" dirty="0" smtClean="0">
-                <a:latin typeface="Lucida Sans" panose="020B0602030504020204" pitchFamily="34" charset="0"/>
-              </a:rPr>
-              <a:t>list(</a:t>
-            </a:r>
-            <a:r>
-              <a:rPr lang="en-US" sz="3600" dirty="0" err="1" smtClean="0">
-                <a:latin typeface="Lucida Sans" panose="020B0602030504020204" pitchFamily="34" charset="0"/>
-              </a:rPr>
-              <a:t>myTuple</a:t>
-            </a:r>
-            <a:r>
-              <a:rPr lang="en-US" sz="3600" dirty="0" smtClean="0">
-                <a:latin typeface="Lucida Sans" panose="020B0602030504020204" pitchFamily="34" charset="0"/>
-              </a:rPr>
-              <a:t>)</a:t>
-            </a:r>
-          </a:p>
-          <a:p>
-            <a:pPr lvl="0"/>
-            <a:r>
-              <a:rPr lang="en-US" sz="3600" dirty="0" smtClean="0">
-                <a:latin typeface="Lucida Sans" panose="020B0602030504020204" pitchFamily="34" charset="0"/>
-              </a:rPr>
-              <a:t>set(</a:t>
-            </a:r>
-            <a:r>
-              <a:rPr lang="en-US" sz="3600" dirty="0" err="1" smtClean="0">
-                <a:latin typeface="Lucida Sans" panose="020B0602030504020204" pitchFamily="34" charset="0"/>
-              </a:rPr>
-              <a:t>myList</a:t>
-            </a:r>
-            <a:r>
-              <a:rPr lang="en-US" sz="3600" dirty="0" smtClean="0">
-                <a:latin typeface="Lucida Sans" panose="020B0602030504020204" pitchFamily="34" charset="0"/>
-              </a:rPr>
-              <a:t>)</a:t>
-            </a:r>
-          </a:p>
-          <a:p>
-            <a:pPr lvl="0"/>
-            <a:r>
-              <a:rPr lang="en-US" sz="3600" dirty="0" err="1" smtClean="0">
-                <a:latin typeface="Lucida Sans" panose="020B0602030504020204" pitchFamily="34" charset="0"/>
-              </a:rPr>
-              <a:t>dict</a:t>
-            </a:r>
-            <a:r>
-              <a:rPr lang="en-US" sz="3600" dirty="0" smtClean="0">
-                <a:latin typeface="Lucida Sans" panose="020B0602030504020204" pitchFamily="34" charset="0"/>
-              </a:rPr>
-              <a:t>	(</a:t>
-            </a:r>
-            <a:r>
-              <a:rPr lang="en-US" sz="3600" dirty="0" err="1" smtClean="0">
-                <a:latin typeface="Lucida Sans" panose="020B0602030504020204" pitchFamily="34" charset="0"/>
-              </a:rPr>
-              <a:t>myTuple</a:t>
-            </a:r>
-            <a:r>
-              <a:rPr lang="en-US" sz="3600" dirty="0" smtClean="0">
-                <a:latin typeface="Lucida Sans" panose="020B0602030504020204" pitchFamily="34" charset="0"/>
-              </a:rPr>
-              <a:t>)</a:t>
-            </a:r>
-          </a:p>
-          <a:p>
-            <a:pPr lvl="0"/>
-            <a:endParaRPr lang="en-US" sz="3600" dirty="0">
-              <a:latin typeface="Lucida Sans" panose="020B0602030504020204" pitchFamily="34" charset="0"/>
-            </a:endParaRPr>
-          </a:p>
-          <a:p>
-            <a:pPr lvl="0"/>
-            <a:r>
-              <a:rPr lang="en-US" sz="3600" dirty="0" err="1" smtClean="0">
-                <a:latin typeface="Lucida Sans" panose="020B0602030504020204" pitchFamily="34" charset="0"/>
-              </a:rPr>
-              <a:t>myList</a:t>
-            </a:r>
-            <a:r>
-              <a:rPr lang="en-US" sz="3600" dirty="0" smtClean="0">
-                <a:latin typeface="Lucida Sans" panose="020B0602030504020204" pitchFamily="34" charset="0"/>
-              </a:rPr>
-              <a:t> = list(“Hello”)</a:t>
-            </a:r>
-          </a:p>
-          <a:p>
-            <a:pPr lvl="0"/>
-            <a:r>
-              <a:rPr lang="en-US" sz="3600" dirty="0">
-                <a:latin typeface="Lucida Sans" panose="020B0602030504020204" pitchFamily="34" charset="0"/>
-              </a:rPr>
-              <a:t>"".</a:t>
-            </a:r>
-            <a:r>
-              <a:rPr lang="en-US" sz="3600" smtClean="0">
-                <a:latin typeface="Lucida Sans" panose="020B0602030504020204" pitchFamily="34" charset="0"/>
-              </a:rPr>
-              <a:t>join(</a:t>
-            </a:r>
-            <a:r>
-              <a:rPr lang="en-US" sz="3600" err="1" smtClean="0">
-                <a:latin typeface="Lucida Sans" panose="020B0602030504020204" pitchFamily="34" charset="0"/>
-              </a:rPr>
-              <a:t>myList</a:t>
-            </a:r>
-            <a:r>
-              <a:rPr lang="en-US" sz="3600" smtClean="0">
-                <a:latin typeface="Lucida Sans" panose="020B0602030504020204" pitchFamily="34" charset="0"/>
-              </a:rPr>
-              <a:t>)</a:t>
-            </a:r>
-          </a:p>
-          <a:p>
-            <a:r>
-              <a:rPr lang="en-US" sz="3600" smtClean="0">
-                <a:latin typeface="Lucida Sans" panose="020B0602030504020204" pitchFamily="34" charset="0"/>
-              </a:rPr>
-              <a:t>"fred".</a:t>
-            </a:r>
-            <a:r>
-              <a:rPr lang="en-US" sz="3600">
-                <a:latin typeface="Lucida Sans" panose="020B0602030504020204" pitchFamily="34" charset="0"/>
-              </a:rPr>
-              <a:t>join(myList</a:t>
-            </a:r>
-            <a:r>
-              <a:rPr lang="en-US" sz="3600" smtClean="0">
-                <a:latin typeface="Lucida Sans" panose="020B0602030504020204" pitchFamily="34" charset="0"/>
-              </a:rPr>
-              <a:t>)</a:t>
-            </a:r>
-            <a:endParaRPr lang="en-US" sz="3600">
-              <a:latin typeface="Lucida Sans" panose="020B0602030504020204" pitchFamily="34" charset="0"/>
-            </a:endParaRPr>
-          </a:p>
-        </p:txBody>
-      </p:sp>
-    </p:spTree>
-    <p:extLst>
-      <p:ext uri="{BB962C8B-B14F-4D97-AF65-F5344CB8AC3E}">
-        <p14:creationId xmlns:p14="http://schemas.microsoft.com/office/powerpoint/2010/main" val="3673428119"/>
-      </p:ext>
-    </p:extLst>
-  </p:cSld>
-  <p:clrMapOvr>
-    <a:masterClrMapping/>
-  </p:clrMapOvr>
-  <p:timing>
-    <p:tnLst>
-      <p:par>
-        <p:cTn id="1" dur="indefinite" restart="never" nodeType="tmRoot"/>
-      </p:par>
-    </p:tnLst>
-  </p:timing>
-</p:sld>
-</file>
-
-<file path=ppt/slides/slide6.xml><?xml version="1.0" encoding="utf-8"?>
-<p:sld xmlns:a="http://schemas.openxmlformats.org/drawingml/2006/main" xmlns:r="http://schemas.openxmlformats.org/officeDocument/2006/relationships" xmlns:p="http://schemas.openxmlformats.org/presentationml/2006/main">
-  <p:cSld>
-    <p:spTree>
-      <p:nvGrpSpPr>
-        <p:cNvPr id="1" name=""/>
-        <p:cNvGrpSpPr/>
-        <p:nvPr/>
-      </p:nvGrpSpPr>
-      <p:grpSpPr>
-        <a:xfrm>
-          <a:off x="0" y="0"/>
-          <a:ext cx="0" cy="0"/>
-          <a:chOff x="0" y="0"/>
-          <a:chExt cx="0" cy="0"/>
-        </a:xfrm>
-      </p:grpSpPr>
-      <p:sp>
-        <p:nvSpPr>
-          <p:cNvPr id="2" name="Title 1"/>
-          <p:cNvSpPr>
-            <a:spLocks noGrp="1"/>
-          </p:cNvSpPr>
-          <p:nvPr>
-            <p:ph type="title"/>
-          </p:nvPr>
-        </p:nvSpPr>
-        <p:spPr>
-          <a:xfrm>
-            <a:off x="251586" y="244158"/>
-            <a:ext cx="8637831" cy="1339850"/>
-          </a:xfrm>
-        </p:spPr>
-        <p:txBody>
-          <a:bodyPr anchor="t"/>
-          <a:lstStyle/>
-          <a:p>
-            <a:pPr algn="l"/>
-            <a:r>
-              <a:rPr lang="en-US" smtClean="0"/>
-              <a:t>Program Flow</a:t>
-            </a:r>
-            <a:endParaRPr lang="en-US" dirty="0"/>
-          </a:p>
-        </p:txBody>
-      </p:sp>
-      <p:sp>
-        <p:nvSpPr>
-          <p:cNvPr id="5" name="Rectangle 4"/>
-          <p:cNvSpPr/>
-          <p:nvPr/>
-        </p:nvSpPr>
-        <p:spPr>
-          <a:xfrm>
-            <a:off x="841829" y="2472400"/>
-            <a:ext cx="8047587" cy="2308324"/>
-          </a:xfrm>
-          <a:prstGeom prst="rect">
-            <a:avLst/>
-          </a:prstGeom>
-        </p:spPr>
-        <p:txBody>
-          <a:bodyPr wrap="square">
-            <a:spAutoFit/>
-          </a:bodyPr>
-          <a:lstStyle/>
-          <a:p>
-            <a:pPr lvl="0"/>
-            <a:r>
-              <a:rPr lang="en-US" sz="3600" dirty="0" smtClean="0">
-                <a:latin typeface="Lucida Sans" panose="020B0602030504020204" pitchFamily="34" charset="0"/>
-              </a:rPr>
-              <a:t>if</a:t>
-            </a:r>
-          </a:p>
-          <a:p>
-            <a:pPr lvl="0"/>
-            <a:r>
-              <a:rPr lang="en-US" sz="3600" dirty="0" smtClean="0">
-                <a:latin typeface="Lucida Sans" panose="020B0602030504020204" pitchFamily="34" charset="0"/>
-              </a:rPr>
-              <a:t>while</a:t>
-            </a:r>
-          </a:p>
-          <a:p>
-            <a:pPr lvl="0"/>
-            <a:r>
-              <a:rPr lang="en-US" sz="3600" dirty="0" smtClean="0">
-                <a:latin typeface="Lucida Sans" panose="020B0602030504020204" pitchFamily="34" charset="0"/>
-              </a:rPr>
-              <a:t>for</a:t>
-            </a:r>
-          </a:p>
-          <a:p>
-            <a:pPr lvl="0"/>
-            <a:r>
-              <a:rPr lang="en-US" sz="3600" dirty="0" smtClean="0">
-                <a:latin typeface="Lucida Sans" panose="020B0602030504020204" pitchFamily="34" charset="0"/>
-              </a:rPr>
-              <a:t>match (need python 3.10 or </a:t>
-            </a:r>
-            <a:r>
-              <a:rPr lang="en-US" sz="3600" smtClean="0">
-                <a:latin typeface="Lucida Sans" panose="020B0602030504020204" pitchFamily="34" charset="0"/>
-              </a:rPr>
-              <a:t>later)</a:t>
-            </a:r>
-            <a:endParaRPr lang="en-US" sz="3600" dirty="0" smtClean="0">
-              <a:latin typeface="Lucida Sans" panose="020B0602030504020204" pitchFamily="34" charset="0"/>
-            </a:endParaRPr>
-          </a:p>
-        </p:txBody>
-      </p:sp>
-    </p:spTree>
-    <p:extLst>
-      <p:ext uri="{BB962C8B-B14F-4D97-AF65-F5344CB8AC3E}">
-        <p14:creationId xmlns:p14="http://schemas.microsoft.com/office/powerpoint/2010/main" val="1740152893"/>
-      </p:ext>
-    </p:extLst>
-  </p:cSld>
-  <p:clrMapOvr>
-    <a:masterClrMapping/>
-  </p:clrMapOvr>
-  <p:timing>
-    <p:tnLst>
-      <p:par>
-        <p:cTn id="1" dur="indefinite" restart="never" nodeType="tmRoot"/>
-      </p:par>
-    </p:tnLst>
-  </p:timing>
-</p:sld>
-</file>
-
-<file path=ppt/slides/slide7.xml><?xml version="1.0" encoding="utf-8"?>
-<p:sld xmlns:a="http://schemas.openxmlformats.org/drawingml/2006/main" xmlns:r="http://schemas.openxmlformats.org/officeDocument/2006/relationships" xmlns:p="http://schemas.openxmlformats.org/presentationml/2006/main">
-  <p:cSld>
-    <p:spTree>
-      <p:nvGrpSpPr>
-        <p:cNvPr id="1" name=""/>
-        <p:cNvGrpSpPr/>
-        <p:nvPr/>
-      </p:nvGrpSpPr>
-      <p:grpSpPr>
-        <a:xfrm>
-          <a:off x="0" y="0"/>
-          <a:ext cx="0" cy="0"/>
-          <a:chOff x="0" y="0"/>
-          <a:chExt cx="0" cy="0"/>
-        </a:xfrm>
-      </p:grpSpPr>
-      <p:sp>
-        <p:nvSpPr>
-          <p:cNvPr id="2" name="Title 1"/>
-          <p:cNvSpPr>
-            <a:spLocks noGrp="1"/>
-          </p:cNvSpPr>
-          <p:nvPr>
-            <p:ph type="title"/>
-          </p:nvPr>
-        </p:nvSpPr>
-        <p:spPr>
-          <a:xfrm>
-            <a:off x="251586" y="244158"/>
-            <a:ext cx="8637831" cy="1339850"/>
-          </a:xfrm>
-        </p:spPr>
-        <p:txBody>
-          <a:bodyPr anchor="t"/>
-          <a:lstStyle/>
-          <a:p>
-            <a:pPr algn="l"/>
-            <a:r>
-              <a:rPr lang="en-US" smtClean="0"/>
-              <a:t>Syntax</a:t>
-            </a:r>
-            <a:endParaRPr lang="en-US" dirty="0"/>
-          </a:p>
-        </p:txBody>
-      </p:sp>
-      <p:sp>
-        <p:nvSpPr>
-          <p:cNvPr id="5" name="Rectangle 4"/>
-          <p:cNvSpPr/>
-          <p:nvPr/>
-        </p:nvSpPr>
-        <p:spPr>
-          <a:xfrm>
-            <a:off x="391886" y="1949886"/>
-            <a:ext cx="8337873" cy="4616648"/>
-          </a:xfrm>
-          <a:prstGeom prst="rect">
-            <a:avLst/>
-          </a:prstGeom>
-        </p:spPr>
-        <p:txBody>
-          <a:bodyPr wrap="square">
-            <a:spAutoFit/>
-          </a:bodyPr>
-          <a:lstStyle/>
-          <a:p>
-            <a:pPr lvl="0"/>
-            <a:r>
-              <a:rPr lang="en-US" sz="3600" smtClean="0">
-                <a:latin typeface="Lucida Sans" panose="020B0602030504020204" pitchFamily="34" charset="0"/>
-              </a:rPr>
-              <a:t>colon :</a:t>
-            </a:r>
-          </a:p>
-          <a:p>
-            <a:pPr lvl="0"/>
-            <a:r>
-              <a:rPr lang="en-US" sz="3600" smtClean="0">
-                <a:latin typeface="Lucida Sans" panose="020B0602030504020204" pitchFamily="34" charset="0"/>
-              </a:rPr>
-              <a:t>   indent</a:t>
-            </a:r>
-          </a:p>
-          <a:p>
-            <a:pPr lvl="0"/>
-            <a:r>
-              <a:rPr lang="en-US" sz="3600">
-                <a:latin typeface="Lucida Sans" panose="020B0602030504020204" pitchFamily="34" charset="0"/>
-              </a:rPr>
-              <a:t> </a:t>
-            </a:r>
-            <a:r>
-              <a:rPr lang="en-US" sz="3600" smtClean="0">
-                <a:latin typeface="Lucida Sans" panose="020B0602030504020204" pitchFamily="34" charset="0"/>
-              </a:rPr>
-              <a:t>  same indent</a:t>
-            </a:r>
-          </a:p>
-          <a:p>
-            <a:pPr lvl="0"/>
-            <a:endParaRPr lang="en-US">
-              <a:latin typeface="Lucida Sans" panose="020B0602030504020204" pitchFamily="34" charset="0"/>
-            </a:endParaRPr>
-          </a:p>
-          <a:p>
-            <a:pPr lvl="0"/>
-            <a:r>
-              <a:rPr lang="en-US" sz="3600" smtClean="0">
-                <a:latin typeface="Lucida Sans" panose="020B0602030504020204" pitchFamily="34" charset="0"/>
-              </a:rPr>
-              <a:t>result = functionCall(argA, argB)</a:t>
-            </a:r>
-          </a:p>
-          <a:p>
-            <a:pPr lvl="0"/>
-            <a:endParaRPr lang="en-US" smtClean="0">
-              <a:latin typeface="Lucida Sans" panose="020B0602030504020204" pitchFamily="34" charset="0"/>
-            </a:endParaRPr>
-          </a:p>
-          <a:p>
-            <a:pPr lvl="0"/>
-            <a:r>
-              <a:rPr lang="en-US" sz="3600" smtClean="0">
-                <a:latin typeface="Lucida Sans" panose="020B0602030504020204" pitchFamily="34" charset="0"/>
-              </a:rPr>
-              <a:t>=,==</a:t>
-            </a:r>
-          </a:p>
-          <a:p>
-            <a:pPr lvl="0"/>
-            <a:r>
-              <a:rPr lang="en-US" sz="3600" smtClean="0">
-                <a:latin typeface="Lucida Sans" panose="020B0602030504020204" pitchFamily="34" charset="0"/>
-              </a:rPr>
-              <a:t>+=</a:t>
-            </a:r>
-            <a:endParaRPr lang="en-US" sz="3600">
-              <a:latin typeface="Lucida Sans" panose="020B0602030504020204" pitchFamily="34" charset="0"/>
-            </a:endParaRPr>
-          </a:p>
-          <a:p>
-            <a:r>
-              <a:rPr lang="en-GB" sz="3600" smtClean="0">
-                <a:latin typeface="Lucida Sans" panose="020B0602030504020204" pitchFamily="34" charset="0"/>
-              </a:rPr>
-              <a:t>and / or / not</a:t>
-            </a:r>
-            <a:endParaRPr lang="en-GB" sz="3600">
-              <a:latin typeface="Lucida Sans" panose="020B0602030504020204" pitchFamily="34" charset="0"/>
-            </a:endParaRPr>
-          </a:p>
-        </p:txBody>
-      </p:sp>
-    </p:spTree>
-    <p:extLst>
-      <p:ext uri="{BB962C8B-B14F-4D97-AF65-F5344CB8AC3E}">
-        <p14:creationId xmlns:p14="http://schemas.microsoft.com/office/powerpoint/2010/main" val="1169134992"/>
-      </p:ext>
-    </p:extLst>
-  </p:cSld>
-  <p:clrMapOvr>
-    <a:masterClrMapping/>
-  </p:clrMapOvr>
-  <p:timing>
-    <p:tnLst>
-      <p:par>
-        <p:cTn id="1" dur="indefinite" restart="never" nodeType="tmRoot"/>
-      </p:par>
-    </p:tnLst>
-  </p:timing>
-</p:sld>
-</file>
-
-<file path=ppt/slides/slide8.xml><?xml version="1.0" encoding="utf-8"?>
-<p:sld xmlns:a="http://schemas.openxmlformats.org/drawingml/2006/main" xmlns:r="http://schemas.openxmlformats.org/officeDocument/2006/relationships" xmlns:p="http://schemas.openxmlformats.org/presentationml/2006/main">
-  <p:cSld>
-    <p:spTree>
-      <p:nvGrpSpPr>
-        <p:cNvPr id="1" name=""/>
-        <p:cNvGrpSpPr/>
-        <p:nvPr/>
-      </p:nvGrpSpPr>
-      <p:grpSpPr>
-        <a:xfrm>
-          <a:off x="0" y="0"/>
-          <a:ext cx="0" cy="0"/>
-          <a:chOff x="0" y="0"/>
-          <a:chExt cx="0" cy="0"/>
-        </a:xfrm>
-      </p:grpSpPr>
-      <p:sp>
-        <p:nvSpPr>
-          <p:cNvPr id="2" name="Title 1"/>
-          <p:cNvSpPr>
-            <a:spLocks noGrp="1"/>
-          </p:cNvSpPr>
-          <p:nvPr>
-            <p:ph type="title"/>
-          </p:nvPr>
-        </p:nvSpPr>
-        <p:spPr>
-          <a:xfrm>
-            <a:off x="251586" y="244158"/>
-            <a:ext cx="8637831" cy="1339850"/>
-          </a:xfrm>
-        </p:spPr>
-        <p:txBody>
-          <a:bodyPr anchor="t"/>
-          <a:lstStyle/>
-          <a:p>
-            <a:pPr algn="l"/>
-            <a:r>
-              <a:rPr lang="en-US" smtClean="0"/>
               <a:t>Install Python 3.10</a:t>
             </a:r>
             <a:endParaRPr lang="en-US" dirty="0"/>
@@ -18522,6 +16653,2344 @@
 </p:sld>
 </file>
 
+<file path=ppt/slides/slide11.xml><?xml version="1.0" encoding="utf-8"?>
+<p:sld xmlns:a="http://schemas.openxmlformats.org/drawingml/2006/main" xmlns:r="http://schemas.openxmlformats.org/officeDocument/2006/relationships" xmlns:p="http://schemas.openxmlformats.org/presentationml/2006/main">
+  <p:cSld>
+    <p:spTree>
+      <p:nvGrpSpPr>
+        <p:cNvPr id="1" name=""/>
+        <p:cNvGrpSpPr/>
+        <p:nvPr/>
+      </p:nvGrpSpPr>
+      <p:grpSpPr>
+        <a:xfrm>
+          <a:off x="0" y="0"/>
+          <a:ext cx="0" cy="0"/>
+          <a:chOff x="0" y="0"/>
+          <a:chExt cx="0" cy="0"/>
+        </a:xfrm>
+      </p:grpSpPr>
+      <p:sp>
+        <p:nvSpPr>
+          <p:cNvPr id="2" name="Title 1"/>
+          <p:cNvSpPr>
+            <a:spLocks noGrp="1"/>
+          </p:cNvSpPr>
+          <p:nvPr>
+            <p:ph type="title"/>
+          </p:nvPr>
+        </p:nvSpPr>
+        <p:spPr>
+          <a:xfrm>
+            <a:off x="251586" y="244158"/>
+            <a:ext cx="8637831" cy="1339850"/>
+          </a:xfrm>
+        </p:spPr>
+        <p:txBody>
+          <a:bodyPr anchor="t"/>
+          <a:lstStyle/>
+          <a:p>
+            <a:pPr algn="l"/>
+            <a:r>
+              <a:rPr lang="en-US" smtClean="0"/>
+              <a:t>Windows env variables</a:t>
+            </a:r>
+            <a:endParaRPr lang="en-US" dirty="0"/>
+          </a:p>
+        </p:txBody>
+      </p:sp>
+      <p:sp>
+        <p:nvSpPr>
+          <p:cNvPr id="5" name="Rectangle 4"/>
+          <p:cNvSpPr/>
+          <p:nvPr/>
+        </p:nvSpPr>
+        <p:spPr>
+          <a:xfrm>
+            <a:off x="251586" y="2379093"/>
+            <a:ext cx="8047587" cy="1754326"/>
+          </a:xfrm>
+          <a:prstGeom prst="rect">
+            <a:avLst/>
+          </a:prstGeom>
+        </p:spPr>
+        <p:txBody>
+          <a:bodyPr wrap="square">
+            <a:spAutoFit/>
+          </a:bodyPr>
+          <a:lstStyle/>
+          <a:p>
+            <a:pPr lvl="0"/>
+            <a:r>
+              <a:rPr lang="en-US" sz="3600" dirty="0" smtClean="0">
+                <a:latin typeface="Lucida Sans" panose="020B0602030504020204" pitchFamily="34" charset="0"/>
+              </a:rPr>
+              <a:t>Start-&gt;"</a:t>
+            </a:r>
+            <a:r>
+              <a:rPr lang="en-US" sz="3600" dirty="0" err="1" smtClean="0">
+                <a:latin typeface="Lucida Sans" panose="020B0602030504020204" pitchFamily="34" charset="0"/>
+              </a:rPr>
+              <a:t>env</a:t>
+            </a:r>
+            <a:r>
+              <a:rPr lang="en-US" sz="3600" dirty="0" smtClean="0">
+                <a:latin typeface="Lucida Sans" panose="020B0602030504020204" pitchFamily="34" charset="0"/>
+              </a:rPr>
+              <a:t>"</a:t>
+            </a:r>
+          </a:p>
+          <a:p>
+            <a:pPr lvl="0"/>
+            <a:r>
+              <a:rPr lang="en-US" sz="3600" dirty="0" smtClean="0">
+                <a:latin typeface="Lucida Sans" panose="020B0602030504020204" pitchFamily="34" charset="0"/>
+              </a:rPr>
+              <a:t>Edit </a:t>
+            </a:r>
+            <a:r>
+              <a:rPr lang="en-US" sz="3600" b="1" dirty="0" smtClean="0">
+                <a:solidFill>
+                  <a:srgbClr val="FF0000"/>
+                </a:solidFill>
+                <a:latin typeface="Lucida Sans" panose="020B0602030504020204" pitchFamily="34" charset="0"/>
+              </a:rPr>
+              <a:t>system</a:t>
+            </a:r>
+            <a:r>
+              <a:rPr lang="en-US" sz="3600" dirty="0" smtClean="0">
+                <a:latin typeface="Lucida Sans" panose="020B0602030504020204" pitchFamily="34" charset="0"/>
+              </a:rPr>
+              <a:t> path</a:t>
+            </a:r>
+          </a:p>
+          <a:p>
+            <a:pPr lvl="0"/>
+            <a:r>
+              <a:rPr lang="en-US" sz="3600" dirty="0" smtClean="0">
+                <a:latin typeface="Lucida Sans" panose="020B0602030504020204" pitchFamily="34" charset="0"/>
+              </a:rPr>
+              <a:t>add path to python 3.10</a:t>
+            </a:r>
+          </a:p>
+        </p:txBody>
+      </p:sp>
+      <p:pic>
+        <p:nvPicPr>
+          <p:cNvPr id="3" name="Picture 2"/>
+          <p:cNvPicPr>
+            <a:picLocks noChangeAspect="1"/>
+          </p:cNvPicPr>
+          <p:nvPr/>
+        </p:nvPicPr>
+        <p:blipFill>
+          <a:blip r:embed="rId3"/>
+          <a:stretch>
+            <a:fillRect/>
+          </a:stretch>
+        </p:blipFill>
+        <p:spPr>
+          <a:xfrm>
+            <a:off x="667929" y="4201703"/>
+            <a:ext cx="7251446" cy="1664943"/>
+          </a:xfrm>
+          <a:prstGeom prst="rect">
+            <a:avLst/>
+          </a:prstGeom>
+        </p:spPr>
+      </p:pic>
+    </p:spTree>
+    <p:extLst>
+      <p:ext uri="{BB962C8B-B14F-4D97-AF65-F5344CB8AC3E}">
+        <p14:creationId xmlns:p14="http://schemas.microsoft.com/office/powerpoint/2010/main" val="109233633"/>
+      </p:ext>
+    </p:extLst>
+  </p:cSld>
+  <p:clrMapOvr>
+    <a:masterClrMapping/>
+  </p:clrMapOvr>
+  <p:timing>
+    <p:tnLst>
+      <p:par>
+        <p:cTn id="1" dur="indefinite" restart="never" nodeType="tmRoot"/>
+      </p:par>
+    </p:tnLst>
+  </p:timing>
+</p:sld>
+</file>
+
+<file path=ppt/slides/slide12.xml><?xml version="1.0" encoding="utf-8"?>
+<p:sld xmlns:a="http://schemas.openxmlformats.org/drawingml/2006/main" xmlns:r="http://schemas.openxmlformats.org/officeDocument/2006/relationships" xmlns:p="http://schemas.openxmlformats.org/presentationml/2006/main">
+  <p:cSld>
+    <p:spTree>
+      <p:nvGrpSpPr>
+        <p:cNvPr id="1" name=""/>
+        <p:cNvGrpSpPr/>
+        <p:nvPr/>
+      </p:nvGrpSpPr>
+      <p:grpSpPr>
+        <a:xfrm>
+          <a:off x="0" y="0"/>
+          <a:ext cx="0" cy="0"/>
+          <a:chOff x="0" y="0"/>
+          <a:chExt cx="0" cy="0"/>
+        </a:xfrm>
+      </p:grpSpPr>
+      <p:sp>
+        <p:nvSpPr>
+          <p:cNvPr id="2" name="Title 1"/>
+          <p:cNvSpPr>
+            <a:spLocks noGrp="1"/>
+          </p:cNvSpPr>
+          <p:nvPr>
+            <p:ph type="title"/>
+          </p:nvPr>
+        </p:nvSpPr>
+        <p:spPr>
+          <a:xfrm>
+            <a:off x="251586" y="244158"/>
+            <a:ext cx="8637831" cy="1339850"/>
+          </a:xfrm>
+        </p:spPr>
+        <p:txBody>
+          <a:bodyPr anchor="t"/>
+          <a:lstStyle/>
+          <a:p>
+            <a:pPr algn="l"/>
+            <a:r>
+              <a:rPr lang="en-US" smtClean="0"/>
+              <a:t>VSC Select Interpreter</a:t>
+            </a:r>
+            <a:endParaRPr lang="en-US" dirty="0"/>
+          </a:p>
+        </p:txBody>
+      </p:sp>
+      <p:sp>
+        <p:nvSpPr>
+          <p:cNvPr id="5" name="Rectangle 4"/>
+          <p:cNvSpPr/>
+          <p:nvPr/>
+        </p:nvSpPr>
+        <p:spPr>
+          <a:xfrm>
+            <a:off x="251586" y="2127167"/>
+            <a:ext cx="8047587" cy="1200329"/>
+          </a:xfrm>
+          <a:prstGeom prst="rect">
+            <a:avLst/>
+          </a:prstGeom>
+        </p:spPr>
+        <p:txBody>
+          <a:bodyPr wrap="square">
+            <a:spAutoFit/>
+          </a:bodyPr>
+          <a:lstStyle/>
+          <a:p>
+            <a:pPr lvl="0"/>
+            <a:r>
+              <a:rPr lang="en-US" sz="3600" smtClean="0">
+                <a:latin typeface="Lucida Sans" panose="020B0602030504020204" pitchFamily="34" charset="0"/>
+              </a:rPr>
+              <a:t>View-&gt; Command Pallete</a:t>
+            </a:r>
+          </a:p>
+          <a:p>
+            <a:pPr lvl="0"/>
+            <a:r>
+              <a:rPr lang="en-US" sz="3600" smtClean="0">
+                <a:latin typeface="Lucida Sans" panose="020B0602030504020204" pitchFamily="34" charset="0"/>
+              </a:rPr>
+              <a:t> -&gt;python:Selected Interpreter</a:t>
+            </a:r>
+          </a:p>
+        </p:txBody>
+      </p:sp>
+      <p:pic>
+        <p:nvPicPr>
+          <p:cNvPr id="2050" name="Picture 2"/>
+          <p:cNvPicPr>
+            <a:picLocks noChangeAspect="1" noChangeArrowheads="1"/>
+          </p:cNvPicPr>
+          <p:nvPr/>
+        </p:nvPicPr>
+        <p:blipFill>
+          <a:blip r:embed="rId3">
+            <a:extLst>
+              <a:ext uri="{28A0092B-C50C-407E-A947-70E740481C1C}">
+                <a14:useLocalDpi xmlns:a14="http://schemas.microsoft.com/office/drawing/2010/main" val="0"/>
+              </a:ext>
+            </a:extLst>
+          </a:blip>
+          <a:srcRect/>
+          <a:stretch>
+            <a:fillRect/>
+          </a:stretch>
+        </p:blipFill>
+        <p:spPr bwMode="auto">
+          <a:xfrm>
+            <a:off x="1126510" y="3540190"/>
+            <a:ext cx="5883275" cy="1905000"/>
+          </a:xfrm>
+          <a:prstGeom prst="rect">
+            <a:avLst/>
+          </a:prstGeom>
+          <a:noFill/>
+          <a:ln>
+            <a:noFill/>
+          </a:ln>
+          <a:effectLst/>
+          <a:extLst>
+            <a:ext uri="{909E8E84-426E-40DD-AFC4-6F175D3DCCD1}">
+              <a14:hiddenFill xmlns:a14="http://schemas.microsoft.com/office/drawing/2010/main">
+                <a:solidFill>
+                  <a:schemeClr val="accent1"/>
+                </a:solidFill>
+              </a14:hiddenFill>
+            </a:ext>
+            <a:ext uri="{91240B29-F687-4F45-9708-019B960494DF}">
+              <a14:hiddenLine xmlns:a14="http://schemas.microsoft.com/office/drawing/2010/main" w="9525">
+                <a:solidFill>
+                  <a:schemeClr val="tx1"/>
+                </a:solidFill>
+                <a:miter lim="800000"/>
+                <a:headEnd/>
+                <a:tailEnd/>
+              </a14:hiddenLine>
+            </a:ext>
+            <a:ext uri="{AF507438-7753-43E0-B8FC-AC1667EBCBE1}">
+              <a14:hiddenEffects xmlns:a14="http://schemas.microsoft.com/office/drawing/2010/main">
+                <a:effectLst>
+                  <a:outerShdw dist="35921" dir="2700000" algn="ctr" rotWithShape="0">
+                    <a:schemeClr val="bg2"/>
+                  </a:outerShdw>
+                </a:effectLst>
+              </a14:hiddenEffects>
+            </a:ext>
+          </a:extLst>
+        </p:spPr>
+      </p:pic>
+    </p:spTree>
+    <p:extLst>
+      <p:ext uri="{BB962C8B-B14F-4D97-AF65-F5344CB8AC3E}">
+        <p14:creationId xmlns:p14="http://schemas.microsoft.com/office/powerpoint/2010/main" val="4148938402"/>
+      </p:ext>
+    </p:extLst>
+  </p:cSld>
+  <p:clrMapOvr>
+    <a:masterClrMapping/>
+  </p:clrMapOvr>
+  <p:timing>
+    <p:tnLst>
+      <p:par>
+        <p:cTn id="1" dur="indefinite" restart="never" nodeType="tmRoot"/>
+      </p:par>
+    </p:tnLst>
+  </p:timing>
+</p:sld>
+</file>
+
+<file path=ppt/slides/slide13.xml><?xml version="1.0" encoding="utf-8"?>
+<p:sld xmlns:a="http://schemas.openxmlformats.org/drawingml/2006/main" xmlns:r="http://schemas.openxmlformats.org/officeDocument/2006/relationships" xmlns:p="http://schemas.openxmlformats.org/presentationml/2006/main">
+  <p:cSld>
+    <p:spTree>
+      <p:nvGrpSpPr>
+        <p:cNvPr id="1" name=""/>
+        <p:cNvGrpSpPr/>
+        <p:nvPr/>
+      </p:nvGrpSpPr>
+      <p:grpSpPr>
+        <a:xfrm>
+          <a:off x="0" y="0"/>
+          <a:ext cx="0" cy="0"/>
+          <a:chOff x="0" y="0"/>
+          <a:chExt cx="0" cy="0"/>
+        </a:xfrm>
+      </p:grpSpPr>
+      <p:sp>
+        <p:nvSpPr>
+          <p:cNvPr id="2" name="Title 1"/>
+          <p:cNvSpPr>
+            <a:spLocks noGrp="1"/>
+          </p:cNvSpPr>
+          <p:nvPr>
+            <p:ph type="title"/>
+          </p:nvPr>
+        </p:nvSpPr>
+        <p:spPr>
+          <a:xfrm>
+            <a:off x="251586" y="244158"/>
+            <a:ext cx="8637831" cy="1339850"/>
+          </a:xfrm>
+        </p:spPr>
+        <p:txBody>
+          <a:bodyPr anchor="t"/>
+          <a:lstStyle/>
+          <a:p>
+            <a:pPr algn="l"/>
+            <a:r>
+              <a:rPr lang="en-US" dirty="0" err="1" smtClean="0"/>
+              <a:t>enum</a:t>
+            </a:r>
+            <a:endParaRPr lang="en-US" dirty="0"/>
+          </a:p>
+        </p:txBody>
+      </p:sp>
+      <p:sp>
+        <p:nvSpPr>
+          <p:cNvPr id="5" name="Rectangle 4"/>
+          <p:cNvSpPr/>
+          <p:nvPr/>
+        </p:nvSpPr>
+        <p:spPr>
+          <a:xfrm>
+            <a:off x="251586" y="2511201"/>
+            <a:ext cx="8337873" cy="4832092"/>
+          </a:xfrm>
+          <a:prstGeom prst="rect">
+            <a:avLst/>
+          </a:prstGeom>
+        </p:spPr>
+        <p:txBody>
+          <a:bodyPr wrap="square">
+            <a:spAutoFit/>
+          </a:bodyPr>
+          <a:lstStyle/>
+          <a:p>
+            <a:pPr lvl="0"/>
+            <a:r>
+              <a:rPr lang="en-GB" sz="2800" dirty="0" smtClean="0">
+                <a:latin typeface="Lucida Sans" panose="020B0602030504020204" pitchFamily="34" charset="0"/>
+              </a:rPr>
+              <a:t>from </a:t>
+            </a:r>
+            <a:r>
+              <a:rPr lang="en-GB" sz="2800" dirty="0" err="1" smtClean="0">
+                <a:latin typeface="Lucida Sans" panose="020B0602030504020204" pitchFamily="34" charset="0"/>
+              </a:rPr>
+              <a:t>enum</a:t>
+            </a:r>
+            <a:r>
+              <a:rPr lang="en-GB" sz="2800" dirty="0" smtClean="0">
+                <a:latin typeface="Lucida Sans" panose="020B0602030504020204" pitchFamily="34" charset="0"/>
+              </a:rPr>
+              <a:t> import </a:t>
+            </a:r>
+            <a:r>
+              <a:rPr lang="en-GB" sz="2800" b="1" dirty="0" err="1" smtClean="0">
+                <a:solidFill>
+                  <a:srgbClr val="FF0000"/>
+                </a:solidFill>
+                <a:latin typeface="Lucida Sans" panose="020B0602030504020204" pitchFamily="34" charset="0"/>
+              </a:rPr>
+              <a:t>E</a:t>
+            </a:r>
+            <a:r>
+              <a:rPr lang="en-GB" sz="2800" dirty="0" err="1" smtClean="0">
+                <a:latin typeface="Lucida Sans" panose="020B0602030504020204" pitchFamily="34" charset="0"/>
+              </a:rPr>
+              <a:t>num</a:t>
+            </a:r>
+            <a:r>
+              <a:rPr lang="en-GB" sz="2800" dirty="0" smtClean="0">
+                <a:latin typeface="Lucida Sans" panose="020B0602030504020204" pitchFamily="34" charset="0"/>
+              </a:rPr>
+              <a:t>, auto</a:t>
+            </a:r>
+          </a:p>
+          <a:p>
+            <a:pPr lvl="0"/>
+            <a:endParaRPr lang="en-GB" sz="2800" dirty="0">
+              <a:latin typeface="Lucida Sans" panose="020B0602030504020204" pitchFamily="34" charset="0"/>
+            </a:endParaRPr>
+          </a:p>
+          <a:p>
+            <a:pPr lvl="0"/>
+            <a:r>
+              <a:rPr lang="en-GB" sz="2800" dirty="0" smtClean="0">
+                <a:latin typeface="Lucida Sans" panose="020B0602030504020204" pitchFamily="34" charset="0"/>
+              </a:rPr>
+              <a:t>class state(</a:t>
+            </a:r>
+            <a:r>
+              <a:rPr lang="en-GB" sz="2800" b="1" dirty="0" err="1" smtClean="0">
+                <a:solidFill>
+                  <a:srgbClr val="FF0000"/>
+                </a:solidFill>
+                <a:latin typeface="Lucida Sans" panose="020B0602030504020204" pitchFamily="34" charset="0"/>
+              </a:rPr>
+              <a:t>E</a:t>
+            </a:r>
+            <a:r>
+              <a:rPr lang="en-GB" sz="2800" dirty="0" err="1" smtClean="0">
+                <a:latin typeface="Lucida Sans" panose="020B0602030504020204" pitchFamily="34" charset="0"/>
+              </a:rPr>
+              <a:t>num</a:t>
+            </a:r>
+            <a:r>
+              <a:rPr lang="en-GB" sz="2800" dirty="0" smtClean="0">
+                <a:latin typeface="Lucida Sans" panose="020B0602030504020204" pitchFamily="34" charset="0"/>
+              </a:rPr>
+              <a:t>):</a:t>
+            </a:r>
+          </a:p>
+          <a:p>
+            <a:pPr lvl="0"/>
+            <a:r>
+              <a:rPr lang="en-GB" sz="2800" dirty="0">
+                <a:latin typeface="Lucida Sans" panose="020B0602030504020204" pitchFamily="34" charset="0"/>
+              </a:rPr>
+              <a:t>	</a:t>
+            </a:r>
+            <a:r>
+              <a:rPr lang="en-GB" sz="2800" dirty="0" smtClean="0">
+                <a:latin typeface="Lucida Sans" panose="020B0602030504020204" pitchFamily="34" charset="0"/>
+              </a:rPr>
+              <a:t>OFF = auto()</a:t>
+            </a:r>
+          </a:p>
+          <a:p>
+            <a:pPr lvl="0"/>
+            <a:r>
+              <a:rPr lang="en-GB" sz="2800" dirty="0">
+                <a:latin typeface="Lucida Sans" panose="020B0602030504020204" pitchFamily="34" charset="0"/>
+              </a:rPr>
+              <a:t>	</a:t>
+            </a:r>
+            <a:r>
+              <a:rPr lang="en-GB" sz="2800" dirty="0" smtClean="0">
+                <a:latin typeface="Lucida Sans" panose="020B0602030504020204" pitchFamily="34" charset="0"/>
+              </a:rPr>
+              <a:t>LOAD_STATE = auto()</a:t>
+            </a:r>
+          </a:p>
+          <a:p>
+            <a:pPr lvl="0"/>
+            <a:r>
+              <a:rPr lang="en-GB" sz="2800" dirty="0">
+                <a:latin typeface="Lucida Sans" panose="020B0602030504020204" pitchFamily="34" charset="0"/>
+              </a:rPr>
+              <a:t>	</a:t>
+            </a:r>
+            <a:r>
+              <a:rPr lang="en-GB" sz="2800" dirty="0" smtClean="0">
+                <a:latin typeface="Lucida Sans" panose="020B0602030504020204" pitchFamily="34" charset="0"/>
+              </a:rPr>
+              <a:t>CHECK_HOPPERS = auto()</a:t>
+            </a:r>
+          </a:p>
+          <a:p>
+            <a:pPr lvl="0"/>
+            <a:r>
+              <a:rPr lang="en-GB" sz="2800" dirty="0">
+                <a:latin typeface="Lucida Sans" panose="020B0602030504020204" pitchFamily="34" charset="0"/>
+              </a:rPr>
+              <a:t>	</a:t>
+            </a:r>
+            <a:r>
+              <a:rPr lang="en-GB" sz="2800" dirty="0" smtClean="0">
+                <a:latin typeface="Lucida Sans" panose="020B0602030504020204" pitchFamily="34" charset="0"/>
+              </a:rPr>
+              <a:t>READY = auto()</a:t>
+            </a:r>
+          </a:p>
+          <a:p>
+            <a:pPr lvl="0"/>
+            <a:r>
+              <a:rPr lang="en-GB" sz="2800" dirty="0">
+                <a:latin typeface="Lucida Sans" panose="020B0602030504020204" pitchFamily="34" charset="0"/>
+              </a:rPr>
+              <a:t>	</a:t>
+            </a:r>
+            <a:r>
+              <a:rPr lang="en-GB" sz="2800" dirty="0" smtClean="0">
+                <a:latin typeface="Lucida Sans" panose="020B0602030504020204" pitchFamily="34" charset="0"/>
+              </a:rPr>
+              <a:t>GET_SELECTION = auto()</a:t>
+            </a:r>
+          </a:p>
+          <a:p>
+            <a:pPr lvl="0"/>
+            <a:r>
+              <a:rPr lang="en-GB" sz="2800" dirty="0">
+                <a:latin typeface="Lucida Sans" panose="020B0602030504020204" pitchFamily="34" charset="0"/>
+              </a:rPr>
+              <a:t>	</a:t>
+            </a:r>
+            <a:r>
+              <a:rPr lang="en-GB" sz="2800" dirty="0" smtClean="0">
+                <a:latin typeface="Lucida Sans" panose="020B0602030504020204" pitchFamily="34" charset="0"/>
+              </a:rPr>
+              <a:t>….</a:t>
+            </a:r>
+          </a:p>
+          <a:p>
+            <a:pPr lvl="0"/>
+            <a:r>
+              <a:rPr lang="en-GB" sz="2800" dirty="0">
+                <a:latin typeface="Lucida Sans" panose="020B0602030504020204" pitchFamily="34" charset="0"/>
+              </a:rPr>
+              <a:t>	</a:t>
+            </a:r>
+            <a:endParaRPr lang="en-GB" sz="2800" dirty="0" smtClean="0">
+              <a:latin typeface="Lucida Sans" panose="020B0602030504020204" pitchFamily="34" charset="0"/>
+            </a:endParaRPr>
+          </a:p>
+          <a:p>
+            <a:pPr lvl="0"/>
+            <a:endParaRPr lang="en-GB" sz="2800" dirty="0">
+              <a:latin typeface="Lucida Sans" panose="020B0602030504020204" pitchFamily="34" charset="0"/>
+            </a:endParaRPr>
+          </a:p>
+        </p:txBody>
+      </p:sp>
+    </p:spTree>
+    <p:extLst>
+      <p:ext uri="{BB962C8B-B14F-4D97-AF65-F5344CB8AC3E}">
+        <p14:creationId xmlns:p14="http://schemas.microsoft.com/office/powerpoint/2010/main" val="2671331377"/>
+      </p:ext>
+    </p:extLst>
+  </p:cSld>
+  <p:clrMapOvr>
+    <a:masterClrMapping/>
+  </p:clrMapOvr>
+  <p:timing>
+    <p:tnLst>
+      <p:par>
+        <p:cTn id="1" dur="indefinite" restart="never" nodeType="tmRoot"/>
+      </p:par>
+    </p:tnLst>
+  </p:timing>
+</p:sld>
+</file>
+
+<file path=ppt/slides/slide14.xml><?xml version="1.0" encoding="utf-8"?>
+<p:sld xmlns:a="http://schemas.openxmlformats.org/drawingml/2006/main" xmlns:r="http://schemas.openxmlformats.org/officeDocument/2006/relationships" xmlns:p="http://schemas.openxmlformats.org/presentationml/2006/main">
+  <p:cSld>
+    <p:spTree>
+      <p:nvGrpSpPr>
+        <p:cNvPr id="1" name=""/>
+        <p:cNvGrpSpPr/>
+        <p:nvPr/>
+      </p:nvGrpSpPr>
+      <p:grpSpPr>
+        <a:xfrm>
+          <a:off x="0" y="0"/>
+          <a:ext cx="0" cy="0"/>
+          <a:chOff x="0" y="0"/>
+          <a:chExt cx="0" cy="0"/>
+        </a:xfrm>
+      </p:grpSpPr>
+      <p:sp>
+        <p:nvSpPr>
+          <p:cNvPr id="2" name="Title 1"/>
+          <p:cNvSpPr>
+            <a:spLocks noGrp="1"/>
+          </p:cNvSpPr>
+          <p:nvPr>
+            <p:ph type="title"/>
+          </p:nvPr>
+        </p:nvSpPr>
+        <p:spPr>
+          <a:xfrm>
+            <a:off x="251586" y="244158"/>
+            <a:ext cx="8637831" cy="1339850"/>
+          </a:xfrm>
+        </p:spPr>
+        <p:txBody>
+          <a:bodyPr anchor="t"/>
+          <a:lstStyle/>
+          <a:p>
+            <a:pPr algn="l"/>
+            <a:r>
+              <a:rPr lang="en-US" smtClean="0"/>
+              <a:t>match</a:t>
+            </a:r>
+            <a:endParaRPr lang="en-US" dirty="0"/>
+          </a:p>
+        </p:txBody>
+      </p:sp>
+      <p:sp>
+        <p:nvSpPr>
+          <p:cNvPr id="5" name="Rectangle 4"/>
+          <p:cNvSpPr/>
+          <p:nvPr/>
+        </p:nvSpPr>
+        <p:spPr>
+          <a:xfrm>
+            <a:off x="251586" y="2511201"/>
+            <a:ext cx="8337873" cy="3108543"/>
+          </a:xfrm>
+          <a:prstGeom prst="rect">
+            <a:avLst/>
+          </a:prstGeom>
+        </p:spPr>
+        <p:txBody>
+          <a:bodyPr wrap="square">
+            <a:spAutoFit/>
+          </a:bodyPr>
+          <a:lstStyle/>
+          <a:p>
+            <a:pPr lvl="0"/>
+            <a:r>
+              <a:rPr lang="en-GB" sz="2800" smtClean="0">
+                <a:latin typeface="Lucida Sans" panose="020B0602030504020204" pitchFamily="34" charset="0"/>
+              </a:rPr>
+              <a:t>def state_machine(currentState):</a:t>
+            </a:r>
+            <a:endParaRPr lang="en-GB" sz="2800" dirty="0" smtClean="0">
+              <a:latin typeface="Lucida Sans" panose="020B0602030504020204" pitchFamily="34" charset="0"/>
+            </a:endParaRPr>
+          </a:p>
+          <a:p>
+            <a:pPr lvl="0"/>
+            <a:r>
+              <a:rPr lang="en-GB" sz="2800">
+                <a:latin typeface="Lucida Sans" panose="020B0602030504020204" pitchFamily="34" charset="0"/>
+              </a:rPr>
+              <a:t>	</a:t>
+            </a:r>
+            <a:r>
+              <a:rPr lang="en-GB" sz="2800" b="1" smtClean="0">
+                <a:solidFill>
+                  <a:srgbClr val="FF0000"/>
+                </a:solidFill>
+                <a:latin typeface="Lucida Sans" panose="020B0602030504020204" pitchFamily="34" charset="0"/>
+              </a:rPr>
+              <a:t>match</a:t>
+            </a:r>
+            <a:r>
+              <a:rPr lang="en-GB" sz="2800" smtClean="0">
+                <a:latin typeface="Lucida Sans" panose="020B0602030504020204" pitchFamily="34" charset="0"/>
+              </a:rPr>
+              <a:t> currentState:</a:t>
+            </a:r>
+          </a:p>
+          <a:p>
+            <a:pPr lvl="0"/>
+            <a:r>
+              <a:rPr lang="en-GB" sz="2800">
+                <a:latin typeface="Lucida Sans" panose="020B0602030504020204" pitchFamily="34" charset="0"/>
+              </a:rPr>
+              <a:t>	</a:t>
+            </a:r>
+            <a:r>
+              <a:rPr lang="en-GB" sz="2800" smtClean="0">
+                <a:latin typeface="Lucida Sans" panose="020B0602030504020204" pitchFamily="34" charset="0"/>
+              </a:rPr>
+              <a:t>	</a:t>
+            </a:r>
+            <a:r>
+              <a:rPr lang="en-GB" sz="2800" b="1" smtClean="0">
+                <a:solidFill>
+                  <a:srgbClr val="FF0000"/>
+                </a:solidFill>
+                <a:latin typeface="Lucida Sans" panose="020B0602030504020204" pitchFamily="34" charset="0"/>
+              </a:rPr>
+              <a:t>case</a:t>
+            </a:r>
+            <a:r>
+              <a:rPr lang="en-GB" sz="2800" smtClean="0">
+                <a:latin typeface="Lucida Sans" panose="020B0602030504020204" pitchFamily="34" charset="0"/>
+              </a:rPr>
+              <a:t> state.OFF:</a:t>
+            </a:r>
+          </a:p>
+          <a:p>
+            <a:pPr lvl="0"/>
+            <a:r>
+              <a:rPr lang="en-GB" sz="2800">
+                <a:latin typeface="Lucida Sans" panose="020B0602030504020204" pitchFamily="34" charset="0"/>
+              </a:rPr>
+              <a:t>	</a:t>
+            </a:r>
+            <a:r>
+              <a:rPr lang="en-GB" sz="2800" smtClean="0">
+                <a:latin typeface="Lucida Sans" panose="020B0602030504020204" pitchFamily="34" charset="0"/>
+              </a:rPr>
+              <a:t>	</a:t>
+            </a:r>
+            <a:r>
+              <a:rPr lang="en-GB" sz="2800" b="1" smtClean="0">
+                <a:solidFill>
+                  <a:srgbClr val="FF0000"/>
+                </a:solidFill>
+                <a:latin typeface="Lucida Sans" panose="020B0602030504020204" pitchFamily="34" charset="0"/>
+              </a:rPr>
+              <a:t>case</a:t>
+            </a:r>
+            <a:r>
+              <a:rPr lang="en-GB" sz="2800" smtClean="0">
+                <a:latin typeface="Lucida Sans" panose="020B0602030504020204" pitchFamily="34" charset="0"/>
+              </a:rPr>
+              <a:t> state.</a:t>
+            </a:r>
+            <a:r>
+              <a:rPr lang="en-GB" sz="2800">
+                <a:latin typeface="Lucida Sans" panose="020B0602030504020204" pitchFamily="34" charset="0"/>
+              </a:rPr>
+              <a:t>	</a:t>
+            </a:r>
+            <a:r>
+              <a:rPr lang="en-GB" sz="2800" smtClean="0">
+                <a:latin typeface="Lucida Sans" panose="020B0602030504020204" pitchFamily="34" charset="0"/>
+              </a:rPr>
+              <a:t>CHECK_HOPPERS:</a:t>
+            </a:r>
+          </a:p>
+          <a:p>
+            <a:pPr lvl="0"/>
+            <a:r>
+              <a:rPr lang="en-GB" sz="2800" dirty="0">
+                <a:latin typeface="Lucida Sans" panose="020B0602030504020204" pitchFamily="34" charset="0"/>
+              </a:rPr>
+              <a:t>	</a:t>
+            </a:r>
+            <a:r>
+              <a:rPr lang="en-GB" sz="2800" dirty="0" smtClean="0">
+                <a:latin typeface="Lucida Sans" panose="020B0602030504020204" pitchFamily="34" charset="0"/>
+              </a:rPr>
+              <a:t>….</a:t>
+            </a:r>
+          </a:p>
+          <a:p>
+            <a:pPr lvl="0"/>
+            <a:r>
+              <a:rPr lang="en-GB" sz="2800" dirty="0">
+                <a:latin typeface="Lucida Sans" panose="020B0602030504020204" pitchFamily="34" charset="0"/>
+              </a:rPr>
+              <a:t>	</a:t>
+            </a:r>
+            <a:endParaRPr lang="en-GB" sz="2800" dirty="0" smtClean="0">
+              <a:latin typeface="Lucida Sans" panose="020B0602030504020204" pitchFamily="34" charset="0"/>
+            </a:endParaRPr>
+          </a:p>
+          <a:p>
+            <a:pPr lvl="0"/>
+            <a:endParaRPr lang="en-GB" sz="2800" dirty="0">
+              <a:latin typeface="Lucida Sans" panose="020B0602030504020204" pitchFamily="34" charset="0"/>
+            </a:endParaRPr>
+          </a:p>
+        </p:txBody>
+      </p:sp>
+    </p:spTree>
+    <p:extLst>
+      <p:ext uri="{BB962C8B-B14F-4D97-AF65-F5344CB8AC3E}">
+        <p14:creationId xmlns:p14="http://schemas.microsoft.com/office/powerpoint/2010/main" val="3085796892"/>
+      </p:ext>
+    </p:extLst>
+  </p:cSld>
+  <p:clrMapOvr>
+    <a:masterClrMapping/>
+  </p:clrMapOvr>
+  <p:timing>
+    <p:tnLst>
+      <p:par>
+        <p:cTn id="1" dur="indefinite" restart="never" nodeType="tmRoot"/>
+      </p:par>
+    </p:tnLst>
+  </p:timing>
+</p:sld>
+</file>
+
+<file path=ppt/slides/slide15.xml><?xml version="1.0" encoding="utf-8"?>
+<p:sld xmlns:a="http://schemas.openxmlformats.org/drawingml/2006/main" xmlns:r="http://schemas.openxmlformats.org/officeDocument/2006/relationships" xmlns:p="http://schemas.openxmlformats.org/presentationml/2006/main">
+  <p:cSld>
+    <p:spTree>
+      <p:nvGrpSpPr>
+        <p:cNvPr id="1" name=""/>
+        <p:cNvGrpSpPr/>
+        <p:nvPr/>
+      </p:nvGrpSpPr>
+      <p:grpSpPr>
+        <a:xfrm>
+          <a:off x="0" y="0"/>
+          <a:ext cx="0" cy="0"/>
+          <a:chOff x="0" y="0"/>
+          <a:chExt cx="0" cy="0"/>
+        </a:xfrm>
+      </p:grpSpPr>
+      <p:sp>
+        <p:nvSpPr>
+          <p:cNvPr id="2" name="Title 1"/>
+          <p:cNvSpPr>
+            <a:spLocks noGrp="1"/>
+          </p:cNvSpPr>
+          <p:nvPr>
+            <p:ph type="title"/>
+          </p:nvPr>
+        </p:nvSpPr>
+        <p:spPr>
+          <a:xfrm>
+            <a:off x="251586" y="244158"/>
+            <a:ext cx="8637831" cy="1339850"/>
+          </a:xfrm>
+        </p:spPr>
+        <p:txBody>
+          <a:bodyPr anchor="t"/>
+          <a:lstStyle/>
+          <a:p>
+            <a:pPr algn="l"/>
+            <a:r>
+              <a:rPr lang="en-US" dirty="0" smtClean="0"/>
+              <a:t>State Machine</a:t>
+            </a:r>
+            <a:endParaRPr lang="en-US" dirty="0"/>
+          </a:p>
+        </p:txBody>
+      </p:sp>
+      <p:sp>
+        <p:nvSpPr>
+          <p:cNvPr id="4" name="Rectangle 3"/>
+          <p:cNvSpPr/>
+          <p:nvPr/>
+        </p:nvSpPr>
+        <p:spPr>
+          <a:xfrm>
+            <a:off x="508000" y="2825826"/>
+            <a:ext cx="8105645" cy="3416320"/>
+          </a:xfrm>
+          <a:prstGeom prst="rect">
+            <a:avLst/>
+          </a:prstGeom>
+        </p:spPr>
+        <p:txBody>
+          <a:bodyPr wrap="square">
+            <a:spAutoFit/>
+          </a:bodyPr>
+          <a:lstStyle/>
+          <a:p>
+            <a:pPr marL="342900" indent="-342900">
+              <a:buFont typeface="Arial" panose="020B0604020202020204" pitchFamily="34" charset="0"/>
+              <a:buChar char="•"/>
+            </a:pPr>
+            <a:r>
+              <a:rPr lang="en-US" sz="2400" dirty="0" smtClean="0">
+                <a:latin typeface="Lucida Sans" panose="020B0602030504020204" pitchFamily="34" charset="0"/>
+              </a:rPr>
+              <a:t>In </a:t>
+            </a:r>
+            <a:r>
+              <a:rPr lang="en-US" sz="2400" dirty="0" err="1" smtClean="0">
+                <a:latin typeface="Lucida Sans" panose="020B0602030504020204" pitchFamily="34" charset="0"/>
+              </a:rPr>
+              <a:t>Coffee_machine</a:t>
+            </a:r>
+            <a:r>
+              <a:rPr lang="en-US" sz="2400" dirty="0" smtClean="0">
+                <a:latin typeface="Lucida Sans" panose="020B0602030504020204" pitchFamily="34" charset="0"/>
+              </a:rPr>
+              <a:t> folder</a:t>
+            </a:r>
+          </a:p>
+          <a:p>
+            <a:pPr marL="800100" lvl="1" indent="-342900">
+              <a:buFont typeface="Arial" panose="020B0604020202020204" pitchFamily="34" charset="0"/>
+              <a:buChar char="•"/>
+            </a:pPr>
+            <a:r>
+              <a:rPr lang="en-US" sz="2400" dirty="0" smtClean="0">
+                <a:latin typeface="Lucida Sans" panose="020B0602030504020204" pitchFamily="34" charset="0"/>
+              </a:rPr>
+              <a:t>state_machine.py</a:t>
+            </a:r>
+          </a:p>
+          <a:p>
+            <a:pPr marL="1257300" lvl="2" indent="-342900">
+              <a:buFont typeface="Arial" panose="020B0604020202020204" pitchFamily="34" charset="0"/>
+              <a:buChar char="•"/>
+            </a:pPr>
+            <a:r>
+              <a:rPr lang="en-US" sz="2400" dirty="0" err="1" smtClean="0">
+                <a:latin typeface="Lucida Sans" panose="020B0602030504020204" pitchFamily="34" charset="0"/>
+              </a:rPr>
+              <a:t>Enum</a:t>
+            </a:r>
+            <a:r>
+              <a:rPr lang="en-US" sz="2400" dirty="0" smtClean="0">
+                <a:latin typeface="Lucida Sans" panose="020B0602030504020204" pitchFamily="34" charset="0"/>
+              </a:rPr>
+              <a:t> for machine-states</a:t>
+            </a:r>
+          </a:p>
+          <a:p>
+            <a:pPr marL="1257300" lvl="2" indent="-342900">
+              <a:buFont typeface="Arial" panose="020B0604020202020204" pitchFamily="34" charset="0"/>
+              <a:buChar char="•"/>
+            </a:pPr>
+            <a:endParaRPr lang="en-US" sz="2400" dirty="0" smtClean="0">
+              <a:latin typeface="Lucida Sans" panose="020B0602030504020204" pitchFamily="34" charset="0"/>
+            </a:endParaRPr>
+          </a:p>
+          <a:p>
+            <a:pPr marL="1257300" lvl="2" indent="-342900">
+              <a:buFont typeface="Arial" panose="020B0604020202020204" pitchFamily="34" charset="0"/>
+              <a:buChar char="•"/>
+            </a:pPr>
+            <a:r>
+              <a:rPr lang="en-US" sz="2400" dirty="0" err="1" smtClean="0">
+                <a:latin typeface="Lucida Sans" panose="020B0602030504020204" pitchFamily="34" charset="0"/>
+              </a:rPr>
+              <a:t>def</a:t>
+            </a:r>
+            <a:r>
+              <a:rPr lang="en-US" sz="2400" dirty="0" smtClean="0">
+                <a:latin typeface="Lucida Sans" panose="020B0602030504020204" pitchFamily="34" charset="0"/>
+              </a:rPr>
+              <a:t> </a:t>
+            </a:r>
+            <a:r>
+              <a:rPr lang="en-US" sz="2400" dirty="0" err="1" smtClean="0">
+                <a:latin typeface="Lucida Sans" panose="020B0602030504020204" pitchFamily="34" charset="0"/>
+              </a:rPr>
+              <a:t>state_machine</a:t>
+            </a:r>
+            <a:r>
+              <a:rPr lang="en-US" sz="2400" dirty="0" smtClean="0">
+                <a:latin typeface="Lucida Sans" panose="020B0602030504020204" pitchFamily="34" charset="0"/>
+              </a:rPr>
+              <a:t>(state):</a:t>
+            </a:r>
+            <a:endParaRPr lang="en-US" sz="2400" dirty="0">
+              <a:latin typeface="Lucida Sans" panose="020B0602030504020204" pitchFamily="34" charset="0"/>
+            </a:endParaRPr>
+          </a:p>
+          <a:p>
+            <a:pPr marL="1714500" lvl="3" indent="-342900">
+              <a:buFont typeface="Arial" panose="020B0604020202020204" pitchFamily="34" charset="0"/>
+              <a:buChar char="•"/>
+            </a:pPr>
+            <a:r>
+              <a:rPr lang="en-GB" sz="2400" dirty="0">
+                <a:latin typeface="Lucida Sans" panose="020B0602030504020204" pitchFamily="34" charset="0"/>
+              </a:rPr>
+              <a:t>Use match to call functions for each state</a:t>
+            </a:r>
+          </a:p>
+          <a:p>
+            <a:pPr marL="1714500" lvl="3" indent="-342900">
+              <a:buFont typeface="Arial" panose="020B0604020202020204" pitchFamily="34" charset="0"/>
+              <a:buChar char="•"/>
+            </a:pPr>
+            <a:r>
+              <a:rPr lang="en-GB" sz="2400" dirty="0" smtClean="0">
+                <a:latin typeface="Lucida Sans" panose="020B0602030504020204" pitchFamily="34" charset="0"/>
+              </a:rPr>
+              <a:t>The </a:t>
+            </a:r>
+            <a:r>
+              <a:rPr lang="en-GB" sz="2400" dirty="0">
+                <a:latin typeface="Lucida Sans" panose="020B0602030504020204" pitchFamily="34" charset="0"/>
+              </a:rPr>
+              <a:t>functions should return the new state</a:t>
+            </a:r>
+          </a:p>
+          <a:p>
+            <a:pPr marL="1257300" lvl="2" indent="-342900">
+              <a:buFont typeface="Arial" panose="020B0604020202020204" pitchFamily="34" charset="0"/>
+              <a:buChar char="•"/>
+            </a:pPr>
+            <a:endParaRPr lang="en-US" sz="2400" dirty="0" smtClean="0">
+              <a:latin typeface="Lucida Sans" panose="020B0602030504020204" pitchFamily="34" charset="0"/>
+            </a:endParaRPr>
+          </a:p>
+        </p:txBody>
+      </p:sp>
+    </p:spTree>
+    <p:extLst>
+      <p:ext uri="{BB962C8B-B14F-4D97-AF65-F5344CB8AC3E}">
+        <p14:creationId xmlns:p14="http://schemas.microsoft.com/office/powerpoint/2010/main" val="288456378"/>
+      </p:ext>
+    </p:extLst>
+  </p:cSld>
+  <p:clrMapOvr>
+    <a:masterClrMapping/>
+  </p:clrMapOvr>
+  <p:timing>
+    <p:tnLst>
+      <p:par>
+        <p:cTn id="1" dur="indefinite" restart="never" nodeType="tmRoot"/>
+      </p:par>
+    </p:tnLst>
+  </p:timing>
+</p:sld>
+</file>
+
+<file path=ppt/slides/slide16.xml><?xml version="1.0" encoding="utf-8"?>
+<p:sld xmlns:a="http://schemas.openxmlformats.org/drawingml/2006/main" xmlns:r="http://schemas.openxmlformats.org/officeDocument/2006/relationships" xmlns:p="http://schemas.openxmlformats.org/presentationml/2006/main">
+  <p:cSld>
+    <p:spTree>
+      <p:nvGrpSpPr>
+        <p:cNvPr id="1" name=""/>
+        <p:cNvGrpSpPr/>
+        <p:nvPr/>
+      </p:nvGrpSpPr>
+      <p:grpSpPr>
+        <a:xfrm>
+          <a:off x="0" y="0"/>
+          <a:ext cx="0" cy="0"/>
+          <a:chOff x="0" y="0"/>
+          <a:chExt cx="0" cy="0"/>
+        </a:xfrm>
+      </p:grpSpPr>
+      <p:sp>
+        <p:nvSpPr>
+          <p:cNvPr id="2" name="Title 1"/>
+          <p:cNvSpPr>
+            <a:spLocks noGrp="1"/>
+          </p:cNvSpPr>
+          <p:nvPr>
+            <p:ph type="title"/>
+          </p:nvPr>
+        </p:nvSpPr>
+        <p:spPr>
+          <a:xfrm>
+            <a:off x="251586" y="244158"/>
+            <a:ext cx="8637831" cy="1339850"/>
+          </a:xfrm>
+        </p:spPr>
+        <p:txBody>
+          <a:bodyPr anchor="t"/>
+          <a:lstStyle/>
+          <a:p>
+            <a:pPr algn="l"/>
+            <a:r>
+              <a:rPr lang="en-US" dirty="0" smtClean="0"/>
+              <a:t>import</a:t>
+            </a:r>
+            <a:endParaRPr lang="en-US" dirty="0"/>
+          </a:p>
+        </p:txBody>
+      </p:sp>
+      <p:sp>
+        <p:nvSpPr>
+          <p:cNvPr id="5" name="Rectangle 4"/>
+          <p:cNvSpPr/>
+          <p:nvPr/>
+        </p:nvSpPr>
+        <p:spPr>
+          <a:xfrm>
+            <a:off x="251586" y="2511201"/>
+            <a:ext cx="8337873" cy="2677656"/>
+          </a:xfrm>
+          <a:prstGeom prst="rect">
+            <a:avLst/>
+          </a:prstGeom>
+        </p:spPr>
+        <p:txBody>
+          <a:bodyPr wrap="square">
+            <a:spAutoFit/>
+          </a:bodyPr>
+          <a:lstStyle/>
+          <a:p>
+            <a:pPr lvl="0"/>
+            <a:r>
+              <a:rPr lang="en-GB" sz="2800" smtClean="0">
+                <a:latin typeface="Lucida Sans" panose="020B0602030504020204" pitchFamily="34" charset="0"/>
+              </a:rPr>
+              <a:t>In state_machine.py</a:t>
+            </a:r>
+          </a:p>
+          <a:p>
+            <a:pPr marL="914400" lvl="1" indent="-457200">
+              <a:buFont typeface="Arial" panose="020B0604020202020204" pitchFamily="34" charset="0"/>
+              <a:buChar char="•"/>
+            </a:pPr>
+            <a:r>
+              <a:rPr lang="en-GB" sz="2800" smtClean="0">
+                <a:latin typeface="Lucida Sans" panose="020B0602030504020204" pitchFamily="34" charset="0"/>
+              </a:rPr>
+              <a:t>To call functions in other folders</a:t>
+            </a:r>
+          </a:p>
+          <a:p>
+            <a:pPr lvl="0"/>
+            <a:r>
+              <a:rPr lang="en-GB" sz="2800" smtClean="0">
+                <a:latin typeface="Lucida Sans" panose="020B0602030504020204" pitchFamily="34" charset="0"/>
+              </a:rPr>
+              <a:t>		</a:t>
+            </a:r>
+          </a:p>
+          <a:p>
+            <a:pPr lvl="0"/>
+            <a:r>
+              <a:rPr lang="en-GB" sz="2800">
+                <a:latin typeface="Lucida Sans" panose="020B0602030504020204" pitchFamily="34" charset="0"/>
+              </a:rPr>
+              <a:t>	</a:t>
+            </a:r>
+            <a:r>
+              <a:rPr lang="en-GB" sz="2800" smtClean="0">
+                <a:latin typeface="Lucida Sans" panose="020B0602030504020204" pitchFamily="34" charset="0"/>
+              </a:rPr>
+              <a:t>from subFolder.myFile import *</a:t>
+            </a:r>
+          </a:p>
+          <a:p>
+            <a:pPr lvl="0"/>
+            <a:r>
+              <a:rPr lang="en-GB" sz="2800">
+                <a:latin typeface="Lucida Sans" panose="020B0602030504020204" pitchFamily="34" charset="0"/>
+              </a:rPr>
+              <a:t>	</a:t>
+            </a:r>
+            <a:r>
+              <a:rPr lang="en-GB" sz="2800" smtClean="0">
+                <a:latin typeface="Lucida Sans" panose="020B0602030504020204" pitchFamily="34" charset="0"/>
+              </a:rPr>
+              <a:t>from .siblingFile import *</a:t>
+            </a:r>
+            <a:endParaRPr lang="en-GB" sz="2800" dirty="0" smtClean="0">
+              <a:latin typeface="Lucida Sans" panose="020B0602030504020204" pitchFamily="34" charset="0"/>
+            </a:endParaRPr>
+          </a:p>
+          <a:p>
+            <a:pPr lvl="0"/>
+            <a:endParaRPr lang="en-GB" sz="2800" dirty="0">
+              <a:latin typeface="Lucida Sans" panose="020B0602030504020204" pitchFamily="34" charset="0"/>
+            </a:endParaRPr>
+          </a:p>
+        </p:txBody>
+      </p:sp>
+    </p:spTree>
+    <p:extLst>
+      <p:ext uri="{BB962C8B-B14F-4D97-AF65-F5344CB8AC3E}">
+        <p14:creationId xmlns:p14="http://schemas.microsoft.com/office/powerpoint/2010/main" val="863557071"/>
+      </p:ext>
+    </p:extLst>
+  </p:cSld>
+  <p:clrMapOvr>
+    <a:masterClrMapping/>
+  </p:clrMapOvr>
+  <p:timing>
+    <p:tnLst>
+      <p:par>
+        <p:cTn id="1" dur="indefinite" restart="never" nodeType="tmRoot"/>
+      </p:par>
+    </p:tnLst>
+  </p:timing>
+</p:sld>
+</file>
+
+<file path=ppt/slides/slide2.xml><?xml version="1.0" encoding="utf-8"?>
+<p:sld xmlns:a="http://schemas.openxmlformats.org/drawingml/2006/main" xmlns:r="http://schemas.openxmlformats.org/officeDocument/2006/relationships" xmlns:p="http://schemas.openxmlformats.org/presentationml/2006/main">
+  <p:cSld>
+    <p:spTree>
+      <p:nvGrpSpPr>
+        <p:cNvPr id="1" name=""/>
+        <p:cNvGrpSpPr/>
+        <p:nvPr/>
+      </p:nvGrpSpPr>
+      <p:grpSpPr>
+        <a:xfrm>
+          <a:off x="0" y="0"/>
+          <a:ext cx="0" cy="0"/>
+          <a:chOff x="0" y="0"/>
+          <a:chExt cx="0" cy="0"/>
+        </a:xfrm>
+      </p:grpSpPr>
+      <p:sp>
+        <p:nvSpPr>
+          <p:cNvPr id="2" name="Title 1"/>
+          <p:cNvSpPr>
+            <a:spLocks noGrp="1"/>
+          </p:cNvSpPr>
+          <p:nvPr>
+            <p:ph type="title"/>
+          </p:nvPr>
+        </p:nvSpPr>
+        <p:spPr>
+          <a:xfrm>
+            <a:off x="251586" y="244158"/>
+            <a:ext cx="8637831" cy="1339850"/>
+          </a:xfrm>
+        </p:spPr>
+        <p:txBody>
+          <a:bodyPr anchor="t"/>
+          <a:lstStyle/>
+          <a:p>
+            <a:pPr algn="l"/>
+            <a:r>
+              <a:rPr lang="en-US" smtClean="0"/>
+              <a:t>Variables</a:t>
+            </a:r>
+            <a:endParaRPr lang="en-US" dirty="0"/>
+          </a:p>
+        </p:txBody>
+      </p:sp>
+      <p:sp>
+        <p:nvSpPr>
+          <p:cNvPr id="5" name="Rectangle 4"/>
+          <p:cNvSpPr/>
+          <p:nvPr/>
+        </p:nvSpPr>
+        <p:spPr>
+          <a:xfrm>
+            <a:off x="827314" y="2825826"/>
+            <a:ext cx="7786331" cy="2308324"/>
+          </a:xfrm>
+          <a:prstGeom prst="rect">
+            <a:avLst/>
+          </a:prstGeom>
+        </p:spPr>
+        <p:txBody>
+          <a:bodyPr wrap="square">
+            <a:spAutoFit/>
+          </a:bodyPr>
+          <a:lstStyle/>
+          <a:p>
+            <a:pPr lvl="0"/>
+            <a:r>
+              <a:rPr lang="en-US" sz="3600" smtClean="0">
+                <a:latin typeface="Lucida Sans" panose="020B0602030504020204" pitchFamily="34" charset="0"/>
+              </a:rPr>
+              <a:t>Integers 	(immutable!!!)</a:t>
+            </a:r>
+          </a:p>
+          <a:p>
+            <a:pPr lvl="0"/>
+            <a:r>
+              <a:rPr lang="en-US" sz="3600" smtClean="0">
+                <a:latin typeface="Lucida Sans" panose="020B0602030504020204" pitchFamily="34" charset="0"/>
+              </a:rPr>
+              <a:t>Floats			</a:t>
+            </a:r>
+          </a:p>
+          <a:p>
+            <a:r>
+              <a:rPr lang="en-US" sz="3600" smtClean="0">
+                <a:latin typeface="Lucida Sans" panose="020B0602030504020204" pitchFamily="34" charset="0"/>
+              </a:rPr>
+              <a:t>Booleans	(</a:t>
+            </a:r>
+            <a:r>
+              <a:rPr lang="en-US" sz="3600" b="1">
+                <a:solidFill>
+                  <a:srgbClr val="FF0000"/>
+                </a:solidFill>
+                <a:latin typeface="Lucida Sans" panose="020B0602030504020204" pitchFamily="34" charset="0"/>
+              </a:rPr>
+              <a:t>T</a:t>
+            </a:r>
+            <a:r>
+              <a:rPr lang="en-US" sz="3600">
+                <a:latin typeface="Lucida Sans" panose="020B0602030504020204" pitchFamily="34" charset="0"/>
+              </a:rPr>
+              <a:t>rue/</a:t>
+            </a:r>
+            <a:r>
+              <a:rPr lang="en-US" sz="3600" b="1">
+                <a:solidFill>
+                  <a:srgbClr val="FF0000"/>
+                </a:solidFill>
+                <a:latin typeface="Lucida Sans" panose="020B0602030504020204" pitchFamily="34" charset="0"/>
+              </a:rPr>
+              <a:t>F</a:t>
+            </a:r>
+            <a:r>
+              <a:rPr lang="en-US" sz="3600">
+                <a:latin typeface="Lucida Sans" panose="020B0602030504020204" pitchFamily="34" charset="0"/>
+              </a:rPr>
+              <a:t>alse</a:t>
+            </a:r>
+            <a:r>
+              <a:rPr lang="en-US" sz="3600" smtClean="0">
+                <a:latin typeface="Lucida Sans" panose="020B0602030504020204" pitchFamily="34" charset="0"/>
+              </a:rPr>
+              <a:t>)</a:t>
+            </a:r>
+          </a:p>
+          <a:p>
+            <a:r>
+              <a:rPr lang="en-US" sz="3600">
+                <a:latin typeface="Lucida Sans" panose="020B0602030504020204" pitchFamily="34" charset="0"/>
+              </a:rPr>
+              <a:t>Strings </a:t>
+            </a:r>
+            <a:r>
+              <a:rPr lang="en-US" sz="3600" smtClean="0">
+                <a:latin typeface="Lucida Sans" panose="020B0602030504020204" pitchFamily="34" charset="0"/>
+              </a:rPr>
+              <a:t>		(</a:t>
+            </a:r>
+            <a:r>
+              <a:rPr lang="en-US" sz="3600">
+                <a:latin typeface="Lucida Sans" panose="020B0602030504020204" pitchFamily="34" charset="0"/>
+              </a:rPr>
+              <a:t>immutable</a:t>
+            </a:r>
+            <a:r>
+              <a:rPr lang="en-US" sz="3600" smtClean="0">
+                <a:latin typeface="Lucida Sans" panose="020B0602030504020204" pitchFamily="34" charset="0"/>
+              </a:rPr>
+              <a:t>!!!)</a:t>
+            </a:r>
+            <a:endParaRPr lang="en-US" sz="3600">
+              <a:latin typeface="Lucida Sans" panose="020B0602030504020204" pitchFamily="34" charset="0"/>
+            </a:endParaRPr>
+          </a:p>
+        </p:txBody>
+      </p:sp>
+    </p:spTree>
+    <p:extLst>
+      <p:ext uri="{BB962C8B-B14F-4D97-AF65-F5344CB8AC3E}">
+        <p14:creationId xmlns:p14="http://schemas.microsoft.com/office/powerpoint/2010/main" val="184622729"/>
+      </p:ext>
+    </p:extLst>
+  </p:cSld>
+  <p:clrMapOvr>
+    <a:masterClrMapping/>
+  </p:clrMapOvr>
+  <p:timing>
+    <p:tnLst>
+      <p:par>
+        <p:cTn id="1" dur="indefinite" restart="never" nodeType="tmRoot"/>
+      </p:par>
+    </p:tnLst>
+  </p:timing>
+</p:sld>
+</file>
+
+<file path=ppt/slides/slide3.xml><?xml version="1.0" encoding="utf-8"?>
+<p:sld xmlns:a="http://schemas.openxmlformats.org/drawingml/2006/main" xmlns:r="http://schemas.openxmlformats.org/officeDocument/2006/relationships" xmlns:p="http://schemas.openxmlformats.org/presentationml/2006/main">
+  <p:cSld>
+    <p:spTree>
+      <p:nvGrpSpPr>
+        <p:cNvPr id="1" name=""/>
+        <p:cNvGrpSpPr/>
+        <p:nvPr/>
+      </p:nvGrpSpPr>
+      <p:grpSpPr>
+        <a:xfrm>
+          <a:off x="0" y="0"/>
+          <a:ext cx="0" cy="0"/>
+          <a:chOff x="0" y="0"/>
+          <a:chExt cx="0" cy="0"/>
+        </a:xfrm>
+      </p:grpSpPr>
+      <p:sp>
+        <p:nvSpPr>
+          <p:cNvPr id="2" name="Title 1"/>
+          <p:cNvSpPr>
+            <a:spLocks noGrp="1"/>
+          </p:cNvSpPr>
+          <p:nvPr>
+            <p:ph type="title"/>
+          </p:nvPr>
+        </p:nvSpPr>
+        <p:spPr>
+          <a:xfrm>
+            <a:off x="251586" y="244158"/>
+            <a:ext cx="8637831" cy="1339850"/>
+          </a:xfrm>
+        </p:spPr>
+        <p:txBody>
+          <a:bodyPr anchor="t"/>
+          <a:lstStyle/>
+          <a:p>
+            <a:pPr algn="l"/>
+            <a:r>
+              <a:rPr lang="en-US" smtClean="0"/>
+              <a:t>In/Out</a:t>
+            </a:r>
+            <a:endParaRPr lang="en-US" dirty="0"/>
+          </a:p>
+        </p:txBody>
+      </p:sp>
+      <p:sp>
+        <p:nvSpPr>
+          <p:cNvPr id="5" name="Rectangle 4"/>
+          <p:cNvSpPr/>
+          <p:nvPr/>
+        </p:nvSpPr>
+        <p:spPr>
+          <a:xfrm>
+            <a:off x="827314" y="2825826"/>
+            <a:ext cx="7786331" cy="1754326"/>
+          </a:xfrm>
+          <a:prstGeom prst="rect">
+            <a:avLst/>
+          </a:prstGeom>
+        </p:spPr>
+        <p:txBody>
+          <a:bodyPr wrap="square">
+            <a:spAutoFit/>
+          </a:bodyPr>
+          <a:lstStyle/>
+          <a:p>
+            <a:pPr lvl="0"/>
+            <a:r>
+              <a:rPr lang="en-US" sz="3600" smtClean="0">
+                <a:latin typeface="Lucida Sans" panose="020B0602030504020204" pitchFamily="34" charset="0"/>
+              </a:rPr>
+              <a:t>print(message)</a:t>
+            </a:r>
+          </a:p>
+          <a:p>
+            <a:pPr lvl="0"/>
+            <a:r>
+              <a:rPr lang="en-US" sz="3600" smtClean="0">
+                <a:latin typeface="Lucida Sans" panose="020B0602030504020204" pitchFamily="34" charset="0"/>
+              </a:rPr>
+              <a:t>resultStr = input(prompt)</a:t>
+            </a:r>
+          </a:p>
+          <a:p>
+            <a:pPr lvl="0"/>
+            <a:r>
+              <a:rPr lang="en-US" sz="3600" smtClean="0">
+                <a:latin typeface="Lucida Sans" panose="020B0602030504020204" pitchFamily="34" charset="0"/>
+              </a:rPr>
+              <a:t>resultVal = int(input(prompt))</a:t>
+            </a:r>
+          </a:p>
+        </p:txBody>
+      </p:sp>
+    </p:spTree>
+    <p:extLst>
+      <p:ext uri="{BB962C8B-B14F-4D97-AF65-F5344CB8AC3E}">
+        <p14:creationId xmlns:p14="http://schemas.microsoft.com/office/powerpoint/2010/main" val="2479767884"/>
+      </p:ext>
+    </p:extLst>
+  </p:cSld>
+  <p:clrMapOvr>
+    <a:masterClrMapping/>
+  </p:clrMapOvr>
+  <p:timing>
+    <p:tnLst>
+      <p:par>
+        <p:cTn id="1" dur="indefinite" restart="never" nodeType="tmRoot"/>
+      </p:par>
+    </p:tnLst>
+  </p:timing>
+</p:sld>
+</file>
+
+<file path=ppt/slides/slide4.xml><?xml version="1.0" encoding="utf-8"?>
+<p:sld xmlns:a="http://schemas.openxmlformats.org/drawingml/2006/main" xmlns:r="http://schemas.openxmlformats.org/officeDocument/2006/relationships" xmlns:p="http://schemas.openxmlformats.org/presentationml/2006/main">
+  <p:cSld>
+    <p:spTree>
+      <p:nvGrpSpPr>
+        <p:cNvPr id="1" name=""/>
+        <p:cNvGrpSpPr/>
+        <p:nvPr/>
+      </p:nvGrpSpPr>
+      <p:grpSpPr>
+        <a:xfrm>
+          <a:off x="0" y="0"/>
+          <a:ext cx="0" cy="0"/>
+          <a:chOff x="0" y="0"/>
+          <a:chExt cx="0" cy="0"/>
+        </a:xfrm>
+      </p:grpSpPr>
+      <p:sp>
+        <p:nvSpPr>
+          <p:cNvPr id="2" name="Title 1"/>
+          <p:cNvSpPr>
+            <a:spLocks noGrp="1"/>
+          </p:cNvSpPr>
+          <p:nvPr>
+            <p:ph type="title"/>
+          </p:nvPr>
+        </p:nvSpPr>
+        <p:spPr>
+          <a:xfrm>
+            <a:off x="251586" y="244158"/>
+            <a:ext cx="8637831" cy="1339850"/>
+          </a:xfrm>
+        </p:spPr>
+        <p:txBody>
+          <a:bodyPr anchor="t"/>
+          <a:lstStyle/>
+          <a:p>
+            <a:pPr algn="l"/>
+            <a:r>
+              <a:rPr lang="en-US" smtClean="0"/>
+              <a:t>Collections</a:t>
+            </a:r>
+            <a:endParaRPr lang="en-US" dirty="0"/>
+          </a:p>
+        </p:txBody>
+      </p:sp>
+      <p:sp>
+        <p:nvSpPr>
+          <p:cNvPr id="5" name="Rectangle 4"/>
+          <p:cNvSpPr/>
+          <p:nvPr/>
+        </p:nvSpPr>
+        <p:spPr>
+          <a:xfrm>
+            <a:off x="841829" y="2472400"/>
+            <a:ext cx="8047587" cy="2862322"/>
+          </a:xfrm>
+          <a:prstGeom prst="rect">
+            <a:avLst/>
+          </a:prstGeom>
+        </p:spPr>
+        <p:txBody>
+          <a:bodyPr wrap="square">
+            <a:spAutoFit/>
+          </a:bodyPr>
+          <a:lstStyle/>
+          <a:p>
+            <a:pPr lvl="0"/>
+            <a:r>
+              <a:rPr lang="en-US" sz="3600" smtClean="0">
+                <a:latin typeface="Lucida Sans" panose="020B0602030504020204" pitchFamily="34" charset="0"/>
+              </a:rPr>
+              <a:t>Tuple (1,2,3)	(immutable)</a:t>
+            </a:r>
+          </a:p>
+          <a:p>
+            <a:pPr lvl="0"/>
+            <a:r>
+              <a:rPr lang="en-US" sz="3600" smtClean="0">
+                <a:latin typeface="Lucida Sans" panose="020B0602030504020204" pitchFamily="34" charset="0"/>
+              </a:rPr>
+              <a:t>List		[1,2,3]</a:t>
+            </a:r>
+          </a:p>
+          <a:p>
+            <a:pPr lvl="0"/>
+            <a:r>
+              <a:rPr lang="en-US" sz="3600" smtClean="0">
+                <a:latin typeface="Lucida Sans" panose="020B0602030504020204" pitchFamily="34" charset="0"/>
+              </a:rPr>
+              <a:t>Set		{1,2,3}	(unique/ordered)</a:t>
+            </a:r>
+          </a:p>
+          <a:p>
+            <a:pPr lvl="0"/>
+            <a:r>
+              <a:rPr lang="en-US" sz="3600" smtClean="0">
+                <a:latin typeface="Lucida Sans" panose="020B0602030504020204" pitchFamily="34" charset="0"/>
+              </a:rPr>
+              <a:t>Dict		{"a":1, "b":2, "c":3}</a:t>
+            </a:r>
+          </a:p>
+          <a:p>
+            <a:pPr marL="914400" lvl="1" indent="-457200">
+              <a:buFont typeface="Arial" panose="020B0604020202020204" pitchFamily="34" charset="0"/>
+              <a:buChar char="•"/>
+            </a:pPr>
+            <a:r>
+              <a:rPr lang="en-US" sz="3200" smtClean="0">
+                <a:latin typeface="Lucida Sans" panose="020B0602030504020204" pitchFamily="34" charset="0"/>
+              </a:rPr>
+              <a:t>also unique and ordered on keys</a:t>
+            </a:r>
+          </a:p>
+        </p:txBody>
+      </p:sp>
+    </p:spTree>
+    <p:extLst>
+      <p:ext uri="{BB962C8B-B14F-4D97-AF65-F5344CB8AC3E}">
+        <p14:creationId xmlns:p14="http://schemas.microsoft.com/office/powerpoint/2010/main" val="184622729"/>
+      </p:ext>
+    </p:extLst>
+  </p:cSld>
+  <p:clrMapOvr>
+    <a:masterClrMapping/>
+  </p:clrMapOvr>
+  <p:timing>
+    <p:tnLst>
+      <p:par>
+        <p:cTn id="1" dur="indefinite" restart="never" nodeType="tmRoot"/>
+      </p:par>
+    </p:tnLst>
+  </p:timing>
+</p:sld>
+</file>
+
+<file path=ppt/slides/slide5.xml><?xml version="1.0" encoding="utf-8"?>
+<p:sld xmlns:a="http://schemas.openxmlformats.org/drawingml/2006/main" xmlns:r="http://schemas.openxmlformats.org/officeDocument/2006/relationships" xmlns:p="http://schemas.openxmlformats.org/presentationml/2006/main">
+  <p:cSld>
+    <p:spTree>
+      <p:nvGrpSpPr>
+        <p:cNvPr id="1" name=""/>
+        <p:cNvGrpSpPr/>
+        <p:nvPr/>
+      </p:nvGrpSpPr>
+      <p:grpSpPr>
+        <a:xfrm>
+          <a:off x="0" y="0"/>
+          <a:ext cx="0" cy="0"/>
+          <a:chOff x="0" y="0"/>
+          <a:chExt cx="0" cy="0"/>
+        </a:xfrm>
+      </p:grpSpPr>
+      <p:sp>
+        <p:nvSpPr>
+          <p:cNvPr id="2" name="Title 1"/>
+          <p:cNvSpPr>
+            <a:spLocks noGrp="1"/>
+          </p:cNvSpPr>
+          <p:nvPr>
+            <p:ph type="title"/>
+          </p:nvPr>
+        </p:nvSpPr>
+        <p:spPr>
+          <a:xfrm>
+            <a:off x="251586" y="244158"/>
+            <a:ext cx="8637831" cy="1339850"/>
+          </a:xfrm>
+        </p:spPr>
+        <p:txBody>
+          <a:bodyPr anchor="t"/>
+          <a:lstStyle/>
+          <a:p>
+            <a:pPr algn="l"/>
+            <a:r>
+              <a:rPr lang="en-US" dirty="0" smtClean="0"/>
+              <a:t>Casting</a:t>
+            </a:r>
+            <a:endParaRPr lang="en-US" dirty="0"/>
+          </a:p>
+        </p:txBody>
+      </p:sp>
+      <p:sp>
+        <p:nvSpPr>
+          <p:cNvPr id="5" name="Rectangle 4"/>
+          <p:cNvSpPr/>
+          <p:nvPr/>
+        </p:nvSpPr>
+        <p:spPr>
+          <a:xfrm>
+            <a:off x="720531" y="2108506"/>
+            <a:ext cx="8047587" cy="2308324"/>
+          </a:xfrm>
+          <a:prstGeom prst="rect">
+            <a:avLst/>
+          </a:prstGeom>
+        </p:spPr>
+        <p:txBody>
+          <a:bodyPr wrap="square">
+            <a:spAutoFit/>
+          </a:bodyPr>
+          <a:lstStyle/>
+          <a:p>
+            <a:pPr lvl="0"/>
+            <a:r>
+              <a:rPr lang="en-US" sz="3600" dirty="0" smtClean="0">
+                <a:latin typeface="Lucida Sans" panose="020B0602030504020204" pitchFamily="34" charset="0"/>
+              </a:rPr>
+              <a:t>tuple(</a:t>
+            </a:r>
+            <a:r>
+              <a:rPr lang="en-US" sz="3600" dirty="0" err="1" smtClean="0">
+                <a:latin typeface="Lucida Sans" panose="020B0602030504020204" pitchFamily="34" charset="0"/>
+              </a:rPr>
+              <a:t>myList</a:t>
+            </a:r>
+            <a:r>
+              <a:rPr lang="en-US" sz="3600" dirty="0" smtClean="0">
+                <a:latin typeface="Lucida Sans" panose="020B0602030504020204" pitchFamily="34" charset="0"/>
+              </a:rPr>
+              <a:t>)</a:t>
+            </a:r>
+          </a:p>
+          <a:p>
+            <a:pPr lvl="0"/>
+            <a:r>
+              <a:rPr lang="en-US" sz="3600" dirty="0" smtClean="0">
+                <a:latin typeface="Lucida Sans" panose="020B0602030504020204" pitchFamily="34" charset="0"/>
+              </a:rPr>
+              <a:t>list(</a:t>
+            </a:r>
+            <a:r>
+              <a:rPr lang="en-US" sz="3600" dirty="0" err="1" smtClean="0">
+                <a:latin typeface="Lucida Sans" panose="020B0602030504020204" pitchFamily="34" charset="0"/>
+              </a:rPr>
+              <a:t>myTuple</a:t>
+            </a:r>
+            <a:r>
+              <a:rPr lang="en-US" sz="3600" dirty="0" smtClean="0">
+                <a:latin typeface="Lucida Sans" panose="020B0602030504020204" pitchFamily="34" charset="0"/>
+              </a:rPr>
+              <a:t>)</a:t>
+            </a:r>
+          </a:p>
+          <a:p>
+            <a:pPr lvl="0"/>
+            <a:r>
+              <a:rPr lang="en-US" sz="3600" dirty="0" smtClean="0">
+                <a:latin typeface="Lucida Sans" panose="020B0602030504020204" pitchFamily="34" charset="0"/>
+              </a:rPr>
+              <a:t>set(</a:t>
+            </a:r>
+            <a:r>
+              <a:rPr lang="en-US" sz="3600" dirty="0" err="1" smtClean="0">
+                <a:latin typeface="Lucida Sans" panose="020B0602030504020204" pitchFamily="34" charset="0"/>
+              </a:rPr>
+              <a:t>myList</a:t>
+            </a:r>
+            <a:r>
+              <a:rPr lang="en-US" sz="3600" dirty="0" smtClean="0">
+                <a:latin typeface="Lucida Sans" panose="020B0602030504020204" pitchFamily="34" charset="0"/>
+              </a:rPr>
+              <a:t>)</a:t>
+            </a:r>
+          </a:p>
+          <a:p>
+            <a:pPr lvl="0"/>
+            <a:r>
+              <a:rPr lang="en-US" sz="3600" dirty="0" err="1" smtClean="0">
+                <a:latin typeface="Lucida Sans" panose="020B0602030504020204" pitchFamily="34" charset="0"/>
+              </a:rPr>
+              <a:t>dict</a:t>
+            </a:r>
+            <a:r>
+              <a:rPr lang="en-US" sz="3600" dirty="0" smtClean="0">
+                <a:latin typeface="Lucida Sans" panose="020B0602030504020204" pitchFamily="34" charset="0"/>
+              </a:rPr>
+              <a:t>	(</a:t>
+            </a:r>
+            <a:r>
+              <a:rPr lang="en-US" sz="3600" err="1" smtClean="0">
+                <a:latin typeface="Lucida Sans" panose="020B0602030504020204" pitchFamily="34" charset="0"/>
+              </a:rPr>
+              <a:t>myTuple</a:t>
+            </a:r>
+            <a:r>
+              <a:rPr lang="en-US" sz="3600" smtClean="0">
+                <a:latin typeface="Lucida Sans" panose="020B0602030504020204" pitchFamily="34" charset="0"/>
+              </a:rPr>
+              <a:t>)</a:t>
+            </a:r>
+            <a:endParaRPr lang="en-US" sz="3600" dirty="0" smtClean="0">
+              <a:latin typeface="Lucida Sans" panose="020B0602030504020204" pitchFamily="34" charset="0"/>
+            </a:endParaRPr>
+          </a:p>
+        </p:txBody>
+      </p:sp>
+    </p:spTree>
+    <p:extLst>
+      <p:ext uri="{BB962C8B-B14F-4D97-AF65-F5344CB8AC3E}">
+        <p14:creationId xmlns:p14="http://schemas.microsoft.com/office/powerpoint/2010/main" val="3673428119"/>
+      </p:ext>
+    </p:extLst>
+  </p:cSld>
+  <p:clrMapOvr>
+    <a:masterClrMapping/>
+  </p:clrMapOvr>
+  <p:timing>
+    <p:tnLst>
+      <p:par>
+        <p:cTn id="1" dur="indefinite" restart="never" nodeType="tmRoot"/>
+      </p:par>
+    </p:tnLst>
+  </p:timing>
+</p:sld>
+</file>
+
+<file path=ppt/slides/slide6.xml><?xml version="1.0" encoding="utf-8"?>
+<p:sld xmlns:a="http://schemas.openxmlformats.org/drawingml/2006/main" xmlns:r="http://schemas.openxmlformats.org/officeDocument/2006/relationships" xmlns:p="http://schemas.openxmlformats.org/presentationml/2006/main">
+  <p:cSld>
+    <p:spTree>
+      <p:nvGrpSpPr>
+        <p:cNvPr id="1" name=""/>
+        <p:cNvGrpSpPr/>
+        <p:nvPr/>
+      </p:nvGrpSpPr>
+      <p:grpSpPr>
+        <a:xfrm>
+          <a:off x="0" y="0"/>
+          <a:ext cx="0" cy="0"/>
+          <a:chOff x="0" y="0"/>
+          <a:chExt cx="0" cy="0"/>
+        </a:xfrm>
+      </p:grpSpPr>
+      <p:sp>
+        <p:nvSpPr>
+          <p:cNvPr id="2" name="Title 1"/>
+          <p:cNvSpPr>
+            <a:spLocks noGrp="1"/>
+          </p:cNvSpPr>
+          <p:nvPr>
+            <p:ph type="title"/>
+          </p:nvPr>
+        </p:nvSpPr>
+        <p:spPr>
+          <a:xfrm>
+            <a:off x="251586" y="244158"/>
+            <a:ext cx="8637831" cy="1339850"/>
+          </a:xfrm>
+        </p:spPr>
+        <p:txBody>
+          <a:bodyPr anchor="t"/>
+          <a:lstStyle/>
+          <a:p>
+            <a:pPr algn="l"/>
+            <a:r>
+              <a:rPr lang="en-US" smtClean="0"/>
+              <a:t>Strip, Split &amp; Join</a:t>
+            </a:r>
+            <a:endParaRPr lang="en-US" dirty="0"/>
+          </a:p>
+        </p:txBody>
+      </p:sp>
+      <p:sp>
+        <p:nvSpPr>
+          <p:cNvPr id="5" name="Rectangle 4"/>
+          <p:cNvSpPr/>
+          <p:nvPr/>
+        </p:nvSpPr>
+        <p:spPr>
+          <a:xfrm>
+            <a:off x="720531" y="2108506"/>
+            <a:ext cx="8047587" cy="3970318"/>
+          </a:xfrm>
+          <a:prstGeom prst="rect">
+            <a:avLst/>
+          </a:prstGeom>
+        </p:spPr>
+        <p:txBody>
+          <a:bodyPr wrap="square">
+            <a:spAutoFit/>
+          </a:bodyPr>
+          <a:lstStyle/>
+          <a:p>
+            <a:pPr lvl="0"/>
+            <a:r>
+              <a:rPr lang="en-US" sz="3600" smtClean="0">
+                <a:latin typeface="Lucida Sans" panose="020B0602030504020204" pitchFamily="34" charset="0"/>
+              </a:rPr>
+              <a:t>reply = "  Hello ,World  "</a:t>
+            </a:r>
+            <a:endParaRPr lang="en-US" sz="3600" dirty="0">
+              <a:latin typeface="Lucida Sans" panose="020B0602030504020204" pitchFamily="34" charset="0"/>
+            </a:endParaRPr>
+          </a:p>
+          <a:p>
+            <a:pPr lvl="0"/>
+            <a:r>
+              <a:rPr lang="en-US" sz="3600" smtClean="0">
+                <a:latin typeface="Lucida Sans" panose="020B0602030504020204" pitchFamily="34" charset="0"/>
+              </a:rPr>
+              <a:t>trimmed </a:t>
+            </a:r>
+            <a:r>
+              <a:rPr lang="en-US" sz="3600" smtClean="0">
+                <a:latin typeface="Lucida Sans" panose="020B0602030504020204" pitchFamily="34" charset="0"/>
+              </a:rPr>
+              <a:t>= </a:t>
+            </a:r>
+            <a:r>
+              <a:rPr lang="en-US" sz="3600" smtClean="0">
+                <a:latin typeface="Lucida Sans" panose="020B0602030504020204" pitchFamily="34" charset="0"/>
+              </a:rPr>
+              <a:t>reply.strip()</a:t>
+            </a:r>
+          </a:p>
+          <a:p>
+            <a:pPr lvl="0"/>
+            <a:r>
+              <a:rPr lang="en-US" sz="3600" smtClean="0">
+                <a:latin typeface="Lucida Sans" panose="020B0602030504020204" pitchFamily="34" charset="0"/>
+              </a:rPr>
+              <a:t># .lstrip(), .rstrip(), strip(',')</a:t>
+            </a:r>
+          </a:p>
+          <a:p>
+            <a:pPr lvl="0"/>
+            <a:r>
+              <a:rPr lang="en-US" sz="3600" smtClean="0">
+                <a:latin typeface="Lucida Sans" panose="020B0602030504020204" pitchFamily="34" charset="0"/>
+              </a:rPr>
+              <a:t>listOfWords = trimmed.split(',')</a:t>
+            </a:r>
+          </a:p>
+          <a:p>
+            <a:pPr lvl="0"/>
+            <a:r>
+              <a:rPr lang="en-US" sz="3600" smtClean="0">
+                <a:latin typeface="Lucida Sans" panose="020B0602030504020204" pitchFamily="34" charset="0"/>
+              </a:rPr>
+              <a:t>listOfChars = list(trimmed)</a:t>
+            </a:r>
+            <a:endParaRPr lang="en-US" sz="3600" dirty="0" smtClean="0">
+              <a:latin typeface="Lucida Sans" panose="020B0602030504020204" pitchFamily="34" charset="0"/>
+            </a:endParaRPr>
+          </a:p>
+          <a:p>
+            <a:pPr lvl="0"/>
+            <a:r>
+              <a:rPr lang="en-US" sz="3600" dirty="0">
+                <a:latin typeface="Lucida Sans" panose="020B0602030504020204" pitchFamily="34" charset="0"/>
+              </a:rPr>
+              <a:t>"".</a:t>
+            </a:r>
+            <a:r>
+              <a:rPr lang="en-US" sz="3600" smtClean="0">
+                <a:latin typeface="Lucida Sans" panose="020B0602030504020204" pitchFamily="34" charset="0"/>
+              </a:rPr>
+              <a:t>join(</a:t>
+            </a:r>
+            <a:r>
+              <a:rPr lang="en-US" sz="3600" err="1" smtClean="0">
+                <a:latin typeface="Lucida Sans" panose="020B0602030504020204" pitchFamily="34" charset="0"/>
+              </a:rPr>
+              <a:t>myList</a:t>
+            </a:r>
+            <a:r>
+              <a:rPr lang="en-US" sz="3600" smtClean="0">
+                <a:latin typeface="Lucida Sans" panose="020B0602030504020204" pitchFamily="34" charset="0"/>
+              </a:rPr>
+              <a:t>)</a:t>
+            </a:r>
+          </a:p>
+          <a:p>
+            <a:r>
+              <a:rPr lang="en-US" sz="3600" smtClean="0">
+                <a:latin typeface="Lucida Sans" panose="020B0602030504020204" pitchFamily="34" charset="0"/>
+              </a:rPr>
+              <a:t>"fred".</a:t>
+            </a:r>
+            <a:r>
+              <a:rPr lang="en-US" sz="3600">
+                <a:latin typeface="Lucida Sans" panose="020B0602030504020204" pitchFamily="34" charset="0"/>
+              </a:rPr>
+              <a:t>join(myList</a:t>
+            </a:r>
+            <a:r>
+              <a:rPr lang="en-US" sz="3600" smtClean="0">
+                <a:latin typeface="Lucida Sans" panose="020B0602030504020204" pitchFamily="34" charset="0"/>
+              </a:rPr>
+              <a:t>)</a:t>
+            </a:r>
+            <a:endParaRPr lang="en-US" sz="3600">
+              <a:latin typeface="Lucida Sans" panose="020B0602030504020204" pitchFamily="34" charset="0"/>
+            </a:endParaRPr>
+          </a:p>
+        </p:txBody>
+      </p:sp>
+    </p:spTree>
+    <p:extLst>
+      <p:ext uri="{BB962C8B-B14F-4D97-AF65-F5344CB8AC3E}">
+        <p14:creationId xmlns:p14="http://schemas.microsoft.com/office/powerpoint/2010/main" val="2586156853"/>
+      </p:ext>
+    </p:extLst>
+  </p:cSld>
+  <p:clrMapOvr>
+    <a:masterClrMapping/>
+  </p:clrMapOvr>
+  <p:timing>
+    <p:tnLst>
+      <p:par>
+        <p:cTn id="1" dur="indefinite" restart="never" nodeType="tmRoot"/>
+      </p:par>
+    </p:tnLst>
+  </p:timing>
+</p:sld>
+</file>
+
+<file path=ppt/slides/slide7.xml><?xml version="1.0" encoding="utf-8"?>
+<p:sld xmlns:a="http://schemas.openxmlformats.org/drawingml/2006/main" xmlns:r="http://schemas.openxmlformats.org/officeDocument/2006/relationships" xmlns:p="http://schemas.openxmlformats.org/presentationml/2006/main">
+  <p:cSld>
+    <p:spTree>
+      <p:nvGrpSpPr>
+        <p:cNvPr id="1" name=""/>
+        <p:cNvGrpSpPr/>
+        <p:nvPr/>
+      </p:nvGrpSpPr>
+      <p:grpSpPr>
+        <a:xfrm>
+          <a:off x="0" y="0"/>
+          <a:ext cx="0" cy="0"/>
+          <a:chOff x="0" y="0"/>
+          <a:chExt cx="0" cy="0"/>
+        </a:xfrm>
+      </p:grpSpPr>
+      <p:sp>
+        <p:nvSpPr>
+          <p:cNvPr id="2" name="Title 1"/>
+          <p:cNvSpPr>
+            <a:spLocks noGrp="1"/>
+          </p:cNvSpPr>
+          <p:nvPr>
+            <p:ph type="title"/>
+          </p:nvPr>
+        </p:nvSpPr>
+        <p:spPr>
+          <a:xfrm>
+            <a:off x="251586" y="244158"/>
+            <a:ext cx="8637831" cy="1339850"/>
+          </a:xfrm>
+        </p:spPr>
+        <p:txBody>
+          <a:bodyPr anchor="t"/>
+          <a:lstStyle/>
+          <a:p>
+            <a:pPr algn="l"/>
+            <a:r>
+              <a:rPr lang="en-US" smtClean="0"/>
+              <a:t>Program Flow</a:t>
+            </a:r>
+            <a:endParaRPr lang="en-US" dirty="0"/>
+          </a:p>
+        </p:txBody>
+      </p:sp>
+      <p:sp>
+        <p:nvSpPr>
+          <p:cNvPr id="5" name="Rectangle 4"/>
+          <p:cNvSpPr/>
+          <p:nvPr/>
+        </p:nvSpPr>
+        <p:spPr>
+          <a:xfrm>
+            <a:off x="841829" y="2472400"/>
+            <a:ext cx="8047587" cy="2308324"/>
+          </a:xfrm>
+          <a:prstGeom prst="rect">
+            <a:avLst/>
+          </a:prstGeom>
+        </p:spPr>
+        <p:txBody>
+          <a:bodyPr wrap="square">
+            <a:spAutoFit/>
+          </a:bodyPr>
+          <a:lstStyle/>
+          <a:p>
+            <a:pPr lvl="0"/>
+            <a:r>
+              <a:rPr lang="en-US" sz="3600" dirty="0" smtClean="0">
+                <a:latin typeface="Lucida Sans" panose="020B0602030504020204" pitchFamily="34" charset="0"/>
+              </a:rPr>
+              <a:t>if</a:t>
+            </a:r>
+          </a:p>
+          <a:p>
+            <a:pPr lvl="0"/>
+            <a:r>
+              <a:rPr lang="en-US" sz="3600" dirty="0" smtClean="0">
+                <a:latin typeface="Lucida Sans" panose="020B0602030504020204" pitchFamily="34" charset="0"/>
+              </a:rPr>
+              <a:t>while</a:t>
+            </a:r>
+          </a:p>
+          <a:p>
+            <a:pPr lvl="0"/>
+            <a:r>
+              <a:rPr lang="en-US" sz="3600" dirty="0" smtClean="0">
+                <a:latin typeface="Lucida Sans" panose="020B0602030504020204" pitchFamily="34" charset="0"/>
+              </a:rPr>
+              <a:t>for</a:t>
+            </a:r>
+          </a:p>
+          <a:p>
+            <a:pPr lvl="0"/>
+            <a:r>
+              <a:rPr lang="en-US" sz="3600" dirty="0" smtClean="0">
+                <a:latin typeface="Lucida Sans" panose="020B0602030504020204" pitchFamily="34" charset="0"/>
+              </a:rPr>
+              <a:t>match (need python 3.10 or </a:t>
+            </a:r>
+            <a:r>
+              <a:rPr lang="en-US" sz="3600" smtClean="0">
+                <a:latin typeface="Lucida Sans" panose="020B0602030504020204" pitchFamily="34" charset="0"/>
+              </a:rPr>
+              <a:t>later)</a:t>
+            </a:r>
+            <a:endParaRPr lang="en-US" sz="3600" dirty="0" smtClean="0">
+              <a:latin typeface="Lucida Sans" panose="020B0602030504020204" pitchFamily="34" charset="0"/>
+            </a:endParaRPr>
+          </a:p>
+        </p:txBody>
+      </p:sp>
+    </p:spTree>
+    <p:extLst>
+      <p:ext uri="{BB962C8B-B14F-4D97-AF65-F5344CB8AC3E}">
+        <p14:creationId xmlns:p14="http://schemas.microsoft.com/office/powerpoint/2010/main" val="1740152893"/>
+      </p:ext>
+    </p:extLst>
+  </p:cSld>
+  <p:clrMapOvr>
+    <a:masterClrMapping/>
+  </p:clrMapOvr>
+  <p:timing>
+    <p:tnLst>
+      <p:par>
+        <p:cTn id="1" dur="indefinite" restart="never" nodeType="tmRoot"/>
+      </p:par>
+    </p:tnLst>
+  </p:timing>
+</p:sld>
+</file>
+
+<file path=ppt/slides/slide8.xml><?xml version="1.0" encoding="utf-8"?>
+<p:sld xmlns:a="http://schemas.openxmlformats.org/drawingml/2006/main" xmlns:r="http://schemas.openxmlformats.org/officeDocument/2006/relationships" xmlns:p="http://schemas.openxmlformats.org/presentationml/2006/main">
+  <p:cSld>
+    <p:spTree>
+      <p:nvGrpSpPr>
+        <p:cNvPr id="1" name=""/>
+        <p:cNvGrpSpPr/>
+        <p:nvPr/>
+      </p:nvGrpSpPr>
+      <p:grpSpPr>
+        <a:xfrm>
+          <a:off x="0" y="0"/>
+          <a:ext cx="0" cy="0"/>
+          <a:chOff x="0" y="0"/>
+          <a:chExt cx="0" cy="0"/>
+        </a:xfrm>
+      </p:grpSpPr>
+      <p:sp>
+        <p:nvSpPr>
+          <p:cNvPr id="2" name="Title 1"/>
+          <p:cNvSpPr>
+            <a:spLocks noGrp="1"/>
+          </p:cNvSpPr>
+          <p:nvPr>
+            <p:ph type="title"/>
+          </p:nvPr>
+        </p:nvSpPr>
+        <p:spPr>
+          <a:xfrm>
+            <a:off x="251586" y="244158"/>
+            <a:ext cx="8637831" cy="1339850"/>
+          </a:xfrm>
+        </p:spPr>
+        <p:txBody>
+          <a:bodyPr anchor="t"/>
+          <a:lstStyle/>
+          <a:p>
+            <a:pPr algn="l"/>
+            <a:r>
+              <a:rPr lang="en-US" smtClean="0"/>
+              <a:t>Syntax</a:t>
+            </a:r>
+            <a:endParaRPr lang="en-US" dirty="0"/>
+          </a:p>
+        </p:txBody>
+      </p:sp>
+      <p:sp>
+        <p:nvSpPr>
+          <p:cNvPr id="5" name="Rectangle 4"/>
+          <p:cNvSpPr/>
+          <p:nvPr/>
+        </p:nvSpPr>
+        <p:spPr>
+          <a:xfrm>
+            <a:off x="391886" y="1949886"/>
+            <a:ext cx="8337873" cy="4616648"/>
+          </a:xfrm>
+          <a:prstGeom prst="rect">
+            <a:avLst/>
+          </a:prstGeom>
+        </p:spPr>
+        <p:txBody>
+          <a:bodyPr wrap="square">
+            <a:spAutoFit/>
+          </a:bodyPr>
+          <a:lstStyle/>
+          <a:p>
+            <a:pPr lvl="0"/>
+            <a:r>
+              <a:rPr lang="en-US" sz="3600" smtClean="0">
+                <a:latin typeface="Lucida Sans" panose="020B0602030504020204" pitchFamily="34" charset="0"/>
+              </a:rPr>
+              <a:t>colon :</a:t>
+            </a:r>
+          </a:p>
+          <a:p>
+            <a:pPr lvl="0"/>
+            <a:r>
+              <a:rPr lang="en-US" sz="3600" smtClean="0">
+                <a:latin typeface="Lucida Sans" panose="020B0602030504020204" pitchFamily="34" charset="0"/>
+              </a:rPr>
+              <a:t>   indent</a:t>
+            </a:r>
+          </a:p>
+          <a:p>
+            <a:pPr lvl="0"/>
+            <a:r>
+              <a:rPr lang="en-US" sz="3600">
+                <a:latin typeface="Lucida Sans" panose="020B0602030504020204" pitchFamily="34" charset="0"/>
+              </a:rPr>
+              <a:t> </a:t>
+            </a:r>
+            <a:r>
+              <a:rPr lang="en-US" sz="3600" smtClean="0">
+                <a:latin typeface="Lucida Sans" panose="020B0602030504020204" pitchFamily="34" charset="0"/>
+              </a:rPr>
+              <a:t>  same indent</a:t>
+            </a:r>
+          </a:p>
+          <a:p>
+            <a:pPr lvl="0"/>
+            <a:endParaRPr lang="en-US">
+              <a:latin typeface="Lucida Sans" panose="020B0602030504020204" pitchFamily="34" charset="0"/>
+            </a:endParaRPr>
+          </a:p>
+          <a:p>
+            <a:pPr lvl="0"/>
+            <a:r>
+              <a:rPr lang="en-US" sz="3600" smtClean="0">
+                <a:latin typeface="Lucida Sans" panose="020B0602030504020204" pitchFamily="34" charset="0"/>
+              </a:rPr>
+              <a:t>result = functionCall(argA, argB)</a:t>
+            </a:r>
+          </a:p>
+          <a:p>
+            <a:pPr lvl="0"/>
+            <a:endParaRPr lang="en-US" smtClean="0">
+              <a:latin typeface="Lucida Sans" panose="020B0602030504020204" pitchFamily="34" charset="0"/>
+            </a:endParaRPr>
+          </a:p>
+          <a:p>
+            <a:pPr lvl="0"/>
+            <a:r>
+              <a:rPr lang="en-US" sz="3600" smtClean="0">
+                <a:latin typeface="Lucida Sans" panose="020B0602030504020204" pitchFamily="34" charset="0"/>
+              </a:rPr>
+              <a:t>=,==</a:t>
+            </a:r>
+          </a:p>
+          <a:p>
+            <a:pPr lvl="0"/>
+            <a:r>
+              <a:rPr lang="en-US" sz="3600" smtClean="0">
+                <a:latin typeface="Lucida Sans" panose="020B0602030504020204" pitchFamily="34" charset="0"/>
+              </a:rPr>
+              <a:t>+=</a:t>
+            </a:r>
+            <a:endParaRPr lang="en-US" sz="3600">
+              <a:latin typeface="Lucida Sans" panose="020B0602030504020204" pitchFamily="34" charset="0"/>
+            </a:endParaRPr>
+          </a:p>
+          <a:p>
+            <a:r>
+              <a:rPr lang="en-GB" sz="3600" smtClean="0">
+                <a:latin typeface="Lucida Sans" panose="020B0602030504020204" pitchFamily="34" charset="0"/>
+              </a:rPr>
+              <a:t>and / or / not</a:t>
+            </a:r>
+            <a:endParaRPr lang="en-GB" sz="3600">
+              <a:latin typeface="Lucida Sans" panose="020B0602030504020204" pitchFamily="34" charset="0"/>
+            </a:endParaRPr>
+          </a:p>
+        </p:txBody>
+      </p:sp>
+    </p:spTree>
+    <p:extLst>
+      <p:ext uri="{BB962C8B-B14F-4D97-AF65-F5344CB8AC3E}">
+        <p14:creationId xmlns:p14="http://schemas.microsoft.com/office/powerpoint/2010/main" val="1169134992"/>
+      </p:ext>
+    </p:extLst>
+  </p:cSld>
+  <p:clrMapOvr>
+    <a:masterClrMapping/>
+  </p:clrMapOvr>
+  <p:timing>
+    <p:tnLst>
+      <p:par>
+        <p:cTn id="1" dur="indefinite" restart="never" nodeType="tmRoot"/>
+      </p:par>
+    </p:tnLst>
+  </p:timing>
+</p:sld>
+</file>
+
 <file path=ppt/slides/slide9.xml><?xml version="1.0" encoding="utf-8"?>
 <p:sld xmlns:a="http://schemas.openxmlformats.org/drawingml/2006/main" xmlns:r="http://schemas.openxmlformats.org/officeDocument/2006/relationships" xmlns:p="http://schemas.openxmlformats.org/presentationml/2006/main">
   <p:cSld>
@@ -18562,7 +19031,7 @@
             <a:pPr algn="l"/>
             <a:r>
               <a:rPr lang="en-US" smtClean="0"/>
-              <a:t>Windows env variables</a:t>
+              <a:t>Operators</a:t>
             </a:r>
             <a:endParaRPr lang="en-US" dirty="0"/>
           </a:p>
@@ -18570,108 +19039,431 @@
       </p:sp>
       <p:sp>
         <p:nvSpPr>
-          <p:cNvPr id="5" name="Rectangle 4"/>
-          <p:cNvSpPr/>
+          <p:cNvPr id="4" name="AutoShape 6"/>
+          <p:cNvSpPr>
+            <a:spLocks noChangeArrowheads="1"/>
+          </p:cNvSpPr>
           <p:nvPr/>
         </p:nvSpPr>
-        <p:spPr>
+        <p:spPr bwMode="auto">
           <a:xfrm>
-            <a:off x="251586" y="2379093"/>
-            <a:ext cx="8047587" cy="1754326"/>
+            <a:off x="685573" y="2199828"/>
+            <a:ext cx="6517659" cy="4114034"/>
           </a:xfrm>
-          <a:prstGeom prst="rect">
-            <a:avLst/>
+          <a:prstGeom prst="roundRect">
+            <a:avLst>
+              <a:gd name="adj" fmla="val 16667"/>
+            </a:avLst>
           </a:prstGeom>
+          <a:solidFill>
+            <a:schemeClr val="bg2">
+              <a:lumMod val="20000"/>
+              <a:lumOff val="80000"/>
+            </a:schemeClr>
+          </a:solidFill>
+          <a:ln w="12700">
+            <a:solidFill>
+              <a:schemeClr val="tx1"/>
+            </a:solidFill>
+            <a:round/>
+            <a:headEnd/>
+            <a:tailEnd/>
+          </a:ln>
         </p:spPr>
         <p:txBody>
-          <a:bodyPr wrap="square">
+          <a:bodyPr wrap="square" lIns="90488" tIns="44450" rIns="90488" bIns="44450">
             <a:spAutoFit/>
           </a:bodyPr>
           <a:lstStyle/>
           <a:p>
-            <a:pPr lvl="0"/>
-            <a:r>
-              <a:rPr lang="en-US" sz="3600" dirty="0" smtClean="0">
-                <a:latin typeface="Lucida Sans" panose="020B0602030504020204" pitchFamily="34" charset="0"/>
+            <a:pPr>
+              <a:spcBef>
+                <a:spcPct val="10000"/>
+              </a:spcBef>
+            </a:pPr>
+            <a:r>
+              <a:rPr lang="en-GB" b="1" dirty="0">
+                <a:solidFill>
+                  <a:srgbClr val="0000FF"/>
+                </a:solidFill>
+                <a:latin typeface="Courier New" panose="02070309020205020404" pitchFamily="49" charset="0"/>
+                <a:cs typeface="Courier New" panose="02070309020205020404" pitchFamily="49" charset="0"/>
               </a:rPr>
-              <a:t>Start-&gt;"</a:t>
-            </a:r>
-            <a:r>
-              <a:rPr lang="en-US" sz="3600" dirty="0" err="1" smtClean="0">
-                <a:latin typeface="Lucida Sans" panose="020B0602030504020204" pitchFamily="34" charset="0"/>
+              <a:t>or	</a:t>
+            </a:r>
+            <a:r>
+              <a:rPr lang="en-GB" b="1" dirty="0">
+                <a:latin typeface="Courier New" pitchFamily="49" charset="0"/>
               </a:rPr>
-              <a:t>env</a:t>
-            </a:r>
-            <a:r>
-              <a:rPr lang="en-US" sz="3600" dirty="0" smtClean="0">
-                <a:latin typeface="Lucida Sans" panose="020B0602030504020204" pitchFamily="34" charset="0"/>
+              <a:t>		</a:t>
+            </a:r>
+            <a:r>
+              <a:rPr lang="en-GB" b="1" dirty="0"/>
+              <a:t>logical OR</a:t>
+            </a:r>
+          </a:p>
+          <a:p>
+            <a:pPr>
+              <a:spcBef>
+                <a:spcPct val="10000"/>
+              </a:spcBef>
+            </a:pPr>
+            <a:r>
+              <a:rPr lang="en-GB" b="1" dirty="0">
+                <a:solidFill>
+                  <a:srgbClr val="0000FF"/>
+                </a:solidFill>
+                <a:latin typeface="Courier New" panose="02070309020205020404" pitchFamily="49" charset="0"/>
+                <a:cs typeface="Courier New" panose="02070309020205020404" pitchFamily="49" charset="0"/>
               </a:rPr>
-              <a:t>"</a:t>
-            </a:r>
-          </a:p>
-          <a:p>
-            <a:pPr lvl="0"/>
-            <a:r>
-              <a:rPr lang="en-US" sz="3600" dirty="0" smtClean="0">
-                <a:latin typeface="Lucida Sans" panose="020B0602030504020204" pitchFamily="34" charset="0"/>
+              <a:t>and	</a:t>
+            </a:r>
+            <a:r>
+              <a:rPr lang="en-GB" b="1" dirty="0">
+                <a:solidFill>
+                  <a:srgbClr val="0000FF"/>
+                </a:solidFill>
               </a:rPr>
-              <a:t>Edit </a:t>
-            </a:r>
-            <a:r>
-              <a:rPr lang="en-US" sz="3600" b="1" dirty="0" smtClean="0">
+              <a:t>		</a:t>
+            </a:r>
+            <a:r>
+              <a:rPr lang="en-GB" b="1" dirty="0"/>
+              <a:t>logical AND</a:t>
+            </a:r>
+          </a:p>
+          <a:p>
+            <a:pPr>
+              <a:spcBef>
+                <a:spcPct val="10000"/>
+              </a:spcBef>
+            </a:pPr>
+            <a:r>
+              <a:rPr lang="en-GB" b="1" dirty="0">
                 <a:solidFill>
-                  <a:srgbClr val="FF0000"/>
+                  <a:srgbClr val="0000FF"/>
                 </a:solidFill>
-                <a:latin typeface="Lucida Sans" panose="020B0602030504020204" pitchFamily="34" charset="0"/>
+                <a:latin typeface="Courier New" panose="02070309020205020404" pitchFamily="49" charset="0"/>
+                <a:cs typeface="Courier New" panose="02070309020205020404" pitchFamily="49" charset="0"/>
               </a:rPr>
-              <a:t>system</a:t>
-            </a:r>
-            <a:r>
-              <a:rPr lang="en-US" sz="3600" dirty="0" smtClean="0">
-                <a:latin typeface="Lucida Sans" panose="020B0602030504020204" pitchFamily="34" charset="0"/>
+              <a:t>not	</a:t>
+            </a:r>
+            <a:r>
+              <a:rPr lang="en-GB" b="1" dirty="0">
+                <a:solidFill>
+                  <a:srgbClr val="0000FF"/>
+                </a:solidFill>
               </a:rPr>
-              <a:t> path</a:t>
-            </a:r>
-          </a:p>
-          <a:p>
-            <a:pPr lvl="0"/>
-            <a:r>
-              <a:rPr lang="en-US" sz="3600" dirty="0" smtClean="0">
-                <a:latin typeface="Lucida Sans" panose="020B0602030504020204" pitchFamily="34" charset="0"/>
+              <a:t>		</a:t>
+            </a:r>
+            <a:r>
+              <a:rPr lang="en-GB" b="1" dirty="0"/>
+              <a:t>logical NOT</a:t>
+            </a:r>
+          </a:p>
+          <a:p>
+            <a:pPr>
+              <a:spcBef>
+                <a:spcPct val="10000"/>
+              </a:spcBef>
+            </a:pPr>
+            <a:r>
+              <a:rPr lang="en-GB" b="1" dirty="0">
+                <a:solidFill>
+                  <a:srgbClr val="0000FF"/>
+                </a:solidFill>
+                <a:latin typeface="Courier New" panose="02070309020205020404" pitchFamily="49" charset="0"/>
+                <a:cs typeface="Courier New" panose="02070309020205020404" pitchFamily="49" charset="0"/>
               </a:rPr>
-              <a:t>add path to python 3.10</a:t>
-            </a:r>
+              <a:t>&lt; &lt;= &gt; &gt;=</a:t>
+            </a:r>
+            <a:r>
+              <a:rPr lang="en-GB" b="1" dirty="0">
+                <a:solidFill>
+                  <a:srgbClr val="0000FF"/>
+                </a:solidFill>
+              </a:rPr>
+              <a:t>		</a:t>
+            </a:r>
+            <a:r>
+              <a:rPr lang="en-GB" b="1" dirty="0"/>
+              <a:t>comparison operators</a:t>
+            </a:r>
+          </a:p>
+          <a:p>
+            <a:pPr>
+              <a:spcBef>
+                <a:spcPct val="10000"/>
+              </a:spcBef>
+            </a:pPr>
+            <a:r>
+              <a:rPr lang="en-GB" b="1" dirty="0">
+                <a:solidFill>
+                  <a:srgbClr val="0000FF"/>
+                </a:solidFill>
+                <a:latin typeface="Courier New" panose="02070309020205020404" pitchFamily="49" charset="0"/>
+                <a:cs typeface="Courier New" panose="02070309020205020404" pitchFamily="49" charset="0"/>
+              </a:rPr>
+              <a:t>== !=	</a:t>
+            </a:r>
+            <a:r>
+              <a:rPr lang="en-GB" b="1" dirty="0">
+                <a:solidFill>
+                  <a:srgbClr val="0000FF"/>
+                </a:solidFill>
+              </a:rPr>
+              <a:t>		</a:t>
+            </a:r>
+            <a:r>
+              <a:rPr lang="en-GB" b="1" dirty="0"/>
+              <a:t>equality operators</a:t>
+            </a:r>
+          </a:p>
+          <a:p>
+            <a:pPr>
+              <a:spcBef>
+                <a:spcPct val="10000"/>
+              </a:spcBef>
+            </a:pPr>
+            <a:r>
+              <a:rPr lang="en-GB" b="1" dirty="0">
+                <a:solidFill>
+                  <a:srgbClr val="0000C8"/>
+                </a:solidFill>
+                <a:latin typeface="Courier New" panose="02070309020205020404" pitchFamily="49" charset="0"/>
+                <a:cs typeface="Courier New" panose="02070309020205020404" pitchFamily="49" charset="0"/>
+              </a:rPr>
+              <a:t>is</a:t>
+            </a:r>
+            <a:r>
+              <a:rPr lang="en-GB" b="1" dirty="0">
+                <a:latin typeface="Courier New" panose="02070309020205020404" pitchFamily="49" charset="0"/>
+                <a:cs typeface="Courier New" panose="02070309020205020404" pitchFamily="49" charset="0"/>
+              </a:rPr>
+              <a:t>	</a:t>
+            </a:r>
+            <a:r>
+              <a:rPr lang="en-GB" b="1" dirty="0"/>
+              <a:t>		object identity test</a:t>
+            </a:r>
+          </a:p>
+          <a:p>
+            <a:pPr>
+              <a:spcBef>
+                <a:spcPct val="10000"/>
+              </a:spcBef>
+            </a:pPr>
+            <a:r>
+              <a:rPr lang="en-GB" b="1" dirty="0">
+                <a:solidFill>
+                  <a:srgbClr val="0000C8"/>
+                </a:solidFill>
+                <a:latin typeface="Courier New" panose="02070309020205020404" pitchFamily="49" charset="0"/>
+                <a:cs typeface="Courier New" panose="02070309020205020404" pitchFamily="49" charset="0"/>
+              </a:rPr>
+              <a:t>in	</a:t>
+            </a:r>
+            <a:r>
+              <a:rPr lang="en-GB" b="1" dirty="0"/>
+              <a:t>		object membership test</a:t>
+            </a:r>
+          </a:p>
+          <a:p>
+            <a:pPr>
+              <a:spcBef>
+                <a:spcPct val="10000"/>
+              </a:spcBef>
+            </a:pPr>
+            <a:r>
+              <a:rPr lang="en-GB" b="1">
+                <a:solidFill>
+                  <a:srgbClr val="0000FF"/>
+                </a:solidFill>
+                <a:latin typeface="Courier New" panose="02070309020205020404" pitchFamily="49" charset="0"/>
+                <a:cs typeface="Courier New" panose="02070309020205020404" pitchFamily="49" charset="0"/>
+              </a:rPr>
+              <a:t>| </a:t>
+            </a:r>
+            <a:r>
+              <a:rPr lang="en-GB" b="1" smtClean="0">
+                <a:solidFill>
+                  <a:srgbClr val="0000FF"/>
+                </a:solidFill>
+                <a:latin typeface="Courier New" panose="02070309020205020404" pitchFamily="49" charset="0"/>
+                <a:cs typeface="Courier New" panose="02070309020205020404" pitchFamily="49" charset="0"/>
+              </a:rPr>
+              <a:t>^ &amp;</a:t>
+            </a:r>
+            <a:r>
+              <a:rPr lang="en-GB" b="1" dirty="0">
+                <a:latin typeface="Courier New" panose="02070309020205020404" pitchFamily="49" charset="0"/>
+                <a:cs typeface="Courier New" panose="02070309020205020404" pitchFamily="49" charset="0"/>
+              </a:rPr>
+              <a:t>	</a:t>
+            </a:r>
+            <a:r>
+              <a:rPr lang="en-GB" b="1"/>
+              <a:t>	</a:t>
+            </a:r>
+            <a:r>
+              <a:rPr lang="en-GB" b="1" smtClean="0"/>
+              <a:t>binary </a:t>
+            </a:r>
+            <a:r>
+              <a:rPr lang="en-GB" b="1" dirty="0"/>
+              <a:t>OR</a:t>
+            </a:r>
+            <a:r>
+              <a:rPr lang="en-GB" b="1"/>
+              <a:t>, </a:t>
+            </a:r>
+            <a:r>
+              <a:rPr lang="en-GB" b="1" smtClean="0"/>
+              <a:t>XOR, AND</a:t>
+            </a:r>
+            <a:endParaRPr lang="en-GB" b="1" dirty="0"/>
+          </a:p>
+          <a:p>
+            <a:pPr>
+              <a:spcBef>
+                <a:spcPct val="10000"/>
+              </a:spcBef>
+            </a:pPr>
+            <a:r>
+              <a:rPr lang="en-GB" b="1" smtClean="0">
+                <a:solidFill>
+                  <a:srgbClr val="0000FF"/>
+                </a:solidFill>
+                <a:latin typeface="Courier New" panose="02070309020205020404" pitchFamily="49" charset="0"/>
+                <a:cs typeface="Courier New" panose="02070309020205020404" pitchFamily="49" charset="0"/>
+              </a:rPr>
+              <a:t>&lt;&lt;  </a:t>
+            </a:r>
+            <a:r>
+              <a:rPr lang="en-GB" b="1" dirty="0">
+                <a:solidFill>
+                  <a:srgbClr val="0000FF"/>
+                </a:solidFill>
+                <a:latin typeface="Courier New" panose="02070309020205020404" pitchFamily="49" charset="0"/>
+                <a:cs typeface="Courier New" panose="02070309020205020404" pitchFamily="49" charset="0"/>
+              </a:rPr>
+              <a:t>&gt;&gt;	</a:t>
+            </a:r>
+            <a:r>
+              <a:rPr lang="en-GB" b="1"/>
+              <a:t>	</a:t>
+            </a:r>
+            <a:r>
+              <a:rPr lang="en-GB" b="1" smtClean="0"/>
+              <a:t>binary </a:t>
+            </a:r>
+            <a:r>
+              <a:rPr lang="en-GB" b="1" dirty="0"/>
+              <a:t>shift</a:t>
+            </a:r>
+            <a:endParaRPr lang="en-GB" b="1" i="1" dirty="0"/>
+          </a:p>
+          <a:p>
+            <a:pPr>
+              <a:spcBef>
+                <a:spcPct val="10000"/>
+              </a:spcBef>
+            </a:pPr>
+            <a:r>
+              <a:rPr lang="en-GB" b="1" dirty="0">
+                <a:solidFill>
+                  <a:srgbClr val="0000FF"/>
+                </a:solidFill>
+                <a:latin typeface="Courier New" panose="02070309020205020404" pitchFamily="49" charset="0"/>
+                <a:cs typeface="Courier New" panose="02070309020205020404" pitchFamily="49" charset="0"/>
+              </a:rPr>
+              <a:t>- +	</a:t>
+            </a:r>
+            <a:r>
+              <a:rPr lang="en-GB" b="1" dirty="0">
+                <a:solidFill>
+                  <a:srgbClr val="0000FF"/>
+                </a:solidFill>
+              </a:rPr>
+              <a:t>	</a:t>
+            </a:r>
+            <a:r>
+              <a:rPr lang="en-GB" b="1" dirty="0"/>
+              <a:t>	subtract, add</a:t>
+            </a:r>
+          </a:p>
+          <a:p>
+            <a:pPr>
+              <a:spcBef>
+                <a:spcPct val="10000"/>
+              </a:spcBef>
+            </a:pPr>
+            <a:r>
+              <a:rPr lang="en-GB" b="1" dirty="0">
+                <a:solidFill>
+                  <a:srgbClr val="0000FF"/>
+                </a:solidFill>
+                <a:latin typeface="Courier New" panose="02070309020205020404" pitchFamily="49" charset="0"/>
+                <a:cs typeface="Courier New" panose="02070309020205020404" pitchFamily="49" charset="0"/>
+              </a:rPr>
+              <a:t>*  / // %</a:t>
+            </a:r>
+            <a:r>
+              <a:rPr lang="en-GB" b="1" dirty="0">
+                <a:latin typeface="Courier New" pitchFamily="49" charset="0"/>
+              </a:rPr>
+              <a:t>		</a:t>
+            </a:r>
+            <a:r>
+              <a:rPr lang="en-GB" b="1" dirty="0"/>
+              <a:t>multiply, divide, integer-divide, modulo</a:t>
+            </a:r>
+          </a:p>
+          <a:p>
+            <a:pPr>
+              <a:spcBef>
+                <a:spcPct val="10000"/>
+              </a:spcBef>
+            </a:pPr>
+            <a:r>
+              <a:rPr lang="en-GB" b="1" smtClean="0">
+                <a:solidFill>
+                  <a:srgbClr val="0000FF"/>
+                </a:solidFill>
+                <a:latin typeface="Courier New" panose="02070309020205020404" pitchFamily="49" charset="0"/>
+                <a:cs typeface="Courier New" panose="02070309020205020404" pitchFamily="49" charset="0"/>
+              </a:rPr>
+              <a:t>~ </a:t>
+            </a:r>
+            <a:r>
+              <a:rPr lang="en-GB" b="1" dirty="0">
+                <a:solidFill>
+                  <a:srgbClr val="0000FF"/>
+                </a:solidFill>
+                <a:latin typeface="Courier New" panose="02070309020205020404" pitchFamily="49" charset="0"/>
+                <a:cs typeface="Courier New" panose="02070309020205020404" pitchFamily="49" charset="0"/>
+              </a:rPr>
+              <a:t>**	</a:t>
+            </a:r>
+            <a:r>
+              <a:rPr lang="en-GB" b="1" dirty="0"/>
+              <a:t>		complement</a:t>
+            </a:r>
+            <a:r>
+              <a:rPr lang="en-GB" b="1"/>
+              <a:t>, </a:t>
+            </a:r>
+            <a:r>
+              <a:rPr lang="en-GB" b="1" smtClean="0"/>
+              <a:t>exponentiation</a:t>
+            </a:r>
+            <a:endParaRPr lang="en-GB" b="1" dirty="0"/>
           </a:p>
         </p:txBody>
       </p:sp>
-      <p:pic>
-        <p:nvPicPr>
-          <p:cNvPr id="3" name="Picture 2"/>
-          <p:cNvPicPr>
-            <a:picLocks noChangeAspect="1"/>
-          </p:cNvPicPr>
-          <p:nvPr/>
-        </p:nvPicPr>
-        <p:blipFill>
-          <a:blip r:embed="rId3"/>
-          <a:stretch>
-            <a:fillRect/>
-          </a:stretch>
-        </p:blipFill>
-        <p:spPr>
-          <a:xfrm>
-            <a:off x="667929" y="4201703"/>
-            <a:ext cx="7251446" cy="1664943"/>
-          </a:xfrm>
-          <a:prstGeom prst="rect">
-            <a:avLst/>
-          </a:prstGeom>
-        </p:spPr>
-      </p:pic>
     </p:spTree>
     <p:extLst>
       <p:ext uri="{BB962C8B-B14F-4D97-AF65-F5344CB8AC3E}">
-        <p14:creationId xmlns:p14="http://schemas.microsoft.com/office/powerpoint/2010/main" val="109233633"/>
+        <p14:creationId xmlns:p14="http://schemas.microsoft.com/office/powerpoint/2010/main" val="2629199902"/>
       </p:ext>
     </p:extLst>
   </p:cSld>

--- a/DG_04 The Toolset.pptx
+++ b/DG_04 The Toolset.pptx
@@ -5,7 +5,7 @@
     <p:sldMasterId id="2147483739" r:id="rId1"/>
   </p:sldMasterIdLst>
   <p:notesMasterIdLst>
-    <p:notesMasterId r:id="rId18"/>
+    <p:notesMasterId r:id="rId15"/>
   </p:notesMasterIdLst>
   <p:sldIdLst>
     <p:sldId id="643" r:id="rId2"/>
@@ -17,13 +17,10 @@
     <p:sldId id="646" r:id="rId8"/>
     <p:sldId id="647" r:id="rId9"/>
     <p:sldId id="658" r:id="rId10"/>
-    <p:sldId id="653" r:id="rId11"/>
-    <p:sldId id="654" r:id="rId12"/>
-    <p:sldId id="655" r:id="rId13"/>
-    <p:sldId id="651" r:id="rId14"/>
-    <p:sldId id="656" r:id="rId15"/>
-    <p:sldId id="652" r:id="rId16"/>
-    <p:sldId id="650" r:id="rId17"/>
+    <p:sldId id="651" r:id="rId11"/>
+    <p:sldId id="656" r:id="rId12"/>
+    <p:sldId id="652" r:id="rId13"/>
+    <p:sldId id="650" r:id="rId14"/>
   </p:sldIdLst>
   <p:sldSz cx="9144000" cy="6858000" type="screen4x3"/>
   <p:notesSz cx="6858000" cy="9144000"/>
@@ -124,7 +121,7 @@
   </p:defaultTextStyle>
   <p:extLst>
     <p:ext uri="{EFAFB233-063F-42B5-8137-9DF3F51BA10A}">
-      <p15:sldGuideLst xmlns:p15="http://schemas.microsoft.com/office/powerpoint/2012/main" xmlns="">
+      <p15:sldGuideLst xmlns:p15="http://schemas.microsoft.com/office/powerpoint/2012/main">
         <p15:guide id="1" orient="horz" pos="2160">
           <p15:clr>
             <a:srgbClr val="A4A3A4"/>
@@ -649,7 +646,7 @@
     </p:spTree>
     <p:extLst>
       <p:ext uri="{BB962C8B-B14F-4D97-AF65-F5344CB8AC3E}">
-        <p14:creationId xmlns:p14="http://schemas.microsoft.com/office/powerpoint/2010/main" val="3988076159"/>
+        <p14:creationId xmlns:p14="http://schemas.microsoft.com/office/powerpoint/2010/main" val="3665432864"/>
       </p:ext>
     </p:extLst>
   </p:cSld>
@@ -733,7 +730,7 @@
     </p:spTree>
     <p:extLst>
       <p:ext uri="{BB962C8B-B14F-4D97-AF65-F5344CB8AC3E}">
-        <p14:creationId xmlns:p14="http://schemas.microsoft.com/office/powerpoint/2010/main" val="3988076159"/>
+        <p14:creationId xmlns:p14="http://schemas.microsoft.com/office/powerpoint/2010/main" val="4204864892"/>
       </p:ext>
     </p:extLst>
   </p:cSld>
@@ -809,258 +806,6 @@
             <a:fld id="{2D8A47E9-43C9-0F4F-9379-1746571B2494}" type="slidenum">
               <a:rPr lang="en-US" smtClean="0"/>
               <a:t>13</a:t>
-            </a:fld>
-            <a:endParaRPr lang="en-US"/>
-          </a:p>
-        </p:txBody>
-      </p:sp>
-    </p:spTree>
-    <p:extLst>
-      <p:ext uri="{BB962C8B-B14F-4D97-AF65-F5344CB8AC3E}">
-        <p14:creationId xmlns:p14="http://schemas.microsoft.com/office/powerpoint/2010/main" val="3665432864"/>
-      </p:ext>
-    </p:extLst>
-  </p:cSld>
-  <p:clrMapOvr>
-    <a:masterClrMapping/>
-  </p:clrMapOvr>
-</p:notes>
-</file>
-
-<file path=ppt/notesSlides/notesSlide13.xml><?xml version="1.0" encoding="utf-8"?>
-<p:notes xmlns:a="http://schemas.openxmlformats.org/drawingml/2006/main" xmlns:r="http://schemas.openxmlformats.org/officeDocument/2006/relationships" xmlns:p="http://schemas.openxmlformats.org/presentationml/2006/main">
-  <p:cSld>
-    <p:spTree>
-      <p:nvGrpSpPr>
-        <p:cNvPr id="1" name=""/>
-        <p:cNvGrpSpPr/>
-        <p:nvPr/>
-      </p:nvGrpSpPr>
-      <p:grpSpPr>
-        <a:xfrm>
-          <a:off x="0" y="0"/>
-          <a:ext cx="0" cy="0"/>
-          <a:chOff x="0" y="0"/>
-          <a:chExt cx="0" cy="0"/>
-        </a:xfrm>
-      </p:grpSpPr>
-      <p:sp>
-        <p:nvSpPr>
-          <p:cNvPr id="2" name="Slide Image Placeholder 1"/>
-          <p:cNvSpPr>
-            <a:spLocks noGrp="1" noRot="1" noChangeAspect="1"/>
-          </p:cNvSpPr>
-          <p:nvPr>
-            <p:ph type="sldImg"/>
-          </p:nvPr>
-        </p:nvSpPr>
-        <p:spPr/>
-      </p:sp>
-      <p:sp>
-        <p:nvSpPr>
-          <p:cNvPr id="3" name="Notes Placeholder 2"/>
-          <p:cNvSpPr>
-            <a:spLocks noGrp="1"/>
-          </p:cNvSpPr>
-          <p:nvPr>
-            <p:ph type="body" idx="1"/>
-          </p:nvPr>
-        </p:nvSpPr>
-        <p:spPr/>
-        <p:txBody>
-          <a:bodyPr/>
-          <a:lstStyle/>
-          <a:p>
-            <a:endParaRPr lang="en-US" dirty="0"/>
-          </a:p>
-        </p:txBody>
-      </p:sp>
-      <p:sp>
-        <p:nvSpPr>
-          <p:cNvPr id="4" name="Slide Number Placeholder 3"/>
-          <p:cNvSpPr>
-            <a:spLocks noGrp="1"/>
-          </p:cNvSpPr>
-          <p:nvPr>
-            <p:ph type="sldNum" sz="quarter" idx="10"/>
-          </p:nvPr>
-        </p:nvSpPr>
-        <p:spPr/>
-        <p:txBody>
-          <a:bodyPr/>
-          <a:lstStyle/>
-          <a:p>
-            <a:fld id="{2D8A47E9-43C9-0F4F-9379-1746571B2494}" type="slidenum">
-              <a:rPr lang="en-US" smtClean="0"/>
-              <a:t>14</a:t>
-            </a:fld>
-            <a:endParaRPr lang="en-US"/>
-          </a:p>
-        </p:txBody>
-      </p:sp>
-    </p:spTree>
-    <p:extLst>
-      <p:ext uri="{BB962C8B-B14F-4D97-AF65-F5344CB8AC3E}">
-        <p14:creationId xmlns:p14="http://schemas.microsoft.com/office/powerpoint/2010/main" val="3665432864"/>
-      </p:ext>
-    </p:extLst>
-  </p:cSld>
-  <p:clrMapOvr>
-    <a:masterClrMapping/>
-  </p:clrMapOvr>
-</p:notes>
-</file>
-
-<file path=ppt/notesSlides/notesSlide14.xml><?xml version="1.0" encoding="utf-8"?>
-<p:notes xmlns:a="http://schemas.openxmlformats.org/drawingml/2006/main" xmlns:r="http://schemas.openxmlformats.org/officeDocument/2006/relationships" xmlns:p="http://schemas.openxmlformats.org/presentationml/2006/main">
-  <p:cSld>
-    <p:spTree>
-      <p:nvGrpSpPr>
-        <p:cNvPr id="1" name=""/>
-        <p:cNvGrpSpPr/>
-        <p:nvPr/>
-      </p:nvGrpSpPr>
-      <p:grpSpPr>
-        <a:xfrm>
-          <a:off x="0" y="0"/>
-          <a:ext cx="0" cy="0"/>
-          <a:chOff x="0" y="0"/>
-          <a:chExt cx="0" cy="0"/>
-        </a:xfrm>
-      </p:grpSpPr>
-      <p:sp>
-        <p:nvSpPr>
-          <p:cNvPr id="2" name="Slide Image Placeholder 1"/>
-          <p:cNvSpPr>
-            <a:spLocks noGrp="1" noRot="1" noChangeAspect="1"/>
-          </p:cNvSpPr>
-          <p:nvPr>
-            <p:ph type="sldImg"/>
-          </p:nvPr>
-        </p:nvSpPr>
-        <p:spPr/>
-      </p:sp>
-      <p:sp>
-        <p:nvSpPr>
-          <p:cNvPr id="3" name="Notes Placeholder 2"/>
-          <p:cNvSpPr>
-            <a:spLocks noGrp="1"/>
-          </p:cNvSpPr>
-          <p:nvPr>
-            <p:ph type="body" idx="1"/>
-          </p:nvPr>
-        </p:nvSpPr>
-        <p:spPr/>
-        <p:txBody>
-          <a:bodyPr/>
-          <a:lstStyle/>
-          <a:p>
-            <a:endParaRPr lang="en-US" dirty="0"/>
-          </a:p>
-        </p:txBody>
-      </p:sp>
-      <p:sp>
-        <p:nvSpPr>
-          <p:cNvPr id="4" name="Slide Number Placeholder 3"/>
-          <p:cNvSpPr>
-            <a:spLocks noGrp="1"/>
-          </p:cNvSpPr>
-          <p:nvPr>
-            <p:ph type="sldNum" sz="quarter" idx="10"/>
-          </p:nvPr>
-        </p:nvSpPr>
-        <p:spPr/>
-        <p:txBody>
-          <a:bodyPr/>
-          <a:lstStyle/>
-          <a:p>
-            <a:fld id="{2D8A47E9-43C9-0F4F-9379-1746571B2494}" type="slidenum">
-              <a:rPr lang="en-US" smtClean="0"/>
-              <a:t>15</a:t>
-            </a:fld>
-            <a:endParaRPr lang="en-US"/>
-          </a:p>
-        </p:txBody>
-      </p:sp>
-    </p:spTree>
-    <p:extLst>
-      <p:ext uri="{BB962C8B-B14F-4D97-AF65-F5344CB8AC3E}">
-        <p14:creationId xmlns:p14="http://schemas.microsoft.com/office/powerpoint/2010/main" val="4204864892"/>
-      </p:ext>
-    </p:extLst>
-  </p:cSld>
-  <p:clrMapOvr>
-    <a:masterClrMapping/>
-  </p:clrMapOvr>
-</p:notes>
-</file>
-
-<file path=ppt/notesSlides/notesSlide15.xml><?xml version="1.0" encoding="utf-8"?>
-<p:notes xmlns:a="http://schemas.openxmlformats.org/drawingml/2006/main" xmlns:r="http://schemas.openxmlformats.org/officeDocument/2006/relationships" xmlns:p="http://schemas.openxmlformats.org/presentationml/2006/main">
-  <p:cSld>
-    <p:spTree>
-      <p:nvGrpSpPr>
-        <p:cNvPr id="1" name=""/>
-        <p:cNvGrpSpPr/>
-        <p:nvPr/>
-      </p:nvGrpSpPr>
-      <p:grpSpPr>
-        <a:xfrm>
-          <a:off x="0" y="0"/>
-          <a:ext cx="0" cy="0"/>
-          <a:chOff x="0" y="0"/>
-          <a:chExt cx="0" cy="0"/>
-        </a:xfrm>
-      </p:grpSpPr>
-      <p:sp>
-        <p:nvSpPr>
-          <p:cNvPr id="2" name="Slide Image Placeholder 1"/>
-          <p:cNvSpPr>
-            <a:spLocks noGrp="1" noRot="1" noChangeAspect="1"/>
-          </p:cNvSpPr>
-          <p:nvPr>
-            <p:ph type="sldImg"/>
-          </p:nvPr>
-        </p:nvSpPr>
-        <p:spPr/>
-      </p:sp>
-      <p:sp>
-        <p:nvSpPr>
-          <p:cNvPr id="3" name="Notes Placeholder 2"/>
-          <p:cNvSpPr>
-            <a:spLocks noGrp="1"/>
-          </p:cNvSpPr>
-          <p:nvPr>
-            <p:ph type="body" idx="1"/>
-          </p:nvPr>
-        </p:nvSpPr>
-        <p:spPr/>
-        <p:txBody>
-          <a:bodyPr/>
-          <a:lstStyle/>
-          <a:p>
-            <a:endParaRPr lang="en-US" dirty="0"/>
-          </a:p>
-        </p:txBody>
-      </p:sp>
-      <p:sp>
-        <p:nvSpPr>
-          <p:cNvPr id="4" name="Slide Number Placeholder 3"/>
-          <p:cNvSpPr>
-            <a:spLocks noGrp="1"/>
-          </p:cNvSpPr>
-          <p:nvPr>
-            <p:ph type="sldNum" sz="quarter" idx="10"/>
-          </p:nvPr>
-        </p:nvSpPr>
-        <p:spPr/>
-        <p:txBody>
-          <a:bodyPr/>
-          <a:lstStyle/>
-          <a:p>
-            <a:fld id="{2D8A47E9-43C9-0F4F-9379-1746571B2494}" type="slidenum">
-              <a:rPr lang="en-US" smtClean="0"/>
-              <a:t>16</a:t>
             </a:fld>
             <a:endParaRPr lang="en-US"/>
           </a:p>
@@ -1741,7 +1486,7 @@
     </p:spTree>
     <p:extLst>
       <p:ext uri="{BB962C8B-B14F-4D97-AF65-F5344CB8AC3E}">
-        <p14:creationId xmlns:p14="http://schemas.microsoft.com/office/powerpoint/2010/main" val="3988076159"/>
+        <p14:creationId xmlns:p14="http://schemas.microsoft.com/office/powerpoint/2010/main" val="3665432864"/>
       </p:ext>
     </p:extLst>
   </p:cSld>
@@ -16351,8 +16096,8 @@
           <a:p>
             <a:pPr algn="l"/>
             <a:r>
-              <a:rPr lang="en-US" smtClean="0"/>
-              <a:t>Install Python 3.10</a:t>
+              <a:rPr lang="en-US" dirty="0" err="1" smtClean="0"/>
+              <a:t>enum</a:t>
             </a:r>
             <a:endParaRPr lang="en-US" dirty="0"/>
           </a:p>
@@ -16366,8 +16111,8 @@
         </p:nvSpPr>
         <p:spPr>
           <a:xfrm>
-            <a:off x="398916" y="4515803"/>
-            <a:ext cx="8047587" cy="1200329"/>
+            <a:off x="251586" y="2511201"/>
+            <a:ext cx="8337873" cy="3970318"/>
           </a:xfrm>
           <a:prstGeom prst="rect">
             <a:avLst/>
@@ -16381,254 +16126,199 @@
           <a:p>
             <a:pPr lvl="0"/>
             <a:r>
-              <a:rPr lang="en-US" sz="3600" smtClean="0">
+              <a:rPr lang="en-GB" sz="2800" dirty="0" smtClean="0">
                 <a:latin typeface="Lucida Sans" panose="020B0602030504020204" pitchFamily="34" charset="0"/>
               </a:rPr>
-              <a:t>If version is not 3.10 or higher:</a:t>
-            </a:r>
-          </a:p>
-          <a:p>
-            <a:pPr lvl="0"/>
-            <a:r>
-              <a:rPr lang="en-US" sz="3600" smtClean="0">
+              <a:t>from </a:t>
+            </a:r>
+            <a:r>
+              <a:rPr lang="en-GB" sz="2800" dirty="0" err="1" smtClean="0">
                 <a:latin typeface="Lucida Sans" panose="020B0602030504020204" pitchFamily="34" charset="0"/>
               </a:rPr>
-              <a:t>Browser: python.org/downloads</a:t>
-            </a:r>
-            <a:endParaRPr lang="en-US" sz="3600" dirty="0" smtClean="0">
-              <a:latin typeface="Lucida Sans" panose="020B0602030504020204" pitchFamily="34" charset="0"/>
-            </a:endParaRPr>
-          </a:p>
-        </p:txBody>
-      </p:sp>
-      <p:pic>
-        <p:nvPicPr>
-          <p:cNvPr id="1026" name="Picture 2"/>
-          <p:cNvPicPr>
-            <a:picLocks noChangeAspect="1" noChangeArrowheads="1"/>
-          </p:cNvPicPr>
-          <p:nvPr/>
-        </p:nvPicPr>
-        <p:blipFill>
-          <a:blip r:embed="rId3">
-            <a:extLst>
-              <a:ext uri="{28A0092B-C50C-407E-A947-70E740481C1C}">
-                <a14:useLocalDpi xmlns:a14="http://schemas.microsoft.com/office/drawing/2010/main" val="0"/>
-              </a:ext>
-            </a:extLst>
-          </a:blip>
-          <a:srcRect/>
-          <a:stretch>
-            <a:fillRect/>
-          </a:stretch>
-        </p:blipFill>
-        <p:spPr bwMode="auto">
-          <a:xfrm>
-            <a:off x="353008" y="2115846"/>
-            <a:ext cx="5638800" cy="2195513"/>
-          </a:xfrm>
-          <a:prstGeom prst="rect">
-            <a:avLst/>
-          </a:prstGeom>
-          <a:noFill/>
-          <a:ln>
-            <a:noFill/>
-          </a:ln>
-          <a:effectLst/>
-          <a:extLst>
-            <a:ext uri="{909E8E84-426E-40DD-AFC4-6F175D3DCCD1}">
-              <a14:hiddenFill xmlns:a14="http://schemas.microsoft.com/office/drawing/2010/main">
-                <a:solidFill>
-                  <a:schemeClr val="accent1"/>
-                </a:solidFill>
-              </a14:hiddenFill>
-            </a:ext>
-            <a:ext uri="{91240B29-F687-4F45-9708-019B960494DF}">
-              <a14:hiddenLine xmlns:a14="http://schemas.microsoft.com/office/drawing/2010/main" w="9525">
-                <a:solidFill>
-                  <a:schemeClr val="tx1"/>
-                </a:solidFill>
-                <a:miter lim="800000"/>
-                <a:headEnd/>
-                <a:tailEnd/>
-              </a14:hiddenLine>
-            </a:ext>
-            <a:ext uri="{AF507438-7753-43E0-B8FC-AC1667EBCBE1}">
-              <a14:hiddenEffects xmlns:a14="http://schemas.microsoft.com/office/drawing/2010/main">
-                <a:effectLst>
-                  <a:outerShdw dist="35921" dir="2700000" algn="ctr" rotWithShape="0">
-                    <a:schemeClr val="bg2"/>
-                  </a:outerShdw>
-                </a:effectLst>
-              </a14:hiddenEffects>
-            </a:ext>
-          </a:extLst>
-        </p:spPr>
-      </p:pic>
-      <p:sp>
-        <p:nvSpPr>
-          <p:cNvPr id="6" name="Oval 5"/>
-          <p:cNvSpPr/>
-          <p:nvPr/>
-        </p:nvSpPr>
-        <p:spPr>
-          <a:xfrm>
-            <a:off x="3334502" y="2270544"/>
-            <a:ext cx="1088208" cy="424206"/>
-          </a:xfrm>
-          <a:prstGeom prst="ellipse">
-            <a:avLst/>
-          </a:prstGeom>
-          <a:noFill/>
-          <a:ln w="38100">
-            <a:solidFill>
-              <a:srgbClr val="FF0000"/>
-            </a:solidFill>
-          </a:ln>
-        </p:spPr>
-        <p:style>
-          <a:lnRef idx="2">
-            <a:schemeClr val="accent1">
-              <a:shade val="50000"/>
-            </a:schemeClr>
-          </a:lnRef>
-          <a:fillRef idx="1">
-            <a:schemeClr val="accent1"/>
-          </a:fillRef>
-          <a:effectRef idx="0">
-            <a:schemeClr val="accent1"/>
-          </a:effectRef>
-          <a:fontRef idx="minor">
-            <a:schemeClr val="lt1"/>
-          </a:fontRef>
-        </p:style>
-        <p:txBody>
-          <a:bodyPr rtlCol="0" anchor="ctr"/>
-          <a:lstStyle/>
-          <a:p>
-            <a:pPr algn="ctr"/>
-            <a:endParaRPr lang="en-GB"/>
-          </a:p>
-        </p:txBody>
-      </p:sp>
-      <p:sp>
-        <p:nvSpPr>
-          <p:cNvPr id="7" name="TextBox 6"/>
-          <p:cNvSpPr txBox="1"/>
-          <p:nvPr/>
-        </p:nvSpPr>
-        <p:spPr>
-          <a:xfrm>
-            <a:off x="2992990" y="2042023"/>
-            <a:ext cx="1032293" cy="769441"/>
-          </a:xfrm>
-          <a:prstGeom prst="rect">
-            <a:avLst/>
-          </a:prstGeom>
-          <a:noFill/>
-        </p:spPr>
-        <p:txBody>
-          <a:bodyPr wrap="square" rtlCol="0">
-            <a:spAutoFit/>
-          </a:bodyPr>
-          <a:lstStyle/>
-          <a:p>
-            <a:r>
-              <a:rPr lang="en-GB" sz="4400" b="1" smtClean="0">
+              <a:t>enum</a:t>
+            </a:r>
+            <a:r>
+              <a:rPr lang="en-GB" sz="2800" dirty="0" smtClean="0">
+                <a:latin typeface="Lucida Sans" panose="020B0602030504020204" pitchFamily="34" charset="0"/>
+              </a:rPr>
+              <a:t> import </a:t>
+            </a:r>
+            <a:r>
+              <a:rPr lang="en-GB" sz="2800" b="1" dirty="0" err="1" smtClean="0">
                 <a:solidFill>
                   <a:srgbClr val="FF0000"/>
                 </a:solidFill>
+                <a:latin typeface="Lucida Sans" panose="020B0602030504020204" pitchFamily="34" charset="0"/>
               </a:rPr>
-              <a:t>1</a:t>
-            </a:r>
-            <a:endParaRPr lang="en-GB" sz="4400" b="1">
-              <a:solidFill>
-                <a:srgbClr val="FF0000"/>
-              </a:solidFill>
+              <a:t>E</a:t>
+            </a:r>
+            <a:r>
+              <a:rPr lang="en-GB" sz="2800" dirty="0" err="1" smtClean="0">
+                <a:latin typeface="Lucida Sans" panose="020B0602030504020204" pitchFamily="34" charset="0"/>
+              </a:rPr>
+              <a:t>num</a:t>
+            </a:r>
+            <a:r>
+              <a:rPr lang="en-GB" sz="2800" dirty="0" smtClean="0">
+                <a:latin typeface="Lucida Sans" panose="020B0602030504020204" pitchFamily="34" charset="0"/>
+              </a:rPr>
+              <a:t>, auto</a:t>
+            </a:r>
+          </a:p>
+          <a:p>
+            <a:pPr lvl="0"/>
+            <a:endParaRPr lang="en-GB" sz="2800" dirty="0">
+              <a:latin typeface="Lucida Sans" panose="020B0602030504020204" pitchFamily="34" charset="0"/>
             </a:endParaRPr>
           </a:p>
-        </p:txBody>
-      </p:sp>
-      <p:sp>
-        <p:nvSpPr>
-          <p:cNvPr id="11" name="Oval 10"/>
-          <p:cNvSpPr/>
-          <p:nvPr/>
-        </p:nvSpPr>
-        <p:spPr>
-          <a:xfrm>
-            <a:off x="2563485" y="3515132"/>
-            <a:ext cx="1672611" cy="424206"/>
-          </a:xfrm>
-          <a:prstGeom prst="ellipse">
-            <a:avLst/>
-          </a:prstGeom>
-          <a:noFill/>
-          <a:ln w="38100">
-            <a:solidFill>
-              <a:srgbClr val="FF0000"/>
-            </a:solidFill>
-          </a:ln>
-        </p:spPr>
-        <p:style>
-          <a:lnRef idx="2">
-            <a:schemeClr val="accent1">
-              <a:shade val="50000"/>
-            </a:schemeClr>
-          </a:lnRef>
-          <a:fillRef idx="1">
-            <a:schemeClr val="accent1"/>
-          </a:fillRef>
-          <a:effectRef idx="0">
-            <a:schemeClr val="accent1"/>
-          </a:effectRef>
-          <a:fontRef idx="minor">
-            <a:schemeClr val="lt1"/>
-          </a:fontRef>
-        </p:style>
-        <p:txBody>
-          <a:bodyPr rtlCol="0" anchor="ctr"/>
-          <a:lstStyle/>
-          <a:p>
-            <a:pPr algn="ctr"/>
-            <a:endParaRPr lang="en-GB"/>
-          </a:p>
-        </p:txBody>
-      </p:sp>
-      <p:sp>
-        <p:nvSpPr>
-          <p:cNvPr id="12" name="TextBox 11"/>
-          <p:cNvSpPr txBox="1"/>
-          <p:nvPr/>
-        </p:nvSpPr>
-        <p:spPr>
-          <a:xfrm>
-            <a:off x="4236096" y="3342514"/>
-            <a:ext cx="1032293" cy="769441"/>
-          </a:xfrm>
-          <a:prstGeom prst="rect">
-            <a:avLst/>
-          </a:prstGeom>
-          <a:noFill/>
-        </p:spPr>
-        <p:txBody>
-          <a:bodyPr wrap="square" rtlCol="0">
-            <a:spAutoFit/>
-          </a:bodyPr>
-          <a:lstStyle/>
-          <a:p>
-            <a:r>
-              <a:rPr lang="en-GB" sz="4400" b="1" smtClean="0">
+          <a:p>
+            <a:pPr lvl="0"/>
+            <a:r>
+              <a:rPr lang="en-GB" sz="2800" dirty="0" smtClean="0">
+                <a:latin typeface="Lucida Sans" panose="020B0602030504020204" pitchFamily="34" charset="0"/>
+              </a:rPr>
+              <a:t>class </a:t>
+            </a:r>
+            <a:r>
+              <a:rPr lang="en-GB" sz="2800" dirty="0" smtClean="0">
+                <a:latin typeface="Lucida Sans" panose="020B0602030504020204" pitchFamily="34" charset="0"/>
+              </a:rPr>
+              <a:t>State(</a:t>
+            </a:r>
+            <a:r>
+              <a:rPr lang="en-GB" sz="2800" b="1" dirty="0" err="1" smtClean="0">
                 <a:solidFill>
                   <a:srgbClr val="FF0000"/>
                 </a:solidFill>
+                <a:latin typeface="Lucida Sans" panose="020B0602030504020204" pitchFamily="34" charset="0"/>
               </a:rPr>
-              <a:t>2</a:t>
-            </a:r>
-            <a:endParaRPr lang="en-GB" sz="4400" b="1">
-              <a:solidFill>
-                <a:srgbClr val="FF0000"/>
-              </a:solidFill>
+              <a:t>E</a:t>
+            </a:r>
+            <a:r>
+              <a:rPr lang="en-GB" sz="2800" dirty="0" err="1" smtClean="0">
+                <a:latin typeface="Lucida Sans" panose="020B0602030504020204" pitchFamily="34" charset="0"/>
+              </a:rPr>
+              <a:t>num</a:t>
+            </a:r>
+            <a:r>
+              <a:rPr lang="en-GB" sz="2800" dirty="0" smtClean="0">
+                <a:latin typeface="Lucida Sans" panose="020B0602030504020204" pitchFamily="34" charset="0"/>
+              </a:rPr>
+              <a:t>):</a:t>
+            </a:r>
+          </a:p>
+          <a:p>
+            <a:pPr lvl="0"/>
+            <a:r>
+              <a:rPr lang="en-GB" sz="2800" dirty="0">
+                <a:latin typeface="Lucida Sans" panose="020B0602030504020204" pitchFamily="34" charset="0"/>
+              </a:rPr>
+              <a:t>	</a:t>
+            </a:r>
+            <a:r>
+              <a:rPr lang="en-GB" sz="2800" dirty="0" smtClean="0">
+                <a:latin typeface="Lucida Sans" panose="020B0602030504020204" pitchFamily="34" charset="0"/>
+              </a:rPr>
+              <a:t>OFF = auto()</a:t>
+            </a:r>
+          </a:p>
+          <a:p>
+            <a:pPr lvl="0"/>
+            <a:r>
+              <a:rPr lang="en-GB" sz="2800" dirty="0">
+                <a:latin typeface="Lucida Sans" panose="020B0602030504020204" pitchFamily="34" charset="0"/>
+              </a:rPr>
+              <a:t>	GET_COFFEE_SELECTION </a:t>
+            </a:r>
+            <a:r>
+              <a:rPr lang="en-GB" sz="2800" dirty="0" smtClean="0">
+                <a:latin typeface="Lucida Sans" panose="020B0602030504020204" pitchFamily="34" charset="0"/>
+              </a:rPr>
+              <a:t>= auto()</a:t>
+            </a:r>
+          </a:p>
+          <a:p>
+            <a:pPr lvl="0"/>
+            <a:r>
+              <a:rPr lang="en-GB" sz="2800" dirty="0">
+                <a:latin typeface="Lucida Sans" panose="020B0602030504020204" pitchFamily="34" charset="0"/>
+              </a:rPr>
+              <a:t>	</a:t>
+            </a:r>
+            <a:r>
+              <a:rPr lang="en-GB" sz="2800" dirty="0">
+                <a:latin typeface="Lucida Sans" panose="020B0602030504020204" pitchFamily="34" charset="0"/>
+              </a:rPr>
+              <a:t>TAKE_PAYMENT </a:t>
+            </a:r>
+            <a:r>
+              <a:rPr lang="en-GB" sz="2800" dirty="0" smtClean="0">
+                <a:latin typeface="Lucida Sans" panose="020B0602030504020204" pitchFamily="34" charset="0"/>
+              </a:rPr>
+              <a:t>= auto()</a:t>
+            </a:r>
+          </a:p>
+          <a:p>
+            <a:pPr lvl="0"/>
+            <a:r>
+              <a:rPr lang="en-GB" sz="2800" dirty="0">
+                <a:latin typeface="Lucida Sans" panose="020B0602030504020204" pitchFamily="34" charset="0"/>
+              </a:rPr>
+              <a:t>	</a:t>
+            </a:r>
+            <a:r>
+              <a:rPr lang="en-GB" sz="2800" dirty="0">
+                <a:latin typeface="Lucida Sans" panose="020B0602030504020204" pitchFamily="34" charset="0"/>
+              </a:rPr>
+              <a:t>GIVE_CHANGE </a:t>
+            </a:r>
+            <a:r>
+              <a:rPr lang="en-GB" sz="2800" dirty="0" smtClean="0">
+                <a:latin typeface="Lucida Sans" panose="020B0602030504020204" pitchFamily="34" charset="0"/>
+              </a:rPr>
+              <a:t>= auto()</a:t>
+            </a:r>
+          </a:p>
+          <a:p>
+            <a:pPr lvl="0"/>
+            <a:r>
+              <a:rPr lang="en-GB" sz="2800" dirty="0">
+                <a:latin typeface="Lucida Sans" panose="020B0602030504020204" pitchFamily="34" charset="0"/>
+              </a:rPr>
+              <a:t>	</a:t>
+            </a:r>
+            <a:r>
+              <a:rPr lang="en-GB" sz="2800" dirty="0">
+                <a:latin typeface="Lucida Sans" panose="020B0602030504020204" pitchFamily="34" charset="0"/>
+              </a:rPr>
+              <a:t>QUIT= </a:t>
+            </a:r>
+            <a:r>
+              <a:rPr lang="en-GB" sz="2800" dirty="0" smtClean="0">
+                <a:latin typeface="Lucida Sans" panose="020B0602030504020204" pitchFamily="34" charset="0"/>
+              </a:rPr>
+              <a:t>auto</a:t>
+            </a:r>
+            <a:r>
+              <a:rPr lang="en-GB" sz="2800" dirty="0" smtClean="0">
+                <a:latin typeface="Lucida Sans" panose="020B0602030504020204" pitchFamily="34" charset="0"/>
+              </a:rPr>
+              <a:t>()</a:t>
+            </a:r>
+            <a:r>
+              <a:rPr lang="en-GB" sz="2800" dirty="0">
+                <a:latin typeface="Lucida Sans" panose="020B0602030504020204" pitchFamily="34" charset="0"/>
+              </a:rPr>
+              <a:t>	</a:t>
+            </a:r>
+            <a:endParaRPr lang="en-GB" sz="2800" dirty="0" smtClean="0">
+              <a:latin typeface="Lucida Sans" panose="020B0602030504020204" pitchFamily="34" charset="0"/>
+            </a:endParaRPr>
+          </a:p>
+          <a:p>
+            <a:pPr lvl="0"/>
+            <a:endParaRPr lang="en-GB" sz="2800" dirty="0">
+              <a:latin typeface="Lucida Sans" panose="020B0602030504020204" pitchFamily="34" charset="0"/>
             </a:endParaRPr>
           </a:p>
         </p:txBody>
@@ -16636,7 +16326,7 @@
     </p:spTree>
     <p:extLst>
       <p:ext uri="{BB962C8B-B14F-4D97-AF65-F5344CB8AC3E}">
-        <p14:creationId xmlns:p14="http://schemas.microsoft.com/office/powerpoint/2010/main" val="1063533142"/>
+        <p14:creationId xmlns:p14="http://schemas.microsoft.com/office/powerpoint/2010/main" val="2671331377"/>
       </p:ext>
     </p:extLst>
   </p:cSld>
@@ -16693,7 +16383,7 @@
             <a:pPr algn="l"/>
             <a:r>
               <a:rPr lang="en-US" smtClean="0"/>
-              <a:t>Windows env variables</a:t>
+              <a:t>match</a:t>
             </a:r>
             <a:endParaRPr lang="en-US" dirty="0"/>
           </a:p>
@@ -16707,8 +16397,8 @@
         </p:nvSpPr>
         <p:spPr>
           <a:xfrm>
-            <a:off x="251586" y="2379093"/>
-            <a:ext cx="8047587" cy="1754326"/>
+            <a:off x="251586" y="2366345"/>
+            <a:ext cx="8337873" cy="4401205"/>
           </a:xfrm>
           <a:prstGeom prst="rect">
             <a:avLst/>
@@ -16722,87 +16412,309 @@
           <a:p>
             <a:pPr lvl="0"/>
             <a:r>
-              <a:rPr lang="en-US" sz="3600" dirty="0" smtClean="0">
+              <a:rPr lang="en-GB" sz="2800" dirty="0" err="1" smtClean="0">
                 <a:latin typeface="Lucida Sans" panose="020B0602030504020204" pitchFamily="34" charset="0"/>
               </a:rPr>
-              <a:t>Start-&gt;"</a:t>
-            </a:r>
-            <a:r>
-              <a:rPr lang="en-US" sz="3600" dirty="0" err="1" smtClean="0">
+              <a:t>def</a:t>
+            </a:r>
+            <a:r>
+              <a:rPr lang="en-GB" sz="2800" dirty="0" smtClean="0">
                 <a:latin typeface="Lucida Sans" panose="020B0602030504020204" pitchFamily="34" charset="0"/>
               </a:rPr>
-              <a:t>env</a:t>
-            </a:r>
-            <a:r>
-              <a:rPr lang="en-US" sz="3600" dirty="0" smtClean="0">
+              <a:t> </a:t>
+            </a:r>
+            <a:r>
+              <a:rPr lang="en-GB" sz="2800" dirty="0" err="1" smtClean="0">
                 <a:latin typeface="Lucida Sans" panose="020B0602030504020204" pitchFamily="34" charset="0"/>
               </a:rPr>
-              <a:t>"</a:t>
-            </a:r>
-          </a:p>
-          <a:p>
-            <a:pPr lvl="0"/>
-            <a:r>
-              <a:rPr lang="en-US" sz="3600" dirty="0" smtClean="0">
+              <a:t>state_machine</a:t>
+            </a:r>
+            <a:r>
+              <a:rPr lang="en-GB" sz="2800" dirty="0" smtClean="0">
                 <a:latin typeface="Lucida Sans" panose="020B0602030504020204" pitchFamily="34" charset="0"/>
               </a:rPr>
-              <a:t>Edit </a:t>
-            </a:r>
-            <a:r>
-              <a:rPr lang="en-US" sz="3600" b="1" dirty="0" smtClean="0">
+              <a:t>(</a:t>
+            </a:r>
+            <a:r>
+              <a:rPr lang="en-GB" sz="2800" dirty="0" err="1" smtClean="0">
+                <a:latin typeface="Lucida Sans" panose="020B0602030504020204" pitchFamily="34" charset="0"/>
+              </a:rPr>
+              <a:t>currentState</a:t>
+            </a:r>
+            <a:r>
+              <a:rPr lang="en-GB" sz="2800" dirty="0" smtClean="0">
+                <a:latin typeface="Lucida Sans" panose="020B0602030504020204" pitchFamily="34" charset="0"/>
+              </a:rPr>
+              <a:t>):</a:t>
+            </a:r>
+          </a:p>
+          <a:p>
+            <a:pPr lvl="0"/>
+            <a:r>
+              <a:rPr lang="en-GB" sz="2800" dirty="0">
+                <a:latin typeface="Lucida Sans" panose="020B0602030504020204" pitchFamily="34" charset="0"/>
+              </a:rPr>
+              <a:t>	</a:t>
+            </a:r>
+            <a:r>
+              <a:rPr lang="en-GB" sz="2800" b="1" dirty="0" smtClean="0">
                 <a:solidFill>
                   <a:srgbClr val="FF0000"/>
                 </a:solidFill>
                 <a:latin typeface="Lucida Sans" panose="020B0602030504020204" pitchFamily="34" charset="0"/>
               </a:rPr>
-              <a:t>system</a:t>
-            </a:r>
-            <a:r>
-              <a:rPr lang="en-US" sz="3600" dirty="0" smtClean="0">
+              <a:t>match</a:t>
+            </a:r>
+            <a:r>
+              <a:rPr lang="en-GB" sz="2800" dirty="0" smtClean="0">
                 <a:latin typeface="Lucida Sans" panose="020B0602030504020204" pitchFamily="34" charset="0"/>
               </a:rPr>
-              <a:t> path</a:t>
-            </a:r>
-          </a:p>
-          <a:p>
-            <a:pPr lvl="0"/>
-            <a:r>
-              <a:rPr lang="en-US" sz="3600" dirty="0" smtClean="0">
+              <a:t> </a:t>
+            </a:r>
+            <a:r>
+              <a:rPr lang="en-GB" sz="2800" dirty="0" err="1" smtClean="0">
                 <a:latin typeface="Lucida Sans" panose="020B0602030504020204" pitchFamily="34" charset="0"/>
               </a:rPr>
-              <a:t>add path to python 3.10</a:t>
-            </a:r>
+              <a:t>currentState</a:t>
+            </a:r>
+            <a:r>
+              <a:rPr lang="en-GB" sz="2800" dirty="0" smtClean="0">
+                <a:latin typeface="Lucida Sans" panose="020B0602030504020204" pitchFamily="34" charset="0"/>
+              </a:rPr>
+              <a:t>:</a:t>
+            </a:r>
+          </a:p>
+          <a:p>
+            <a:pPr lvl="0"/>
+            <a:r>
+              <a:rPr lang="en-GB" sz="2800" dirty="0">
+                <a:latin typeface="Lucida Sans" panose="020B0602030504020204" pitchFamily="34" charset="0"/>
+              </a:rPr>
+              <a:t>	</a:t>
+            </a:r>
+            <a:r>
+              <a:rPr lang="en-GB" sz="2800" dirty="0" smtClean="0">
+                <a:latin typeface="Lucida Sans" panose="020B0602030504020204" pitchFamily="34" charset="0"/>
+              </a:rPr>
+              <a:t>	</a:t>
+            </a:r>
+            <a:r>
+              <a:rPr lang="en-GB" sz="2800" b="1" dirty="0" smtClean="0">
+                <a:solidFill>
+                  <a:srgbClr val="FF0000"/>
+                </a:solidFill>
+                <a:latin typeface="Lucida Sans" panose="020B0602030504020204" pitchFamily="34" charset="0"/>
+              </a:rPr>
+              <a:t>case</a:t>
+            </a:r>
+            <a:r>
+              <a:rPr lang="en-GB" sz="2800" dirty="0" smtClean="0">
+                <a:latin typeface="Lucida Sans" panose="020B0602030504020204" pitchFamily="34" charset="0"/>
+              </a:rPr>
+              <a:t> </a:t>
+            </a:r>
+            <a:r>
+              <a:rPr lang="en-GB" sz="2800" dirty="0" err="1" smtClean="0">
+                <a:latin typeface="Lucida Sans" panose="020B0602030504020204" pitchFamily="34" charset="0"/>
+              </a:rPr>
+              <a:t>state.OFF</a:t>
+            </a:r>
+            <a:r>
+              <a:rPr lang="en-GB" sz="2800" dirty="0" smtClean="0">
+                <a:latin typeface="Lucida Sans" panose="020B0602030504020204" pitchFamily="34" charset="0"/>
+              </a:rPr>
+              <a:t>:</a:t>
+            </a:r>
+          </a:p>
+          <a:p>
+            <a:pPr lvl="0"/>
+            <a:r>
+              <a:rPr lang="en-GB" sz="2800" dirty="0">
+                <a:latin typeface="Lucida Sans" panose="020B0602030504020204" pitchFamily="34" charset="0"/>
+              </a:rPr>
+              <a:t>	</a:t>
+            </a:r>
+            <a:r>
+              <a:rPr lang="en-GB" sz="2800" dirty="0" smtClean="0">
+                <a:latin typeface="Lucida Sans" panose="020B0602030504020204" pitchFamily="34" charset="0"/>
+              </a:rPr>
+              <a:t>		</a:t>
+            </a:r>
+            <a:r>
+              <a:rPr lang="en-GB" sz="2800" dirty="0" err="1" smtClean="0">
+                <a:latin typeface="Lucida Sans" panose="020B0602030504020204" pitchFamily="34" charset="0"/>
+              </a:rPr>
+              <a:t>currentState</a:t>
+            </a:r>
+            <a:r>
+              <a:rPr lang="en-GB" sz="2800" dirty="0" smtClean="0">
+                <a:latin typeface="Lucida Sans" panose="020B0602030504020204" pitchFamily="34" charset="0"/>
+              </a:rPr>
+              <a:t> = </a:t>
+            </a:r>
+            <a:r>
+              <a:rPr lang="en-GB" sz="2800" dirty="0" err="1" smtClean="0">
+                <a:latin typeface="Lucida Sans" panose="020B0602030504020204" pitchFamily="34" charset="0"/>
+              </a:rPr>
+              <a:t>turnOn</a:t>
+            </a:r>
+            <a:r>
+              <a:rPr lang="en-GB" sz="2800" dirty="0" smtClean="0">
+                <a:latin typeface="Lucida Sans" panose="020B0602030504020204" pitchFamily="34" charset="0"/>
+              </a:rPr>
+              <a:t>()</a:t>
+            </a:r>
+          </a:p>
+          <a:p>
+            <a:pPr lvl="0"/>
+            <a:r>
+              <a:rPr lang="en-GB" sz="2800" dirty="0">
+                <a:latin typeface="Lucida Sans" panose="020B0602030504020204" pitchFamily="34" charset="0"/>
+              </a:rPr>
+              <a:t>	</a:t>
+            </a:r>
+            <a:r>
+              <a:rPr lang="en-GB" sz="2800" dirty="0" smtClean="0">
+                <a:latin typeface="Lucida Sans" panose="020B0602030504020204" pitchFamily="34" charset="0"/>
+              </a:rPr>
+              <a:t>	</a:t>
+            </a:r>
+            <a:r>
+              <a:rPr lang="en-GB" sz="2800" b="1" dirty="0" smtClean="0">
+                <a:solidFill>
+                  <a:srgbClr val="FF0000"/>
+                </a:solidFill>
+                <a:latin typeface="Lucida Sans" panose="020B0602030504020204" pitchFamily="34" charset="0"/>
+              </a:rPr>
+              <a:t>case</a:t>
+            </a:r>
+            <a:r>
+              <a:rPr lang="en-GB" sz="2800" dirty="0" smtClean="0">
+                <a:latin typeface="Lucida Sans" panose="020B0602030504020204" pitchFamily="34" charset="0"/>
+              </a:rPr>
+              <a:t> state.</a:t>
+            </a:r>
+            <a:r>
+              <a:rPr lang="en-GB" sz="2800" dirty="0">
+                <a:latin typeface="Lucida Sans" panose="020B0602030504020204" pitchFamily="34" charset="0"/>
+              </a:rPr>
+              <a:t>	</a:t>
+            </a:r>
+            <a:r>
+              <a:rPr lang="en-GB" sz="2800" dirty="0">
+                <a:latin typeface="Lucida Sans" panose="020B0602030504020204" pitchFamily="34" charset="0"/>
+              </a:rPr>
+              <a:t>GET_COFFEE_SELECTION</a:t>
+            </a:r>
+            <a:r>
+              <a:rPr lang="en-GB" sz="2800" dirty="0" smtClean="0">
+                <a:latin typeface="Lucida Sans" panose="020B0602030504020204" pitchFamily="34" charset="0"/>
+              </a:rPr>
+              <a:t>:</a:t>
+            </a:r>
+          </a:p>
+          <a:p>
+            <a:pPr lvl="0"/>
+            <a:r>
+              <a:rPr lang="en-GB" sz="2800" dirty="0" smtClean="0">
+                <a:latin typeface="Lucida Sans" panose="020B0602030504020204" pitchFamily="34" charset="0"/>
+              </a:rPr>
+              <a:t>			</a:t>
+            </a:r>
+            <a:r>
+              <a:rPr lang="en-GB" sz="2800" dirty="0" err="1" smtClean="0">
+                <a:latin typeface="Lucida Sans" panose="020B0602030504020204" pitchFamily="34" charset="0"/>
+              </a:rPr>
+              <a:t>currentState</a:t>
+            </a:r>
+            <a:r>
+              <a:rPr lang="en-GB" sz="2800" dirty="0" smtClean="0">
+                <a:latin typeface="Lucida Sans" panose="020B0602030504020204" pitchFamily="34" charset="0"/>
+              </a:rPr>
+              <a:t> </a:t>
+            </a:r>
+            <a:r>
+              <a:rPr lang="en-GB" sz="2800" dirty="0">
+                <a:latin typeface="Lucida Sans" panose="020B0602030504020204" pitchFamily="34" charset="0"/>
+              </a:rPr>
+              <a:t>= </a:t>
+            </a:r>
+            <a:r>
+              <a:rPr lang="en-GB" sz="2800" dirty="0" err="1" smtClean="0">
+                <a:latin typeface="Lucida Sans" panose="020B0602030504020204" pitchFamily="34" charset="0"/>
+              </a:rPr>
+              <a:t>getDrinkSelection</a:t>
+            </a:r>
+            <a:r>
+              <a:rPr lang="en-GB" sz="2800" dirty="0" smtClean="0">
+                <a:latin typeface="Lucida Sans" panose="020B0602030504020204" pitchFamily="34" charset="0"/>
+              </a:rPr>
+              <a:t>()</a:t>
+            </a:r>
+            <a:endParaRPr lang="en-GB" sz="2800" dirty="0" smtClean="0">
+              <a:latin typeface="Lucida Sans" panose="020B0602030504020204" pitchFamily="34" charset="0"/>
+            </a:endParaRPr>
+          </a:p>
+          <a:p>
+            <a:pPr lvl="0"/>
+            <a:r>
+              <a:rPr lang="en-GB" sz="2800" dirty="0">
+                <a:latin typeface="Lucida Sans" panose="020B0602030504020204" pitchFamily="34" charset="0"/>
+              </a:rPr>
+              <a:t>	</a:t>
+            </a:r>
+            <a:r>
+              <a:rPr lang="en-GB" sz="2800" dirty="0">
+                <a:latin typeface="Lucida Sans" panose="020B0602030504020204" pitchFamily="34" charset="0"/>
+              </a:rPr>
+              <a:t>return </a:t>
+            </a:r>
+            <a:r>
+              <a:rPr lang="en-GB" sz="2800" dirty="0" err="1" smtClean="0">
+                <a:latin typeface="Lucida Sans" panose="020B0602030504020204" pitchFamily="34" charset="0"/>
+              </a:rPr>
+              <a:t>currentState</a:t>
+            </a:r>
+            <a:endParaRPr lang="en-GB" sz="2800" dirty="0" smtClean="0">
+              <a:latin typeface="Lucida Sans" panose="020B0602030504020204" pitchFamily="34" charset="0"/>
+            </a:endParaRPr>
+          </a:p>
+          <a:p>
+            <a:pPr lvl="0"/>
+            <a:r>
+              <a:rPr lang="en-GB" sz="2800" dirty="0">
+                <a:latin typeface="Lucida Sans" panose="020B0602030504020204" pitchFamily="34" charset="0"/>
+              </a:rPr>
+              <a:t>	</a:t>
+            </a:r>
+            <a:endParaRPr lang="en-GB" sz="2800" dirty="0" smtClean="0">
+              <a:latin typeface="Lucida Sans" panose="020B0602030504020204" pitchFamily="34" charset="0"/>
+            </a:endParaRPr>
+          </a:p>
+          <a:p>
+            <a:pPr lvl="0"/>
+            <a:r>
+              <a:rPr lang="en-GB" sz="2800" dirty="0" smtClean="0">
+                <a:latin typeface="Lucida Sans" panose="020B0602030504020204" pitchFamily="34" charset="0"/>
+              </a:rPr>
+              <a:t>(no fall-through between cases)</a:t>
+            </a:r>
+            <a:endParaRPr lang="en-GB" sz="2800" dirty="0" smtClean="0">
+              <a:latin typeface="Lucida Sans" panose="020B0602030504020204" pitchFamily="34" charset="0"/>
+            </a:endParaRPr>
+          </a:p>
+          <a:p>
+            <a:pPr lvl="0"/>
+            <a:endParaRPr lang="en-GB" sz="2800" dirty="0">
+              <a:latin typeface="Lucida Sans" panose="020B0602030504020204" pitchFamily="34" charset="0"/>
+            </a:endParaRPr>
           </a:p>
         </p:txBody>
       </p:sp>
-      <p:pic>
-        <p:nvPicPr>
-          <p:cNvPr id="3" name="Picture 2"/>
-          <p:cNvPicPr>
-            <a:picLocks noChangeAspect="1"/>
-          </p:cNvPicPr>
-          <p:nvPr/>
-        </p:nvPicPr>
-        <p:blipFill>
-          <a:blip r:embed="rId3"/>
-          <a:stretch>
-            <a:fillRect/>
-          </a:stretch>
-        </p:blipFill>
-        <p:spPr>
-          <a:xfrm>
-            <a:off x="667929" y="4201703"/>
-            <a:ext cx="7251446" cy="1664943"/>
-          </a:xfrm>
-          <a:prstGeom prst="rect">
-            <a:avLst/>
-          </a:prstGeom>
-        </p:spPr>
-      </p:pic>
     </p:spTree>
     <p:extLst>
       <p:ext uri="{BB962C8B-B14F-4D97-AF65-F5344CB8AC3E}">
-        <p14:creationId xmlns:p14="http://schemas.microsoft.com/office/powerpoint/2010/main" val="109233633"/>
+        <p14:creationId xmlns:p14="http://schemas.microsoft.com/office/powerpoint/2010/main" val="3085796892"/>
       </p:ext>
     </p:extLst>
   </p:cSld>
@@ -16858,8 +16770,8 @@
           <a:p>
             <a:pPr algn="l"/>
             <a:r>
-              <a:rPr lang="en-US" smtClean="0"/>
-              <a:t>VSC Select Interpreter</a:t>
+              <a:rPr lang="en-US" dirty="0" smtClean="0"/>
+              <a:t>State Machine</a:t>
             </a:r>
             <a:endParaRPr lang="en-US" dirty="0"/>
           </a:p>
@@ -16867,14 +16779,14 @@
       </p:sp>
       <p:sp>
         <p:nvSpPr>
-          <p:cNvPr id="5" name="Rectangle 4"/>
+          <p:cNvPr id="4" name="Rectangle 3"/>
           <p:cNvSpPr/>
           <p:nvPr/>
         </p:nvSpPr>
         <p:spPr>
           <a:xfrm>
-            <a:off x="251586" y="2127167"/>
-            <a:ext cx="8047587" cy="1200329"/>
+            <a:off x="251586" y="2155865"/>
+            <a:ext cx="8637831" cy="3416320"/>
           </a:xfrm>
           <a:prstGeom prst="rect">
             <a:avLst/>
@@ -16886,93 +16798,179 @@
           </a:bodyPr>
           <a:lstStyle/>
           <a:p>
-            <a:pPr lvl="0"/>
-            <a:r>
-              <a:rPr lang="en-US" sz="3600" smtClean="0">
+            <a:pPr marL="342900" indent="-342900">
+              <a:buFont typeface="Arial" panose="020B0604020202020204" pitchFamily="34" charset="0"/>
+              <a:buChar char="•"/>
+            </a:pPr>
+            <a:r>
+              <a:rPr lang="en-US" sz="2400" dirty="0" smtClean="0">
                 <a:latin typeface="Lucida Sans" panose="020B0602030504020204" pitchFamily="34" charset="0"/>
               </a:rPr>
-              <a:t>View-&gt; Command Pallete</a:t>
-            </a:r>
-          </a:p>
-          <a:p>
-            <a:pPr lvl="0"/>
-            <a:r>
-              <a:rPr lang="en-US" sz="3600" smtClean="0">
+              <a:t>In </a:t>
+            </a:r>
+            <a:r>
+              <a:rPr lang="en-US" sz="2400" dirty="0" err="1" smtClean="0">
                 <a:latin typeface="Lucida Sans" panose="020B0602030504020204" pitchFamily="34" charset="0"/>
               </a:rPr>
-              <a:t> -&gt;python:Selected Interpreter</a:t>
-            </a:r>
+              <a:t>Coffee_machine</a:t>
+            </a:r>
+            <a:r>
+              <a:rPr lang="en-US" sz="2400" dirty="0" smtClean="0">
+                <a:latin typeface="Lucida Sans" panose="020B0602030504020204" pitchFamily="34" charset="0"/>
+              </a:rPr>
+              <a:t> folder</a:t>
+            </a:r>
+          </a:p>
+          <a:p>
+            <a:pPr marL="800100" lvl="1" indent="-342900">
+              <a:buFont typeface="Arial" panose="020B0604020202020204" pitchFamily="34" charset="0"/>
+              <a:buChar char="•"/>
+            </a:pPr>
+            <a:r>
+              <a:rPr lang="en-US" sz="2400" dirty="0" smtClean="0">
+                <a:latin typeface="Lucida Sans" panose="020B0602030504020204" pitchFamily="34" charset="0"/>
+              </a:rPr>
+              <a:t>state_machine.py</a:t>
+            </a:r>
+          </a:p>
+          <a:p>
+            <a:pPr marL="1257300" lvl="2" indent="-342900">
+              <a:buFont typeface="Arial" panose="020B0604020202020204" pitchFamily="34" charset="0"/>
+              <a:buChar char="•"/>
+            </a:pPr>
+            <a:r>
+              <a:rPr lang="en-US" sz="2400" dirty="0" err="1" smtClean="0">
+                <a:latin typeface="Lucida Sans" panose="020B0602030504020204" pitchFamily="34" charset="0"/>
+              </a:rPr>
+              <a:t>Enum</a:t>
+            </a:r>
+            <a:r>
+              <a:rPr lang="en-US" sz="2400" dirty="0" smtClean="0">
+                <a:latin typeface="Lucida Sans" panose="020B0602030504020204" pitchFamily="34" charset="0"/>
+              </a:rPr>
+              <a:t> for machine-states</a:t>
+            </a:r>
+          </a:p>
+          <a:p>
+            <a:pPr marL="1257300" lvl="2" indent="-342900">
+              <a:buFont typeface="Arial" panose="020B0604020202020204" pitchFamily="34" charset="0"/>
+              <a:buChar char="•"/>
+            </a:pPr>
+            <a:endParaRPr lang="en-US" sz="2400" dirty="0" smtClean="0">
+              <a:latin typeface="Lucida Sans" panose="020B0602030504020204" pitchFamily="34" charset="0"/>
+            </a:endParaRPr>
+          </a:p>
+          <a:p>
+            <a:pPr marL="1257300" lvl="2" indent="-342900">
+              <a:buFont typeface="Arial" panose="020B0604020202020204" pitchFamily="34" charset="0"/>
+              <a:buChar char="•"/>
+            </a:pPr>
+            <a:r>
+              <a:rPr lang="en-US" sz="2400" dirty="0" err="1" smtClean="0">
+                <a:latin typeface="Lucida Sans" panose="020B0602030504020204" pitchFamily="34" charset="0"/>
+              </a:rPr>
+              <a:t>def</a:t>
+            </a:r>
+            <a:r>
+              <a:rPr lang="en-US" sz="2400" dirty="0" smtClean="0">
+                <a:latin typeface="Lucida Sans" panose="020B0602030504020204" pitchFamily="34" charset="0"/>
+              </a:rPr>
+              <a:t> </a:t>
+            </a:r>
+            <a:r>
+              <a:rPr lang="en-US" sz="2400" dirty="0" err="1" smtClean="0">
+                <a:latin typeface="Lucida Sans" panose="020B0602030504020204" pitchFamily="34" charset="0"/>
+              </a:rPr>
+              <a:t>state_machine</a:t>
+            </a:r>
+            <a:r>
+              <a:rPr lang="en-US" sz="2400" dirty="0" smtClean="0">
+                <a:latin typeface="Lucida Sans" panose="020B0602030504020204" pitchFamily="34" charset="0"/>
+              </a:rPr>
+              <a:t>(state):</a:t>
+            </a:r>
+            <a:endParaRPr lang="en-US" sz="2400" dirty="0">
+              <a:latin typeface="Lucida Sans" panose="020B0602030504020204" pitchFamily="34" charset="0"/>
+            </a:endParaRPr>
+          </a:p>
+          <a:p>
+            <a:pPr marL="1714500" lvl="3" indent="-342900">
+              <a:buFont typeface="Arial" panose="020B0604020202020204" pitchFamily="34" charset="0"/>
+              <a:buChar char="•"/>
+            </a:pPr>
+            <a:r>
+              <a:rPr lang="en-GB" sz="2400" dirty="0">
+                <a:latin typeface="Lucida Sans" panose="020B0602030504020204" pitchFamily="34" charset="0"/>
+              </a:rPr>
+              <a:t>Use match to call functions for each state</a:t>
+            </a:r>
+          </a:p>
+          <a:p>
+            <a:pPr marL="1714500" lvl="3" indent="-342900">
+              <a:buFont typeface="Arial" panose="020B0604020202020204" pitchFamily="34" charset="0"/>
+              <a:buChar char="•"/>
+            </a:pPr>
+            <a:r>
+              <a:rPr lang="en-GB" sz="2400" dirty="0" smtClean="0">
+                <a:latin typeface="Lucida Sans" panose="020B0602030504020204" pitchFamily="34" charset="0"/>
+              </a:rPr>
+              <a:t>The </a:t>
+            </a:r>
+            <a:r>
+              <a:rPr lang="en-GB" sz="2400" dirty="0">
+                <a:latin typeface="Lucida Sans" panose="020B0602030504020204" pitchFamily="34" charset="0"/>
+              </a:rPr>
+              <a:t>functions should return the new </a:t>
+            </a:r>
+            <a:r>
+              <a:rPr lang="en-GB" sz="2400" dirty="0" smtClean="0">
+                <a:latin typeface="Lucida Sans" panose="020B0602030504020204" pitchFamily="34" charset="0"/>
+              </a:rPr>
+              <a:t>state</a:t>
+            </a:r>
+          </a:p>
+          <a:p>
+            <a:pPr marL="1714500" lvl="3" indent="-342900">
+              <a:buFont typeface="Arial" panose="020B0604020202020204" pitchFamily="34" charset="0"/>
+              <a:buChar char="•"/>
+            </a:pPr>
+            <a:endParaRPr lang="en-GB" sz="2400" dirty="0">
+              <a:latin typeface="Lucida Sans" panose="020B0602030504020204" pitchFamily="34" charset="0"/>
+            </a:endParaRPr>
+          </a:p>
+          <a:p>
+            <a:pPr marL="1257300" lvl="2" indent="-342900">
+              <a:buFont typeface="Arial" panose="020B0604020202020204" pitchFamily="34" charset="0"/>
+              <a:buChar char="•"/>
+            </a:pPr>
+            <a:r>
+              <a:rPr lang="en-US" sz="2400" dirty="0" smtClean="0">
+                <a:latin typeface="Lucida Sans" panose="020B0602030504020204" pitchFamily="34" charset="0"/>
+              </a:rPr>
+              <a:t>Loop to call </a:t>
+            </a:r>
+            <a:r>
+              <a:rPr lang="en-US" sz="2400" dirty="0" err="1" smtClean="0">
+                <a:latin typeface="Lucida Sans" panose="020B0602030504020204" pitchFamily="34" charset="0"/>
+              </a:rPr>
+              <a:t>state_machine</a:t>
+            </a:r>
+            <a:r>
+              <a:rPr lang="en-US" sz="2400" dirty="0" smtClean="0">
+                <a:latin typeface="Lucida Sans" panose="020B0602030504020204" pitchFamily="34" charset="0"/>
+              </a:rPr>
+              <a:t> while state not QUIT</a:t>
+            </a:r>
+            <a:endParaRPr lang="en-US" sz="2400" dirty="0" smtClean="0">
+              <a:latin typeface="Lucida Sans" panose="020B0602030504020204" pitchFamily="34" charset="0"/>
+            </a:endParaRPr>
           </a:p>
         </p:txBody>
       </p:sp>
-      <p:pic>
-        <p:nvPicPr>
-          <p:cNvPr id="2050" name="Picture 2"/>
-          <p:cNvPicPr>
-            <a:picLocks noChangeAspect="1" noChangeArrowheads="1"/>
-          </p:cNvPicPr>
-          <p:nvPr/>
-        </p:nvPicPr>
-        <p:blipFill>
-          <a:blip r:embed="rId3">
-            <a:extLst>
-              <a:ext uri="{28A0092B-C50C-407E-A947-70E740481C1C}">
-                <a14:useLocalDpi xmlns:a14="http://schemas.microsoft.com/office/drawing/2010/main" val="0"/>
-              </a:ext>
-            </a:extLst>
-          </a:blip>
-          <a:srcRect/>
-          <a:stretch>
-            <a:fillRect/>
-          </a:stretch>
-        </p:blipFill>
-        <p:spPr bwMode="auto">
-          <a:xfrm>
-            <a:off x="1126510" y="3540190"/>
-            <a:ext cx="5883275" cy="1905000"/>
-          </a:xfrm>
-          <a:prstGeom prst="rect">
-            <a:avLst/>
-          </a:prstGeom>
-          <a:noFill/>
-          <a:ln>
-            <a:noFill/>
-          </a:ln>
-          <a:effectLst/>
-          <a:extLst>
-            <a:ext uri="{909E8E84-426E-40DD-AFC4-6F175D3DCCD1}">
-              <a14:hiddenFill xmlns:a14="http://schemas.microsoft.com/office/drawing/2010/main">
-                <a:solidFill>
-                  <a:schemeClr val="accent1"/>
-                </a:solidFill>
-              </a14:hiddenFill>
-            </a:ext>
-            <a:ext uri="{91240B29-F687-4F45-9708-019B960494DF}">
-              <a14:hiddenLine xmlns:a14="http://schemas.microsoft.com/office/drawing/2010/main" w="9525">
-                <a:solidFill>
-                  <a:schemeClr val="tx1"/>
-                </a:solidFill>
-                <a:miter lim="800000"/>
-                <a:headEnd/>
-                <a:tailEnd/>
-              </a14:hiddenLine>
-            </a:ext>
-            <a:ext uri="{AF507438-7753-43E0-B8FC-AC1667EBCBE1}">
-              <a14:hiddenEffects xmlns:a14="http://schemas.microsoft.com/office/drawing/2010/main">
-                <a:effectLst>
-                  <a:outerShdw dist="35921" dir="2700000" algn="ctr" rotWithShape="0">
-                    <a:schemeClr val="bg2"/>
-                  </a:outerShdw>
-                </a:effectLst>
-              </a14:hiddenEffects>
-            </a:ext>
-          </a:extLst>
-        </p:spPr>
-      </p:pic>
     </p:spTree>
     <p:extLst>
       <p:ext uri="{BB962C8B-B14F-4D97-AF65-F5344CB8AC3E}">
-        <p14:creationId xmlns:p14="http://schemas.microsoft.com/office/powerpoint/2010/main" val="4148938402"/>
+        <p14:creationId xmlns:p14="http://schemas.microsoft.com/office/powerpoint/2010/main" val="288456378"/>
       </p:ext>
     </p:extLst>
   </p:cSld>
@@ -17028,732 +17026,6 @@
           <a:p>
             <a:pPr algn="l"/>
             <a:r>
-              <a:rPr lang="en-US" dirty="0" err="1" smtClean="0"/>
-              <a:t>enum</a:t>
-            </a:r>
-            <a:endParaRPr lang="en-US" dirty="0"/>
-          </a:p>
-        </p:txBody>
-      </p:sp>
-      <p:sp>
-        <p:nvSpPr>
-          <p:cNvPr id="5" name="Rectangle 4"/>
-          <p:cNvSpPr/>
-          <p:nvPr/>
-        </p:nvSpPr>
-        <p:spPr>
-          <a:xfrm>
-            <a:off x="251586" y="2511201"/>
-            <a:ext cx="8337873" cy="4832092"/>
-          </a:xfrm>
-          <a:prstGeom prst="rect">
-            <a:avLst/>
-          </a:prstGeom>
-        </p:spPr>
-        <p:txBody>
-          <a:bodyPr wrap="square">
-            <a:spAutoFit/>
-          </a:bodyPr>
-          <a:lstStyle/>
-          <a:p>
-            <a:pPr lvl="0"/>
-            <a:r>
-              <a:rPr lang="en-GB" sz="2800" dirty="0" smtClean="0">
-                <a:latin typeface="Lucida Sans" panose="020B0602030504020204" pitchFamily="34" charset="0"/>
-              </a:rPr>
-              <a:t>from </a:t>
-            </a:r>
-            <a:r>
-              <a:rPr lang="en-GB" sz="2800" dirty="0" err="1" smtClean="0">
-                <a:latin typeface="Lucida Sans" panose="020B0602030504020204" pitchFamily="34" charset="0"/>
-              </a:rPr>
-              <a:t>enum</a:t>
-            </a:r>
-            <a:r>
-              <a:rPr lang="en-GB" sz="2800" dirty="0" smtClean="0">
-                <a:latin typeface="Lucida Sans" panose="020B0602030504020204" pitchFamily="34" charset="0"/>
-              </a:rPr>
-              <a:t> import </a:t>
-            </a:r>
-            <a:r>
-              <a:rPr lang="en-GB" sz="2800" b="1" dirty="0" err="1" smtClean="0">
-                <a:solidFill>
-                  <a:srgbClr val="FF0000"/>
-                </a:solidFill>
-                <a:latin typeface="Lucida Sans" panose="020B0602030504020204" pitchFamily="34" charset="0"/>
-              </a:rPr>
-              <a:t>E</a:t>
-            </a:r>
-            <a:r>
-              <a:rPr lang="en-GB" sz="2800" dirty="0" err="1" smtClean="0">
-                <a:latin typeface="Lucida Sans" panose="020B0602030504020204" pitchFamily="34" charset="0"/>
-              </a:rPr>
-              <a:t>num</a:t>
-            </a:r>
-            <a:r>
-              <a:rPr lang="en-GB" sz="2800" dirty="0" smtClean="0">
-                <a:latin typeface="Lucida Sans" panose="020B0602030504020204" pitchFamily="34" charset="0"/>
-              </a:rPr>
-              <a:t>, auto</a:t>
-            </a:r>
-          </a:p>
-          <a:p>
-            <a:pPr lvl="0"/>
-            <a:endParaRPr lang="en-GB" sz="2800" dirty="0">
-              <a:latin typeface="Lucida Sans" panose="020B0602030504020204" pitchFamily="34" charset="0"/>
-            </a:endParaRPr>
-          </a:p>
-          <a:p>
-            <a:pPr lvl="0"/>
-            <a:r>
-              <a:rPr lang="en-GB" sz="2800" dirty="0" smtClean="0">
-                <a:latin typeface="Lucida Sans" panose="020B0602030504020204" pitchFamily="34" charset="0"/>
-              </a:rPr>
-              <a:t>class state(</a:t>
-            </a:r>
-            <a:r>
-              <a:rPr lang="en-GB" sz="2800" b="1" dirty="0" err="1" smtClean="0">
-                <a:solidFill>
-                  <a:srgbClr val="FF0000"/>
-                </a:solidFill>
-                <a:latin typeface="Lucida Sans" panose="020B0602030504020204" pitchFamily="34" charset="0"/>
-              </a:rPr>
-              <a:t>E</a:t>
-            </a:r>
-            <a:r>
-              <a:rPr lang="en-GB" sz="2800" dirty="0" err="1" smtClean="0">
-                <a:latin typeface="Lucida Sans" panose="020B0602030504020204" pitchFamily="34" charset="0"/>
-              </a:rPr>
-              <a:t>num</a:t>
-            </a:r>
-            <a:r>
-              <a:rPr lang="en-GB" sz="2800" dirty="0" smtClean="0">
-                <a:latin typeface="Lucida Sans" panose="020B0602030504020204" pitchFamily="34" charset="0"/>
-              </a:rPr>
-              <a:t>):</a:t>
-            </a:r>
-          </a:p>
-          <a:p>
-            <a:pPr lvl="0"/>
-            <a:r>
-              <a:rPr lang="en-GB" sz="2800" dirty="0">
-                <a:latin typeface="Lucida Sans" panose="020B0602030504020204" pitchFamily="34" charset="0"/>
-              </a:rPr>
-              <a:t>	</a:t>
-            </a:r>
-            <a:r>
-              <a:rPr lang="en-GB" sz="2800" dirty="0" smtClean="0">
-                <a:latin typeface="Lucida Sans" panose="020B0602030504020204" pitchFamily="34" charset="0"/>
-              </a:rPr>
-              <a:t>OFF = auto()</a:t>
-            </a:r>
-          </a:p>
-          <a:p>
-            <a:pPr lvl="0"/>
-            <a:r>
-              <a:rPr lang="en-GB" sz="2800" dirty="0">
-                <a:latin typeface="Lucida Sans" panose="020B0602030504020204" pitchFamily="34" charset="0"/>
-              </a:rPr>
-              <a:t>	</a:t>
-            </a:r>
-            <a:r>
-              <a:rPr lang="en-GB" sz="2800" dirty="0" smtClean="0">
-                <a:latin typeface="Lucida Sans" panose="020B0602030504020204" pitchFamily="34" charset="0"/>
-              </a:rPr>
-              <a:t>LOAD_STATE = auto()</a:t>
-            </a:r>
-          </a:p>
-          <a:p>
-            <a:pPr lvl="0"/>
-            <a:r>
-              <a:rPr lang="en-GB" sz="2800" dirty="0">
-                <a:latin typeface="Lucida Sans" panose="020B0602030504020204" pitchFamily="34" charset="0"/>
-              </a:rPr>
-              <a:t>	</a:t>
-            </a:r>
-            <a:r>
-              <a:rPr lang="en-GB" sz="2800" dirty="0" smtClean="0">
-                <a:latin typeface="Lucida Sans" panose="020B0602030504020204" pitchFamily="34" charset="0"/>
-              </a:rPr>
-              <a:t>CHECK_HOPPERS = auto()</a:t>
-            </a:r>
-          </a:p>
-          <a:p>
-            <a:pPr lvl="0"/>
-            <a:r>
-              <a:rPr lang="en-GB" sz="2800" dirty="0">
-                <a:latin typeface="Lucida Sans" panose="020B0602030504020204" pitchFamily="34" charset="0"/>
-              </a:rPr>
-              <a:t>	</a:t>
-            </a:r>
-            <a:r>
-              <a:rPr lang="en-GB" sz="2800" dirty="0" smtClean="0">
-                <a:latin typeface="Lucida Sans" panose="020B0602030504020204" pitchFamily="34" charset="0"/>
-              </a:rPr>
-              <a:t>READY = auto()</a:t>
-            </a:r>
-          </a:p>
-          <a:p>
-            <a:pPr lvl="0"/>
-            <a:r>
-              <a:rPr lang="en-GB" sz="2800" dirty="0">
-                <a:latin typeface="Lucida Sans" panose="020B0602030504020204" pitchFamily="34" charset="0"/>
-              </a:rPr>
-              <a:t>	</a:t>
-            </a:r>
-            <a:r>
-              <a:rPr lang="en-GB" sz="2800" dirty="0" smtClean="0">
-                <a:latin typeface="Lucida Sans" panose="020B0602030504020204" pitchFamily="34" charset="0"/>
-              </a:rPr>
-              <a:t>GET_SELECTION = auto()</a:t>
-            </a:r>
-          </a:p>
-          <a:p>
-            <a:pPr lvl="0"/>
-            <a:r>
-              <a:rPr lang="en-GB" sz="2800" dirty="0">
-                <a:latin typeface="Lucida Sans" panose="020B0602030504020204" pitchFamily="34" charset="0"/>
-              </a:rPr>
-              <a:t>	</a:t>
-            </a:r>
-            <a:r>
-              <a:rPr lang="en-GB" sz="2800" dirty="0" smtClean="0">
-                <a:latin typeface="Lucida Sans" panose="020B0602030504020204" pitchFamily="34" charset="0"/>
-              </a:rPr>
-              <a:t>….</a:t>
-            </a:r>
-          </a:p>
-          <a:p>
-            <a:pPr lvl="0"/>
-            <a:r>
-              <a:rPr lang="en-GB" sz="2800" dirty="0">
-                <a:latin typeface="Lucida Sans" panose="020B0602030504020204" pitchFamily="34" charset="0"/>
-              </a:rPr>
-              <a:t>	</a:t>
-            </a:r>
-            <a:endParaRPr lang="en-GB" sz="2800" dirty="0" smtClean="0">
-              <a:latin typeface="Lucida Sans" panose="020B0602030504020204" pitchFamily="34" charset="0"/>
-            </a:endParaRPr>
-          </a:p>
-          <a:p>
-            <a:pPr lvl="0"/>
-            <a:endParaRPr lang="en-GB" sz="2800" dirty="0">
-              <a:latin typeface="Lucida Sans" panose="020B0602030504020204" pitchFamily="34" charset="0"/>
-            </a:endParaRPr>
-          </a:p>
-        </p:txBody>
-      </p:sp>
-    </p:spTree>
-    <p:extLst>
-      <p:ext uri="{BB962C8B-B14F-4D97-AF65-F5344CB8AC3E}">
-        <p14:creationId xmlns:p14="http://schemas.microsoft.com/office/powerpoint/2010/main" val="2671331377"/>
-      </p:ext>
-    </p:extLst>
-  </p:cSld>
-  <p:clrMapOvr>
-    <a:masterClrMapping/>
-  </p:clrMapOvr>
-  <p:timing>
-    <p:tnLst>
-      <p:par>
-        <p:cTn id="1" dur="indefinite" restart="never" nodeType="tmRoot"/>
-      </p:par>
-    </p:tnLst>
-  </p:timing>
-</p:sld>
-</file>
-
-<file path=ppt/slides/slide14.xml><?xml version="1.0" encoding="utf-8"?>
-<p:sld xmlns:a="http://schemas.openxmlformats.org/drawingml/2006/main" xmlns:r="http://schemas.openxmlformats.org/officeDocument/2006/relationships" xmlns:p="http://schemas.openxmlformats.org/presentationml/2006/main">
-  <p:cSld>
-    <p:spTree>
-      <p:nvGrpSpPr>
-        <p:cNvPr id="1" name=""/>
-        <p:cNvGrpSpPr/>
-        <p:nvPr/>
-      </p:nvGrpSpPr>
-      <p:grpSpPr>
-        <a:xfrm>
-          <a:off x="0" y="0"/>
-          <a:ext cx="0" cy="0"/>
-          <a:chOff x="0" y="0"/>
-          <a:chExt cx="0" cy="0"/>
-        </a:xfrm>
-      </p:grpSpPr>
-      <p:sp>
-        <p:nvSpPr>
-          <p:cNvPr id="2" name="Title 1"/>
-          <p:cNvSpPr>
-            <a:spLocks noGrp="1"/>
-          </p:cNvSpPr>
-          <p:nvPr>
-            <p:ph type="title"/>
-          </p:nvPr>
-        </p:nvSpPr>
-        <p:spPr>
-          <a:xfrm>
-            <a:off x="251586" y="244158"/>
-            <a:ext cx="8637831" cy="1339850"/>
-          </a:xfrm>
-        </p:spPr>
-        <p:txBody>
-          <a:bodyPr anchor="t"/>
-          <a:lstStyle/>
-          <a:p>
-            <a:pPr algn="l"/>
-            <a:r>
-              <a:rPr lang="en-US" smtClean="0"/>
-              <a:t>match</a:t>
-            </a:r>
-            <a:endParaRPr lang="en-US" dirty="0"/>
-          </a:p>
-        </p:txBody>
-      </p:sp>
-      <p:sp>
-        <p:nvSpPr>
-          <p:cNvPr id="5" name="Rectangle 4"/>
-          <p:cNvSpPr/>
-          <p:nvPr/>
-        </p:nvSpPr>
-        <p:spPr>
-          <a:xfrm>
-            <a:off x="251586" y="2511201"/>
-            <a:ext cx="8337873" cy="3108543"/>
-          </a:xfrm>
-          <a:prstGeom prst="rect">
-            <a:avLst/>
-          </a:prstGeom>
-        </p:spPr>
-        <p:txBody>
-          <a:bodyPr wrap="square">
-            <a:spAutoFit/>
-          </a:bodyPr>
-          <a:lstStyle/>
-          <a:p>
-            <a:pPr lvl="0"/>
-            <a:r>
-              <a:rPr lang="en-GB" sz="2800" smtClean="0">
-                <a:latin typeface="Lucida Sans" panose="020B0602030504020204" pitchFamily="34" charset="0"/>
-              </a:rPr>
-              <a:t>def state_machine(currentState):</a:t>
-            </a:r>
-            <a:endParaRPr lang="en-GB" sz="2800" dirty="0" smtClean="0">
-              <a:latin typeface="Lucida Sans" panose="020B0602030504020204" pitchFamily="34" charset="0"/>
-            </a:endParaRPr>
-          </a:p>
-          <a:p>
-            <a:pPr lvl="0"/>
-            <a:r>
-              <a:rPr lang="en-GB" sz="2800">
-                <a:latin typeface="Lucida Sans" panose="020B0602030504020204" pitchFamily="34" charset="0"/>
-              </a:rPr>
-              <a:t>	</a:t>
-            </a:r>
-            <a:r>
-              <a:rPr lang="en-GB" sz="2800" b="1" smtClean="0">
-                <a:solidFill>
-                  <a:srgbClr val="FF0000"/>
-                </a:solidFill>
-                <a:latin typeface="Lucida Sans" panose="020B0602030504020204" pitchFamily="34" charset="0"/>
-              </a:rPr>
-              <a:t>match</a:t>
-            </a:r>
-            <a:r>
-              <a:rPr lang="en-GB" sz="2800" smtClean="0">
-                <a:latin typeface="Lucida Sans" panose="020B0602030504020204" pitchFamily="34" charset="0"/>
-              </a:rPr>
-              <a:t> currentState:</a:t>
-            </a:r>
-          </a:p>
-          <a:p>
-            <a:pPr lvl="0"/>
-            <a:r>
-              <a:rPr lang="en-GB" sz="2800">
-                <a:latin typeface="Lucida Sans" panose="020B0602030504020204" pitchFamily="34" charset="0"/>
-              </a:rPr>
-              <a:t>	</a:t>
-            </a:r>
-            <a:r>
-              <a:rPr lang="en-GB" sz="2800" smtClean="0">
-                <a:latin typeface="Lucida Sans" panose="020B0602030504020204" pitchFamily="34" charset="0"/>
-              </a:rPr>
-              <a:t>	</a:t>
-            </a:r>
-            <a:r>
-              <a:rPr lang="en-GB" sz="2800" b="1" smtClean="0">
-                <a:solidFill>
-                  <a:srgbClr val="FF0000"/>
-                </a:solidFill>
-                <a:latin typeface="Lucida Sans" panose="020B0602030504020204" pitchFamily="34" charset="0"/>
-              </a:rPr>
-              <a:t>case</a:t>
-            </a:r>
-            <a:r>
-              <a:rPr lang="en-GB" sz="2800" smtClean="0">
-                <a:latin typeface="Lucida Sans" panose="020B0602030504020204" pitchFamily="34" charset="0"/>
-              </a:rPr>
-              <a:t> state.OFF:</a:t>
-            </a:r>
-          </a:p>
-          <a:p>
-            <a:pPr lvl="0"/>
-            <a:r>
-              <a:rPr lang="en-GB" sz="2800">
-                <a:latin typeface="Lucida Sans" panose="020B0602030504020204" pitchFamily="34" charset="0"/>
-              </a:rPr>
-              <a:t>	</a:t>
-            </a:r>
-            <a:r>
-              <a:rPr lang="en-GB" sz="2800" smtClean="0">
-                <a:latin typeface="Lucida Sans" panose="020B0602030504020204" pitchFamily="34" charset="0"/>
-              </a:rPr>
-              <a:t>	</a:t>
-            </a:r>
-            <a:r>
-              <a:rPr lang="en-GB" sz="2800" b="1" smtClean="0">
-                <a:solidFill>
-                  <a:srgbClr val="FF0000"/>
-                </a:solidFill>
-                <a:latin typeface="Lucida Sans" panose="020B0602030504020204" pitchFamily="34" charset="0"/>
-              </a:rPr>
-              <a:t>case</a:t>
-            </a:r>
-            <a:r>
-              <a:rPr lang="en-GB" sz="2800" smtClean="0">
-                <a:latin typeface="Lucida Sans" panose="020B0602030504020204" pitchFamily="34" charset="0"/>
-              </a:rPr>
-              <a:t> state.</a:t>
-            </a:r>
-            <a:r>
-              <a:rPr lang="en-GB" sz="2800">
-                <a:latin typeface="Lucida Sans" panose="020B0602030504020204" pitchFamily="34" charset="0"/>
-              </a:rPr>
-              <a:t>	</a:t>
-            </a:r>
-            <a:r>
-              <a:rPr lang="en-GB" sz="2800" smtClean="0">
-                <a:latin typeface="Lucida Sans" panose="020B0602030504020204" pitchFamily="34" charset="0"/>
-              </a:rPr>
-              <a:t>CHECK_HOPPERS:</a:t>
-            </a:r>
-          </a:p>
-          <a:p>
-            <a:pPr lvl="0"/>
-            <a:r>
-              <a:rPr lang="en-GB" sz="2800" dirty="0">
-                <a:latin typeface="Lucida Sans" panose="020B0602030504020204" pitchFamily="34" charset="0"/>
-              </a:rPr>
-              <a:t>	</a:t>
-            </a:r>
-            <a:r>
-              <a:rPr lang="en-GB" sz="2800" dirty="0" smtClean="0">
-                <a:latin typeface="Lucida Sans" panose="020B0602030504020204" pitchFamily="34" charset="0"/>
-              </a:rPr>
-              <a:t>….</a:t>
-            </a:r>
-          </a:p>
-          <a:p>
-            <a:pPr lvl="0"/>
-            <a:r>
-              <a:rPr lang="en-GB" sz="2800" dirty="0">
-                <a:latin typeface="Lucida Sans" panose="020B0602030504020204" pitchFamily="34" charset="0"/>
-              </a:rPr>
-              <a:t>	</a:t>
-            </a:r>
-            <a:endParaRPr lang="en-GB" sz="2800" dirty="0" smtClean="0">
-              <a:latin typeface="Lucida Sans" panose="020B0602030504020204" pitchFamily="34" charset="0"/>
-            </a:endParaRPr>
-          </a:p>
-          <a:p>
-            <a:pPr lvl="0"/>
-            <a:endParaRPr lang="en-GB" sz="2800" dirty="0">
-              <a:latin typeface="Lucida Sans" panose="020B0602030504020204" pitchFamily="34" charset="0"/>
-            </a:endParaRPr>
-          </a:p>
-        </p:txBody>
-      </p:sp>
-    </p:spTree>
-    <p:extLst>
-      <p:ext uri="{BB962C8B-B14F-4D97-AF65-F5344CB8AC3E}">
-        <p14:creationId xmlns:p14="http://schemas.microsoft.com/office/powerpoint/2010/main" val="3085796892"/>
-      </p:ext>
-    </p:extLst>
-  </p:cSld>
-  <p:clrMapOvr>
-    <a:masterClrMapping/>
-  </p:clrMapOvr>
-  <p:timing>
-    <p:tnLst>
-      <p:par>
-        <p:cTn id="1" dur="indefinite" restart="never" nodeType="tmRoot"/>
-      </p:par>
-    </p:tnLst>
-  </p:timing>
-</p:sld>
-</file>
-
-<file path=ppt/slides/slide15.xml><?xml version="1.0" encoding="utf-8"?>
-<p:sld xmlns:a="http://schemas.openxmlformats.org/drawingml/2006/main" xmlns:r="http://schemas.openxmlformats.org/officeDocument/2006/relationships" xmlns:p="http://schemas.openxmlformats.org/presentationml/2006/main">
-  <p:cSld>
-    <p:spTree>
-      <p:nvGrpSpPr>
-        <p:cNvPr id="1" name=""/>
-        <p:cNvGrpSpPr/>
-        <p:nvPr/>
-      </p:nvGrpSpPr>
-      <p:grpSpPr>
-        <a:xfrm>
-          <a:off x="0" y="0"/>
-          <a:ext cx="0" cy="0"/>
-          <a:chOff x="0" y="0"/>
-          <a:chExt cx="0" cy="0"/>
-        </a:xfrm>
-      </p:grpSpPr>
-      <p:sp>
-        <p:nvSpPr>
-          <p:cNvPr id="2" name="Title 1"/>
-          <p:cNvSpPr>
-            <a:spLocks noGrp="1"/>
-          </p:cNvSpPr>
-          <p:nvPr>
-            <p:ph type="title"/>
-          </p:nvPr>
-        </p:nvSpPr>
-        <p:spPr>
-          <a:xfrm>
-            <a:off x="251586" y="244158"/>
-            <a:ext cx="8637831" cy="1339850"/>
-          </a:xfrm>
-        </p:spPr>
-        <p:txBody>
-          <a:bodyPr anchor="t"/>
-          <a:lstStyle/>
-          <a:p>
-            <a:pPr algn="l"/>
-            <a:r>
-              <a:rPr lang="en-US" dirty="0" smtClean="0"/>
-              <a:t>State Machine</a:t>
-            </a:r>
-            <a:endParaRPr lang="en-US" dirty="0"/>
-          </a:p>
-        </p:txBody>
-      </p:sp>
-      <p:sp>
-        <p:nvSpPr>
-          <p:cNvPr id="4" name="Rectangle 3"/>
-          <p:cNvSpPr/>
-          <p:nvPr/>
-        </p:nvSpPr>
-        <p:spPr>
-          <a:xfrm>
-            <a:off x="508000" y="2825826"/>
-            <a:ext cx="8105645" cy="3416320"/>
-          </a:xfrm>
-          <a:prstGeom prst="rect">
-            <a:avLst/>
-          </a:prstGeom>
-        </p:spPr>
-        <p:txBody>
-          <a:bodyPr wrap="square">
-            <a:spAutoFit/>
-          </a:bodyPr>
-          <a:lstStyle/>
-          <a:p>
-            <a:pPr marL="342900" indent="-342900">
-              <a:buFont typeface="Arial" panose="020B0604020202020204" pitchFamily="34" charset="0"/>
-              <a:buChar char="•"/>
-            </a:pPr>
-            <a:r>
-              <a:rPr lang="en-US" sz="2400" dirty="0" smtClean="0">
-                <a:latin typeface="Lucida Sans" panose="020B0602030504020204" pitchFamily="34" charset="0"/>
-              </a:rPr>
-              <a:t>In </a:t>
-            </a:r>
-            <a:r>
-              <a:rPr lang="en-US" sz="2400" dirty="0" err="1" smtClean="0">
-                <a:latin typeface="Lucida Sans" panose="020B0602030504020204" pitchFamily="34" charset="0"/>
-              </a:rPr>
-              <a:t>Coffee_machine</a:t>
-            </a:r>
-            <a:r>
-              <a:rPr lang="en-US" sz="2400" dirty="0" smtClean="0">
-                <a:latin typeface="Lucida Sans" panose="020B0602030504020204" pitchFamily="34" charset="0"/>
-              </a:rPr>
-              <a:t> folder</a:t>
-            </a:r>
-          </a:p>
-          <a:p>
-            <a:pPr marL="800100" lvl="1" indent="-342900">
-              <a:buFont typeface="Arial" panose="020B0604020202020204" pitchFamily="34" charset="0"/>
-              <a:buChar char="•"/>
-            </a:pPr>
-            <a:r>
-              <a:rPr lang="en-US" sz="2400" dirty="0" smtClean="0">
-                <a:latin typeface="Lucida Sans" panose="020B0602030504020204" pitchFamily="34" charset="0"/>
-              </a:rPr>
-              <a:t>state_machine.py</a:t>
-            </a:r>
-          </a:p>
-          <a:p>
-            <a:pPr marL="1257300" lvl="2" indent="-342900">
-              <a:buFont typeface="Arial" panose="020B0604020202020204" pitchFamily="34" charset="0"/>
-              <a:buChar char="•"/>
-            </a:pPr>
-            <a:r>
-              <a:rPr lang="en-US" sz="2400" dirty="0" err="1" smtClean="0">
-                <a:latin typeface="Lucida Sans" panose="020B0602030504020204" pitchFamily="34" charset="0"/>
-              </a:rPr>
-              <a:t>Enum</a:t>
-            </a:r>
-            <a:r>
-              <a:rPr lang="en-US" sz="2400" dirty="0" smtClean="0">
-                <a:latin typeface="Lucida Sans" panose="020B0602030504020204" pitchFamily="34" charset="0"/>
-              </a:rPr>
-              <a:t> for machine-states</a:t>
-            </a:r>
-          </a:p>
-          <a:p>
-            <a:pPr marL="1257300" lvl="2" indent="-342900">
-              <a:buFont typeface="Arial" panose="020B0604020202020204" pitchFamily="34" charset="0"/>
-              <a:buChar char="•"/>
-            </a:pPr>
-            <a:endParaRPr lang="en-US" sz="2400" dirty="0" smtClean="0">
-              <a:latin typeface="Lucida Sans" panose="020B0602030504020204" pitchFamily="34" charset="0"/>
-            </a:endParaRPr>
-          </a:p>
-          <a:p>
-            <a:pPr marL="1257300" lvl="2" indent="-342900">
-              <a:buFont typeface="Arial" panose="020B0604020202020204" pitchFamily="34" charset="0"/>
-              <a:buChar char="•"/>
-            </a:pPr>
-            <a:r>
-              <a:rPr lang="en-US" sz="2400" dirty="0" err="1" smtClean="0">
-                <a:latin typeface="Lucida Sans" panose="020B0602030504020204" pitchFamily="34" charset="0"/>
-              </a:rPr>
-              <a:t>def</a:t>
-            </a:r>
-            <a:r>
-              <a:rPr lang="en-US" sz="2400" dirty="0" smtClean="0">
-                <a:latin typeface="Lucida Sans" panose="020B0602030504020204" pitchFamily="34" charset="0"/>
-              </a:rPr>
-              <a:t> </a:t>
-            </a:r>
-            <a:r>
-              <a:rPr lang="en-US" sz="2400" dirty="0" err="1" smtClean="0">
-                <a:latin typeface="Lucida Sans" panose="020B0602030504020204" pitchFamily="34" charset="0"/>
-              </a:rPr>
-              <a:t>state_machine</a:t>
-            </a:r>
-            <a:r>
-              <a:rPr lang="en-US" sz="2400" dirty="0" smtClean="0">
-                <a:latin typeface="Lucida Sans" panose="020B0602030504020204" pitchFamily="34" charset="0"/>
-              </a:rPr>
-              <a:t>(state):</a:t>
-            </a:r>
-            <a:endParaRPr lang="en-US" sz="2400" dirty="0">
-              <a:latin typeface="Lucida Sans" panose="020B0602030504020204" pitchFamily="34" charset="0"/>
-            </a:endParaRPr>
-          </a:p>
-          <a:p>
-            <a:pPr marL="1714500" lvl="3" indent="-342900">
-              <a:buFont typeface="Arial" panose="020B0604020202020204" pitchFamily="34" charset="0"/>
-              <a:buChar char="•"/>
-            </a:pPr>
-            <a:r>
-              <a:rPr lang="en-GB" sz="2400" dirty="0">
-                <a:latin typeface="Lucida Sans" panose="020B0602030504020204" pitchFamily="34" charset="0"/>
-              </a:rPr>
-              <a:t>Use match to call functions for each state</a:t>
-            </a:r>
-          </a:p>
-          <a:p>
-            <a:pPr marL="1714500" lvl="3" indent="-342900">
-              <a:buFont typeface="Arial" panose="020B0604020202020204" pitchFamily="34" charset="0"/>
-              <a:buChar char="•"/>
-            </a:pPr>
-            <a:r>
-              <a:rPr lang="en-GB" sz="2400" dirty="0" smtClean="0">
-                <a:latin typeface="Lucida Sans" panose="020B0602030504020204" pitchFamily="34" charset="0"/>
-              </a:rPr>
-              <a:t>The </a:t>
-            </a:r>
-            <a:r>
-              <a:rPr lang="en-GB" sz="2400" dirty="0">
-                <a:latin typeface="Lucida Sans" panose="020B0602030504020204" pitchFamily="34" charset="0"/>
-              </a:rPr>
-              <a:t>functions should return the new state</a:t>
-            </a:r>
-          </a:p>
-          <a:p>
-            <a:pPr marL="1257300" lvl="2" indent="-342900">
-              <a:buFont typeface="Arial" panose="020B0604020202020204" pitchFamily="34" charset="0"/>
-              <a:buChar char="•"/>
-            </a:pPr>
-            <a:endParaRPr lang="en-US" sz="2400" dirty="0" smtClean="0">
-              <a:latin typeface="Lucida Sans" panose="020B0602030504020204" pitchFamily="34" charset="0"/>
-            </a:endParaRPr>
-          </a:p>
-        </p:txBody>
-      </p:sp>
-    </p:spTree>
-    <p:extLst>
-      <p:ext uri="{BB962C8B-B14F-4D97-AF65-F5344CB8AC3E}">
-        <p14:creationId xmlns:p14="http://schemas.microsoft.com/office/powerpoint/2010/main" val="288456378"/>
-      </p:ext>
-    </p:extLst>
-  </p:cSld>
-  <p:clrMapOvr>
-    <a:masterClrMapping/>
-  </p:clrMapOvr>
-  <p:timing>
-    <p:tnLst>
-      <p:par>
-        <p:cTn id="1" dur="indefinite" restart="never" nodeType="tmRoot"/>
-      </p:par>
-    </p:tnLst>
-  </p:timing>
-</p:sld>
-</file>
-
-<file path=ppt/slides/slide16.xml><?xml version="1.0" encoding="utf-8"?>
-<p:sld xmlns:a="http://schemas.openxmlformats.org/drawingml/2006/main" xmlns:r="http://schemas.openxmlformats.org/officeDocument/2006/relationships" xmlns:p="http://schemas.openxmlformats.org/presentationml/2006/main">
-  <p:cSld>
-    <p:spTree>
-      <p:nvGrpSpPr>
-        <p:cNvPr id="1" name=""/>
-        <p:cNvGrpSpPr/>
-        <p:nvPr/>
-      </p:nvGrpSpPr>
-      <p:grpSpPr>
-        <a:xfrm>
-          <a:off x="0" y="0"/>
-          <a:ext cx="0" cy="0"/>
-          <a:chOff x="0" y="0"/>
-          <a:chExt cx="0" cy="0"/>
-        </a:xfrm>
-      </p:grpSpPr>
-      <p:sp>
-        <p:nvSpPr>
-          <p:cNvPr id="2" name="Title 1"/>
-          <p:cNvSpPr>
-            <a:spLocks noGrp="1"/>
-          </p:cNvSpPr>
-          <p:nvPr>
-            <p:ph type="title"/>
-          </p:nvPr>
-        </p:nvSpPr>
-        <p:spPr>
-          <a:xfrm>
-            <a:off x="251586" y="244158"/>
-            <a:ext cx="8637831" cy="1339850"/>
-          </a:xfrm>
-        </p:spPr>
-        <p:txBody>
-          <a:bodyPr anchor="t"/>
-          <a:lstStyle/>
-          <a:p>
-            <a:pPr algn="l"/>
-            <a:r>
               <a:rPr lang="en-US" dirty="0" smtClean="0"/>
               <a:t>import</a:t>
             </a:r>
@@ -17784,7 +17056,7 @@
           <a:p>
             <a:pPr lvl="0"/>
             <a:r>
-              <a:rPr lang="en-GB" sz="2800" smtClean="0">
+              <a:rPr lang="en-GB" sz="2800" dirty="0" smtClean="0">
                 <a:latin typeface="Lucida Sans" panose="020B0602030504020204" pitchFamily="34" charset="0"/>
               </a:rPr>
               <a:t>In state_machine.py</a:t>
@@ -17796,7 +17068,7 @@
               <a:buChar char="•"/>
             </a:pPr>
             <a:r>
-              <a:rPr lang="en-GB" sz="2800" smtClean="0">
+              <a:rPr lang="en-GB" sz="2800" dirty="0" smtClean="0">
                 <a:latin typeface="Lucida Sans" panose="020B0602030504020204" pitchFamily="34" charset="0"/>
               </a:rPr>
               <a:t>To call functions in other folders</a:t>
@@ -17805,7 +17077,7 @@
           <a:p>
             <a:pPr lvl="0"/>
             <a:r>
-              <a:rPr lang="en-GB" sz="2800" smtClean="0">
+              <a:rPr lang="en-GB" sz="2800" dirty="0" smtClean="0">
                 <a:latin typeface="Lucida Sans" panose="020B0602030504020204" pitchFamily="34" charset="0"/>
               </a:rPr>
               <a:t>		</a:t>
@@ -17814,35 +17086,56 @@
           <a:p>
             <a:pPr lvl="0"/>
             <a:r>
-              <a:rPr lang="en-GB" sz="2800">
+              <a:rPr lang="en-GB" sz="2800" dirty="0">
                 <a:latin typeface="Lucida Sans" panose="020B0602030504020204" pitchFamily="34" charset="0"/>
               </a:rPr>
               <a:t>	</a:t>
             </a:r>
             <a:r>
-              <a:rPr lang="en-GB" sz="2800" smtClean="0">
+              <a:rPr lang="en-GB" sz="2800" dirty="0" smtClean="0">
                 <a:latin typeface="Lucida Sans" panose="020B0602030504020204" pitchFamily="34" charset="0"/>
               </a:rPr>
-              <a:t>from subFolder.myFile import *</a:t>
+              <a:t>from </a:t>
+            </a:r>
+            <a:r>
+              <a:rPr lang="en-GB" sz="2800" dirty="0" err="1" smtClean="0">
+                <a:latin typeface="Lucida Sans" panose="020B0602030504020204" pitchFamily="34" charset="0"/>
+              </a:rPr>
+              <a:t>subFolder.myFile</a:t>
+            </a:r>
+            <a:r>
+              <a:rPr lang="en-GB" sz="2800" dirty="0" smtClean="0">
+                <a:latin typeface="Lucida Sans" panose="020B0602030504020204" pitchFamily="34" charset="0"/>
+              </a:rPr>
+              <a:t> import *</a:t>
             </a:r>
           </a:p>
           <a:p>
             <a:pPr lvl="0"/>
             <a:r>
-              <a:rPr lang="en-GB" sz="2800">
+              <a:rPr lang="en-GB" sz="2800" dirty="0">
                 <a:latin typeface="Lucida Sans" panose="020B0602030504020204" pitchFamily="34" charset="0"/>
               </a:rPr>
               <a:t>	</a:t>
             </a:r>
             <a:r>
-              <a:rPr lang="en-GB" sz="2800" smtClean="0">
+              <a:rPr lang="en-GB" sz="2800" dirty="0" smtClean="0">
                 <a:latin typeface="Lucida Sans" panose="020B0602030504020204" pitchFamily="34" charset="0"/>
               </a:rPr>
-              <a:t>from .siblingFile import *</a:t>
-            </a:r>
-            <a:endParaRPr lang="en-GB" sz="2800" dirty="0" smtClean="0">
-              <a:latin typeface="Lucida Sans" panose="020B0602030504020204" pitchFamily="34" charset="0"/>
-            </a:endParaRPr>
+              <a:t>from .</a:t>
+            </a:r>
+            <a:r>
+              <a:rPr lang="en-GB" sz="2800" dirty="0" err="1" smtClean="0">
+                <a:latin typeface="Lucida Sans" panose="020B0602030504020204" pitchFamily="34" charset="0"/>
+              </a:rPr>
+              <a:t>siblingFile</a:t>
+            </a:r>
+            <a:r>
+              <a:rPr lang="en-GB" sz="2800" dirty="0" smtClean="0">
+                <a:latin typeface="Lucida Sans" panose="020B0602030504020204" pitchFamily="34" charset="0"/>
+              </a:rPr>
+              <a:t> import *</a:t>
+            </a:r>
           </a:p>
           <a:p>
             <a:pPr lvl="0"/>
@@ -18567,19 +17860,7 @@
               <a:rPr lang="en-US" sz="3600" smtClean="0">
                 <a:latin typeface="Lucida Sans" panose="020B0602030504020204" pitchFamily="34" charset="0"/>
               </a:rPr>
-              <a:t>trimmed </a:t>
-            </a:r>
-            <a:r>
-              <a:rPr lang="en-US" sz="3600" smtClean="0">
-                <a:latin typeface="Lucida Sans" panose="020B0602030504020204" pitchFamily="34" charset="0"/>
-              </a:rPr>
-              <a:t>= </a:t>
-            </a:r>
-            <a:r>
-              <a:rPr lang="en-US" sz="3600" smtClean="0">
-                <a:latin typeface="Lucida Sans" panose="020B0602030504020204" pitchFamily="34" charset="0"/>
-              </a:rPr>
-              <a:t>reply.strip()</a:t>
+              <a:t>trimmed = reply.strip()</a:t>
             </a:r>
           </a:p>
           <a:p>
@@ -18886,7 +18167,7 @@
           <a:p>
             <a:pPr lvl="0"/>
             <a:r>
-              <a:rPr lang="en-US" sz="3600" smtClean="0">
+              <a:rPr lang="en-US" sz="3600" dirty="0" smtClean="0">
                 <a:latin typeface="Lucida Sans" panose="020B0602030504020204" pitchFamily="34" charset="0"/>
               </a:rPr>
               <a:t>colon :</a:t>
@@ -18895,7 +18176,7 @@
           <a:p>
             <a:pPr lvl="0"/>
             <a:r>
-              <a:rPr lang="en-US" sz="3600" smtClean="0">
+              <a:rPr lang="en-US" sz="3600" dirty="0" smtClean="0">
                 <a:latin typeface="Lucida Sans" panose="020B0602030504020204" pitchFamily="34" charset="0"/>
               </a:rPr>
               <a:t>   indent</a:t>
@@ -18904,13 +18185,13 @@
           <a:p>
             <a:pPr lvl="0"/>
             <a:r>
-              <a:rPr lang="en-US" sz="3600">
+              <a:rPr lang="en-US" sz="3600" dirty="0">
                 <a:latin typeface="Lucida Sans" panose="020B0602030504020204" pitchFamily="34" charset="0"/>
               </a:rPr>
               <a:t> </a:t>
             </a:r>
             <a:r>
-              <a:rPr lang="en-US" sz="3600" smtClean="0">
+              <a:rPr lang="en-US" sz="3600" dirty="0" smtClean="0">
                 <a:latin typeface="Lucida Sans" panose="020B0602030504020204" pitchFamily="34" charset="0"/>
               </a:rPr>
               <a:t>  same indent</a:t>
@@ -18918,54 +18199,144 @@
           </a:p>
           <a:p>
             <a:pPr lvl="0"/>
-            <a:endParaRPr lang="en-US">
+            <a:endParaRPr lang="en-US" dirty="0">
               <a:latin typeface="Lucida Sans" panose="020B0602030504020204" pitchFamily="34" charset="0"/>
             </a:endParaRPr>
           </a:p>
           <a:p>
             <a:pPr lvl="0"/>
             <a:r>
-              <a:rPr lang="en-US" sz="3600" smtClean="0">
+              <a:rPr lang="en-US" sz="3600" dirty="0" smtClean="0">
                 <a:latin typeface="Lucida Sans" panose="020B0602030504020204" pitchFamily="34" charset="0"/>
               </a:rPr>
-              <a:t>result = functionCall(argA, argB)</a:t>
+              <a:t>result = </a:t>
+            </a:r>
+            <a:r>
+              <a:rPr lang="en-US" sz="3600" dirty="0" err="1" smtClean="0">
+                <a:latin typeface="Lucida Sans" panose="020B0602030504020204" pitchFamily="34" charset="0"/>
+              </a:rPr>
+              <a:t>functionCall</a:t>
+            </a:r>
+            <a:r>
+              <a:rPr lang="en-US" sz="3600" dirty="0" smtClean="0">
+                <a:latin typeface="Lucida Sans" panose="020B0602030504020204" pitchFamily="34" charset="0"/>
+              </a:rPr>
+              <a:t>(</a:t>
+            </a:r>
+            <a:r>
+              <a:rPr lang="en-US" sz="3600" dirty="0" err="1" smtClean="0">
+                <a:latin typeface="Lucida Sans" panose="020B0602030504020204" pitchFamily="34" charset="0"/>
+              </a:rPr>
+              <a:t>argA</a:t>
+            </a:r>
+            <a:r>
+              <a:rPr lang="en-US" sz="3600" dirty="0" smtClean="0">
+                <a:latin typeface="Lucida Sans" panose="020B0602030504020204" pitchFamily="34" charset="0"/>
+              </a:rPr>
+              <a:t>, </a:t>
+            </a:r>
+            <a:r>
+              <a:rPr lang="en-US" sz="3600" dirty="0" err="1" smtClean="0">
+                <a:latin typeface="Lucida Sans" panose="020B0602030504020204" pitchFamily="34" charset="0"/>
+              </a:rPr>
+              <a:t>argB</a:t>
+            </a:r>
+            <a:r>
+              <a:rPr lang="en-US" sz="3600" dirty="0" smtClean="0">
+                <a:latin typeface="Lucida Sans" panose="020B0602030504020204" pitchFamily="34" charset="0"/>
+              </a:rPr>
+              <a:t>)</a:t>
             </a:r>
           </a:p>
           <a:p>
             <a:pPr lvl="0"/>
-            <a:endParaRPr lang="en-US" smtClean="0">
+            <a:endParaRPr lang="en-US" dirty="0" smtClean="0">
               <a:latin typeface="Lucida Sans" panose="020B0602030504020204" pitchFamily="34" charset="0"/>
             </a:endParaRPr>
           </a:p>
           <a:p>
             <a:pPr lvl="0"/>
             <a:r>
-              <a:rPr lang="en-US" sz="3600" smtClean="0">
+              <a:rPr lang="en-US" sz="3600" dirty="0" smtClean="0">
                 <a:latin typeface="Lucida Sans" panose="020B0602030504020204" pitchFamily="34" charset="0"/>
               </a:rPr>
-              <a:t>=,==</a:t>
-            </a:r>
-          </a:p>
-          <a:p>
-            <a:pPr lvl="0"/>
-            <a:r>
-              <a:rPr lang="en-US" sz="3600" smtClean="0">
+              <a:t>=,==, </a:t>
+            </a:r>
+            <a:r>
+              <a:rPr lang="en-US" sz="3600" b="1" dirty="0" smtClean="0">
+                <a:solidFill>
+                  <a:srgbClr val="FF0000"/>
+                </a:solidFill>
                 <a:latin typeface="Lucida Sans" panose="020B0602030504020204" pitchFamily="34" charset="0"/>
               </a:rPr>
-              <a:t>+=</a:t>
-            </a:r>
-            <a:endParaRPr lang="en-US" sz="3600">
+              <a:t>T</a:t>
+            </a:r>
+            <a:r>
+              <a:rPr lang="en-US" sz="3600" dirty="0" smtClean="0">
+                <a:latin typeface="Lucida Sans" panose="020B0602030504020204" pitchFamily="34" charset="0"/>
+              </a:rPr>
+              <a:t>rue, </a:t>
+            </a:r>
+            <a:r>
+              <a:rPr lang="en-US" sz="3600" b="1" dirty="0" smtClean="0">
+                <a:solidFill>
+                  <a:srgbClr val="FF0000"/>
+                </a:solidFill>
+                <a:latin typeface="Lucida Sans" panose="020B0602030504020204" pitchFamily="34" charset="0"/>
+              </a:rPr>
+              <a:t>F</a:t>
+            </a:r>
+            <a:r>
+              <a:rPr lang="en-US" sz="3600" dirty="0" smtClean="0">
+                <a:latin typeface="Lucida Sans" panose="020B0602030504020204" pitchFamily="34" charset="0"/>
+              </a:rPr>
+              <a:t>alse, </a:t>
+            </a:r>
+            <a:r>
+              <a:rPr lang="en-US" sz="3600" b="1" dirty="0" smtClean="0">
+                <a:solidFill>
+                  <a:srgbClr val="FF0000"/>
+                </a:solidFill>
+                <a:latin typeface="Lucida Sans" panose="020B0602030504020204" pitchFamily="34" charset="0"/>
+              </a:rPr>
+              <a:t>N</a:t>
+            </a:r>
+            <a:r>
+              <a:rPr lang="en-US" sz="3600" dirty="0" smtClean="0">
+                <a:latin typeface="Lucida Sans" panose="020B0602030504020204" pitchFamily="34" charset="0"/>
+              </a:rPr>
+              <a:t>one</a:t>
+            </a:r>
+            <a:endParaRPr lang="en-US" sz="3600" dirty="0" smtClean="0">
               <a:latin typeface="Lucida Sans" panose="020B0602030504020204" pitchFamily="34" charset="0"/>
             </a:endParaRPr>
           </a:p>
           <a:p>
-            <a:r>
-              <a:rPr lang="en-GB" sz="3600" smtClean="0">
+            <a:pPr lvl="0"/>
+            <a:r>
+              <a:rPr lang="en-US" sz="3600" dirty="0" smtClean="0">
+                <a:latin typeface="Lucida Sans" panose="020B0602030504020204" pitchFamily="34" charset="0"/>
+              </a:rPr>
+              <a:t>+=, 	</a:t>
+            </a:r>
+            <a:r>
+              <a:rPr lang="en-US" sz="3200" dirty="0" smtClean="0">
+                <a:latin typeface="Lucida Sans" panose="020B0602030504020204" pitchFamily="34" charset="0"/>
+              </a:rPr>
+              <a:t>(Note: no ++)</a:t>
+            </a:r>
+            <a:endParaRPr lang="en-US" sz="3200" dirty="0">
+              <a:latin typeface="Lucida Sans" panose="020B0602030504020204" pitchFamily="34" charset="0"/>
+            </a:endParaRPr>
+          </a:p>
+          <a:p>
+            <a:r>
+              <a:rPr lang="en-GB" sz="3600" dirty="0" smtClean="0">
                 <a:latin typeface="Lucida Sans" panose="020B0602030504020204" pitchFamily="34" charset="0"/>
               </a:rPr>
               <a:t>and / or / not</a:t>
             </a:r>
-            <a:endParaRPr lang="en-GB" sz="3600">
+            <a:endParaRPr lang="en-GB" sz="3600" dirty="0">
               <a:latin typeface="Lucida Sans" panose="020B0602030504020204" pitchFamily="34" charset="0"/>
             </a:endParaRPr>
           </a:p>
